--- a/source/lessons/lsn24-25/Lsn24-25.pptx
+++ b/source/lessons/lsn24-25/Lsn24-25.pptx
@@ -1934,7 +1934,7 @@
           <a:p>
             <a:fld id="{834513E8-165F-4932-9E2D-FD497CB9A4FD}" type="datetimeFigureOut">
               <a:rPr lang="en-US" smtClean="0"/>
-              <a:t>6/5/2018</a:t>
+              <a:t>7/16/2018</a:t>
             </a:fld>
             <a:endParaRPr lang="en-US"/>
           </a:p>
@@ -2211,7 +2211,7 @@
           <a:p>
             <a:fld id="{834513E8-165F-4932-9E2D-FD497CB9A4FD}" type="datetimeFigureOut">
               <a:rPr lang="en-US" smtClean="0"/>
-              <a:t>6/5/2018</a:t>
+              <a:t>7/16/2018</a:t>
             </a:fld>
             <a:endParaRPr lang="en-US"/>
           </a:p>
@@ -2464,7 +2464,7 @@
           <a:p>
             <a:fld id="{834513E8-165F-4932-9E2D-FD497CB9A4FD}" type="datetimeFigureOut">
               <a:rPr lang="en-US" smtClean="0"/>
-              <a:t>6/5/2018</a:t>
+              <a:t>7/16/2018</a:t>
             </a:fld>
             <a:endParaRPr lang="en-US"/>
           </a:p>
@@ -2634,7 +2634,7 @@
           <a:p>
             <a:fld id="{834513E8-165F-4932-9E2D-FD497CB9A4FD}" type="datetimeFigureOut">
               <a:rPr lang="en-US" smtClean="0"/>
-              <a:t>6/5/2018</a:t>
+              <a:t>7/16/2018</a:t>
             </a:fld>
             <a:endParaRPr lang="en-US"/>
           </a:p>
@@ -2814,7 +2814,7 @@
           <a:p>
             <a:fld id="{834513E8-165F-4932-9E2D-FD497CB9A4FD}" type="datetimeFigureOut">
               <a:rPr lang="en-US" smtClean="0"/>
-              <a:t>6/5/2018</a:t>
+              <a:t>7/16/2018</a:t>
             </a:fld>
             <a:endParaRPr lang="en-US"/>
           </a:p>
@@ -3558,7 +3558,7 @@
           <a:p>
             <a:fld id="{834513E8-165F-4932-9E2D-FD497CB9A4FD}" type="datetimeFigureOut">
               <a:rPr lang="en-US" smtClean="0"/>
-              <a:t>6/5/2018</a:t>
+              <a:t>7/16/2018</a:t>
             </a:fld>
             <a:endParaRPr lang="en-US"/>
           </a:p>
@@ -3728,7 +3728,7 @@
           <a:p>
             <a:fld id="{834513E8-165F-4932-9E2D-FD497CB9A4FD}" type="datetimeFigureOut">
               <a:rPr lang="en-US" smtClean="0"/>
-              <a:t>6/5/2018</a:t>
+              <a:t>7/16/2018</a:t>
             </a:fld>
             <a:endParaRPr lang="en-US"/>
           </a:p>
@@ -3974,7 +3974,7 @@
           <a:p>
             <a:fld id="{834513E8-165F-4932-9E2D-FD497CB9A4FD}" type="datetimeFigureOut">
               <a:rPr lang="en-US" smtClean="0"/>
-              <a:t>6/5/2018</a:t>
+              <a:t>7/16/2018</a:t>
             </a:fld>
             <a:endParaRPr lang="en-US"/>
           </a:p>
@@ -4206,7 +4206,7 @@
           <a:p>
             <a:fld id="{834513E8-165F-4932-9E2D-FD497CB9A4FD}" type="datetimeFigureOut">
               <a:rPr lang="en-US" smtClean="0"/>
-              <a:t>6/5/2018</a:t>
+              <a:t>7/16/2018</a:t>
             </a:fld>
             <a:endParaRPr lang="en-US"/>
           </a:p>
@@ -4573,7 +4573,7 @@
           <a:p>
             <a:fld id="{834513E8-165F-4932-9E2D-FD497CB9A4FD}" type="datetimeFigureOut">
               <a:rPr lang="en-US" smtClean="0"/>
-              <a:t>6/5/2018</a:t>
+              <a:t>7/16/2018</a:t>
             </a:fld>
             <a:endParaRPr lang="en-US"/>
           </a:p>
@@ -4691,7 +4691,7 @@
           <a:p>
             <a:fld id="{834513E8-165F-4932-9E2D-FD497CB9A4FD}" type="datetimeFigureOut">
               <a:rPr lang="en-US" smtClean="0"/>
-              <a:t>6/5/2018</a:t>
+              <a:t>7/16/2018</a:t>
             </a:fld>
             <a:endParaRPr lang="en-US"/>
           </a:p>
@@ -6507,7 +6507,7 @@
           <a:p>
             <a:fld id="{834513E8-165F-4932-9E2D-FD497CB9A4FD}" type="datetimeFigureOut">
               <a:rPr lang="en-US" smtClean="0"/>
-              <a:t>6/5/2018</a:t>
+              <a:t>7/16/2018</a:t>
             </a:fld>
             <a:endParaRPr lang="en-US"/>
           </a:p>
@@ -7142,14 +7142,7 @@
                 <a:effectLst/>
                 <a:latin typeface="Trebuchet MS" panose="020B0603020202020204" pitchFamily="34" charset="0"/>
               </a:rPr>
-              <a:t>Lesson </a:t>
-            </a:r>
-            <a:r>
-              <a:rPr lang="en-US" kern="0" smtClean="0">
-                <a:effectLst/>
-                <a:latin typeface="Trebuchet MS" panose="020B0603020202020204" pitchFamily="34" charset="0"/>
-              </a:rPr>
-              <a:t>24+25</a:t>
+              <a:t>Lesson 24+25</a:t>
             </a:r>
             <a:endParaRPr lang="en-US" kern="0" dirty="0">
               <a:effectLst/>
@@ -9935,12 +9928,12 @@
           <a:lstStyle/>
           <a:p>
             <a:r>
-              <a:rPr lang="en-US" b="1" dirty="0"/>
-              <a:t>Using </a:t>
-            </a:r>
-            <a:r>
               <a:rPr lang="en-US" b="1" dirty="0" smtClean="0"/>
-              <a:t>Interrupts: </a:t>
+              <a:t>Interrupts</a:t>
+            </a:r>
+            <a:r>
+              <a:rPr lang="en-US" b="1" dirty="0" smtClean="0"/>
+              <a:t>: </a:t>
             </a:r>
             <a:r>
               <a:rPr lang="en-US" b="1" dirty="0"/>
@@ -15676,11 +15669,7 @@
             </a:pPr>
             <a:r>
               <a:rPr lang="en-US" sz="2000" dirty="0" smtClean="0"/>
-              <a:t>What is an interrupt</a:t>
-            </a:r>
-            <a:r>
-              <a:rPr lang="en-US" sz="2000" dirty="0" smtClean="0"/>
-              <a:t>?</a:t>
+              <a:t>What is an interrupt?</a:t>
             </a:r>
           </a:p>
           <a:p>
@@ -15696,13 +15685,8 @@
             <a:pPr lvl="1"/>
             <a:r>
               <a:rPr lang="en-US" dirty="0" smtClean="0"/>
-              <a:t>Polling guarantees a set delay response to a </a:t>
-            </a:r>
-            <a:r>
-              <a:rPr lang="en-US" dirty="0" smtClean="0"/>
-              <a:t>change</a:t>
-            </a:r>
-            <a:endParaRPr lang="en-US" dirty="0" smtClean="0"/>
+              <a:t>Polling guarantees a set delay response to a change</a:t>
+            </a:r>
           </a:p>
           <a:p>
             <a:pPr marL="0" indent="0">
@@ -16098,7 +16082,18 @@
                   <a:schemeClr val="accent2"/>
                 </a:solidFill>
               </a:rPr>
-              <a:t>(ISR</a:t>
+              <a:t>(ISR) – function that runs</a:t>
+            </a:r>
+          </a:p>
+          <a:p>
+            <a:pPr lvl="2"/>
+            <a:r>
+              <a:rPr lang="en-US" sz="2000" b="1" dirty="0" smtClean="0">
+                <a:solidFill>
+                  <a:schemeClr val="accent2"/>
+                </a:solidFill>
+              </a:rPr>
+              <a:t>Interrupt Flag </a:t>
             </a:r>
             <a:r>
               <a:rPr lang="en-US" sz="2000" dirty="0" smtClean="0">
@@ -16106,130 +16101,93 @@
                   <a:schemeClr val="accent2"/>
                 </a:solidFill>
               </a:rPr>
-              <a:t>) – function that runs</a:t>
-            </a:r>
-            <a:endParaRPr lang="en-US" sz="2000" dirty="0" smtClean="0">
-              <a:solidFill>
-                <a:schemeClr val="accent2"/>
-              </a:solidFill>
-            </a:endParaRPr>
+              <a:t>(clear before use)</a:t>
+            </a:r>
+          </a:p>
+          <a:p>
+            <a:pPr lvl="1"/>
+            <a:r>
+              <a:rPr lang="en-US" sz="2000" b="1" dirty="0" smtClean="0">
+                <a:solidFill>
+                  <a:schemeClr val="accent2"/>
+                </a:solidFill>
+              </a:rPr>
+              <a:t>Interrupt Enable </a:t>
+            </a:r>
+            <a:r>
+              <a:rPr lang="en-US" sz="2000" dirty="0" smtClean="0">
+                <a:solidFill>
+                  <a:schemeClr val="accent2"/>
+                </a:solidFill>
+              </a:rPr>
+              <a:t>(turn it on)</a:t>
+            </a:r>
+          </a:p>
+          <a:p>
+            <a:pPr lvl="1"/>
+            <a:r>
+              <a:rPr lang="en-US" sz="2000" dirty="0" smtClean="0">
+                <a:solidFill>
+                  <a:schemeClr val="accent2"/>
+                </a:solidFill>
+              </a:rPr>
+              <a:t>Run normal program</a:t>
+            </a:r>
+          </a:p>
+          <a:p>
+            <a:pPr lvl="1"/>
+            <a:r>
+              <a:rPr lang="en-US" sz="2000" dirty="0" smtClean="0">
+                <a:solidFill>
+                  <a:schemeClr val="accent2"/>
+                </a:solidFill>
+              </a:rPr>
+              <a:t>Interrupt Occurs !!!!</a:t>
+            </a:r>
           </a:p>
           <a:p>
             <a:pPr lvl="2"/>
             <a:r>
-              <a:rPr lang="en-US" sz="2000" b="1" dirty="0" smtClean="0">
+              <a:rPr lang="en-US" sz="2000" dirty="0" smtClean="0">
                 <a:solidFill>
                   <a:schemeClr val="accent2"/>
                 </a:solidFill>
               </a:rPr>
-              <a:t>Interrupt Flag </a:t>
-            </a:r>
+              <a:t>Processor saves its state </a:t>
+            </a:r>
+          </a:p>
+          <a:p>
+            <a:pPr lvl="2"/>
             <a:r>
               <a:rPr lang="en-US" sz="2000" dirty="0" smtClean="0">
                 <a:solidFill>
                   <a:schemeClr val="accent2"/>
                 </a:solidFill>
               </a:rPr>
-              <a:t>(clear before use)</a:t>
-            </a:r>
-          </a:p>
-          <a:p>
-            <a:pPr lvl="1"/>
-            <a:r>
-              <a:rPr lang="en-US" sz="2000" b="1" dirty="0" smtClean="0">
+              <a:t>Jumps to ISR</a:t>
+            </a:r>
+          </a:p>
+          <a:p>
+            <a:pPr lvl="3"/>
+            <a:r>
+              <a:rPr lang="en-US" dirty="0" smtClean="0">
                 <a:solidFill>
                   <a:schemeClr val="accent2"/>
                 </a:solidFill>
               </a:rPr>
-              <a:t>Interrupt Enable </a:t>
-            </a:r>
-            <a:r>
-              <a:rPr lang="en-US" sz="2000" dirty="0" smtClean="0">
+              <a:t>Do ISR work</a:t>
+            </a:r>
+          </a:p>
+          <a:p>
+            <a:pPr lvl="3"/>
+            <a:r>
+              <a:rPr lang="en-US" dirty="0" smtClean="0">
                 <a:solidFill>
                   <a:schemeClr val="accent2"/>
                 </a:solidFill>
               </a:rPr>
-              <a:t>(turn it on)</a:t>
-            </a:r>
-          </a:p>
-          <a:p>
-            <a:pPr lvl="1"/>
-            <a:r>
-              <a:rPr lang="en-US" sz="2000" dirty="0" smtClean="0">
-                <a:solidFill>
-                  <a:schemeClr val="accent2"/>
-                </a:solidFill>
-              </a:rPr>
-              <a:t>Run normal program</a:t>
-            </a:r>
-          </a:p>
-          <a:p>
-            <a:pPr lvl="1"/>
-            <a:r>
-              <a:rPr lang="en-US" sz="2000" dirty="0" smtClean="0">
-                <a:solidFill>
-                  <a:schemeClr val="accent2"/>
-                </a:solidFill>
-              </a:rPr>
-              <a:t>Interrupt Occurs !!!!</a:t>
-            </a:r>
-          </a:p>
-          <a:p>
-            <a:pPr lvl="2"/>
-            <a:r>
-              <a:rPr lang="en-US" sz="2000" dirty="0" smtClean="0">
-                <a:solidFill>
-                  <a:schemeClr val="accent2"/>
-                </a:solidFill>
-              </a:rPr>
-              <a:t>Processor saves its state </a:t>
-            </a:r>
-          </a:p>
-          <a:p>
-            <a:pPr lvl="2"/>
-            <a:r>
-              <a:rPr lang="en-US" sz="2000" dirty="0" smtClean="0">
-                <a:solidFill>
-                  <a:schemeClr val="accent2"/>
-                </a:solidFill>
-              </a:rPr>
-              <a:t>Jumps to ISR</a:t>
-            </a:r>
-          </a:p>
-          <a:p>
-            <a:pPr lvl="3"/>
-            <a:r>
-              <a:rPr lang="en-US" dirty="0" smtClean="0">
-                <a:solidFill>
-                  <a:schemeClr val="accent2"/>
-                </a:solidFill>
-              </a:rPr>
-              <a:t>Do ISR work</a:t>
-            </a:r>
-          </a:p>
-          <a:p>
-            <a:pPr lvl="3"/>
-            <a:r>
-              <a:rPr lang="en-US" dirty="0" smtClean="0">
-                <a:solidFill>
-                  <a:schemeClr val="accent2"/>
-                </a:solidFill>
-              </a:rPr>
-              <a:t>Clear </a:t>
-            </a:r>
-            <a:r>
-              <a:rPr lang="en-US" dirty="0" smtClean="0">
-                <a:solidFill>
-                  <a:schemeClr val="accent2"/>
-                </a:solidFill>
-              </a:rPr>
-              <a:t>Flag</a:t>
-            </a:r>
-            <a:endParaRPr lang="en-US" dirty="0" smtClean="0">
-              <a:solidFill>
-                <a:schemeClr val="accent2"/>
-              </a:solidFill>
-            </a:endParaRPr>
+              <a:t>Clear Flag</a:t>
+            </a:r>
           </a:p>
           <a:p>
             <a:pPr lvl="3"/>

--- a/source/lessons/lsn24-25/Lsn24-25.pptx
+++ b/source/lessons/lsn24-25/Lsn24-25.pptx
@@ -7,10 +7,10 @@
     <p:sldMasterId id="2147483667" r:id="rId3"/>
   </p:sldMasterIdLst>
   <p:notesMasterIdLst>
-    <p:notesMasterId r:id="rId22"/>
+    <p:notesMasterId r:id="rId27"/>
   </p:notesMasterIdLst>
   <p:handoutMasterIdLst>
-    <p:handoutMasterId r:id="rId23"/>
+    <p:handoutMasterId r:id="rId28"/>
   </p:handoutMasterIdLst>
   <p:sldIdLst>
     <p:sldId id="352" r:id="rId4"/>
@@ -28,9 +28,14 @@
     <p:sldId id="367" r:id="rId16"/>
     <p:sldId id="368" r:id="rId17"/>
     <p:sldId id="369" r:id="rId18"/>
-    <p:sldId id="353" r:id="rId19"/>
-    <p:sldId id="356" r:id="rId20"/>
-    <p:sldId id="357" r:id="rId21"/>
+    <p:sldId id="370" r:id="rId19"/>
+    <p:sldId id="371" r:id="rId20"/>
+    <p:sldId id="372" r:id="rId21"/>
+    <p:sldId id="373" r:id="rId22"/>
+    <p:sldId id="374" r:id="rId23"/>
+    <p:sldId id="353" r:id="rId24"/>
+    <p:sldId id="356" r:id="rId25"/>
+    <p:sldId id="357" r:id="rId26"/>
   </p:sldIdLst>
   <p:sldSz cx="9144000" cy="6858000" type="screen4x3"/>
   <p:notesSz cx="7010400" cy="9296400"/>
@@ -1151,7 +1156,7 @@
               <a:pPr>
                 <a:defRPr/>
               </a:pPr>
-              <a:t>17</a:t>
+              <a:t>22</a:t>
             </a:fld>
             <a:endParaRPr lang="en-US"/>
           </a:p>
@@ -1434,7 +1439,7 @@
               <a:pPr>
                 <a:defRPr/>
               </a:pPr>
-              <a:t>18</a:t>
+              <a:t>23</a:t>
             </a:fld>
             <a:endParaRPr lang="en-US"/>
           </a:p>
@@ -1934,7 +1939,7 @@
           <a:p>
             <a:fld id="{834513E8-165F-4932-9E2D-FD497CB9A4FD}" type="datetimeFigureOut">
               <a:rPr lang="en-US" smtClean="0"/>
-              <a:t>7/16/2018</a:t>
+              <a:t>7/23/2018</a:t>
             </a:fld>
             <a:endParaRPr lang="en-US"/>
           </a:p>
@@ -2211,7 +2216,7 @@
           <a:p>
             <a:fld id="{834513E8-165F-4932-9E2D-FD497CB9A4FD}" type="datetimeFigureOut">
               <a:rPr lang="en-US" smtClean="0"/>
-              <a:t>7/16/2018</a:t>
+              <a:t>7/23/2018</a:t>
             </a:fld>
             <a:endParaRPr lang="en-US"/>
           </a:p>
@@ -2464,7 +2469,7 @@
           <a:p>
             <a:fld id="{834513E8-165F-4932-9E2D-FD497CB9A4FD}" type="datetimeFigureOut">
               <a:rPr lang="en-US" smtClean="0"/>
-              <a:t>7/16/2018</a:t>
+              <a:t>7/23/2018</a:t>
             </a:fld>
             <a:endParaRPr lang="en-US"/>
           </a:p>
@@ -2634,7 +2639,7 @@
           <a:p>
             <a:fld id="{834513E8-165F-4932-9E2D-FD497CB9A4FD}" type="datetimeFigureOut">
               <a:rPr lang="en-US" smtClean="0"/>
-              <a:t>7/16/2018</a:t>
+              <a:t>7/23/2018</a:t>
             </a:fld>
             <a:endParaRPr lang="en-US"/>
           </a:p>
@@ -2814,7 +2819,7 @@
           <a:p>
             <a:fld id="{834513E8-165F-4932-9E2D-FD497CB9A4FD}" type="datetimeFigureOut">
               <a:rPr lang="en-US" smtClean="0"/>
-              <a:t>7/16/2018</a:t>
+              <a:t>7/23/2018</a:t>
             </a:fld>
             <a:endParaRPr lang="en-US"/>
           </a:p>
@@ -3558,7 +3563,7 @@
           <a:p>
             <a:fld id="{834513E8-165F-4932-9E2D-FD497CB9A4FD}" type="datetimeFigureOut">
               <a:rPr lang="en-US" smtClean="0"/>
-              <a:t>7/16/2018</a:t>
+              <a:t>7/23/2018</a:t>
             </a:fld>
             <a:endParaRPr lang="en-US"/>
           </a:p>
@@ -3728,7 +3733,7 @@
           <a:p>
             <a:fld id="{834513E8-165F-4932-9E2D-FD497CB9A4FD}" type="datetimeFigureOut">
               <a:rPr lang="en-US" smtClean="0"/>
-              <a:t>7/16/2018</a:t>
+              <a:t>7/23/2018</a:t>
             </a:fld>
             <a:endParaRPr lang="en-US"/>
           </a:p>
@@ -3974,7 +3979,7 @@
           <a:p>
             <a:fld id="{834513E8-165F-4932-9E2D-FD497CB9A4FD}" type="datetimeFigureOut">
               <a:rPr lang="en-US" smtClean="0"/>
-              <a:t>7/16/2018</a:t>
+              <a:t>7/23/2018</a:t>
             </a:fld>
             <a:endParaRPr lang="en-US"/>
           </a:p>
@@ -4206,7 +4211,7 @@
           <a:p>
             <a:fld id="{834513E8-165F-4932-9E2D-FD497CB9A4FD}" type="datetimeFigureOut">
               <a:rPr lang="en-US" smtClean="0"/>
-              <a:t>7/16/2018</a:t>
+              <a:t>7/23/2018</a:t>
             </a:fld>
             <a:endParaRPr lang="en-US"/>
           </a:p>
@@ -4573,7 +4578,7 @@
           <a:p>
             <a:fld id="{834513E8-165F-4932-9E2D-FD497CB9A4FD}" type="datetimeFigureOut">
               <a:rPr lang="en-US" smtClean="0"/>
-              <a:t>7/16/2018</a:t>
+              <a:t>7/23/2018</a:t>
             </a:fld>
             <a:endParaRPr lang="en-US"/>
           </a:p>
@@ -4691,7 +4696,7 @@
           <a:p>
             <a:fld id="{834513E8-165F-4932-9E2D-FD497CB9A4FD}" type="datetimeFigureOut">
               <a:rPr lang="en-US" smtClean="0"/>
-              <a:t>7/16/2018</a:t>
+              <a:t>7/23/2018</a:t>
             </a:fld>
             <a:endParaRPr lang="en-US"/>
           </a:p>
@@ -6507,7 +6512,7 @@
           <a:p>
             <a:fld id="{834513E8-165F-4932-9E2D-FD497CB9A4FD}" type="datetimeFigureOut">
               <a:rPr lang="en-US" smtClean="0"/>
-              <a:t>7/16/2018</a:t>
+              <a:t>7/23/2018</a:t>
             </a:fld>
             <a:endParaRPr lang="en-US"/>
           </a:p>
@@ -9929,11 +9934,7 @@
           <a:p>
             <a:r>
               <a:rPr lang="en-US" b="1" dirty="0" smtClean="0"/>
-              <a:t>Interrupts</a:t>
-            </a:r>
-            <a:r>
-              <a:rPr lang="en-US" b="1" dirty="0" smtClean="0"/>
-              <a:t>: </a:t>
+              <a:t>Interrupts: </a:t>
             </a:r>
             <a:r>
               <a:rPr lang="en-US" b="1" dirty="0"/>
@@ -13039,26 +13040,7 @@
       </p:grpSpPr>
       <p:sp>
         <p:nvSpPr>
-          <p:cNvPr id="5" name="Subtitle 4"/>
-          <p:cNvSpPr>
-            <a:spLocks noGrp="1"/>
-          </p:cNvSpPr>
-          <p:nvPr>
-            <p:ph type="subTitle" idx="1"/>
-          </p:nvPr>
-        </p:nvSpPr>
-        <p:spPr/>
-        <p:txBody>
-          <a:bodyPr/>
-          <a:lstStyle/>
-          <a:p>
-            <a:endParaRPr lang="en-US" dirty="0"/>
-          </a:p>
-        </p:txBody>
-      </p:sp>
-      <p:sp>
-        <p:nvSpPr>
-          <p:cNvPr id="4" name="Title 3"/>
+          <p:cNvPr id="2" name="Title 1"/>
           <p:cNvSpPr>
             <a:spLocks noGrp="1"/>
           </p:cNvSpPr>
@@ -13073,23 +13055,125 @@
           <a:p>
             <a:r>
               <a:rPr lang="en-US" dirty="0" smtClean="0"/>
-              <a:t>BACKUPS</a:t>
+              <a:t>In-Class Programming Exercise </a:t>
             </a:r>
             <a:endParaRPr lang="en-US" dirty="0"/>
+          </a:p>
+        </p:txBody>
+      </p:sp>
+      <p:sp>
+        <p:nvSpPr>
+          <p:cNvPr id="3" name="Content Placeholder 2"/>
+          <p:cNvSpPr>
+            <a:spLocks noGrp="1"/>
+          </p:cNvSpPr>
+          <p:nvPr>
+            <p:ph idx="1"/>
+          </p:nvPr>
+        </p:nvSpPr>
+        <p:spPr/>
+        <p:txBody>
+          <a:bodyPr/>
+          <a:lstStyle/>
+          <a:p>
+            <a:r>
+              <a:rPr lang="en-US" sz="2400" dirty="0"/>
+              <a:t>Create a project around </a:t>
+            </a:r>
+            <a:r>
+              <a:rPr lang="en-US" sz="2400" dirty="0" err="1"/>
+              <a:t>interruptTones.c</a:t>
+            </a:r>
+            <a:r>
+              <a:rPr lang="en-US" sz="2400" dirty="0"/>
+              <a:t>.  This C program utilizes interrupts to Blink the Green LED (P1.0 using Timer A at 440Hz  Modify the program to do the following</a:t>
+            </a:r>
+            <a:r>
+              <a:rPr lang="en-US" sz="2400" dirty="0" smtClean="0"/>
+              <a:t>:</a:t>
+            </a:r>
+          </a:p>
+          <a:p>
+            <a:pPr lvl="1"/>
+            <a:r>
+              <a:rPr lang="en-US" sz="1800" dirty="0" smtClean="0"/>
+              <a:t>Put </a:t>
+            </a:r>
+            <a:r>
+              <a:rPr lang="en-US" sz="1800" dirty="0"/>
+              <a:t>a speaker or headphones on P1.6 to listen to the 440Hz 'A' Tone using the following schematic.</a:t>
+            </a:r>
+          </a:p>
+          <a:p>
+            <a:pPr lvl="1"/>
+            <a:r>
+              <a:rPr lang="en-US" sz="1800" dirty="0" smtClean="0"/>
+              <a:t>Implement </a:t>
+            </a:r>
+            <a:r>
+              <a:rPr lang="en-US" sz="1800" dirty="0"/>
+              <a:t>another interrupt from a button press (P1.3) to toggle the Red LED (P1.0) and then increment through each tone in the counts array.</a:t>
+            </a:r>
+          </a:p>
+          <a:p>
+            <a:pPr lvl="1"/>
+            <a:r>
+              <a:rPr lang="en-US" sz="1800" dirty="0" smtClean="0"/>
+              <a:t>Use </a:t>
+            </a:r>
+            <a:r>
+              <a:rPr lang="en-US" sz="1800" dirty="0"/>
+              <a:t>the button interrupt to increment through the counts array to be output the different tones on a speaker.</a:t>
+            </a:r>
+          </a:p>
+        </p:txBody>
+      </p:sp>
+      <p:sp>
+        <p:nvSpPr>
+          <p:cNvPr id="4" name="Rectangle 3"/>
+          <p:cNvSpPr/>
+          <p:nvPr/>
+        </p:nvSpPr>
+        <p:spPr>
+          <a:xfrm>
+            <a:off x="2960176" y="5594292"/>
+            <a:ext cx="2861040" cy="461665"/>
+          </a:xfrm>
+          <a:prstGeom prst="rect">
+            <a:avLst/>
+          </a:prstGeom>
+        </p:spPr>
+        <p:txBody>
+          <a:bodyPr wrap="none">
+            <a:spAutoFit/>
+          </a:bodyPr>
+          <a:lstStyle/>
+          <a:p>
+            <a:r>
+              <a:rPr lang="en-US" dirty="0"/>
+              <a:t>(see </a:t>
+            </a:r>
+            <a:r>
+              <a:rPr lang="en-US" dirty="0" err="1"/>
+              <a:t>interruptTones.c</a:t>
+            </a:r>
+            <a:r>
+              <a:rPr lang="en-US" dirty="0"/>
+              <a:t>)</a:t>
+            </a:r>
           </a:p>
         </p:txBody>
       </p:sp>
     </p:spTree>
     <p:extLst>
       <p:ext uri="{BB962C8B-B14F-4D97-AF65-F5344CB8AC3E}">
-        <p14:creationId xmlns:p14="http://schemas.microsoft.com/office/powerpoint/2010/main" val="3003632033"/>
+        <p14:creationId xmlns:p14="http://schemas.microsoft.com/office/powerpoint/2010/main" val="3383098997"/>
       </p:ext>
     </p:extLst>
   </p:cSld>
   <p:clrMapOvr>
     <a:masterClrMapping/>
   </p:clrMapOvr>
-  <p:transition spd="med"/>
   <p:timing>
     <p:tnLst>
       <p:par>
@@ -13133,16 +13217,16 @@
           <a:lstStyle/>
           <a:p>
             <a:r>
-              <a:rPr lang="en-US" b="1" dirty="0" smtClean="0"/>
-              <a:t>Lesson 25 Polling - Example Code</a:t>
-            </a:r>
-            <a:endParaRPr lang="en-US" b="1" dirty="0"/>
+              <a:rPr lang="en-US" dirty="0" smtClean="0"/>
+              <a:t>In-Class Programming Exercise </a:t>
+            </a:r>
+            <a:endParaRPr lang="en-US" dirty="0"/>
           </a:p>
         </p:txBody>
       </p:sp>
       <p:sp>
         <p:nvSpPr>
-          <p:cNvPr id="5" name="Content Placeholder 2"/>
+          <p:cNvPr id="3" name="Content Placeholder 2"/>
           <p:cNvSpPr>
             <a:spLocks noGrp="1"/>
           </p:cNvSpPr>
@@ -13150,868 +13234,157 @@
             <p:ph idx="1"/>
           </p:nvPr>
         </p:nvSpPr>
-        <p:spPr>
-          <a:xfrm>
-            <a:off x="65118" y="757317"/>
-            <a:ext cx="8924336" cy="5176758"/>
-          </a:xfrm>
-          <a:solidFill>
-            <a:schemeClr val="bg1"/>
-          </a:solidFill>
-          <a:ln>
-            <a:solidFill>
-              <a:schemeClr val="tx1"/>
-            </a:solidFill>
-          </a:ln>
-        </p:spPr>
+        <p:spPr/>
         <p:txBody>
           <a:bodyPr/>
           <a:lstStyle/>
           <a:p>
-            <a:pPr marL="0" indent="0">
-              <a:buNone/>
-            </a:pPr>
-            <a:r>
-              <a:rPr lang="en-US" sz="1200" b="1" dirty="0" smtClean="0">
-                <a:latin typeface="Courier New" pitchFamily="49" charset="0"/>
-                <a:cs typeface="Courier New" pitchFamily="49" charset="0"/>
-              </a:rPr>
-              <a:t>           </a:t>
-            </a:r>
-            <a:r>
-              <a:rPr lang="en-US" sz="1200" b="1" u="sng" dirty="0" err="1" smtClean="0">
-                <a:latin typeface="Courier New" pitchFamily="49" charset="0"/>
-                <a:cs typeface="Courier New" pitchFamily="49" charset="0"/>
-              </a:rPr>
-              <a:t>Main.c</a:t>
-            </a:r>
-            <a:endParaRPr lang="en-US" sz="1200" b="1" dirty="0" smtClean="0">
-              <a:latin typeface="Courier New" pitchFamily="49" charset="0"/>
-              <a:cs typeface="Courier New" pitchFamily="49" charset="0"/>
-            </a:endParaRPr>
-          </a:p>
-          <a:p>
-            <a:pPr marL="0" marR="0" indent="0">
+            <a:endParaRPr lang="en-US" sz="1800" dirty="0"/>
+          </a:p>
+        </p:txBody>
+      </p:sp>
+      <p:sp>
+        <p:nvSpPr>
+          <p:cNvPr id="4" name="Rectangle 3"/>
+          <p:cNvSpPr/>
+          <p:nvPr/>
+        </p:nvSpPr>
+        <p:spPr>
+          <a:xfrm>
+            <a:off x="3141480" y="659685"/>
+            <a:ext cx="2861040" cy="461665"/>
+          </a:xfrm>
+          <a:prstGeom prst="rect">
+            <a:avLst/>
+          </a:prstGeom>
+        </p:spPr>
+        <p:txBody>
+          <a:bodyPr wrap="none">
+            <a:spAutoFit/>
+          </a:bodyPr>
+          <a:lstStyle/>
+          <a:p>
+            <a:r>
+              <a:rPr lang="en-US" dirty="0"/>
+              <a:t>(see </a:t>
+            </a:r>
+            <a:r>
+              <a:rPr lang="en-US" dirty="0" err="1"/>
+              <a:t>interruptTones.c</a:t>
+            </a:r>
+            <a:r>
+              <a:rPr lang="en-US" dirty="0"/>
+              <a:t>)</a:t>
+            </a:r>
+          </a:p>
+        </p:txBody>
+      </p:sp>
+      <p:sp>
+        <p:nvSpPr>
+          <p:cNvPr id="7" name="Rectangle 6"/>
+          <p:cNvSpPr/>
+          <p:nvPr/>
+        </p:nvSpPr>
+        <p:spPr>
+          <a:xfrm>
+            <a:off x="0" y="6172174"/>
+            <a:ext cx="9144000" cy="707886"/>
+          </a:xfrm>
+          <a:prstGeom prst="rect">
+            <a:avLst/>
+          </a:prstGeom>
+        </p:spPr>
+        <p:txBody>
+          <a:bodyPr wrap="square">
+            <a:spAutoFit/>
+          </a:bodyPr>
+          <a:lstStyle/>
+          <a:p>
+            <a:pPr algn="ctr">
               <a:spcBef>
                 <a:spcPts val="0"/>
               </a:spcBef>
-              <a:spcAft>
-                <a:spcPts val="0"/>
-              </a:spcAft>
-              <a:buNone/>
-            </a:pPr>
-            <a:r>
-              <a:rPr lang="en-US" sz="1200" b="1" dirty="0" smtClean="0">
-                <a:solidFill>
-                  <a:srgbClr val="7F0055"/>
-                </a:solidFill>
-                <a:latin typeface="Consolas"/>
-                <a:ea typeface="Calibri"/>
-              </a:rPr>
-              <a:t>#</a:t>
-            </a:r>
-            <a:r>
-              <a:rPr lang="en-US" sz="1200" b="1" dirty="0">
-                <a:solidFill>
-                  <a:srgbClr val="7F0055"/>
-                </a:solidFill>
-                <a:latin typeface="Consolas"/>
-                <a:ea typeface="Calibri"/>
-              </a:rPr>
-              <a:t>include</a:t>
-            </a:r>
-            <a:r>
-              <a:rPr lang="en-US" sz="1200" dirty="0">
-                <a:solidFill>
-                  <a:srgbClr val="000000"/>
-                </a:solidFill>
-                <a:latin typeface="Consolas"/>
-                <a:ea typeface="Calibri"/>
-              </a:rPr>
-              <a:t> </a:t>
-            </a:r>
-            <a:r>
-              <a:rPr lang="en-US" sz="1200" dirty="0">
-                <a:solidFill>
-                  <a:srgbClr val="2A00FF"/>
-                </a:solidFill>
-                <a:latin typeface="Consolas"/>
-                <a:ea typeface="Calibri"/>
-              </a:rPr>
-              <a:t>&lt;msp430g2553.h&gt;</a:t>
-            </a:r>
-            <a:endParaRPr lang="en-US" sz="1200" dirty="0">
-              <a:latin typeface="Calibri"/>
-              <a:ea typeface="Calibri"/>
-            </a:endParaRPr>
-          </a:p>
-          <a:p>
-            <a:pPr marL="0" marR="0" indent="0">
+            </a:pPr>
+            <a:r>
+              <a:rPr lang="en-US" sz="2000" dirty="0"/>
+              <a:t>Setup for the hooking up 3.5mm Audio Jack to the MSP430 Launchpad Board</a:t>
+            </a:r>
+          </a:p>
+          <a:p>
+            <a:pPr algn="ctr">
               <a:spcBef>
                 <a:spcPts val="0"/>
               </a:spcBef>
-              <a:spcAft>
-                <a:spcPts val="0"/>
-              </a:spcAft>
-              <a:buNone/>
-            </a:pPr>
-            <a:r>
-              <a:rPr lang="en-US" sz="1200" dirty="0">
-                <a:latin typeface="Consolas"/>
-                <a:ea typeface="Calibri"/>
-              </a:rPr>
-              <a:t> </a:t>
-            </a:r>
-            <a:endParaRPr lang="en-US" sz="1200" dirty="0">
-              <a:latin typeface="Calibri"/>
-              <a:ea typeface="Calibri"/>
-            </a:endParaRPr>
-          </a:p>
-          <a:p>
-            <a:pPr marL="0" marR="0" indent="0">
-              <a:spcBef>
-                <a:spcPts val="0"/>
-              </a:spcBef>
-              <a:spcAft>
-                <a:spcPts val="0"/>
-              </a:spcAft>
-              <a:buNone/>
-            </a:pPr>
-            <a:r>
-              <a:rPr lang="en-US" sz="1200" b="1" dirty="0" smtClean="0">
-                <a:solidFill>
-                  <a:srgbClr val="7F0055"/>
-                </a:solidFill>
-                <a:latin typeface="Consolas"/>
-                <a:ea typeface="Calibri"/>
-              </a:rPr>
-              <a:t>void</a:t>
-            </a:r>
-            <a:r>
-              <a:rPr lang="en-US" sz="1200" dirty="0" smtClean="0">
-                <a:solidFill>
-                  <a:srgbClr val="000000"/>
-                </a:solidFill>
-                <a:latin typeface="Consolas"/>
-                <a:ea typeface="Calibri"/>
-              </a:rPr>
-              <a:t> </a:t>
-            </a:r>
-            <a:r>
-              <a:rPr lang="en-US" sz="1200" b="1" dirty="0" smtClean="0">
-                <a:solidFill>
-                  <a:srgbClr val="000000"/>
-                </a:solidFill>
-                <a:latin typeface="Consolas"/>
-                <a:ea typeface="Calibri"/>
-              </a:rPr>
-              <a:t>main</a:t>
-            </a:r>
-            <a:r>
-              <a:rPr lang="en-US" sz="1200" dirty="0" smtClean="0">
-                <a:solidFill>
-                  <a:srgbClr val="000000"/>
-                </a:solidFill>
-                <a:latin typeface="Consolas"/>
-                <a:ea typeface="Calibri"/>
-              </a:rPr>
-              <a:t>(</a:t>
-            </a:r>
-            <a:r>
-              <a:rPr lang="en-US" sz="1200" b="1" dirty="0" smtClean="0">
-                <a:solidFill>
-                  <a:srgbClr val="7F0055"/>
-                </a:solidFill>
-                <a:latin typeface="Consolas"/>
-                <a:ea typeface="Calibri"/>
-              </a:rPr>
-              <a:t>void</a:t>
-            </a:r>
-            <a:r>
-              <a:rPr lang="en-US" sz="1200" dirty="0" smtClean="0">
-                <a:solidFill>
-                  <a:srgbClr val="000000"/>
-                </a:solidFill>
-                <a:latin typeface="Consolas"/>
-                <a:ea typeface="Calibri"/>
-              </a:rPr>
-              <a:t>) {</a:t>
-            </a:r>
-            <a:endParaRPr lang="en-US" sz="1200" dirty="0" smtClean="0">
-              <a:latin typeface="Calibri"/>
-              <a:ea typeface="Calibri"/>
-            </a:endParaRPr>
-          </a:p>
-          <a:p>
-            <a:pPr marL="0" indent="0">
-              <a:buNone/>
-            </a:pPr>
-            <a:r>
-              <a:rPr lang="en-US" sz="1200" dirty="0">
-                <a:solidFill>
-                  <a:srgbClr val="000000"/>
-                </a:solidFill>
-                <a:latin typeface="Consolas"/>
-              </a:rPr>
-              <a:t> </a:t>
-            </a:r>
-            <a:r>
-              <a:rPr lang="en-US" sz="1200" dirty="0" smtClean="0">
-                <a:solidFill>
-                  <a:srgbClr val="000000"/>
-                </a:solidFill>
-                <a:latin typeface="Consolas"/>
-              </a:rPr>
-              <a:t>   WDTCTL </a:t>
-            </a:r>
-            <a:r>
-              <a:rPr lang="en-US" sz="1200" dirty="0">
-                <a:solidFill>
-                  <a:srgbClr val="000000"/>
-                </a:solidFill>
-                <a:latin typeface="Consolas"/>
-              </a:rPr>
-              <a:t>= WDTPW | WDTHOLD</a:t>
-            </a:r>
-            <a:r>
-              <a:rPr lang="en-US" sz="1200" dirty="0" smtClean="0">
-                <a:solidFill>
-                  <a:srgbClr val="000000"/>
-                </a:solidFill>
-                <a:latin typeface="Consolas"/>
-              </a:rPr>
-              <a:t>;   </a:t>
-            </a:r>
-            <a:r>
-              <a:rPr lang="en-US" sz="1200" dirty="0" smtClean="0">
-                <a:solidFill>
-                  <a:srgbClr val="3F7F5F"/>
-                </a:solidFill>
-                <a:latin typeface="Consolas"/>
-              </a:rPr>
-              <a:t>// </a:t>
-            </a:r>
-            <a:r>
-              <a:rPr lang="en-US" sz="1200" dirty="0">
-                <a:solidFill>
-                  <a:srgbClr val="3F7F5F"/>
-                </a:solidFill>
-                <a:latin typeface="Consolas"/>
-              </a:rPr>
-              <a:t>Stop watchdog </a:t>
-            </a:r>
-            <a:r>
-              <a:rPr lang="en-US" sz="1200" dirty="0" smtClean="0">
-                <a:solidFill>
-                  <a:srgbClr val="3F7F5F"/>
-                </a:solidFill>
-                <a:latin typeface="Consolas"/>
-              </a:rPr>
-              <a:t>timer</a:t>
-            </a:r>
-          </a:p>
-          <a:p>
-            <a:pPr marL="0" indent="0">
-              <a:buNone/>
-            </a:pPr>
-            <a:endParaRPr lang="en-US" sz="1200" dirty="0">
-              <a:solidFill>
-                <a:srgbClr val="3F7F5F"/>
-              </a:solidFill>
-              <a:latin typeface="Consolas"/>
-            </a:endParaRPr>
-          </a:p>
-          <a:p>
-            <a:pPr marL="0" indent="0">
-              <a:buNone/>
-            </a:pPr>
-            <a:r>
-              <a:rPr lang="en-US" sz="1200" dirty="0">
-                <a:solidFill>
-                  <a:srgbClr val="000000"/>
-                </a:solidFill>
-                <a:latin typeface="Consolas"/>
-              </a:rPr>
-              <a:t>    BCSCTL1 = CALBC1_8MHZ;      </a:t>
-            </a:r>
-            <a:r>
-              <a:rPr lang="en-US" sz="1200" dirty="0">
-                <a:solidFill>
-                  <a:srgbClr val="3F7F5F"/>
-                </a:solidFill>
-                <a:latin typeface="Consolas"/>
-              </a:rPr>
-              <a:t>// Set SMCLK 8 </a:t>
-            </a:r>
-            <a:r>
-              <a:rPr lang="en-US" sz="1200" dirty="0" smtClean="0">
-                <a:solidFill>
-                  <a:srgbClr val="3F7F5F"/>
-                </a:solidFill>
-                <a:latin typeface="Consolas"/>
-              </a:rPr>
-              <a:t>MHz</a:t>
-            </a:r>
-            <a:endParaRPr lang="en-US" sz="1200" dirty="0">
-              <a:solidFill>
-                <a:srgbClr val="3F7F5F"/>
-              </a:solidFill>
-              <a:latin typeface="Consolas"/>
-            </a:endParaRPr>
-          </a:p>
-          <a:p>
-            <a:pPr marL="0" indent="0">
-              <a:buNone/>
-            </a:pPr>
-            <a:r>
-              <a:rPr lang="en-US" sz="1200" dirty="0">
-                <a:solidFill>
-                  <a:srgbClr val="000000"/>
-                </a:solidFill>
-                <a:latin typeface="Consolas"/>
-              </a:rPr>
-              <a:t>    DCOCTL = CALDCO_8MHZ</a:t>
-            </a:r>
-            <a:r>
-              <a:rPr lang="en-US" sz="1200" dirty="0" smtClean="0">
-                <a:solidFill>
-                  <a:srgbClr val="000000"/>
-                </a:solidFill>
-                <a:latin typeface="Consolas"/>
-              </a:rPr>
-              <a:t>;</a:t>
-            </a:r>
-            <a:endParaRPr lang="en-US" sz="1200" dirty="0">
-              <a:solidFill>
-                <a:srgbClr val="000000"/>
-              </a:solidFill>
-              <a:latin typeface="Consolas"/>
-            </a:endParaRPr>
-          </a:p>
-          <a:p>
-            <a:pPr marL="0" indent="0">
-              <a:buNone/>
-            </a:pPr>
-            <a:endParaRPr lang="en-US" sz="1200" dirty="0" smtClean="0">
-              <a:latin typeface="Consolas"/>
-            </a:endParaRPr>
-          </a:p>
-          <a:p>
-            <a:pPr marL="0" indent="0">
-              <a:buNone/>
-            </a:pPr>
-            <a:r>
-              <a:rPr lang="en-US" sz="1200" dirty="0" smtClean="0">
-                <a:latin typeface="Consolas"/>
-              </a:rPr>
-              <a:t>    P1DIR </a:t>
-            </a:r>
-            <a:r>
-              <a:rPr lang="en-US" sz="1200" dirty="0">
-                <a:latin typeface="Consolas"/>
-              </a:rPr>
-              <a:t>= BIT6; </a:t>
-            </a:r>
-            <a:r>
-              <a:rPr lang="en-US" sz="1200" dirty="0" smtClean="0">
-                <a:latin typeface="Consolas"/>
-              </a:rPr>
-              <a:t>		</a:t>
-            </a:r>
-            <a:r>
-              <a:rPr lang="en-US" sz="1200" dirty="0" smtClean="0">
-                <a:solidFill>
-                  <a:srgbClr val="3F7F5F"/>
-                </a:solidFill>
-                <a:latin typeface="Consolas"/>
-              </a:rPr>
-              <a:t>// </a:t>
-            </a:r>
-            <a:r>
-              <a:rPr lang="en-US" sz="1200" dirty="0">
-                <a:solidFill>
-                  <a:srgbClr val="3F7F5F"/>
-                </a:solidFill>
-                <a:latin typeface="Consolas"/>
-              </a:rPr>
-              <a:t>Set the green LED as an output</a:t>
-            </a:r>
-            <a:endParaRPr lang="en-US" sz="1200" dirty="0">
-              <a:latin typeface="Consolas"/>
-            </a:endParaRPr>
-          </a:p>
-          <a:p>
-            <a:pPr marL="0" indent="0">
-              <a:buNone/>
-            </a:pPr>
-            <a:r>
-              <a:rPr lang="en-US" sz="1200" dirty="0" smtClean="0">
-                <a:solidFill>
-                  <a:srgbClr val="000000"/>
-                </a:solidFill>
-                <a:latin typeface="Consolas"/>
-              </a:rPr>
-              <a:t>    </a:t>
-            </a:r>
-          </a:p>
-          <a:p>
-            <a:pPr marL="0" indent="0">
-              <a:buNone/>
-            </a:pPr>
-            <a:r>
-              <a:rPr lang="en-US" sz="1200" dirty="0">
-                <a:solidFill>
-                  <a:srgbClr val="000000"/>
-                </a:solidFill>
-                <a:latin typeface="Consolas"/>
-              </a:rPr>
-              <a:t> </a:t>
-            </a:r>
-            <a:r>
-              <a:rPr lang="en-US" sz="1200" dirty="0" smtClean="0">
-                <a:solidFill>
-                  <a:srgbClr val="000000"/>
-                </a:solidFill>
-                <a:latin typeface="Consolas"/>
-              </a:rPr>
-              <a:t>   TACCR0 </a:t>
-            </a:r>
-            <a:r>
-              <a:rPr lang="en-US" sz="1200" dirty="0">
-                <a:solidFill>
-                  <a:srgbClr val="000000"/>
-                </a:solidFill>
-                <a:latin typeface="Consolas"/>
-              </a:rPr>
-              <a:t>= 256 - 1;                    </a:t>
-            </a:r>
-            <a:r>
-              <a:rPr lang="en-US" sz="1200" dirty="0">
-                <a:solidFill>
-                  <a:srgbClr val="3F7F5F"/>
-                </a:solidFill>
-                <a:latin typeface="Consolas"/>
-              </a:rPr>
-              <a:t>// Set the interval</a:t>
-            </a:r>
-          </a:p>
-          <a:p>
-            <a:pPr marL="0" indent="0">
-              <a:buNone/>
-            </a:pPr>
-            <a:r>
-              <a:rPr lang="en-US" sz="1200" dirty="0">
-                <a:solidFill>
-                  <a:srgbClr val="000000"/>
-                </a:solidFill>
-                <a:latin typeface="Consolas"/>
-              </a:rPr>
-              <a:t>    </a:t>
-            </a:r>
-            <a:r>
-              <a:rPr lang="en-US" sz="1200" dirty="0" smtClean="0">
-                <a:solidFill>
-                  <a:srgbClr val="000000"/>
-                </a:solidFill>
-                <a:latin typeface="Consolas"/>
-              </a:rPr>
-              <a:t>TA0CTL </a:t>
-            </a:r>
-            <a:r>
-              <a:rPr lang="en-US" sz="1200" dirty="0">
-                <a:solidFill>
-                  <a:srgbClr val="000000"/>
-                </a:solidFill>
-                <a:latin typeface="Consolas"/>
-              </a:rPr>
-              <a:t>&amp;= ~TAIFG;                     </a:t>
-            </a:r>
-            <a:r>
-              <a:rPr lang="en-US" sz="1200" dirty="0">
-                <a:solidFill>
-                  <a:srgbClr val="3F7F5F"/>
-                </a:solidFill>
-                <a:latin typeface="Consolas"/>
-              </a:rPr>
-              <a:t>// Clear any rollover flag</a:t>
-            </a:r>
-            <a:endParaRPr lang="en-US" sz="1200" dirty="0">
-              <a:latin typeface="Consolas"/>
-            </a:endParaRPr>
-          </a:p>
-          <a:p>
-            <a:pPr marL="0" indent="0">
-              <a:buNone/>
-            </a:pPr>
-            <a:r>
-              <a:rPr lang="en-US" sz="1200" dirty="0">
-                <a:solidFill>
-                  <a:srgbClr val="000000"/>
-                </a:solidFill>
-                <a:latin typeface="Consolas"/>
-              </a:rPr>
-              <a:t>    </a:t>
-            </a:r>
-            <a:r>
-              <a:rPr lang="en-US" sz="1200" dirty="0" smtClean="0">
-                <a:solidFill>
-                  <a:srgbClr val="000000"/>
-                </a:solidFill>
-                <a:latin typeface="Consolas"/>
-              </a:rPr>
-              <a:t>TA0CTL </a:t>
-            </a:r>
-            <a:r>
-              <a:rPr lang="en-US" sz="1200" dirty="0">
-                <a:solidFill>
-                  <a:srgbClr val="000000"/>
-                </a:solidFill>
-                <a:latin typeface="Consolas"/>
-              </a:rPr>
-              <a:t>|= ID_0 | TASSEL_2 | MC_1</a:t>
-            </a:r>
-            <a:r>
-              <a:rPr lang="en-US" sz="1200" dirty="0" smtClean="0">
-                <a:solidFill>
-                  <a:srgbClr val="000000"/>
-                </a:solidFill>
-                <a:latin typeface="Consolas"/>
-              </a:rPr>
-              <a:t>;     </a:t>
-            </a:r>
-            <a:r>
-              <a:rPr lang="en-US" sz="1200" dirty="0" smtClean="0">
-                <a:solidFill>
-                  <a:srgbClr val="3F7F5F"/>
-                </a:solidFill>
-                <a:latin typeface="Consolas"/>
-              </a:rPr>
-              <a:t>// </a:t>
-            </a:r>
-            <a:r>
-              <a:rPr lang="en-US" sz="1200" dirty="0">
-                <a:solidFill>
-                  <a:srgbClr val="3F7F5F"/>
-                </a:solidFill>
-                <a:latin typeface="Consolas"/>
-              </a:rPr>
-              <a:t>Important Timer </a:t>
-            </a:r>
-            <a:r>
-              <a:rPr lang="en-US" sz="1200" dirty="0" smtClean="0">
-                <a:solidFill>
-                  <a:srgbClr val="3F7F5F"/>
-                </a:solidFill>
-                <a:latin typeface="Consolas"/>
-              </a:rPr>
-              <a:t>stuff!</a:t>
-            </a:r>
-          </a:p>
-          <a:p>
-            <a:pPr marL="0" indent="0">
-              <a:buNone/>
-            </a:pPr>
-            <a:endParaRPr lang="en-US" sz="1200" b="1" dirty="0">
-              <a:solidFill>
-                <a:srgbClr val="3F7F5F"/>
-              </a:solidFill>
-              <a:latin typeface="Consolas"/>
-            </a:endParaRPr>
-          </a:p>
-          <a:p>
-            <a:pPr marL="0" indent="0">
-              <a:buNone/>
-            </a:pPr>
-            <a:r>
-              <a:rPr lang="en-US" sz="1200" b="1" dirty="0" smtClean="0">
-                <a:solidFill>
-                  <a:srgbClr val="7F0055"/>
-                </a:solidFill>
-                <a:latin typeface="Consolas"/>
-              </a:rPr>
-              <a:t>while</a:t>
-            </a:r>
-            <a:r>
-              <a:rPr lang="en-US" sz="1200" b="1" dirty="0" smtClean="0">
-                <a:solidFill>
-                  <a:srgbClr val="000000"/>
-                </a:solidFill>
-                <a:latin typeface="Consolas"/>
-              </a:rPr>
-              <a:t>(1</a:t>
-            </a:r>
-            <a:r>
-              <a:rPr lang="en-US" sz="1200" b="1" dirty="0">
-                <a:solidFill>
-                  <a:srgbClr val="000000"/>
-                </a:solidFill>
-                <a:latin typeface="Consolas"/>
-              </a:rPr>
-              <a:t>) {</a:t>
-            </a:r>
-          </a:p>
-          <a:p>
-            <a:pPr marL="0" indent="0">
-              <a:buNone/>
-            </a:pPr>
-            <a:r>
-              <a:rPr lang="en-US" sz="1200" dirty="0">
-                <a:solidFill>
-                  <a:srgbClr val="000000"/>
-                </a:solidFill>
-                <a:latin typeface="Consolas"/>
-              </a:rPr>
-              <a:t>    </a:t>
-            </a:r>
-            <a:r>
-              <a:rPr lang="en-US" sz="1200" b="1" dirty="0">
-                <a:solidFill>
-                  <a:srgbClr val="7F0055"/>
-                </a:solidFill>
-                <a:latin typeface="Consolas"/>
-              </a:rPr>
-              <a:t>while</a:t>
-            </a:r>
-            <a:r>
-              <a:rPr lang="en-US" sz="1200" b="1" dirty="0">
-                <a:solidFill>
-                  <a:srgbClr val="000000"/>
-                </a:solidFill>
-                <a:latin typeface="Consolas"/>
-              </a:rPr>
-              <a:t> ((</a:t>
-            </a:r>
-            <a:r>
-              <a:rPr lang="en-US" sz="1200" b="1" dirty="0" smtClean="0">
-                <a:solidFill>
-                  <a:srgbClr val="000000"/>
-                </a:solidFill>
-                <a:latin typeface="Consolas"/>
-              </a:rPr>
-              <a:t>TA0CTL </a:t>
-            </a:r>
-            <a:r>
-              <a:rPr lang="en-US" sz="1200" b="1" dirty="0">
-                <a:solidFill>
-                  <a:srgbClr val="000000"/>
-                </a:solidFill>
-                <a:latin typeface="Consolas"/>
-              </a:rPr>
-              <a:t>&amp; TAIFG) == 0</a:t>
-            </a:r>
-            <a:r>
-              <a:rPr lang="en-US" sz="1200" b="1" dirty="0" smtClean="0">
-                <a:solidFill>
-                  <a:srgbClr val="000000"/>
-                </a:solidFill>
-                <a:latin typeface="Consolas"/>
-              </a:rPr>
-              <a:t>); </a:t>
-            </a:r>
-            <a:r>
-              <a:rPr lang="en-US" sz="1200" dirty="0">
-                <a:solidFill>
-                  <a:srgbClr val="3F7F5F"/>
-                </a:solidFill>
-                <a:latin typeface="Consolas"/>
-              </a:rPr>
-              <a:t>// </a:t>
-            </a:r>
-            <a:r>
-              <a:rPr lang="en-US" sz="1200" dirty="0" smtClean="0">
-                <a:solidFill>
-                  <a:srgbClr val="3F7F5F"/>
-                </a:solidFill>
-                <a:latin typeface="Consolas"/>
-              </a:rPr>
-              <a:t>Polling timer flag?         </a:t>
-            </a:r>
-            <a:r>
-              <a:rPr lang="en-US" sz="1200" dirty="0" smtClean="0">
-                <a:solidFill>
-                  <a:srgbClr val="FF0000"/>
-                </a:solidFill>
-                <a:latin typeface="Consolas"/>
-              </a:rPr>
-              <a:t>Would this be good for pong game?</a:t>
-            </a:r>
-            <a:endParaRPr lang="en-US" sz="1200" b="1" dirty="0">
-              <a:solidFill>
-                <a:srgbClr val="FF0000"/>
-              </a:solidFill>
-              <a:latin typeface="Consolas"/>
-            </a:endParaRPr>
-          </a:p>
-          <a:p>
-            <a:pPr marL="0" indent="0">
-              <a:buNone/>
-            </a:pPr>
-            <a:r>
-              <a:rPr lang="en-US" sz="1200" dirty="0">
-                <a:solidFill>
-                  <a:srgbClr val="000000"/>
-                </a:solidFill>
-                <a:latin typeface="Consolas"/>
-              </a:rPr>
-              <a:t>    </a:t>
-            </a:r>
-            <a:r>
-              <a:rPr lang="en-US" sz="1200" dirty="0" smtClean="0">
-                <a:solidFill>
-                  <a:srgbClr val="000000"/>
-                </a:solidFill>
-                <a:latin typeface="Consolas"/>
-              </a:rPr>
-              <a:t>TA0CTL </a:t>
-            </a:r>
-            <a:r>
-              <a:rPr lang="en-US" sz="1200" dirty="0">
-                <a:solidFill>
-                  <a:srgbClr val="000000"/>
-                </a:solidFill>
-                <a:latin typeface="Consolas"/>
-              </a:rPr>
-              <a:t>&amp;= ~TAIFG</a:t>
-            </a:r>
-            <a:r>
-              <a:rPr lang="en-US" sz="1200" dirty="0" smtClean="0">
-                <a:solidFill>
-                  <a:srgbClr val="000000"/>
-                </a:solidFill>
-                <a:latin typeface="Consolas"/>
-              </a:rPr>
-              <a:t>;              </a:t>
-            </a:r>
-            <a:r>
-              <a:rPr lang="en-US" sz="1200" dirty="0" smtClean="0">
-                <a:solidFill>
-                  <a:srgbClr val="3F7F5F"/>
-                </a:solidFill>
-                <a:latin typeface="Consolas"/>
-              </a:rPr>
-              <a:t>// </a:t>
-            </a:r>
-            <a:r>
-              <a:rPr lang="en-US" sz="1200" dirty="0">
-                <a:solidFill>
-                  <a:srgbClr val="3F7F5F"/>
-                </a:solidFill>
-                <a:latin typeface="Consolas"/>
-              </a:rPr>
-              <a:t>Clear </a:t>
-            </a:r>
-            <a:r>
-              <a:rPr lang="en-US" sz="1200" dirty="0" smtClean="0">
-                <a:solidFill>
-                  <a:srgbClr val="3F7F5F"/>
-                </a:solidFill>
-                <a:latin typeface="Consolas"/>
-              </a:rPr>
-              <a:t>rollover flag</a:t>
-            </a:r>
-            <a:endParaRPr lang="en-US" sz="1200" dirty="0">
-              <a:solidFill>
-                <a:srgbClr val="000000"/>
-              </a:solidFill>
-              <a:latin typeface="Consolas"/>
-            </a:endParaRPr>
-          </a:p>
-          <a:p>
-            <a:pPr marL="0" indent="0">
-              <a:buNone/>
-            </a:pPr>
-            <a:r>
-              <a:rPr lang="en-US" sz="1200" dirty="0">
-                <a:solidFill>
-                  <a:srgbClr val="000000"/>
-                </a:solidFill>
-                <a:latin typeface="Consolas"/>
-              </a:rPr>
-              <a:t>    P1OUT ^= BIT6</a:t>
-            </a:r>
-            <a:r>
-              <a:rPr lang="en-US" sz="1200" dirty="0" smtClean="0">
-                <a:solidFill>
-                  <a:srgbClr val="000000"/>
-                </a:solidFill>
-                <a:latin typeface="Consolas"/>
-              </a:rPr>
-              <a:t>;                </a:t>
-            </a:r>
-            <a:r>
-              <a:rPr lang="en-US" sz="1200" dirty="0" smtClean="0">
-                <a:solidFill>
-                  <a:srgbClr val="3F7F5F"/>
-                </a:solidFill>
-                <a:latin typeface="Consolas"/>
-              </a:rPr>
-              <a:t>// toggle LED</a:t>
-            </a:r>
-            <a:endParaRPr lang="en-US" sz="1200" dirty="0">
-              <a:solidFill>
-                <a:srgbClr val="000000"/>
-              </a:solidFill>
-              <a:latin typeface="Consolas"/>
-            </a:endParaRPr>
-          </a:p>
-          <a:p>
-            <a:pPr marL="0" indent="0">
-              <a:buNone/>
-            </a:pPr>
-            <a:r>
-              <a:rPr lang="en-US" sz="1200" dirty="0">
-                <a:solidFill>
-                  <a:srgbClr val="000000"/>
-                </a:solidFill>
-                <a:latin typeface="Consolas"/>
-              </a:rPr>
-              <a:t>    } </a:t>
-            </a:r>
-            <a:r>
-              <a:rPr lang="en-US" sz="1200" dirty="0">
-                <a:solidFill>
-                  <a:srgbClr val="3F7F5F"/>
-                </a:solidFill>
-                <a:latin typeface="Consolas"/>
-              </a:rPr>
-              <a:t>// end infinite </a:t>
-            </a:r>
-            <a:r>
-              <a:rPr lang="en-US" sz="1200" dirty="0" smtClean="0">
-                <a:solidFill>
-                  <a:srgbClr val="3F7F5F"/>
-                </a:solidFill>
-                <a:latin typeface="Consolas"/>
-              </a:rPr>
-              <a:t>loop</a:t>
-            </a:r>
-          </a:p>
-          <a:p>
-            <a:pPr marL="0" indent="0">
-              <a:buNone/>
-            </a:pPr>
-            <a:r>
-              <a:rPr lang="en-US" sz="1200" dirty="0" smtClean="0">
-                <a:solidFill>
-                  <a:srgbClr val="000000"/>
-                </a:solidFill>
-                <a:latin typeface="Consolas"/>
-                <a:ea typeface="Calibri"/>
-              </a:rPr>
-              <a:t>}</a:t>
-            </a:r>
-            <a:endParaRPr lang="en-US" sz="1200" dirty="0">
-              <a:effectLst/>
-              <a:latin typeface="Calibri"/>
-              <a:ea typeface="Calibri"/>
-            </a:endParaRPr>
+            </a:pPr>
+            <a:r>
+              <a:rPr lang="en-US" sz="2000" dirty="0" smtClean="0"/>
+              <a:t>without </a:t>
+            </a:r>
+            <a:r>
+              <a:rPr lang="en-US" sz="2000" dirty="0"/>
+              <a:t>Volume Control</a:t>
+            </a:r>
           </a:p>
         </p:txBody>
       </p:sp>
+      <p:pic>
+        <p:nvPicPr>
+          <p:cNvPr id="1026" name="Picture 2"/>
+          <p:cNvPicPr>
+            <a:picLocks noChangeAspect="1" noChangeArrowheads="1"/>
+          </p:cNvPicPr>
+          <p:nvPr/>
+        </p:nvPicPr>
+        <p:blipFill>
+          <a:blip r:embed="rId2">
+            <a:extLst>
+              <a:ext uri="{28A0092B-C50C-407E-A947-70E740481C1C}">
+                <a14:useLocalDpi xmlns:a14="http://schemas.microsoft.com/office/drawing/2010/main" val="0"/>
+              </a:ext>
+            </a:extLst>
+          </a:blip>
+          <a:srcRect/>
+          <a:stretch>
+            <a:fillRect/>
+          </a:stretch>
+        </p:blipFill>
+        <p:spPr bwMode="auto">
+          <a:xfrm>
+            <a:off x="354251" y="1385334"/>
+            <a:ext cx="8435498" cy="4769734"/>
+          </a:xfrm>
+          <a:prstGeom prst="rect">
+            <a:avLst/>
+          </a:prstGeom>
+          <a:noFill/>
+          <a:ln>
+            <a:noFill/>
+          </a:ln>
+          <a:extLst>
+            <a:ext uri="{909E8E84-426E-40DD-AFC4-6F175D3DCCD1}">
+              <a14:hiddenFill xmlns:a14="http://schemas.microsoft.com/office/drawing/2010/main">
+                <a:solidFill>
+                  <a:schemeClr val="accent1"/>
+                </a:solidFill>
+              </a14:hiddenFill>
+            </a:ext>
+            <a:ext uri="{91240B29-F687-4F45-9708-019B960494DF}">
+              <a14:hiddenLine xmlns:a14="http://schemas.microsoft.com/office/drawing/2010/main" w="9525">
+                <a:solidFill>
+                  <a:schemeClr val="tx1"/>
+                </a:solidFill>
+                <a:miter lim="800000"/>
+                <a:headEnd/>
+                <a:tailEnd/>
+              </a14:hiddenLine>
+            </a:ext>
+          </a:extLst>
+        </p:spPr>
+      </p:pic>
     </p:spTree>
     <p:extLst>
       <p:ext uri="{BB962C8B-B14F-4D97-AF65-F5344CB8AC3E}">
-        <p14:creationId xmlns:p14="http://schemas.microsoft.com/office/powerpoint/2010/main" val="3658817693"/>
+        <p14:creationId xmlns:p14="http://schemas.microsoft.com/office/powerpoint/2010/main" val="2469392628"/>
       </p:ext>
     </p:extLst>
   </p:cSld>
@@ -14069,6 +13442,1757 @@
           <a:lstStyle/>
           <a:p>
             <a:r>
+              <a:rPr lang="en-US" dirty="0" smtClean="0"/>
+              <a:t>In-Class Programming Exercise </a:t>
+            </a:r>
+            <a:endParaRPr lang="en-US" dirty="0"/>
+          </a:p>
+        </p:txBody>
+      </p:sp>
+      <p:sp>
+        <p:nvSpPr>
+          <p:cNvPr id="3" name="Content Placeholder 2"/>
+          <p:cNvSpPr>
+            <a:spLocks noGrp="1"/>
+          </p:cNvSpPr>
+          <p:nvPr>
+            <p:ph idx="1"/>
+          </p:nvPr>
+        </p:nvSpPr>
+        <p:spPr/>
+        <p:txBody>
+          <a:bodyPr/>
+          <a:lstStyle/>
+          <a:p>
+            <a:endParaRPr lang="en-US" sz="1800" dirty="0"/>
+          </a:p>
+        </p:txBody>
+      </p:sp>
+      <p:sp>
+        <p:nvSpPr>
+          <p:cNvPr id="4" name="Rectangle 3"/>
+          <p:cNvSpPr/>
+          <p:nvPr/>
+        </p:nvSpPr>
+        <p:spPr>
+          <a:xfrm>
+            <a:off x="3141480" y="659685"/>
+            <a:ext cx="2861040" cy="461665"/>
+          </a:xfrm>
+          <a:prstGeom prst="rect">
+            <a:avLst/>
+          </a:prstGeom>
+        </p:spPr>
+        <p:txBody>
+          <a:bodyPr wrap="none">
+            <a:spAutoFit/>
+          </a:bodyPr>
+          <a:lstStyle/>
+          <a:p>
+            <a:r>
+              <a:rPr lang="en-US" dirty="0"/>
+              <a:t>(see </a:t>
+            </a:r>
+            <a:r>
+              <a:rPr lang="en-US" dirty="0" err="1"/>
+              <a:t>interruptTones.c</a:t>
+            </a:r>
+            <a:r>
+              <a:rPr lang="en-US" dirty="0"/>
+              <a:t>)</a:t>
+            </a:r>
+          </a:p>
+        </p:txBody>
+      </p:sp>
+      <p:sp>
+        <p:nvSpPr>
+          <p:cNvPr id="7" name="Rectangle 6"/>
+          <p:cNvSpPr/>
+          <p:nvPr/>
+        </p:nvSpPr>
+        <p:spPr>
+          <a:xfrm>
+            <a:off x="0" y="6172174"/>
+            <a:ext cx="9144000" cy="707886"/>
+          </a:xfrm>
+          <a:prstGeom prst="rect">
+            <a:avLst/>
+          </a:prstGeom>
+        </p:spPr>
+        <p:txBody>
+          <a:bodyPr wrap="square">
+            <a:spAutoFit/>
+          </a:bodyPr>
+          <a:lstStyle/>
+          <a:p>
+            <a:pPr algn="ctr">
+              <a:spcBef>
+                <a:spcPts val="0"/>
+              </a:spcBef>
+            </a:pPr>
+            <a:r>
+              <a:rPr lang="en-US" sz="2000" dirty="0"/>
+              <a:t>Setup for the hooking up 3.5mm Audio Jack to the MSP430 Launchpad Board</a:t>
+            </a:r>
+          </a:p>
+          <a:p>
+            <a:pPr algn="ctr">
+              <a:spcBef>
+                <a:spcPts val="0"/>
+              </a:spcBef>
+            </a:pPr>
+            <a:r>
+              <a:rPr lang="en-US" sz="2000" dirty="0" smtClean="0"/>
+              <a:t>without </a:t>
+            </a:r>
+            <a:r>
+              <a:rPr lang="en-US" sz="2000" dirty="0"/>
+              <a:t>Volume Control</a:t>
+            </a:r>
+          </a:p>
+        </p:txBody>
+      </p:sp>
+      <p:pic>
+        <p:nvPicPr>
+          <p:cNvPr id="3074" name="Picture 2"/>
+          <p:cNvPicPr>
+            <a:picLocks noChangeAspect="1" noChangeArrowheads="1"/>
+          </p:cNvPicPr>
+          <p:nvPr/>
+        </p:nvPicPr>
+        <p:blipFill>
+          <a:blip r:embed="rId2">
+            <a:extLst>
+              <a:ext uri="{28A0092B-C50C-407E-A947-70E740481C1C}">
+                <a14:useLocalDpi xmlns:a14="http://schemas.microsoft.com/office/drawing/2010/main" val="0"/>
+              </a:ext>
+            </a:extLst>
+          </a:blip>
+          <a:srcRect/>
+          <a:stretch>
+            <a:fillRect/>
+          </a:stretch>
+        </p:blipFill>
+        <p:spPr bwMode="auto">
+          <a:xfrm>
+            <a:off x="609600" y="1450223"/>
+            <a:ext cx="7924800" cy="4667250"/>
+          </a:xfrm>
+          <a:prstGeom prst="rect">
+            <a:avLst/>
+          </a:prstGeom>
+          <a:noFill/>
+          <a:ln>
+            <a:noFill/>
+          </a:ln>
+          <a:extLst>
+            <a:ext uri="{909E8E84-426E-40DD-AFC4-6F175D3DCCD1}">
+              <a14:hiddenFill xmlns:a14="http://schemas.microsoft.com/office/drawing/2010/main">
+                <a:solidFill>
+                  <a:schemeClr val="accent1"/>
+                </a:solidFill>
+              </a14:hiddenFill>
+            </a:ext>
+            <a:ext uri="{91240B29-F687-4F45-9708-019B960494DF}">
+              <a14:hiddenLine xmlns:a14="http://schemas.microsoft.com/office/drawing/2010/main" w="9525">
+                <a:solidFill>
+                  <a:schemeClr val="tx1"/>
+                </a:solidFill>
+                <a:miter lim="800000"/>
+                <a:headEnd/>
+                <a:tailEnd/>
+              </a14:hiddenLine>
+            </a:ext>
+          </a:extLst>
+        </p:spPr>
+      </p:pic>
+    </p:spTree>
+    <p:extLst>
+      <p:ext uri="{BB962C8B-B14F-4D97-AF65-F5344CB8AC3E}">
+        <p14:creationId xmlns:p14="http://schemas.microsoft.com/office/powerpoint/2010/main" val="4102588970"/>
+      </p:ext>
+    </p:extLst>
+  </p:cSld>
+  <p:clrMapOvr>
+    <a:masterClrMapping/>
+  </p:clrMapOvr>
+  <mc:AlternateContent xmlns:mc="http://schemas.openxmlformats.org/markup-compatibility/2006" xmlns:p14="http://schemas.microsoft.com/office/powerpoint/2010/main">
+    <mc:Choice Requires="p14">
+      <p:transition spd="slow" p14:dur="2000"/>
+    </mc:Choice>
+    <mc:Fallback xmlns="">
+      <p:transition spd="slow"/>
+    </mc:Fallback>
+  </mc:AlternateContent>
+  <p:timing>
+    <p:tnLst>
+      <p:par>
+        <p:cTn id="1" dur="indefinite" restart="never" nodeType="tmRoot"/>
+      </p:par>
+    </p:tnLst>
+  </p:timing>
+</p:sld>
+</file>
+
+<file path=ppt/slides/slide19.xml><?xml version="1.0" encoding="utf-8"?>
+<p:sld xmlns:a="http://schemas.openxmlformats.org/drawingml/2006/main" xmlns:r="http://schemas.openxmlformats.org/officeDocument/2006/relationships" xmlns:p="http://schemas.openxmlformats.org/presentationml/2006/main">
+  <p:cSld>
+    <p:spTree>
+      <p:nvGrpSpPr>
+        <p:cNvPr id="1" name=""/>
+        <p:cNvGrpSpPr/>
+        <p:nvPr/>
+      </p:nvGrpSpPr>
+      <p:grpSpPr>
+        <a:xfrm>
+          <a:off x="0" y="0"/>
+          <a:ext cx="0" cy="0"/>
+          <a:chOff x="0" y="0"/>
+          <a:chExt cx="0" cy="0"/>
+        </a:xfrm>
+      </p:grpSpPr>
+      <p:sp>
+        <p:nvSpPr>
+          <p:cNvPr id="2" name="Title 1"/>
+          <p:cNvSpPr>
+            <a:spLocks noGrp="1"/>
+          </p:cNvSpPr>
+          <p:nvPr>
+            <p:ph type="title"/>
+          </p:nvPr>
+        </p:nvSpPr>
+        <p:spPr/>
+        <p:txBody>
+          <a:bodyPr/>
+          <a:lstStyle/>
+          <a:p>
+            <a:r>
+              <a:rPr lang="en-US" dirty="0" smtClean="0"/>
+              <a:t>In-Class Programming Exercise </a:t>
+            </a:r>
+            <a:endParaRPr lang="en-US" dirty="0"/>
+          </a:p>
+        </p:txBody>
+      </p:sp>
+      <p:sp>
+        <p:nvSpPr>
+          <p:cNvPr id="4" name="Rectangle 3"/>
+          <p:cNvSpPr/>
+          <p:nvPr/>
+        </p:nvSpPr>
+        <p:spPr>
+          <a:xfrm>
+            <a:off x="2834053" y="1362842"/>
+            <a:ext cx="2861040" cy="461665"/>
+          </a:xfrm>
+          <a:prstGeom prst="rect">
+            <a:avLst/>
+          </a:prstGeom>
+        </p:spPr>
+        <p:txBody>
+          <a:bodyPr wrap="none">
+            <a:spAutoFit/>
+          </a:bodyPr>
+          <a:lstStyle/>
+          <a:p>
+            <a:r>
+              <a:rPr lang="en-US" dirty="0"/>
+              <a:t>(see </a:t>
+            </a:r>
+            <a:r>
+              <a:rPr lang="en-US" dirty="0" err="1"/>
+              <a:t>interruptTones.c</a:t>
+            </a:r>
+            <a:r>
+              <a:rPr lang="en-US" dirty="0"/>
+              <a:t>)</a:t>
+            </a:r>
+          </a:p>
+        </p:txBody>
+      </p:sp>
+      <p:sp>
+        <p:nvSpPr>
+          <p:cNvPr id="7" name="Rectangle 6"/>
+          <p:cNvSpPr/>
+          <p:nvPr/>
+        </p:nvSpPr>
+        <p:spPr>
+          <a:xfrm>
+            <a:off x="0" y="5545033"/>
+            <a:ext cx="9144000" cy="707886"/>
+          </a:xfrm>
+          <a:prstGeom prst="rect">
+            <a:avLst/>
+          </a:prstGeom>
+        </p:spPr>
+        <p:txBody>
+          <a:bodyPr wrap="square">
+            <a:spAutoFit/>
+          </a:bodyPr>
+          <a:lstStyle/>
+          <a:p>
+            <a:pPr algn="ctr">
+              <a:spcBef>
+                <a:spcPts val="0"/>
+              </a:spcBef>
+            </a:pPr>
+            <a:r>
+              <a:rPr lang="en-US" sz="2000" dirty="0"/>
+              <a:t>Setup for the hooking up 3.5mm Audio Jack to the MSP430 Launchpad </a:t>
+            </a:r>
+            <a:r>
+              <a:rPr lang="en-US" sz="2000" dirty="0" smtClean="0"/>
+              <a:t>Board</a:t>
+            </a:r>
+          </a:p>
+          <a:p>
+            <a:pPr algn="ctr">
+              <a:spcBef>
+                <a:spcPts val="0"/>
+              </a:spcBef>
+            </a:pPr>
+            <a:r>
+              <a:rPr lang="en-US" sz="2000" dirty="0" smtClean="0"/>
+              <a:t>with Volume Control</a:t>
+            </a:r>
+            <a:endParaRPr lang="en-US" sz="2000" dirty="0"/>
+          </a:p>
+        </p:txBody>
+      </p:sp>
+      <p:pic>
+        <p:nvPicPr>
+          <p:cNvPr id="8" name="Picture 2"/>
+          <p:cNvPicPr>
+            <a:picLocks noChangeAspect="1" noChangeArrowheads="1"/>
+          </p:cNvPicPr>
+          <p:nvPr/>
+        </p:nvPicPr>
+        <p:blipFill>
+          <a:blip r:embed="rId2">
+            <a:extLst>
+              <a:ext uri="{28A0092B-C50C-407E-A947-70E740481C1C}">
+                <a14:useLocalDpi xmlns:a14="http://schemas.microsoft.com/office/drawing/2010/main" val="0"/>
+              </a:ext>
+            </a:extLst>
+          </a:blip>
+          <a:srcRect/>
+          <a:stretch>
+            <a:fillRect/>
+          </a:stretch>
+        </p:blipFill>
+        <p:spPr bwMode="auto">
+          <a:xfrm>
+            <a:off x="1324302" y="1824507"/>
+            <a:ext cx="6259383" cy="3530122"/>
+          </a:xfrm>
+          <a:prstGeom prst="rect">
+            <a:avLst/>
+          </a:prstGeom>
+          <a:noFill/>
+          <a:ln>
+            <a:noFill/>
+          </a:ln>
+          <a:extLst>
+            <a:ext uri="{909E8E84-426E-40DD-AFC4-6F175D3DCCD1}">
+              <a14:hiddenFill xmlns:a14="http://schemas.microsoft.com/office/drawing/2010/main">
+                <a:solidFill>
+                  <a:schemeClr val="accent1"/>
+                </a:solidFill>
+              </a14:hiddenFill>
+            </a:ext>
+            <a:ext uri="{91240B29-F687-4F45-9708-019B960494DF}">
+              <a14:hiddenLine xmlns:a14="http://schemas.microsoft.com/office/drawing/2010/main" w="9525">
+                <a:solidFill>
+                  <a:schemeClr val="tx1"/>
+                </a:solidFill>
+                <a:miter lim="800000"/>
+                <a:headEnd/>
+                <a:tailEnd/>
+              </a14:hiddenLine>
+            </a:ext>
+          </a:extLst>
+        </p:spPr>
+      </p:pic>
+    </p:spTree>
+    <p:extLst>
+      <p:ext uri="{BB962C8B-B14F-4D97-AF65-F5344CB8AC3E}">
+        <p14:creationId xmlns:p14="http://schemas.microsoft.com/office/powerpoint/2010/main" val="3543331703"/>
+      </p:ext>
+    </p:extLst>
+  </p:cSld>
+  <p:clrMapOvr>
+    <a:masterClrMapping/>
+  </p:clrMapOvr>
+  <p:timing>
+    <p:tnLst>
+      <p:par>
+        <p:cTn id="1" dur="indefinite" restart="never" nodeType="tmRoot"/>
+      </p:par>
+    </p:tnLst>
+  </p:timing>
+</p:sld>
+</file>
+
+<file path=ppt/slides/slide2.xml><?xml version="1.0" encoding="utf-8"?>
+<p:sld xmlns:a="http://schemas.openxmlformats.org/drawingml/2006/main" xmlns:r="http://schemas.openxmlformats.org/officeDocument/2006/relationships" xmlns:p="http://schemas.openxmlformats.org/presentationml/2006/main">
+  <p:cSld>
+    <p:spTree>
+      <p:nvGrpSpPr>
+        <p:cNvPr id="1" name=""/>
+        <p:cNvGrpSpPr/>
+        <p:nvPr/>
+      </p:nvGrpSpPr>
+      <p:grpSpPr>
+        <a:xfrm>
+          <a:off x="0" y="0"/>
+          <a:ext cx="0" cy="0"/>
+          <a:chOff x="0" y="0"/>
+          <a:chExt cx="0" cy="0"/>
+        </a:xfrm>
+      </p:grpSpPr>
+      <p:sp>
+        <p:nvSpPr>
+          <p:cNvPr id="2" name="Title 1"/>
+          <p:cNvSpPr>
+            <a:spLocks noGrp="1"/>
+          </p:cNvSpPr>
+          <p:nvPr>
+            <p:ph type="title"/>
+          </p:nvPr>
+        </p:nvSpPr>
+        <p:spPr/>
+        <p:txBody>
+          <a:bodyPr/>
+          <a:lstStyle/>
+          <a:p>
+            <a:r>
+              <a:rPr lang="en-US" dirty="0" smtClean="0"/>
+              <a:t>Overview</a:t>
+            </a:r>
+            <a:endParaRPr lang="en-US" dirty="0"/>
+          </a:p>
+        </p:txBody>
+      </p:sp>
+      <p:sp>
+        <p:nvSpPr>
+          <p:cNvPr id="3" name="Subtitle 2"/>
+          <p:cNvSpPr>
+            <a:spLocks noGrp="1"/>
+          </p:cNvSpPr>
+          <p:nvPr>
+            <p:ph idx="1"/>
+          </p:nvPr>
+        </p:nvSpPr>
+        <p:spPr/>
+        <p:txBody>
+          <a:bodyPr/>
+          <a:lstStyle/>
+          <a:p>
+            <a:pPr algn="l"/>
+            <a:r>
+              <a:rPr lang="en-US" sz="2800" b="1" dirty="0" smtClean="0"/>
+              <a:t>Lesson Outline</a:t>
+            </a:r>
+            <a:endParaRPr lang="en-US" sz="2800" b="1" dirty="0" smtClean="0">
+              <a:solidFill>
+                <a:srgbClr val="0070C0"/>
+              </a:solidFill>
+            </a:endParaRPr>
+          </a:p>
+          <a:p>
+            <a:pPr marL="800100" lvl="1" indent="-342900" algn="l">
+              <a:buFont typeface="Arial" panose="020B0604020202020204" pitchFamily="34" charset="0"/>
+              <a:buChar char="•"/>
+            </a:pPr>
+            <a:r>
+              <a:rPr lang="en-US" dirty="0" smtClean="0">
+                <a:solidFill>
+                  <a:srgbClr val="0070C0"/>
+                </a:solidFill>
+              </a:rPr>
+              <a:t>Interrupts</a:t>
+            </a:r>
+            <a:endParaRPr lang="en-US" sz="1800" dirty="0" smtClean="0">
+              <a:solidFill>
+                <a:srgbClr val="0070C0"/>
+              </a:solidFill>
+            </a:endParaRPr>
+          </a:p>
+          <a:p>
+            <a:pPr algn="l"/>
+            <a:endParaRPr lang="en-US" sz="2400" dirty="0" smtClean="0"/>
+          </a:p>
+        </p:txBody>
+      </p:sp>
+    </p:spTree>
+    <p:extLst>
+      <p:ext uri="{BB962C8B-B14F-4D97-AF65-F5344CB8AC3E}">
+        <p14:creationId xmlns:p14="http://schemas.microsoft.com/office/powerpoint/2010/main" val="4001633631"/>
+      </p:ext>
+    </p:extLst>
+  </p:cSld>
+  <p:clrMapOvr>
+    <a:masterClrMapping/>
+  </p:clrMapOvr>
+  <p:transition spd="med"/>
+  <p:timing>
+    <p:tnLst>
+      <p:par>
+        <p:cTn id="1" dur="indefinite" restart="never" nodeType="tmRoot"/>
+      </p:par>
+    </p:tnLst>
+  </p:timing>
+</p:sld>
+</file>
+
+<file path=ppt/slides/slide20.xml><?xml version="1.0" encoding="utf-8"?>
+<p:sld xmlns:a="http://schemas.openxmlformats.org/drawingml/2006/main" xmlns:r="http://schemas.openxmlformats.org/officeDocument/2006/relationships" xmlns:p="http://schemas.openxmlformats.org/presentationml/2006/main">
+  <p:cSld>
+    <p:spTree>
+      <p:nvGrpSpPr>
+        <p:cNvPr id="1" name=""/>
+        <p:cNvGrpSpPr/>
+        <p:nvPr/>
+      </p:nvGrpSpPr>
+      <p:grpSpPr>
+        <a:xfrm>
+          <a:off x="0" y="0"/>
+          <a:ext cx="0" cy="0"/>
+          <a:chOff x="0" y="0"/>
+          <a:chExt cx="0" cy="0"/>
+        </a:xfrm>
+      </p:grpSpPr>
+      <p:sp>
+        <p:nvSpPr>
+          <p:cNvPr id="2" name="Title 1"/>
+          <p:cNvSpPr>
+            <a:spLocks noGrp="1"/>
+          </p:cNvSpPr>
+          <p:nvPr>
+            <p:ph type="title"/>
+          </p:nvPr>
+        </p:nvSpPr>
+        <p:spPr/>
+        <p:txBody>
+          <a:bodyPr/>
+          <a:lstStyle/>
+          <a:p>
+            <a:r>
+              <a:rPr lang="en-US" dirty="0" smtClean="0"/>
+              <a:t>In-Class Programming Exercise </a:t>
+            </a:r>
+            <a:endParaRPr lang="en-US" dirty="0"/>
+          </a:p>
+        </p:txBody>
+      </p:sp>
+      <p:sp>
+        <p:nvSpPr>
+          <p:cNvPr id="4" name="Rectangle 3"/>
+          <p:cNvSpPr/>
+          <p:nvPr/>
+        </p:nvSpPr>
+        <p:spPr>
+          <a:xfrm>
+            <a:off x="3212424" y="1459683"/>
+            <a:ext cx="2861040" cy="461665"/>
+          </a:xfrm>
+          <a:prstGeom prst="rect">
+            <a:avLst/>
+          </a:prstGeom>
+        </p:spPr>
+        <p:txBody>
+          <a:bodyPr wrap="none">
+            <a:spAutoFit/>
+          </a:bodyPr>
+          <a:lstStyle/>
+          <a:p>
+            <a:r>
+              <a:rPr lang="en-US" dirty="0"/>
+              <a:t>(see </a:t>
+            </a:r>
+            <a:r>
+              <a:rPr lang="en-US" dirty="0" err="1"/>
+              <a:t>interruptTones.c</a:t>
+            </a:r>
+            <a:r>
+              <a:rPr lang="en-US" dirty="0"/>
+              <a:t>)</a:t>
+            </a:r>
+          </a:p>
+        </p:txBody>
+      </p:sp>
+      <p:sp>
+        <p:nvSpPr>
+          <p:cNvPr id="7" name="Rectangle 6"/>
+          <p:cNvSpPr/>
+          <p:nvPr/>
+        </p:nvSpPr>
+        <p:spPr>
+          <a:xfrm>
+            <a:off x="-86710" y="5730740"/>
+            <a:ext cx="9144000" cy="707886"/>
+          </a:xfrm>
+          <a:prstGeom prst="rect">
+            <a:avLst/>
+          </a:prstGeom>
+        </p:spPr>
+        <p:txBody>
+          <a:bodyPr wrap="square">
+            <a:spAutoFit/>
+          </a:bodyPr>
+          <a:lstStyle/>
+          <a:p>
+            <a:pPr algn="ctr">
+              <a:spcBef>
+                <a:spcPts val="0"/>
+              </a:spcBef>
+            </a:pPr>
+            <a:r>
+              <a:rPr lang="en-US" sz="2000" dirty="0"/>
+              <a:t>Setup for the hooking up 3.5mm Audio Jack to the MSP430 Launchpad </a:t>
+            </a:r>
+            <a:r>
+              <a:rPr lang="en-US" sz="2000" dirty="0" smtClean="0"/>
+              <a:t>Board</a:t>
+            </a:r>
+          </a:p>
+          <a:p>
+            <a:pPr algn="ctr">
+              <a:spcBef>
+                <a:spcPts val="0"/>
+              </a:spcBef>
+            </a:pPr>
+            <a:r>
+              <a:rPr lang="en-US" sz="2000" dirty="0" smtClean="0"/>
+              <a:t>with Volume Control</a:t>
+            </a:r>
+            <a:endParaRPr lang="en-US" sz="2000" dirty="0"/>
+          </a:p>
+        </p:txBody>
+      </p:sp>
+      <p:pic>
+        <p:nvPicPr>
+          <p:cNvPr id="4098" name="Picture 2"/>
+          <p:cNvPicPr>
+            <a:picLocks noChangeAspect="1" noChangeArrowheads="1"/>
+          </p:cNvPicPr>
+          <p:nvPr/>
+        </p:nvPicPr>
+        <p:blipFill>
+          <a:blip r:embed="rId2">
+            <a:extLst>
+              <a:ext uri="{28A0092B-C50C-407E-A947-70E740481C1C}">
+                <a14:useLocalDpi xmlns:a14="http://schemas.microsoft.com/office/drawing/2010/main" val="0"/>
+              </a:ext>
+            </a:extLst>
+          </a:blip>
+          <a:srcRect/>
+          <a:stretch>
+            <a:fillRect/>
+          </a:stretch>
+        </p:blipFill>
+        <p:spPr bwMode="auto">
+          <a:xfrm>
+            <a:off x="788276" y="1921348"/>
+            <a:ext cx="7593097" cy="3878997"/>
+          </a:xfrm>
+          <a:prstGeom prst="rect">
+            <a:avLst/>
+          </a:prstGeom>
+          <a:noFill/>
+          <a:ln>
+            <a:noFill/>
+          </a:ln>
+          <a:extLst>
+            <a:ext uri="{909E8E84-426E-40DD-AFC4-6F175D3DCCD1}">
+              <a14:hiddenFill xmlns:a14="http://schemas.microsoft.com/office/drawing/2010/main">
+                <a:solidFill>
+                  <a:schemeClr val="accent1"/>
+                </a:solidFill>
+              </a14:hiddenFill>
+            </a:ext>
+            <a:ext uri="{91240B29-F687-4F45-9708-019B960494DF}">
+              <a14:hiddenLine xmlns:a14="http://schemas.microsoft.com/office/drawing/2010/main" w="9525">
+                <a:solidFill>
+                  <a:schemeClr val="tx1"/>
+                </a:solidFill>
+                <a:miter lim="800000"/>
+                <a:headEnd/>
+                <a:tailEnd/>
+              </a14:hiddenLine>
+            </a:ext>
+          </a:extLst>
+        </p:spPr>
+      </p:pic>
+    </p:spTree>
+    <p:extLst>
+      <p:ext uri="{BB962C8B-B14F-4D97-AF65-F5344CB8AC3E}">
+        <p14:creationId xmlns:p14="http://schemas.microsoft.com/office/powerpoint/2010/main" val="3999124884"/>
+      </p:ext>
+    </p:extLst>
+  </p:cSld>
+  <p:clrMapOvr>
+    <a:masterClrMapping/>
+  </p:clrMapOvr>
+  <p:timing>
+    <p:tnLst>
+      <p:par>
+        <p:cTn id="1" dur="indefinite" restart="never" nodeType="tmRoot"/>
+      </p:par>
+    </p:tnLst>
+  </p:timing>
+</p:sld>
+</file>
+
+<file path=ppt/slides/slide21.xml><?xml version="1.0" encoding="utf-8"?>
+<p:sld xmlns:a="http://schemas.openxmlformats.org/drawingml/2006/main" xmlns:r="http://schemas.openxmlformats.org/officeDocument/2006/relationships" xmlns:p="http://schemas.openxmlformats.org/presentationml/2006/main">
+  <p:cSld>
+    <p:spTree>
+      <p:nvGrpSpPr>
+        <p:cNvPr id="1" name=""/>
+        <p:cNvGrpSpPr/>
+        <p:nvPr/>
+      </p:nvGrpSpPr>
+      <p:grpSpPr>
+        <a:xfrm>
+          <a:off x="0" y="0"/>
+          <a:ext cx="0" cy="0"/>
+          <a:chOff x="0" y="0"/>
+          <a:chExt cx="0" cy="0"/>
+        </a:xfrm>
+      </p:grpSpPr>
+      <p:sp>
+        <p:nvSpPr>
+          <p:cNvPr id="5" name="Subtitle 4"/>
+          <p:cNvSpPr>
+            <a:spLocks noGrp="1"/>
+          </p:cNvSpPr>
+          <p:nvPr>
+            <p:ph type="subTitle" idx="1"/>
+          </p:nvPr>
+        </p:nvSpPr>
+        <p:spPr/>
+        <p:txBody>
+          <a:bodyPr/>
+          <a:lstStyle/>
+          <a:p>
+            <a:endParaRPr lang="en-US" dirty="0"/>
+          </a:p>
+        </p:txBody>
+      </p:sp>
+      <p:sp>
+        <p:nvSpPr>
+          <p:cNvPr id="4" name="Title 3"/>
+          <p:cNvSpPr>
+            <a:spLocks noGrp="1"/>
+          </p:cNvSpPr>
+          <p:nvPr>
+            <p:ph type="title"/>
+          </p:nvPr>
+        </p:nvSpPr>
+        <p:spPr/>
+        <p:txBody>
+          <a:bodyPr/>
+          <a:lstStyle/>
+          <a:p>
+            <a:r>
+              <a:rPr lang="en-US" dirty="0" smtClean="0"/>
+              <a:t>BACKUPS</a:t>
+            </a:r>
+            <a:endParaRPr lang="en-US" dirty="0"/>
+          </a:p>
+        </p:txBody>
+      </p:sp>
+    </p:spTree>
+    <p:extLst>
+      <p:ext uri="{BB962C8B-B14F-4D97-AF65-F5344CB8AC3E}">
+        <p14:creationId xmlns:p14="http://schemas.microsoft.com/office/powerpoint/2010/main" val="3003632033"/>
+      </p:ext>
+    </p:extLst>
+  </p:cSld>
+  <p:clrMapOvr>
+    <a:masterClrMapping/>
+  </p:clrMapOvr>
+  <p:transition spd="med"/>
+  <p:timing>
+    <p:tnLst>
+      <p:par>
+        <p:cTn id="1" dur="indefinite" restart="never" nodeType="tmRoot"/>
+      </p:par>
+    </p:tnLst>
+  </p:timing>
+</p:sld>
+</file>
+
+<file path=ppt/slides/slide22.xml><?xml version="1.0" encoding="utf-8"?>
+<p:sld xmlns:a="http://schemas.openxmlformats.org/drawingml/2006/main" xmlns:r="http://schemas.openxmlformats.org/officeDocument/2006/relationships" xmlns:p="http://schemas.openxmlformats.org/presentationml/2006/main" show="0">
+  <p:cSld>
+    <p:spTree>
+      <p:nvGrpSpPr>
+        <p:cNvPr id="1" name=""/>
+        <p:cNvGrpSpPr/>
+        <p:nvPr/>
+      </p:nvGrpSpPr>
+      <p:grpSpPr>
+        <a:xfrm>
+          <a:off x="0" y="0"/>
+          <a:ext cx="0" cy="0"/>
+          <a:chOff x="0" y="0"/>
+          <a:chExt cx="0" cy="0"/>
+        </a:xfrm>
+      </p:grpSpPr>
+      <p:sp>
+        <p:nvSpPr>
+          <p:cNvPr id="2" name="Title 1"/>
+          <p:cNvSpPr>
+            <a:spLocks noGrp="1"/>
+          </p:cNvSpPr>
+          <p:nvPr>
+            <p:ph type="title"/>
+          </p:nvPr>
+        </p:nvSpPr>
+        <p:spPr/>
+        <p:txBody>
+          <a:bodyPr/>
+          <a:lstStyle/>
+          <a:p>
+            <a:r>
+              <a:rPr lang="en-US" b="1" dirty="0" smtClean="0"/>
+              <a:t>Lesson 25 Polling - Example Code</a:t>
+            </a:r>
+            <a:endParaRPr lang="en-US" b="1" dirty="0"/>
+          </a:p>
+        </p:txBody>
+      </p:sp>
+      <p:sp>
+        <p:nvSpPr>
+          <p:cNvPr id="5" name="Content Placeholder 2"/>
+          <p:cNvSpPr>
+            <a:spLocks noGrp="1"/>
+          </p:cNvSpPr>
+          <p:nvPr>
+            <p:ph idx="1"/>
+          </p:nvPr>
+        </p:nvSpPr>
+        <p:spPr>
+          <a:xfrm>
+            <a:off x="65118" y="757317"/>
+            <a:ext cx="8924336" cy="5176758"/>
+          </a:xfrm>
+          <a:solidFill>
+            <a:schemeClr val="bg1"/>
+          </a:solidFill>
+          <a:ln>
+            <a:solidFill>
+              <a:schemeClr val="tx1"/>
+            </a:solidFill>
+          </a:ln>
+        </p:spPr>
+        <p:txBody>
+          <a:bodyPr/>
+          <a:lstStyle/>
+          <a:p>
+            <a:pPr marL="0" indent="0">
+              <a:buNone/>
+            </a:pPr>
+            <a:r>
+              <a:rPr lang="en-US" sz="1200" b="1" dirty="0" smtClean="0">
+                <a:latin typeface="Courier New" pitchFamily="49" charset="0"/>
+                <a:cs typeface="Courier New" pitchFamily="49" charset="0"/>
+              </a:rPr>
+              <a:t>           </a:t>
+            </a:r>
+            <a:r>
+              <a:rPr lang="en-US" sz="1200" b="1" u="sng" dirty="0" err="1" smtClean="0">
+                <a:latin typeface="Courier New" pitchFamily="49" charset="0"/>
+                <a:cs typeface="Courier New" pitchFamily="49" charset="0"/>
+              </a:rPr>
+              <a:t>Main.c</a:t>
+            </a:r>
+            <a:endParaRPr lang="en-US" sz="1200" b="1" dirty="0" smtClean="0">
+              <a:latin typeface="Courier New" pitchFamily="49" charset="0"/>
+              <a:cs typeface="Courier New" pitchFamily="49" charset="0"/>
+            </a:endParaRPr>
+          </a:p>
+          <a:p>
+            <a:pPr marL="0" marR="0" indent="0">
+              <a:spcBef>
+                <a:spcPts val="0"/>
+              </a:spcBef>
+              <a:spcAft>
+                <a:spcPts val="0"/>
+              </a:spcAft>
+              <a:buNone/>
+            </a:pPr>
+            <a:r>
+              <a:rPr lang="en-US" sz="1200" b="1" dirty="0" smtClean="0">
+                <a:solidFill>
+                  <a:srgbClr val="7F0055"/>
+                </a:solidFill>
+                <a:latin typeface="Consolas"/>
+                <a:ea typeface="Calibri"/>
+              </a:rPr>
+              <a:t>#</a:t>
+            </a:r>
+            <a:r>
+              <a:rPr lang="en-US" sz="1200" b="1" dirty="0">
+                <a:solidFill>
+                  <a:srgbClr val="7F0055"/>
+                </a:solidFill>
+                <a:latin typeface="Consolas"/>
+                <a:ea typeface="Calibri"/>
+              </a:rPr>
+              <a:t>include</a:t>
+            </a:r>
+            <a:r>
+              <a:rPr lang="en-US" sz="1200" dirty="0">
+                <a:solidFill>
+                  <a:srgbClr val="000000"/>
+                </a:solidFill>
+                <a:latin typeface="Consolas"/>
+                <a:ea typeface="Calibri"/>
+              </a:rPr>
+              <a:t> </a:t>
+            </a:r>
+            <a:r>
+              <a:rPr lang="en-US" sz="1200" dirty="0">
+                <a:solidFill>
+                  <a:srgbClr val="2A00FF"/>
+                </a:solidFill>
+                <a:latin typeface="Consolas"/>
+                <a:ea typeface="Calibri"/>
+              </a:rPr>
+              <a:t>&lt;msp430g2553.h&gt;</a:t>
+            </a:r>
+            <a:endParaRPr lang="en-US" sz="1200" dirty="0">
+              <a:latin typeface="Calibri"/>
+              <a:ea typeface="Calibri"/>
+            </a:endParaRPr>
+          </a:p>
+          <a:p>
+            <a:pPr marL="0" marR="0" indent="0">
+              <a:spcBef>
+                <a:spcPts val="0"/>
+              </a:spcBef>
+              <a:spcAft>
+                <a:spcPts val="0"/>
+              </a:spcAft>
+              <a:buNone/>
+            </a:pPr>
+            <a:r>
+              <a:rPr lang="en-US" sz="1200" dirty="0">
+                <a:latin typeface="Consolas"/>
+                <a:ea typeface="Calibri"/>
+              </a:rPr>
+              <a:t> </a:t>
+            </a:r>
+            <a:endParaRPr lang="en-US" sz="1200" dirty="0">
+              <a:latin typeface="Calibri"/>
+              <a:ea typeface="Calibri"/>
+            </a:endParaRPr>
+          </a:p>
+          <a:p>
+            <a:pPr marL="0" marR="0" indent="0">
+              <a:spcBef>
+                <a:spcPts val="0"/>
+              </a:spcBef>
+              <a:spcAft>
+                <a:spcPts val="0"/>
+              </a:spcAft>
+              <a:buNone/>
+            </a:pPr>
+            <a:r>
+              <a:rPr lang="en-US" sz="1200" b="1" dirty="0" smtClean="0">
+                <a:solidFill>
+                  <a:srgbClr val="7F0055"/>
+                </a:solidFill>
+                <a:latin typeface="Consolas"/>
+                <a:ea typeface="Calibri"/>
+              </a:rPr>
+              <a:t>void</a:t>
+            </a:r>
+            <a:r>
+              <a:rPr lang="en-US" sz="1200" dirty="0" smtClean="0">
+                <a:solidFill>
+                  <a:srgbClr val="000000"/>
+                </a:solidFill>
+                <a:latin typeface="Consolas"/>
+                <a:ea typeface="Calibri"/>
+              </a:rPr>
+              <a:t> </a:t>
+            </a:r>
+            <a:r>
+              <a:rPr lang="en-US" sz="1200" b="1" dirty="0" smtClean="0">
+                <a:solidFill>
+                  <a:srgbClr val="000000"/>
+                </a:solidFill>
+                <a:latin typeface="Consolas"/>
+                <a:ea typeface="Calibri"/>
+              </a:rPr>
+              <a:t>main</a:t>
+            </a:r>
+            <a:r>
+              <a:rPr lang="en-US" sz="1200" dirty="0" smtClean="0">
+                <a:solidFill>
+                  <a:srgbClr val="000000"/>
+                </a:solidFill>
+                <a:latin typeface="Consolas"/>
+                <a:ea typeface="Calibri"/>
+              </a:rPr>
+              <a:t>(</a:t>
+            </a:r>
+            <a:r>
+              <a:rPr lang="en-US" sz="1200" b="1" dirty="0" smtClean="0">
+                <a:solidFill>
+                  <a:srgbClr val="7F0055"/>
+                </a:solidFill>
+                <a:latin typeface="Consolas"/>
+                <a:ea typeface="Calibri"/>
+              </a:rPr>
+              <a:t>void</a:t>
+            </a:r>
+            <a:r>
+              <a:rPr lang="en-US" sz="1200" dirty="0" smtClean="0">
+                <a:solidFill>
+                  <a:srgbClr val="000000"/>
+                </a:solidFill>
+                <a:latin typeface="Consolas"/>
+                <a:ea typeface="Calibri"/>
+              </a:rPr>
+              <a:t>) {</a:t>
+            </a:r>
+            <a:endParaRPr lang="en-US" sz="1200" dirty="0" smtClean="0">
+              <a:latin typeface="Calibri"/>
+              <a:ea typeface="Calibri"/>
+            </a:endParaRPr>
+          </a:p>
+          <a:p>
+            <a:pPr marL="0" indent="0">
+              <a:buNone/>
+            </a:pPr>
+            <a:r>
+              <a:rPr lang="en-US" sz="1200" dirty="0">
+                <a:solidFill>
+                  <a:srgbClr val="000000"/>
+                </a:solidFill>
+                <a:latin typeface="Consolas"/>
+              </a:rPr>
+              <a:t> </a:t>
+            </a:r>
+            <a:r>
+              <a:rPr lang="en-US" sz="1200" dirty="0" smtClean="0">
+                <a:solidFill>
+                  <a:srgbClr val="000000"/>
+                </a:solidFill>
+                <a:latin typeface="Consolas"/>
+              </a:rPr>
+              <a:t>   WDTCTL </a:t>
+            </a:r>
+            <a:r>
+              <a:rPr lang="en-US" sz="1200" dirty="0">
+                <a:solidFill>
+                  <a:srgbClr val="000000"/>
+                </a:solidFill>
+                <a:latin typeface="Consolas"/>
+              </a:rPr>
+              <a:t>= WDTPW | WDTHOLD</a:t>
+            </a:r>
+            <a:r>
+              <a:rPr lang="en-US" sz="1200" dirty="0" smtClean="0">
+                <a:solidFill>
+                  <a:srgbClr val="000000"/>
+                </a:solidFill>
+                <a:latin typeface="Consolas"/>
+              </a:rPr>
+              <a:t>;   </a:t>
+            </a:r>
+            <a:r>
+              <a:rPr lang="en-US" sz="1200" dirty="0" smtClean="0">
+                <a:solidFill>
+                  <a:srgbClr val="3F7F5F"/>
+                </a:solidFill>
+                <a:latin typeface="Consolas"/>
+              </a:rPr>
+              <a:t>// </a:t>
+            </a:r>
+            <a:r>
+              <a:rPr lang="en-US" sz="1200" dirty="0">
+                <a:solidFill>
+                  <a:srgbClr val="3F7F5F"/>
+                </a:solidFill>
+                <a:latin typeface="Consolas"/>
+              </a:rPr>
+              <a:t>Stop watchdog </a:t>
+            </a:r>
+            <a:r>
+              <a:rPr lang="en-US" sz="1200" dirty="0" smtClean="0">
+                <a:solidFill>
+                  <a:srgbClr val="3F7F5F"/>
+                </a:solidFill>
+                <a:latin typeface="Consolas"/>
+              </a:rPr>
+              <a:t>timer</a:t>
+            </a:r>
+          </a:p>
+          <a:p>
+            <a:pPr marL="0" indent="0">
+              <a:buNone/>
+            </a:pPr>
+            <a:endParaRPr lang="en-US" sz="1200" dirty="0">
+              <a:solidFill>
+                <a:srgbClr val="3F7F5F"/>
+              </a:solidFill>
+              <a:latin typeface="Consolas"/>
+            </a:endParaRPr>
+          </a:p>
+          <a:p>
+            <a:pPr marL="0" indent="0">
+              <a:buNone/>
+            </a:pPr>
+            <a:r>
+              <a:rPr lang="en-US" sz="1200" dirty="0">
+                <a:solidFill>
+                  <a:srgbClr val="000000"/>
+                </a:solidFill>
+                <a:latin typeface="Consolas"/>
+              </a:rPr>
+              <a:t>    BCSCTL1 = CALBC1_8MHZ;      </a:t>
+            </a:r>
+            <a:r>
+              <a:rPr lang="en-US" sz="1200" dirty="0">
+                <a:solidFill>
+                  <a:srgbClr val="3F7F5F"/>
+                </a:solidFill>
+                <a:latin typeface="Consolas"/>
+              </a:rPr>
+              <a:t>// Set SMCLK 8 </a:t>
+            </a:r>
+            <a:r>
+              <a:rPr lang="en-US" sz="1200" dirty="0" smtClean="0">
+                <a:solidFill>
+                  <a:srgbClr val="3F7F5F"/>
+                </a:solidFill>
+                <a:latin typeface="Consolas"/>
+              </a:rPr>
+              <a:t>MHz</a:t>
+            </a:r>
+            <a:endParaRPr lang="en-US" sz="1200" dirty="0">
+              <a:solidFill>
+                <a:srgbClr val="3F7F5F"/>
+              </a:solidFill>
+              <a:latin typeface="Consolas"/>
+            </a:endParaRPr>
+          </a:p>
+          <a:p>
+            <a:pPr marL="0" indent="0">
+              <a:buNone/>
+            </a:pPr>
+            <a:r>
+              <a:rPr lang="en-US" sz="1200" dirty="0">
+                <a:solidFill>
+                  <a:srgbClr val="000000"/>
+                </a:solidFill>
+                <a:latin typeface="Consolas"/>
+              </a:rPr>
+              <a:t>    DCOCTL = CALDCO_8MHZ</a:t>
+            </a:r>
+            <a:r>
+              <a:rPr lang="en-US" sz="1200" dirty="0" smtClean="0">
+                <a:solidFill>
+                  <a:srgbClr val="000000"/>
+                </a:solidFill>
+                <a:latin typeface="Consolas"/>
+              </a:rPr>
+              <a:t>;</a:t>
+            </a:r>
+            <a:endParaRPr lang="en-US" sz="1200" dirty="0">
+              <a:solidFill>
+                <a:srgbClr val="000000"/>
+              </a:solidFill>
+              <a:latin typeface="Consolas"/>
+            </a:endParaRPr>
+          </a:p>
+          <a:p>
+            <a:pPr marL="0" indent="0">
+              <a:buNone/>
+            </a:pPr>
+            <a:endParaRPr lang="en-US" sz="1200" dirty="0" smtClean="0">
+              <a:latin typeface="Consolas"/>
+            </a:endParaRPr>
+          </a:p>
+          <a:p>
+            <a:pPr marL="0" indent="0">
+              <a:buNone/>
+            </a:pPr>
+            <a:r>
+              <a:rPr lang="en-US" sz="1200" dirty="0" smtClean="0">
+                <a:latin typeface="Consolas"/>
+              </a:rPr>
+              <a:t>    P1DIR </a:t>
+            </a:r>
+            <a:r>
+              <a:rPr lang="en-US" sz="1200" dirty="0">
+                <a:latin typeface="Consolas"/>
+              </a:rPr>
+              <a:t>= BIT6; </a:t>
+            </a:r>
+            <a:r>
+              <a:rPr lang="en-US" sz="1200" dirty="0" smtClean="0">
+                <a:latin typeface="Consolas"/>
+              </a:rPr>
+              <a:t>		</a:t>
+            </a:r>
+            <a:r>
+              <a:rPr lang="en-US" sz="1200" dirty="0" smtClean="0">
+                <a:solidFill>
+                  <a:srgbClr val="3F7F5F"/>
+                </a:solidFill>
+                <a:latin typeface="Consolas"/>
+              </a:rPr>
+              <a:t>// </a:t>
+            </a:r>
+            <a:r>
+              <a:rPr lang="en-US" sz="1200" dirty="0">
+                <a:solidFill>
+                  <a:srgbClr val="3F7F5F"/>
+                </a:solidFill>
+                <a:latin typeface="Consolas"/>
+              </a:rPr>
+              <a:t>Set the green LED as an output</a:t>
+            </a:r>
+            <a:endParaRPr lang="en-US" sz="1200" dirty="0">
+              <a:latin typeface="Consolas"/>
+            </a:endParaRPr>
+          </a:p>
+          <a:p>
+            <a:pPr marL="0" indent="0">
+              <a:buNone/>
+            </a:pPr>
+            <a:r>
+              <a:rPr lang="en-US" sz="1200" dirty="0" smtClean="0">
+                <a:solidFill>
+                  <a:srgbClr val="000000"/>
+                </a:solidFill>
+                <a:latin typeface="Consolas"/>
+              </a:rPr>
+              <a:t>    </a:t>
+            </a:r>
+          </a:p>
+          <a:p>
+            <a:pPr marL="0" indent="0">
+              <a:buNone/>
+            </a:pPr>
+            <a:r>
+              <a:rPr lang="en-US" sz="1200" dirty="0">
+                <a:solidFill>
+                  <a:srgbClr val="000000"/>
+                </a:solidFill>
+                <a:latin typeface="Consolas"/>
+              </a:rPr>
+              <a:t> </a:t>
+            </a:r>
+            <a:r>
+              <a:rPr lang="en-US" sz="1200" dirty="0" smtClean="0">
+                <a:solidFill>
+                  <a:srgbClr val="000000"/>
+                </a:solidFill>
+                <a:latin typeface="Consolas"/>
+              </a:rPr>
+              <a:t>   TACCR0 </a:t>
+            </a:r>
+            <a:r>
+              <a:rPr lang="en-US" sz="1200" dirty="0">
+                <a:solidFill>
+                  <a:srgbClr val="000000"/>
+                </a:solidFill>
+                <a:latin typeface="Consolas"/>
+              </a:rPr>
+              <a:t>= 256 - 1;                    </a:t>
+            </a:r>
+            <a:r>
+              <a:rPr lang="en-US" sz="1200" dirty="0">
+                <a:solidFill>
+                  <a:srgbClr val="3F7F5F"/>
+                </a:solidFill>
+                <a:latin typeface="Consolas"/>
+              </a:rPr>
+              <a:t>// Set the interval</a:t>
+            </a:r>
+          </a:p>
+          <a:p>
+            <a:pPr marL="0" indent="0">
+              <a:buNone/>
+            </a:pPr>
+            <a:r>
+              <a:rPr lang="en-US" sz="1200" dirty="0">
+                <a:solidFill>
+                  <a:srgbClr val="000000"/>
+                </a:solidFill>
+                <a:latin typeface="Consolas"/>
+              </a:rPr>
+              <a:t>    </a:t>
+            </a:r>
+            <a:r>
+              <a:rPr lang="en-US" sz="1200" dirty="0" smtClean="0">
+                <a:solidFill>
+                  <a:srgbClr val="000000"/>
+                </a:solidFill>
+                <a:latin typeface="Consolas"/>
+              </a:rPr>
+              <a:t>TA0CTL </a:t>
+            </a:r>
+            <a:r>
+              <a:rPr lang="en-US" sz="1200" dirty="0">
+                <a:solidFill>
+                  <a:srgbClr val="000000"/>
+                </a:solidFill>
+                <a:latin typeface="Consolas"/>
+              </a:rPr>
+              <a:t>&amp;= ~TAIFG;                     </a:t>
+            </a:r>
+            <a:r>
+              <a:rPr lang="en-US" sz="1200" dirty="0">
+                <a:solidFill>
+                  <a:srgbClr val="3F7F5F"/>
+                </a:solidFill>
+                <a:latin typeface="Consolas"/>
+              </a:rPr>
+              <a:t>// Clear any rollover flag</a:t>
+            </a:r>
+            <a:endParaRPr lang="en-US" sz="1200" dirty="0">
+              <a:latin typeface="Consolas"/>
+            </a:endParaRPr>
+          </a:p>
+          <a:p>
+            <a:pPr marL="0" indent="0">
+              <a:buNone/>
+            </a:pPr>
+            <a:r>
+              <a:rPr lang="en-US" sz="1200" dirty="0">
+                <a:solidFill>
+                  <a:srgbClr val="000000"/>
+                </a:solidFill>
+                <a:latin typeface="Consolas"/>
+              </a:rPr>
+              <a:t>    </a:t>
+            </a:r>
+            <a:r>
+              <a:rPr lang="en-US" sz="1200" dirty="0" smtClean="0">
+                <a:solidFill>
+                  <a:srgbClr val="000000"/>
+                </a:solidFill>
+                <a:latin typeface="Consolas"/>
+              </a:rPr>
+              <a:t>TA0CTL </a:t>
+            </a:r>
+            <a:r>
+              <a:rPr lang="en-US" sz="1200" dirty="0">
+                <a:solidFill>
+                  <a:srgbClr val="000000"/>
+                </a:solidFill>
+                <a:latin typeface="Consolas"/>
+              </a:rPr>
+              <a:t>|= ID_0 | TASSEL_2 | MC_1</a:t>
+            </a:r>
+            <a:r>
+              <a:rPr lang="en-US" sz="1200" dirty="0" smtClean="0">
+                <a:solidFill>
+                  <a:srgbClr val="000000"/>
+                </a:solidFill>
+                <a:latin typeface="Consolas"/>
+              </a:rPr>
+              <a:t>;     </a:t>
+            </a:r>
+            <a:r>
+              <a:rPr lang="en-US" sz="1200" dirty="0" smtClean="0">
+                <a:solidFill>
+                  <a:srgbClr val="3F7F5F"/>
+                </a:solidFill>
+                <a:latin typeface="Consolas"/>
+              </a:rPr>
+              <a:t>// </a:t>
+            </a:r>
+            <a:r>
+              <a:rPr lang="en-US" sz="1200" dirty="0">
+                <a:solidFill>
+                  <a:srgbClr val="3F7F5F"/>
+                </a:solidFill>
+                <a:latin typeface="Consolas"/>
+              </a:rPr>
+              <a:t>Important Timer </a:t>
+            </a:r>
+            <a:r>
+              <a:rPr lang="en-US" sz="1200" dirty="0" smtClean="0">
+                <a:solidFill>
+                  <a:srgbClr val="3F7F5F"/>
+                </a:solidFill>
+                <a:latin typeface="Consolas"/>
+              </a:rPr>
+              <a:t>stuff!</a:t>
+            </a:r>
+          </a:p>
+          <a:p>
+            <a:pPr marL="0" indent="0">
+              <a:buNone/>
+            </a:pPr>
+            <a:endParaRPr lang="en-US" sz="1200" b="1" dirty="0">
+              <a:solidFill>
+                <a:srgbClr val="3F7F5F"/>
+              </a:solidFill>
+              <a:latin typeface="Consolas"/>
+            </a:endParaRPr>
+          </a:p>
+          <a:p>
+            <a:pPr marL="0" indent="0">
+              <a:buNone/>
+            </a:pPr>
+            <a:r>
+              <a:rPr lang="en-US" sz="1200" b="1" dirty="0" smtClean="0">
+                <a:solidFill>
+                  <a:srgbClr val="7F0055"/>
+                </a:solidFill>
+                <a:latin typeface="Consolas"/>
+              </a:rPr>
+              <a:t>while</a:t>
+            </a:r>
+            <a:r>
+              <a:rPr lang="en-US" sz="1200" b="1" dirty="0" smtClean="0">
+                <a:solidFill>
+                  <a:srgbClr val="000000"/>
+                </a:solidFill>
+                <a:latin typeface="Consolas"/>
+              </a:rPr>
+              <a:t>(1</a:t>
+            </a:r>
+            <a:r>
+              <a:rPr lang="en-US" sz="1200" b="1" dirty="0">
+                <a:solidFill>
+                  <a:srgbClr val="000000"/>
+                </a:solidFill>
+                <a:latin typeface="Consolas"/>
+              </a:rPr>
+              <a:t>) {</a:t>
+            </a:r>
+          </a:p>
+          <a:p>
+            <a:pPr marL="0" indent="0">
+              <a:buNone/>
+            </a:pPr>
+            <a:r>
+              <a:rPr lang="en-US" sz="1200" dirty="0">
+                <a:solidFill>
+                  <a:srgbClr val="000000"/>
+                </a:solidFill>
+                <a:latin typeface="Consolas"/>
+              </a:rPr>
+              <a:t>    </a:t>
+            </a:r>
+            <a:r>
+              <a:rPr lang="en-US" sz="1200" b="1" dirty="0">
+                <a:solidFill>
+                  <a:srgbClr val="7F0055"/>
+                </a:solidFill>
+                <a:latin typeface="Consolas"/>
+              </a:rPr>
+              <a:t>while</a:t>
+            </a:r>
+            <a:r>
+              <a:rPr lang="en-US" sz="1200" b="1" dirty="0">
+                <a:solidFill>
+                  <a:srgbClr val="000000"/>
+                </a:solidFill>
+                <a:latin typeface="Consolas"/>
+              </a:rPr>
+              <a:t> ((</a:t>
+            </a:r>
+            <a:r>
+              <a:rPr lang="en-US" sz="1200" b="1" dirty="0" smtClean="0">
+                <a:solidFill>
+                  <a:srgbClr val="000000"/>
+                </a:solidFill>
+                <a:latin typeface="Consolas"/>
+              </a:rPr>
+              <a:t>TA0CTL </a:t>
+            </a:r>
+            <a:r>
+              <a:rPr lang="en-US" sz="1200" b="1" dirty="0">
+                <a:solidFill>
+                  <a:srgbClr val="000000"/>
+                </a:solidFill>
+                <a:latin typeface="Consolas"/>
+              </a:rPr>
+              <a:t>&amp; TAIFG) == 0</a:t>
+            </a:r>
+            <a:r>
+              <a:rPr lang="en-US" sz="1200" b="1" dirty="0" smtClean="0">
+                <a:solidFill>
+                  <a:srgbClr val="000000"/>
+                </a:solidFill>
+                <a:latin typeface="Consolas"/>
+              </a:rPr>
+              <a:t>); </a:t>
+            </a:r>
+            <a:r>
+              <a:rPr lang="en-US" sz="1200" dirty="0">
+                <a:solidFill>
+                  <a:srgbClr val="3F7F5F"/>
+                </a:solidFill>
+                <a:latin typeface="Consolas"/>
+              </a:rPr>
+              <a:t>// </a:t>
+            </a:r>
+            <a:r>
+              <a:rPr lang="en-US" sz="1200" dirty="0" smtClean="0">
+                <a:solidFill>
+                  <a:srgbClr val="3F7F5F"/>
+                </a:solidFill>
+                <a:latin typeface="Consolas"/>
+              </a:rPr>
+              <a:t>Polling timer flag?         </a:t>
+            </a:r>
+            <a:r>
+              <a:rPr lang="en-US" sz="1200" dirty="0" smtClean="0">
+                <a:solidFill>
+                  <a:srgbClr val="FF0000"/>
+                </a:solidFill>
+                <a:latin typeface="Consolas"/>
+              </a:rPr>
+              <a:t>Would this be good for pong game?</a:t>
+            </a:r>
+            <a:endParaRPr lang="en-US" sz="1200" b="1" dirty="0">
+              <a:solidFill>
+                <a:srgbClr val="FF0000"/>
+              </a:solidFill>
+              <a:latin typeface="Consolas"/>
+            </a:endParaRPr>
+          </a:p>
+          <a:p>
+            <a:pPr marL="0" indent="0">
+              <a:buNone/>
+            </a:pPr>
+            <a:r>
+              <a:rPr lang="en-US" sz="1200" dirty="0">
+                <a:solidFill>
+                  <a:srgbClr val="000000"/>
+                </a:solidFill>
+                <a:latin typeface="Consolas"/>
+              </a:rPr>
+              <a:t>    </a:t>
+            </a:r>
+            <a:r>
+              <a:rPr lang="en-US" sz="1200" dirty="0" smtClean="0">
+                <a:solidFill>
+                  <a:srgbClr val="000000"/>
+                </a:solidFill>
+                <a:latin typeface="Consolas"/>
+              </a:rPr>
+              <a:t>TA0CTL </a:t>
+            </a:r>
+            <a:r>
+              <a:rPr lang="en-US" sz="1200" dirty="0">
+                <a:solidFill>
+                  <a:srgbClr val="000000"/>
+                </a:solidFill>
+                <a:latin typeface="Consolas"/>
+              </a:rPr>
+              <a:t>&amp;= ~TAIFG</a:t>
+            </a:r>
+            <a:r>
+              <a:rPr lang="en-US" sz="1200" dirty="0" smtClean="0">
+                <a:solidFill>
+                  <a:srgbClr val="000000"/>
+                </a:solidFill>
+                <a:latin typeface="Consolas"/>
+              </a:rPr>
+              <a:t>;              </a:t>
+            </a:r>
+            <a:r>
+              <a:rPr lang="en-US" sz="1200" dirty="0" smtClean="0">
+                <a:solidFill>
+                  <a:srgbClr val="3F7F5F"/>
+                </a:solidFill>
+                <a:latin typeface="Consolas"/>
+              </a:rPr>
+              <a:t>// </a:t>
+            </a:r>
+            <a:r>
+              <a:rPr lang="en-US" sz="1200" dirty="0">
+                <a:solidFill>
+                  <a:srgbClr val="3F7F5F"/>
+                </a:solidFill>
+                <a:latin typeface="Consolas"/>
+              </a:rPr>
+              <a:t>Clear </a:t>
+            </a:r>
+            <a:r>
+              <a:rPr lang="en-US" sz="1200" dirty="0" smtClean="0">
+                <a:solidFill>
+                  <a:srgbClr val="3F7F5F"/>
+                </a:solidFill>
+                <a:latin typeface="Consolas"/>
+              </a:rPr>
+              <a:t>rollover flag</a:t>
+            </a:r>
+            <a:endParaRPr lang="en-US" sz="1200" dirty="0">
+              <a:solidFill>
+                <a:srgbClr val="000000"/>
+              </a:solidFill>
+              <a:latin typeface="Consolas"/>
+            </a:endParaRPr>
+          </a:p>
+          <a:p>
+            <a:pPr marL="0" indent="0">
+              <a:buNone/>
+            </a:pPr>
+            <a:r>
+              <a:rPr lang="en-US" sz="1200" dirty="0">
+                <a:solidFill>
+                  <a:srgbClr val="000000"/>
+                </a:solidFill>
+                <a:latin typeface="Consolas"/>
+              </a:rPr>
+              <a:t>    P1OUT ^= BIT6</a:t>
+            </a:r>
+            <a:r>
+              <a:rPr lang="en-US" sz="1200" dirty="0" smtClean="0">
+                <a:solidFill>
+                  <a:srgbClr val="000000"/>
+                </a:solidFill>
+                <a:latin typeface="Consolas"/>
+              </a:rPr>
+              <a:t>;                </a:t>
+            </a:r>
+            <a:r>
+              <a:rPr lang="en-US" sz="1200" dirty="0" smtClean="0">
+                <a:solidFill>
+                  <a:srgbClr val="3F7F5F"/>
+                </a:solidFill>
+                <a:latin typeface="Consolas"/>
+              </a:rPr>
+              <a:t>// toggle LED</a:t>
+            </a:r>
+            <a:endParaRPr lang="en-US" sz="1200" dirty="0">
+              <a:solidFill>
+                <a:srgbClr val="000000"/>
+              </a:solidFill>
+              <a:latin typeface="Consolas"/>
+            </a:endParaRPr>
+          </a:p>
+          <a:p>
+            <a:pPr marL="0" indent="0">
+              <a:buNone/>
+            </a:pPr>
+            <a:r>
+              <a:rPr lang="en-US" sz="1200" dirty="0">
+                <a:solidFill>
+                  <a:srgbClr val="000000"/>
+                </a:solidFill>
+                <a:latin typeface="Consolas"/>
+              </a:rPr>
+              <a:t>    } </a:t>
+            </a:r>
+            <a:r>
+              <a:rPr lang="en-US" sz="1200" dirty="0">
+                <a:solidFill>
+                  <a:srgbClr val="3F7F5F"/>
+                </a:solidFill>
+                <a:latin typeface="Consolas"/>
+              </a:rPr>
+              <a:t>// end infinite </a:t>
+            </a:r>
+            <a:r>
+              <a:rPr lang="en-US" sz="1200" dirty="0" smtClean="0">
+                <a:solidFill>
+                  <a:srgbClr val="3F7F5F"/>
+                </a:solidFill>
+                <a:latin typeface="Consolas"/>
+              </a:rPr>
+              <a:t>loop</a:t>
+            </a:r>
+          </a:p>
+          <a:p>
+            <a:pPr marL="0" indent="0">
+              <a:buNone/>
+            </a:pPr>
+            <a:r>
+              <a:rPr lang="en-US" sz="1200" dirty="0" smtClean="0">
+                <a:solidFill>
+                  <a:srgbClr val="000000"/>
+                </a:solidFill>
+                <a:latin typeface="Consolas"/>
+                <a:ea typeface="Calibri"/>
+              </a:rPr>
+              <a:t>}</a:t>
+            </a:r>
+            <a:endParaRPr lang="en-US" sz="1200" dirty="0">
+              <a:effectLst/>
+              <a:latin typeface="Calibri"/>
+              <a:ea typeface="Calibri"/>
+            </a:endParaRPr>
+          </a:p>
+        </p:txBody>
+      </p:sp>
+    </p:spTree>
+    <p:extLst>
+      <p:ext uri="{BB962C8B-B14F-4D97-AF65-F5344CB8AC3E}">
+        <p14:creationId xmlns:p14="http://schemas.microsoft.com/office/powerpoint/2010/main" val="3658817693"/>
+      </p:ext>
+    </p:extLst>
+  </p:cSld>
+  <p:clrMapOvr>
+    <a:masterClrMapping/>
+  </p:clrMapOvr>
+  <mc:AlternateContent xmlns:mc="http://schemas.openxmlformats.org/markup-compatibility/2006" xmlns:p14="http://schemas.microsoft.com/office/powerpoint/2010/main">
+    <mc:Choice Requires="p14">
+      <p:transition spd="slow" p14:dur="2000"/>
+    </mc:Choice>
+    <mc:Fallback xmlns="">
+      <p:transition spd="slow"/>
+    </mc:Fallback>
+  </mc:AlternateContent>
+  <p:timing>
+    <p:tnLst>
+      <p:par>
+        <p:cTn id="1" dur="indefinite" restart="never" nodeType="tmRoot"/>
+      </p:par>
+    </p:tnLst>
+  </p:timing>
+</p:sld>
+</file>
+
+<file path=ppt/slides/slide23.xml><?xml version="1.0" encoding="utf-8"?>
+<p:sld xmlns:a="http://schemas.openxmlformats.org/drawingml/2006/main" xmlns:r="http://schemas.openxmlformats.org/officeDocument/2006/relationships" xmlns:p="http://schemas.openxmlformats.org/presentationml/2006/main" show="0">
+  <p:cSld>
+    <p:spTree>
+      <p:nvGrpSpPr>
+        <p:cNvPr id="1" name=""/>
+        <p:cNvGrpSpPr/>
+        <p:nvPr/>
+      </p:nvGrpSpPr>
+      <p:grpSpPr>
+        <a:xfrm>
+          <a:off x="0" y="0"/>
+          <a:ext cx="0" cy="0"/>
+          <a:chOff x="0" y="0"/>
+          <a:chExt cx="0" cy="0"/>
+        </a:xfrm>
+      </p:grpSpPr>
+      <p:sp>
+        <p:nvSpPr>
+          <p:cNvPr id="2" name="Title 1"/>
+          <p:cNvSpPr>
+            <a:spLocks noGrp="1"/>
+          </p:cNvSpPr>
+          <p:nvPr>
+            <p:ph type="title"/>
+          </p:nvPr>
+        </p:nvSpPr>
+        <p:spPr/>
+        <p:txBody>
+          <a:bodyPr/>
+          <a:lstStyle/>
+          <a:p>
+            <a:r>
               <a:rPr lang="en-US" b="1" dirty="0" smtClean="0"/>
               <a:t>Lesson 25 Interrupt - Example Code</a:t>
             </a:r>
@@ -15375,118 +16499,6 @@
       <p:transition spd="slow"/>
     </mc:Fallback>
   </mc:AlternateContent>
-  <p:timing>
-    <p:tnLst>
-      <p:par>
-        <p:cTn id="1" dur="indefinite" restart="never" nodeType="tmRoot"/>
-      </p:par>
-    </p:tnLst>
-  </p:timing>
-</p:sld>
-</file>
-
-<file path=ppt/slides/slide2.xml><?xml version="1.0" encoding="utf-8"?>
-<p:sld xmlns:a="http://schemas.openxmlformats.org/drawingml/2006/main" xmlns:r="http://schemas.openxmlformats.org/officeDocument/2006/relationships" xmlns:p="http://schemas.openxmlformats.org/presentationml/2006/main">
-  <p:cSld>
-    <p:spTree>
-      <p:nvGrpSpPr>
-        <p:cNvPr id="1" name=""/>
-        <p:cNvGrpSpPr/>
-        <p:nvPr/>
-      </p:nvGrpSpPr>
-      <p:grpSpPr>
-        <a:xfrm>
-          <a:off x="0" y="0"/>
-          <a:ext cx="0" cy="0"/>
-          <a:chOff x="0" y="0"/>
-          <a:chExt cx="0" cy="0"/>
-        </a:xfrm>
-      </p:grpSpPr>
-      <p:sp>
-        <p:nvSpPr>
-          <p:cNvPr id="2" name="Title 1"/>
-          <p:cNvSpPr>
-            <a:spLocks noGrp="1"/>
-          </p:cNvSpPr>
-          <p:nvPr>
-            <p:ph type="title"/>
-          </p:nvPr>
-        </p:nvSpPr>
-        <p:spPr/>
-        <p:txBody>
-          <a:bodyPr/>
-          <a:lstStyle/>
-          <a:p>
-            <a:r>
-              <a:rPr lang="en-US" dirty="0" smtClean="0"/>
-              <a:t>Overview</a:t>
-            </a:r>
-            <a:endParaRPr lang="en-US" dirty="0"/>
-          </a:p>
-        </p:txBody>
-      </p:sp>
-      <p:sp>
-        <p:nvSpPr>
-          <p:cNvPr id="3" name="Subtitle 2"/>
-          <p:cNvSpPr>
-            <a:spLocks noGrp="1"/>
-          </p:cNvSpPr>
-          <p:nvPr>
-            <p:ph idx="1"/>
-          </p:nvPr>
-        </p:nvSpPr>
-        <p:spPr/>
-        <p:txBody>
-          <a:bodyPr/>
-          <a:lstStyle/>
-          <a:p>
-            <a:pPr algn="l"/>
-            <a:r>
-              <a:rPr lang="en-US" sz="2800" b="1" dirty="0" smtClean="0"/>
-              <a:t>Lesson Outline</a:t>
-            </a:r>
-            <a:endParaRPr lang="en-US" sz="2800" b="1" dirty="0" smtClean="0">
-              <a:solidFill>
-                <a:srgbClr val="0070C0"/>
-              </a:solidFill>
-            </a:endParaRPr>
-          </a:p>
-          <a:p>
-            <a:pPr marL="800100" lvl="1" indent="-342900" algn="l">
-              <a:buFont typeface="Arial" panose="020B0604020202020204" pitchFamily="34" charset="0"/>
-              <a:buChar char="•"/>
-            </a:pPr>
-            <a:r>
-              <a:rPr lang="en-US" dirty="0" smtClean="0">
-                <a:solidFill>
-                  <a:srgbClr val="0070C0"/>
-                </a:solidFill>
-              </a:rPr>
-              <a:t>Interrupts</a:t>
-            </a:r>
-            <a:endParaRPr lang="en-US" sz="1800" dirty="0" smtClean="0">
-              <a:solidFill>
-                <a:srgbClr val="0070C0"/>
-              </a:solidFill>
-            </a:endParaRPr>
-          </a:p>
-          <a:p>
-            <a:pPr algn="l"/>
-            <a:endParaRPr lang="en-US" sz="2400" dirty="0" smtClean="0"/>
-          </a:p>
-        </p:txBody>
-      </p:sp>
-    </p:spTree>
-    <p:extLst>
-      <p:ext uri="{BB962C8B-B14F-4D97-AF65-F5344CB8AC3E}">
-        <p14:creationId xmlns:p14="http://schemas.microsoft.com/office/powerpoint/2010/main" val="4001633631"/>
-      </p:ext>
-    </p:extLst>
-  </p:cSld>
-  <p:clrMapOvr>
-    <a:masterClrMapping/>
-  </p:clrMapOvr>
-  <p:transition spd="med"/>
   <p:timing>
     <p:tnLst>
       <p:par>

--- a/source/lessons/lsn24-25/Lsn24-25.pptx
+++ b/source/lessons/lsn24-25/Lsn24-25.pptx
@@ -1939,7 +1939,7 @@
           <a:p>
             <a:fld id="{834513E8-165F-4932-9E2D-FD497CB9A4FD}" type="datetimeFigureOut">
               <a:rPr lang="en-US" smtClean="0"/>
-              <a:t>7/23/2018</a:t>
+              <a:t>7/31/2018</a:t>
             </a:fld>
             <a:endParaRPr lang="en-US"/>
           </a:p>
@@ -2216,7 +2216,7 @@
           <a:p>
             <a:fld id="{834513E8-165F-4932-9E2D-FD497CB9A4FD}" type="datetimeFigureOut">
               <a:rPr lang="en-US" smtClean="0"/>
-              <a:t>7/23/2018</a:t>
+              <a:t>7/31/2018</a:t>
             </a:fld>
             <a:endParaRPr lang="en-US"/>
           </a:p>
@@ -2469,7 +2469,7 @@
           <a:p>
             <a:fld id="{834513E8-165F-4932-9E2D-FD497CB9A4FD}" type="datetimeFigureOut">
               <a:rPr lang="en-US" smtClean="0"/>
-              <a:t>7/23/2018</a:t>
+              <a:t>7/31/2018</a:t>
             </a:fld>
             <a:endParaRPr lang="en-US"/>
           </a:p>
@@ -2639,7 +2639,7 @@
           <a:p>
             <a:fld id="{834513E8-165F-4932-9E2D-FD497CB9A4FD}" type="datetimeFigureOut">
               <a:rPr lang="en-US" smtClean="0"/>
-              <a:t>7/23/2018</a:t>
+              <a:t>7/31/2018</a:t>
             </a:fld>
             <a:endParaRPr lang="en-US"/>
           </a:p>
@@ -2819,7 +2819,7 @@
           <a:p>
             <a:fld id="{834513E8-165F-4932-9E2D-FD497CB9A4FD}" type="datetimeFigureOut">
               <a:rPr lang="en-US" smtClean="0"/>
-              <a:t>7/23/2018</a:t>
+              <a:t>7/31/2018</a:t>
             </a:fld>
             <a:endParaRPr lang="en-US"/>
           </a:p>
@@ -3563,7 +3563,7 @@
           <a:p>
             <a:fld id="{834513E8-165F-4932-9E2D-FD497CB9A4FD}" type="datetimeFigureOut">
               <a:rPr lang="en-US" smtClean="0"/>
-              <a:t>7/23/2018</a:t>
+              <a:t>7/31/2018</a:t>
             </a:fld>
             <a:endParaRPr lang="en-US"/>
           </a:p>
@@ -3733,7 +3733,7 @@
           <a:p>
             <a:fld id="{834513E8-165F-4932-9E2D-FD497CB9A4FD}" type="datetimeFigureOut">
               <a:rPr lang="en-US" smtClean="0"/>
-              <a:t>7/23/2018</a:t>
+              <a:t>7/31/2018</a:t>
             </a:fld>
             <a:endParaRPr lang="en-US"/>
           </a:p>
@@ -3979,7 +3979,7 @@
           <a:p>
             <a:fld id="{834513E8-165F-4932-9E2D-FD497CB9A4FD}" type="datetimeFigureOut">
               <a:rPr lang="en-US" smtClean="0"/>
-              <a:t>7/23/2018</a:t>
+              <a:t>7/31/2018</a:t>
             </a:fld>
             <a:endParaRPr lang="en-US"/>
           </a:p>
@@ -4211,7 +4211,7 @@
           <a:p>
             <a:fld id="{834513E8-165F-4932-9E2D-FD497CB9A4FD}" type="datetimeFigureOut">
               <a:rPr lang="en-US" smtClean="0"/>
-              <a:t>7/23/2018</a:t>
+              <a:t>7/31/2018</a:t>
             </a:fld>
             <a:endParaRPr lang="en-US"/>
           </a:p>
@@ -4578,7 +4578,7 @@
           <a:p>
             <a:fld id="{834513E8-165F-4932-9E2D-FD497CB9A4FD}" type="datetimeFigureOut">
               <a:rPr lang="en-US" smtClean="0"/>
-              <a:t>7/23/2018</a:t>
+              <a:t>7/31/2018</a:t>
             </a:fld>
             <a:endParaRPr lang="en-US"/>
           </a:p>
@@ -4696,7 +4696,7 @@
           <a:p>
             <a:fld id="{834513E8-165F-4932-9E2D-FD497CB9A4FD}" type="datetimeFigureOut">
               <a:rPr lang="en-US" smtClean="0"/>
-              <a:t>7/23/2018</a:t>
+              <a:t>7/31/2018</a:t>
             </a:fld>
             <a:endParaRPr lang="en-US"/>
           </a:p>
@@ -6512,7 +6512,7 @@
           <a:p>
             <a:fld id="{834513E8-165F-4932-9E2D-FD497CB9A4FD}" type="datetimeFigureOut">
               <a:rPr lang="en-US" smtClean="0"/>
-              <a:t>7/23/2018</a:t>
+              <a:t>7/31/2018</a:t>
             </a:fld>
             <a:endParaRPr lang="en-US"/>
           </a:p>

--- a/source/lessons/lsn24-25/Lsn24-25.pptx
+++ b/source/lessons/lsn24-25/Lsn24-25.pptx
@@ -1939,7 +1939,7 @@
           <a:p>
             <a:fld id="{834513E8-165F-4932-9E2D-FD497CB9A4FD}" type="datetimeFigureOut">
               <a:rPr lang="en-US" smtClean="0"/>
-              <a:t>7/31/2018</a:t>
+              <a:t>8/8/2018</a:t>
             </a:fld>
             <a:endParaRPr lang="en-US"/>
           </a:p>
@@ -2216,7 +2216,7 @@
           <a:p>
             <a:fld id="{834513E8-165F-4932-9E2D-FD497CB9A4FD}" type="datetimeFigureOut">
               <a:rPr lang="en-US" smtClean="0"/>
-              <a:t>7/31/2018</a:t>
+              <a:t>8/8/2018</a:t>
             </a:fld>
             <a:endParaRPr lang="en-US"/>
           </a:p>
@@ -2469,7 +2469,7 @@
           <a:p>
             <a:fld id="{834513E8-165F-4932-9E2D-FD497CB9A4FD}" type="datetimeFigureOut">
               <a:rPr lang="en-US" smtClean="0"/>
-              <a:t>7/31/2018</a:t>
+              <a:t>8/8/2018</a:t>
             </a:fld>
             <a:endParaRPr lang="en-US"/>
           </a:p>
@@ -2639,7 +2639,7 @@
           <a:p>
             <a:fld id="{834513E8-165F-4932-9E2D-FD497CB9A4FD}" type="datetimeFigureOut">
               <a:rPr lang="en-US" smtClean="0"/>
-              <a:t>7/31/2018</a:t>
+              <a:t>8/8/2018</a:t>
             </a:fld>
             <a:endParaRPr lang="en-US"/>
           </a:p>
@@ -2819,7 +2819,7 @@
           <a:p>
             <a:fld id="{834513E8-165F-4932-9E2D-FD497CB9A4FD}" type="datetimeFigureOut">
               <a:rPr lang="en-US" smtClean="0"/>
-              <a:t>7/31/2018</a:t>
+              <a:t>8/8/2018</a:t>
             </a:fld>
             <a:endParaRPr lang="en-US"/>
           </a:p>
@@ -3563,7 +3563,7 @@
           <a:p>
             <a:fld id="{834513E8-165F-4932-9E2D-FD497CB9A4FD}" type="datetimeFigureOut">
               <a:rPr lang="en-US" smtClean="0"/>
-              <a:t>7/31/2018</a:t>
+              <a:t>8/8/2018</a:t>
             </a:fld>
             <a:endParaRPr lang="en-US"/>
           </a:p>
@@ -3733,7 +3733,7 @@
           <a:p>
             <a:fld id="{834513E8-165F-4932-9E2D-FD497CB9A4FD}" type="datetimeFigureOut">
               <a:rPr lang="en-US" smtClean="0"/>
-              <a:t>7/31/2018</a:t>
+              <a:t>8/8/2018</a:t>
             </a:fld>
             <a:endParaRPr lang="en-US"/>
           </a:p>
@@ -3979,7 +3979,7 @@
           <a:p>
             <a:fld id="{834513E8-165F-4932-9E2D-FD497CB9A4FD}" type="datetimeFigureOut">
               <a:rPr lang="en-US" smtClean="0"/>
-              <a:t>7/31/2018</a:t>
+              <a:t>8/8/2018</a:t>
             </a:fld>
             <a:endParaRPr lang="en-US"/>
           </a:p>
@@ -4211,7 +4211,7 @@
           <a:p>
             <a:fld id="{834513E8-165F-4932-9E2D-FD497CB9A4FD}" type="datetimeFigureOut">
               <a:rPr lang="en-US" smtClean="0"/>
-              <a:t>7/31/2018</a:t>
+              <a:t>8/8/2018</a:t>
             </a:fld>
             <a:endParaRPr lang="en-US"/>
           </a:p>
@@ -4578,7 +4578,7 @@
           <a:p>
             <a:fld id="{834513E8-165F-4932-9E2D-FD497CB9A4FD}" type="datetimeFigureOut">
               <a:rPr lang="en-US" smtClean="0"/>
-              <a:t>7/31/2018</a:t>
+              <a:t>8/8/2018</a:t>
             </a:fld>
             <a:endParaRPr lang="en-US"/>
           </a:p>
@@ -4696,7 +4696,7 @@
           <a:p>
             <a:fld id="{834513E8-165F-4932-9E2D-FD497CB9A4FD}" type="datetimeFigureOut">
               <a:rPr lang="en-US" smtClean="0"/>
-              <a:t>7/31/2018</a:t>
+              <a:t>8/8/2018</a:t>
             </a:fld>
             <a:endParaRPr lang="en-US"/>
           </a:p>
@@ -6512,7 +6512,7 @@
           <a:p>
             <a:fld id="{834513E8-165F-4932-9E2D-FD497CB9A4FD}" type="datetimeFigureOut">
               <a:rPr lang="en-US" smtClean="0"/>
-              <a:t>7/31/2018</a:t>
+              <a:t>8/8/2018</a:t>
             </a:fld>
             <a:endParaRPr lang="en-US"/>
           </a:p>

--- a/source/lessons/lsn24-25/Lsn24-25.pptx
+++ b/source/lessons/lsn24-25/Lsn24-25.pptx
@@ -7,10 +7,10 @@
     <p:sldMasterId id="2147483667" r:id="rId3"/>
   </p:sldMasterIdLst>
   <p:notesMasterIdLst>
-    <p:notesMasterId r:id="rId27"/>
+    <p:notesMasterId r:id="rId28"/>
   </p:notesMasterIdLst>
   <p:handoutMasterIdLst>
-    <p:handoutMasterId r:id="rId28"/>
+    <p:handoutMasterId r:id="rId29"/>
   </p:handoutMasterIdLst>
   <p:sldIdLst>
     <p:sldId id="352" r:id="rId4"/>
@@ -28,14 +28,15 @@
     <p:sldId id="367" r:id="rId16"/>
     <p:sldId id="368" r:id="rId17"/>
     <p:sldId id="369" r:id="rId18"/>
-    <p:sldId id="370" r:id="rId19"/>
-    <p:sldId id="371" r:id="rId20"/>
-    <p:sldId id="372" r:id="rId21"/>
-    <p:sldId id="373" r:id="rId22"/>
-    <p:sldId id="374" r:id="rId23"/>
-    <p:sldId id="353" r:id="rId24"/>
-    <p:sldId id="356" r:id="rId25"/>
-    <p:sldId id="357" r:id="rId26"/>
+    <p:sldId id="375" r:id="rId19"/>
+    <p:sldId id="353" r:id="rId20"/>
+    <p:sldId id="356" r:id="rId21"/>
+    <p:sldId id="357" r:id="rId22"/>
+    <p:sldId id="370" r:id="rId23"/>
+    <p:sldId id="371" r:id="rId24"/>
+    <p:sldId id="372" r:id="rId25"/>
+    <p:sldId id="373" r:id="rId26"/>
+    <p:sldId id="374" r:id="rId27"/>
   </p:sldIdLst>
   <p:sldSz cx="9144000" cy="6858000" type="screen4x3"/>
   <p:notesSz cx="7010400" cy="9296400"/>
@@ -1156,7 +1157,7 @@
               <a:pPr>
                 <a:defRPr/>
               </a:pPr>
-              <a:t>22</a:t>
+              <a:t>18</a:t>
             </a:fld>
             <a:endParaRPr lang="en-US"/>
           </a:p>
@@ -1439,7 +1440,7 @@
               <a:pPr>
                 <a:defRPr/>
               </a:pPr>
-              <a:t>23</a:t>
+              <a:t>19</a:t>
             </a:fld>
             <a:endParaRPr lang="en-US"/>
           </a:p>
@@ -1939,7 +1940,7 @@
           <a:p>
             <a:fld id="{834513E8-165F-4932-9E2D-FD497CB9A4FD}" type="datetimeFigureOut">
               <a:rPr lang="en-US" smtClean="0"/>
-              <a:t>8/8/2018</a:t>
+              <a:t>8/16/2018</a:t>
             </a:fld>
             <a:endParaRPr lang="en-US"/>
           </a:p>
@@ -2216,7 +2217,7 @@
           <a:p>
             <a:fld id="{834513E8-165F-4932-9E2D-FD497CB9A4FD}" type="datetimeFigureOut">
               <a:rPr lang="en-US" smtClean="0"/>
-              <a:t>8/8/2018</a:t>
+              <a:t>8/16/2018</a:t>
             </a:fld>
             <a:endParaRPr lang="en-US"/>
           </a:p>
@@ -2469,7 +2470,7 @@
           <a:p>
             <a:fld id="{834513E8-165F-4932-9E2D-FD497CB9A4FD}" type="datetimeFigureOut">
               <a:rPr lang="en-US" smtClean="0"/>
-              <a:t>8/8/2018</a:t>
+              <a:t>8/16/2018</a:t>
             </a:fld>
             <a:endParaRPr lang="en-US"/>
           </a:p>
@@ -2639,7 +2640,7 @@
           <a:p>
             <a:fld id="{834513E8-165F-4932-9E2D-FD497CB9A4FD}" type="datetimeFigureOut">
               <a:rPr lang="en-US" smtClean="0"/>
-              <a:t>8/8/2018</a:t>
+              <a:t>8/16/2018</a:t>
             </a:fld>
             <a:endParaRPr lang="en-US"/>
           </a:p>
@@ -2819,7 +2820,7 @@
           <a:p>
             <a:fld id="{834513E8-165F-4932-9E2D-FD497CB9A4FD}" type="datetimeFigureOut">
               <a:rPr lang="en-US" smtClean="0"/>
-              <a:t>8/8/2018</a:t>
+              <a:t>8/16/2018</a:t>
             </a:fld>
             <a:endParaRPr lang="en-US"/>
           </a:p>
@@ -3563,7 +3564,7 @@
           <a:p>
             <a:fld id="{834513E8-165F-4932-9E2D-FD497CB9A4FD}" type="datetimeFigureOut">
               <a:rPr lang="en-US" smtClean="0"/>
-              <a:t>8/8/2018</a:t>
+              <a:t>8/16/2018</a:t>
             </a:fld>
             <a:endParaRPr lang="en-US"/>
           </a:p>
@@ -3733,7 +3734,7 @@
           <a:p>
             <a:fld id="{834513E8-165F-4932-9E2D-FD497CB9A4FD}" type="datetimeFigureOut">
               <a:rPr lang="en-US" smtClean="0"/>
-              <a:t>8/8/2018</a:t>
+              <a:t>8/16/2018</a:t>
             </a:fld>
             <a:endParaRPr lang="en-US"/>
           </a:p>
@@ -3979,7 +3980,7 @@
           <a:p>
             <a:fld id="{834513E8-165F-4932-9E2D-FD497CB9A4FD}" type="datetimeFigureOut">
               <a:rPr lang="en-US" smtClean="0"/>
-              <a:t>8/8/2018</a:t>
+              <a:t>8/16/2018</a:t>
             </a:fld>
             <a:endParaRPr lang="en-US"/>
           </a:p>
@@ -4211,7 +4212,7 @@
           <a:p>
             <a:fld id="{834513E8-165F-4932-9E2D-FD497CB9A4FD}" type="datetimeFigureOut">
               <a:rPr lang="en-US" smtClean="0"/>
-              <a:t>8/8/2018</a:t>
+              <a:t>8/16/2018</a:t>
             </a:fld>
             <a:endParaRPr lang="en-US"/>
           </a:p>
@@ -4578,7 +4579,7 @@
           <a:p>
             <a:fld id="{834513E8-165F-4932-9E2D-FD497CB9A4FD}" type="datetimeFigureOut">
               <a:rPr lang="en-US" smtClean="0"/>
-              <a:t>8/8/2018</a:t>
+              <a:t>8/16/2018</a:t>
             </a:fld>
             <a:endParaRPr lang="en-US"/>
           </a:p>
@@ -4696,7 +4697,7 @@
           <a:p>
             <a:fld id="{834513E8-165F-4932-9E2D-FD497CB9A4FD}" type="datetimeFigureOut">
               <a:rPr lang="en-US" smtClean="0"/>
-              <a:t>8/8/2018</a:t>
+              <a:t>8/16/2018</a:t>
             </a:fld>
             <a:endParaRPr lang="en-US"/>
           </a:p>
@@ -6512,7 +6513,7 @@
           <a:p>
             <a:fld id="{834513E8-165F-4932-9E2D-FD497CB9A4FD}" type="datetimeFigureOut">
               <a:rPr lang="en-US" smtClean="0"/>
-              <a:t>8/8/2018</a:t>
+              <a:t>8/16/2018</a:t>
             </a:fld>
             <a:endParaRPr lang="en-US"/>
           </a:p>
@@ -9543,7 +9544,7 @@
         </p:spPr>
         <p:txBody>
           <a:bodyPr>
-            <a:normAutofit fontScale="92500" lnSpcReduction="20000"/>
+            <a:normAutofit fontScale="85000" lnSpcReduction="20000"/>
           </a:bodyPr>
           <a:lstStyle/>
           <a:p>
@@ -9862,7 +9863,15 @@
                   <a:srgbClr val="FF0000"/>
                 </a:solidFill>
               </a:rPr>
-              <a:t>Caution:  Spend as little time as possible inside an ISR!</a:t>
+              <a:t>Caution:  Spend as little time as possible inside an ISR</a:t>
+            </a:r>
+            <a:r>
+              <a:rPr lang="en-US" sz="2000" dirty="0" smtClean="0">
+                <a:solidFill>
+                  <a:srgbClr val="FF0000"/>
+                </a:solidFill>
+              </a:rPr>
+              <a:t>! Why do you think I say this?</a:t>
             </a:r>
             <a:endParaRPr lang="en-US" sz="2000" dirty="0">
               <a:solidFill>
@@ -10382,7 +10391,7 @@
         </p:spPr>
         <p:txBody>
           <a:bodyPr>
-            <a:normAutofit fontScale="92500" lnSpcReduction="20000"/>
+            <a:normAutofit fontScale="92500" lnSpcReduction="10000"/>
           </a:bodyPr>
           <a:lstStyle/>
           <a:p>
@@ -11017,87 +11026,17 @@
                 <a:latin typeface="Courier New" pitchFamily="49" charset="0"/>
                 <a:cs typeface="Courier New" pitchFamily="49" charset="0"/>
               </a:rPr>
-              <a:t>    while (1) {</a:t>
-            </a:r>
-          </a:p>
-          <a:p>
-            <a:pPr marL="57150" indent="0">
-              <a:buNone/>
-            </a:pPr>
-            <a:r>
-              <a:rPr lang="en-US" sz="1400" b="1" dirty="0">
+              <a:t>    while (1) </a:t>
+            </a:r>
+            <a:r>
+              <a:rPr lang="en-US" sz="1400" b="1" dirty="0" smtClean="0">
                 <a:solidFill>
                   <a:schemeClr val="accent2"/>
                 </a:solidFill>
                 <a:latin typeface="Courier New" pitchFamily="49" charset="0"/>
                 <a:cs typeface="Courier New" pitchFamily="49" charset="0"/>
               </a:rPr>
-              <a:t>        </a:t>
-            </a:r>
-            <a:r>
-              <a:rPr lang="en-US" sz="1400" b="1" dirty="0">
-                <a:solidFill>
-                  <a:srgbClr val="00B050"/>
-                </a:solidFill>
-                <a:latin typeface="Courier New" pitchFamily="49" charset="0"/>
-                <a:cs typeface="Courier New" pitchFamily="49" charset="0"/>
-              </a:rPr>
-              <a:t>//  if (</a:t>
-            </a:r>
-            <a:r>
-              <a:rPr lang="en-US" sz="1400" b="1" dirty="0" err="1">
-                <a:solidFill>
-                  <a:srgbClr val="00B050"/>
-                </a:solidFill>
-                <a:latin typeface="Courier New" pitchFamily="49" charset="0"/>
-                <a:cs typeface="Courier New" pitchFamily="49" charset="0"/>
-              </a:rPr>
-              <a:t>interruptFlag</a:t>
-            </a:r>
-            <a:r>
-              <a:rPr lang="en-US" sz="1400" b="1" dirty="0" smtClean="0">
-                <a:solidFill>
-                  <a:srgbClr val="00B050"/>
-                </a:solidFill>
-                <a:latin typeface="Courier New" pitchFamily="49" charset="0"/>
-                <a:cs typeface="Courier New" pitchFamily="49" charset="0"/>
-              </a:rPr>
-              <a:t>)    // </a:t>
-            </a:r>
-            <a:r>
-              <a:rPr lang="en-US" sz="1400" b="1" dirty="0">
-                <a:solidFill>
-                  <a:srgbClr val="00B050"/>
-                </a:solidFill>
-                <a:latin typeface="Courier New" pitchFamily="49" charset="0"/>
-                <a:cs typeface="Courier New" pitchFamily="49" charset="0"/>
-              </a:rPr>
-              <a:t>respond</a:t>
-            </a:r>
-          </a:p>
-          <a:p>
-            <a:pPr marL="57150" indent="0">
-              <a:buNone/>
-            </a:pPr>
-            <a:r>
-              <a:rPr lang="en-US" sz="1400" b="1" dirty="0">
-                <a:solidFill>
-                  <a:schemeClr val="accent2"/>
-                </a:solidFill>
-                <a:latin typeface="Courier New" pitchFamily="49" charset="0"/>
-                <a:cs typeface="Courier New" pitchFamily="49" charset="0"/>
-              </a:rPr>
-              <a:t>    </a:t>
-            </a:r>
-            <a:r>
-              <a:rPr lang="en-US" sz="1400" b="1" dirty="0" smtClean="0">
-                <a:solidFill>
-                  <a:schemeClr val="accent2"/>
-                </a:solidFill>
-                <a:latin typeface="Courier New" pitchFamily="49" charset="0"/>
-                <a:cs typeface="Courier New" pitchFamily="49" charset="0"/>
-              </a:rPr>
-              <a:t>}</a:t>
+              <a:t>{}</a:t>
             </a:r>
             <a:endParaRPr lang="en-US" sz="1400" b="1" dirty="0">
               <a:solidFill>
@@ -11203,7 +11142,7 @@
                 <a:latin typeface="Courier New" pitchFamily="49" charset="0"/>
                 <a:cs typeface="Courier New" pitchFamily="49" charset="0"/>
               </a:rPr>
-              <a:t>&amp;= ~BIT3;                        </a:t>
+              <a:t>&amp;= ~BIT3;       </a:t>
             </a:r>
             <a:r>
               <a:rPr lang="en-US" sz="1400" b="1" dirty="0" smtClean="0">
@@ -11238,7 +11177,7 @@
                 <a:latin typeface="Courier New" pitchFamily="49" charset="0"/>
                 <a:cs typeface="Courier New" pitchFamily="49" charset="0"/>
               </a:rPr>
-              <a:t>    P1OUT ^= BIT0|BIT6;                   </a:t>
+              <a:t>    P1OUT ^= BIT0|BIT6;   </a:t>
             </a:r>
             <a:r>
               <a:rPr lang="en-US" sz="1600" b="1" dirty="0" smtClean="0">
@@ -11431,6 +11370,16 @@
               <a:buNone/>
             </a:pPr>
             <a:r>
+              <a:rPr lang="en-US" sz="1400" dirty="0">
+                <a:solidFill>
+                  <a:schemeClr val="accent2"/>
+                </a:solidFill>
+                <a:latin typeface="Courier New" pitchFamily="49" charset="0"/>
+                <a:cs typeface="Courier New" pitchFamily="49" charset="0"/>
+              </a:rPr>
+              <a:t>v</a:t>
+            </a:r>
+            <a:r>
               <a:rPr lang="en-US" sz="1400" b="1" dirty="0" smtClean="0">
                 <a:solidFill>
                   <a:schemeClr val="accent2"/>
@@ -11438,17 +11387,7 @@
                 <a:latin typeface="Courier New" pitchFamily="49" charset="0"/>
                 <a:cs typeface="Courier New" pitchFamily="49" charset="0"/>
               </a:rPr>
-              <a:t>int </a:t>
-            </a:r>
-            <a:r>
-              <a:rPr lang="en-US" sz="1400" b="1" dirty="0">
-                <a:solidFill>
-                  <a:schemeClr val="accent2"/>
-                </a:solidFill>
-                <a:latin typeface="Courier New" pitchFamily="49" charset="0"/>
-                <a:cs typeface="Courier New" pitchFamily="49" charset="0"/>
-              </a:rPr>
-              <a:t>main(void</a:t>
+              <a:t>oid main(void</a:t>
             </a:r>
             <a:r>
               <a:rPr lang="en-US" sz="1400" b="1" dirty="0" smtClean="0">
@@ -12196,7 +12135,17 @@
                 <a:latin typeface="Courier New" pitchFamily="49" charset="0"/>
                 <a:cs typeface="Courier New" pitchFamily="49" charset="0"/>
               </a:rPr>
-              <a:t>while (1) {}</a:t>
+              <a:t>while (1) </a:t>
+            </a:r>
+            <a:r>
+              <a:rPr lang="en-US" sz="1400" b="1" dirty="0" smtClean="0">
+                <a:solidFill>
+                  <a:schemeClr val="accent2"/>
+                </a:solidFill>
+                <a:latin typeface="Courier New" pitchFamily="49" charset="0"/>
+                <a:cs typeface="Courier New" pitchFamily="49" charset="0"/>
+              </a:rPr>
+              <a:t>{}</a:t>
             </a:r>
           </a:p>
           <a:p>
@@ -12211,39 +12160,9 @@
                 <a:latin typeface="Courier New" pitchFamily="49" charset="0"/>
                 <a:cs typeface="Courier New" pitchFamily="49" charset="0"/>
               </a:rPr>
-              <a:t>    </a:t>
-            </a:r>
-            <a:r>
-              <a:rPr lang="en-US" sz="1400" b="1" dirty="0">
-                <a:solidFill>
-                  <a:schemeClr val="accent2"/>
-                </a:solidFill>
-                <a:latin typeface="Courier New" pitchFamily="49" charset="0"/>
-                <a:cs typeface="Courier New" pitchFamily="49" charset="0"/>
-              </a:rPr>
-              <a:t>return 0;</a:t>
-            </a:r>
-          </a:p>
-          <a:p>
-            <a:pPr marL="0" indent="0">
-              <a:buNone/>
-            </a:pPr>
-            <a:r>
-              <a:rPr lang="en-US" sz="1400" b="1" dirty="0">
-                <a:solidFill>
-                  <a:schemeClr val="accent2"/>
-                </a:solidFill>
-                <a:latin typeface="Courier New" pitchFamily="49" charset="0"/>
-                <a:cs typeface="Courier New" pitchFamily="49" charset="0"/>
-              </a:rPr>
               <a:t>}</a:t>
             </a:r>
-          </a:p>
-          <a:p>
-            <a:pPr marL="0" indent="0">
-              <a:buNone/>
-            </a:pPr>
-            <a:endParaRPr lang="en-US" sz="1400" b="1" dirty="0" smtClean="0">
+            <a:endParaRPr lang="en-US" sz="1400" b="1" dirty="0">
               <a:solidFill>
                 <a:schemeClr val="accent2"/>
               </a:solidFill>
@@ -12496,39 +12415,17 @@
                 <a:latin typeface="Courier New" pitchFamily="49" charset="0"/>
                 <a:cs typeface="Courier New" pitchFamily="49" charset="0"/>
               </a:rPr>
-              <a:t>    if (P1IFG &amp; BIT1)</a:t>
-            </a:r>
-          </a:p>
-          <a:p>
-            <a:pPr marL="0" indent="0">
-              <a:buFontTx/>
-              <a:buNone/>
-            </a:pPr>
-            <a:r>
-              <a:rPr lang="en-US" sz="1200" b="1" kern="0" dirty="0">
+              <a:t>    if (P1IFG &amp; BIT1</a:t>
+            </a:r>
+            <a:r>
+              <a:rPr lang="en-US" sz="1200" b="1" kern="0" dirty="0" smtClean="0">
                 <a:solidFill>
                   <a:schemeClr val="accent2"/>
                 </a:solidFill>
                 <a:latin typeface="Courier New" pitchFamily="49" charset="0"/>
                 <a:cs typeface="Courier New" pitchFamily="49" charset="0"/>
               </a:rPr>
-              <a:t>    {</a:t>
-            </a:r>
-          </a:p>
-          <a:p>
-            <a:pPr marL="0" indent="0">
-              <a:buFontTx/>
-              <a:buNone/>
-            </a:pPr>
-            <a:r>
-              <a:rPr lang="en-US" sz="1200" b="1" kern="0" dirty="0">
-                <a:solidFill>
-                  <a:schemeClr val="accent2"/>
-                </a:solidFill>
-                <a:latin typeface="Courier New" pitchFamily="49" charset="0"/>
-                <a:cs typeface="Courier New" pitchFamily="49" charset="0"/>
-              </a:rPr>
-              <a:t>        P1IFG &amp;= ~BIT1;  </a:t>
+              <a:t>)    </a:t>
             </a:r>
             <a:r>
               <a:rPr lang="en-US" sz="1200" b="1" kern="0" dirty="0" smtClean="0">
@@ -12538,86 +12435,8 @@
                 <a:latin typeface="Courier New" pitchFamily="49" charset="0"/>
                 <a:cs typeface="Courier New" pitchFamily="49" charset="0"/>
               </a:rPr>
-              <a:t>// </a:t>
-            </a:r>
-            <a:r>
-              <a:rPr lang="en-US" sz="1200" b="1" kern="0" dirty="0">
-                <a:solidFill>
-                  <a:srgbClr val="00B050"/>
-                </a:solidFill>
-                <a:latin typeface="Courier New" pitchFamily="49" charset="0"/>
-                <a:cs typeface="Courier New" pitchFamily="49" charset="0"/>
-              </a:rPr>
-              <a:t>clear flag</a:t>
-            </a:r>
-          </a:p>
-          <a:p>
-            <a:pPr marL="0" indent="0">
-              <a:buFontTx/>
-              <a:buNone/>
-            </a:pPr>
-            <a:r>
-              <a:rPr lang="en-US" sz="1200" b="1" kern="0" dirty="0">
-                <a:solidFill>
-                  <a:schemeClr val="accent2"/>
-                </a:solidFill>
-                <a:latin typeface="Courier New" pitchFamily="49" charset="0"/>
-                <a:cs typeface="Courier New" pitchFamily="49" charset="0"/>
-              </a:rPr>
-              <a:t>        P1OUT ^= BIT6</a:t>
-            </a:r>
-            <a:r>
-              <a:rPr lang="en-US" sz="1200" b="1" kern="0" dirty="0" smtClean="0">
-                <a:solidFill>
-                  <a:schemeClr val="accent2"/>
-                </a:solidFill>
-                <a:latin typeface="Courier New" pitchFamily="49" charset="0"/>
-                <a:cs typeface="Courier New" pitchFamily="49" charset="0"/>
-              </a:rPr>
-              <a:t>; </a:t>
-            </a:r>
-            <a:r>
-              <a:rPr lang="en-US" sz="1200" b="1" kern="0" dirty="0" smtClean="0">
-                <a:solidFill>
-                  <a:srgbClr val="00B050"/>
-                </a:solidFill>
-                <a:latin typeface="Courier New" pitchFamily="49" charset="0"/>
-                <a:cs typeface="Courier New" pitchFamily="49" charset="0"/>
-              </a:rPr>
-              <a:t>// </a:t>
-            </a:r>
-            <a:r>
-              <a:rPr lang="en-US" sz="1200" b="1" kern="0" dirty="0">
-                <a:solidFill>
-                  <a:srgbClr val="00B050"/>
-                </a:solidFill>
-                <a:latin typeface="Courier New" pitchFamily="49" charset="0"/>
-                <a:cs typeface="Courier New" pitchFamily="49" charset="0"/>
-              </a:rPr>
-              <a:t>toggle LED 2</a:t>
-            </a:r>
-          </a:p>
-          <a:p>
-            <a:pPr marL="0" indent="0">
-              <a:buFontTx/>
-              <a:buNone/>
-            </a:pPr>
-            <a:r>
-              <a:rPr lang="en-US" sz="1200" b="1" kern="0" dirty="0">
-                <a:solidFill>
-                  <a:schemeClr val="accent2"/>
-                </a:solidFill>
-                <a:latin typeface="Courier New" pitchFamily="49" charset="0"/>
-                <a:cs typeface="Courier New" pitchFamily="49" charset="0"/>
-              </a:rPr>
-              <a:t>    }</a:t>
-            </a:r>
-          </a:p>
-          <a:p>
-            <a:pPr marL="0" indent="0">
-              <a:buFontTx/>
-              <a:buNone/>
-            </a:pPr>
+              <a:t>// is bit 1 set?</a:t>
+            </a:r>
             <a:endParaRPr lang="en-US" sz="1200" b="1" kern="0" dirty="0">
               <a:solidFill>
                 <a:schemeClr val="accent2"/>
@@ -12639,7 +12458,7 @@
                 <a:latin typeface="Courier New" pitchFamily="49" charset="0"/>
                 <a:cs typeface="Courier New" pitchFamily="49" charset="0"/>
               </a:rPr>
-              <a:t>    if (P1IFG &amp; BIT2)</a:t>
+              <a:t>    {</a:t>
             </a:r>
           </a:p>
           <a:p>
@@ -12655,7 +12474,27 @@
                 <a:latin typeface="Courier New" pitchFamily="49" charset="0"/>
                 <a:cs typeface="Courier New" pitchFamily="49" charset="0"/>
               </a:rPr>
-              <a:t>    {</a:t>
+              <a:t>        P1IFG &amp;= ~BIT1;  </a:t>
+            </a:r>
+            <a:r>
+              <a:rPr lang="en-US" sz="1200" b="1" kern="0" dirty="0" smtClean="0">
+                <a:solidFill>
+                  <a:srgbClr val="00B050"/>
+                </a:solidFill>
+                <a:latin typeface="Courier New" pitchFamily="49" charset="0"/>
+                <a:cs typeface="Courier New" pitchFamily="49" charset="0"/>
+              </a:rPr>
+              <a:t>// </a:t>
+            </a:r>
+            <a:r>
+              <a:rPr lang="en-US" sz="1200" b="1" kern="0" dirty="0">
+                <a:solidFill>
+                  <a:srgbClr val="00B050"/>
+                </a:solidFill>
+                <a:latin typeface="Courier New" pitchFamily="49" charset="0"/>
+                <a:cs typeface="Courier New" pitchFamily="49" charset="0"/>
+              </a:rPr>
+              <a:t>clear flag</a:t>
             </a:r>
           </a:p>
           <a:p>
@@ -12671,7 +12510,7 @@
                 <a:latin typeface="Courier New" pitchFamily="49" charset="0"/>
                 <a:cs typeface="Courier New" pitchFamily="49" charset="0"/>
               </a:rPr>
-              <a:t>        P1IFG &amp;= ~BIT2</a:t>
+              <a:t>        P1OUT ^= BIT6</a:t>
             </a:r>
             <a:r>
               <a:rPr lang="en-US" sz="1200" b="1" kern="0" dirty="0" smtClean="0">
@@ -12681,7 +12520,27 @@
                 <a:latin typeface="Courier New" pitchFamily="49" charset="0"/>
                 <a:cs typeface="Courier New" pitchFamily="49" charset="0"/>
               </a:rPr>
-              <a:t>;  </a:t>
+              <a:t>; </a:t>
+            </a:r>
+            <a:r>
+              <a:rPr lang="en-US" sz="1200" b="1" kern="0" dirty="0" smtClean="0">
+                <a:solidFill>
+                  <a:schemeClr val="accent2"/>
+                </a:solidFill>
+                <a:latin typeface="Courier New" pitchFamily="49" charset="0"/>
+                <a:cs typeface="Courier New" pitchFamily="49" charset="0"/>
+              </a:rPr>
+              <a:t>  </a:t>
+            </a:r>
+            <a:r>
+              <a:rPr lang="en-US" sz="1200" b="1" kern="0" dirty="0" smtClean="0">
+                <a:solidFill>
+                  <a:srgbClr val="00B050"/>
+                </a:solidFill>
+                <a:latin typeface="Courier New" pitchFamily="49" charset="0"/>
+                <a:cs typeface="Courier New" pitchFamily="49" charset="0"/>
+              </a:rPr>
+              <a:t>// </a:t>
             </a:r>
             <a:r>
               <a:rPr lang="en-US" sz="1200" b="1" kern="0" dirty="0">
@@ -12691,7 +12550,7 @@
                 <a:latin typeface="Courier New" pitchFamily="49" charset="0"/>
                 <a:cs typeface="Courier New" pitchFamily="49" charset="0"/>
               </a:rPr>
-              <a:t>// clear flag</a:t>
+              <a:t>toggle LED 2</a:t>
             </a:r>
           </a:p>
           <a:p>
@@ -12707,7 +12566,114 @@
                 <a:latin typeface="Courier New" pitchFamily="49" charset="0"/>
                 <a:cs typeface="Courier New" pitchFamily="49" charset="0"/>
               </a:rPr>
+              <a:t>    }</a:t>
+            </a:r>
+          </a:p>
+          <a:p>
+            <a:pPr marL="0" indent="0">
+              <a:buFontTx/>
+              <a:buNone/>
+            </a:pPr>
+            <a:endParaRPr lang="en-US" sz="1200" b="1" kern="0" dirty="0">
+              <a:solidFill>
+                <a:schemeClr val="accent2"/>
+              </a:solidFill>
+              <a:latin typeface="Courier New" pitchFamily="49" charset="0"/>
+              <a:cs typeface="Courier New" pitchFamily="49" charset="0"/>
+            </a:endParaRPr>
+          </a:p>
+          <a:p>
+            <a:pPr marL="0" indent="0">
+              <a:buFontTx/>
+              <a:buNone/>
+            </a:pPr>
+            <a:r>
+              <a:rPr lang="en-US" sz="1200" b="1" kern="0" dirty="0">
+                <a:solidFill>
+                  <a:schemeClr val="accent2"/>
+                </a:solidFill>
+                <a:latin typeface="Courier New" pitchFamily="49" charset="0"/>
+                <a:cs typeface="Courier New" pitchFamily="49" charset="0"/>
+              </a:rPr>
+              <a:t>    if (P1IFG &amp; BIT2)</a:t>
+            </a:r>
+          </a:p>
+          <a:p>
+            <a:pPr marL="0" indent="0">
+              <a:buFontTx/>
+              <a:buNone/>
+            </a:pPr>
+            <a:r>
+              <a:rPr lang="en-US" sz="1200" b="1" kern="0" dirty="0">
+                <a:solidFill>
+                  <a:schemeClr val="accent2"/>
+                </a:solidFill>
+                <a:latin typeface="Courier New" pitchFamily="49" charset="0"/>
+                <a:cs typeface="Courier New" pitchFamily="49" charset="0"/>
+              </a:rPr>
+              <a:t>    {</a:t>
+            </a:r>
+          </a:p>
+          <a:p>
+            <a:pPr marL="0" indent="0">
+              <a:buFontTx/>
+              <a:buNone/>
+            </a:pPr>
+            <a:r>
+              <a:rPr lang="en-US" sz="1200" b="1" kern="0" dirty="0">
+                <a:solidFill>
+                  <a:schemeClr val="accent2"/>
+                </a:solidFill>
+                <a:latin typeface="Courier New" pitchFamily="49" charset="0"/>
+                <a:cs typeface="Courier New" pitchFamily="49" charset="0"/>
+              </a:rPr>
+              <a:t>        P1IFG &amp;= ~BIT2</a:t>
+            </a:r>
+            <a:r>
+              <a:rPr lang="en-US" sz="1200" b="1" kern="0" dirty="0" smtClean="0">
+                <a:solidFill>
+                  <a:schemeClr val="accent2"/>
+                </a:solidFill>
+                <a:latin typeface="Courier New" pitchFamily="49" charset="0"/>
+                <a:cs typeface="Courier New" pitchFamily="49" charset="0"/>
+              </a:rPr>
+              <a:t>;  </a:t>
+            </a:r>
+            <a:r>
+              <a:rPr lang="en-US" sz="1200" b="1" kern="0" dirty="0">
+                <a:solidFill>
+                  <a:srgbClr val="00B050"/>
+                </a:solidFill>
+                <a:latin typeface="Courier New" pitchFamily="49" charset="0"/>
+                <a:cs typeface="Courier New" pitchFamily="49" charset="0"/>
+              </a:rPr>
+              <a:t>// clear flag</a:t>
+            </a:r>
+          </a:p>
+          <a:p>
+            <a:pPr marL="0" indent="0">
+              <a:buFontTx/>
+              <a:buNone/>
+            </a:pPr>
+            <a:r>
+              <a:rPr lang="en-US" sz="1200" b="1" kern="0" dirty="0">
+                <a:solidFill>
+                  <a:schemeClr val="accent2"/>
+                </a:solidFill>
+                <a:latin typeface="Courier New" pitchFamily="49" charset="0"/>
+                <a:cs typeface="Courier New" pitchFamily="49" charset="0"/>
+              </a:rPr>
               <a:t>        P1OUT ^= BIT0; </a:t>
+            </a:r>
+            <a:r>
+              <a:rPr lang="en-US" sz="1200" b="1" kern="0" dirty="0" smtClean="0">
+                <a:solidFill>
+                  <a:schemeClr val="accent2"/>
+                </a:solidFill>
+                <a:latin typeface="Courier New" pitchFamily="49" charset="0"/>
+                <a:cs typeface="Courier New" pitchFamily="49" charset="0"/>
+              </a:rPr>
+              <a:t> </a:t>
             </a:r>
             <a:r>
               <a:rPr lang="en-US" sz="1200" b="1" kern="0" dirty="0" smtClean="0">
@@ -12867,7 +12833,27 @@
                 <a:latin typeface="Courier New" pitchFamily="49" charset="0"/>
                 <a:cs typeface="Courier New" pitchFamily="49" charset="0"/>
               </a:rPr>
-              <a:t>                     // interrupt </a:t>
+              <a:t>                     </a:t>
+            </a:r>
+            <a:r>
+              <a:rPr lang="en-US" sz="1200" b="1" kern="0" dirty="0" smtClean="0">
+                <a:solidFill>
+                  <a:srgbClr val="00B050"/>
+                </a:solidFill>
+                <a:latin typeface="Courier New" pitchFamily="49" charset="0"/>
+                <a:cs typeface="Courier New" pitchFamily="49" charset="0"/>
+              </a:rPr>
+              <a:t>  // </a:t>
+            </a:r>
+            <a:r>
+              <a:rPr lang="en-US" sz="1200" b="1" kern="0" dirty="0" smtClean="0">
+                <a:solidFill>
+                  <a:srgbClr val="00B050"/>
+                </a:solidFill>
+                <a:latin typeface="Courier New" pitchFamily="49" charset="0"/>
+                <a:cs typeface="Courier New" pitchFamily="49" charset="0"/>
+              </a:rPr>
+              <a:t>interrupt </a:t>
             </a:r>
             <a:r>
               <a:rPr lang="en-US" sz="1200" b="1" kern="0" dirty="0">
@@ -12893,7 +12879,7 @@
                 <a:latin typeface="Courier New" pitchFamily="49" charset="0"/>
                 <a:cs typeface="Courier New" pitchFamily="49" charset="0"/>
               </a:rPr>
-              <a:t>        P1OUT ^= BIT0|BIT6;                    </a:t>
+              <a:t>        P1OUT ^= BIT0|BIT6</a:t>
             </a:r>
             <a:r>
               <a:rPr lang="en-US" sz="1200" b="1" kern="0" dirty="0" smtClean="0">
@@ -12903,54 +12889,35 @@
                 <a:latin typeface="Courier New" pitchFamily="49" charset="0"/>
                 <a:cs typeface="Courier New" pitchFamily="49" charset="0"/>
               </a:rPr>
-              <a:t>  </a:t>
-            </a:r>
-          </a:p>
-          <a:p>
-            <a:pPr marL="0" indent="0">
-              <a:buFontTx/>
-              <a:buNone/>
-            </a:pPr>
+              <a:t>;</a:t>
+            </a:r>
             <a:r>
               <a:rPr lang="en-US" sz="1200" b="1" kern="0" dirty="0">
                 <a:solidFill>
-                  <a:schemeClr val="accent2"/>
-                </a:solidFill>
-                <a:latin typeface="Courier New" pitchFamily="49" charset="0"/>
-                <a:cs typeface="Courier New" pitchFamily="49" charset="0"/>
-              </a:rPr>
-              <a:t> </a:t>
+                  <a:srgbClr val="00B050"/>
+                </a:solidFill>
+                <a:latin typeface="Courier New" pitchFamily="49" charset="0"/>
+                <a:cs typeface="Courier New" pitchFamily="49" charset="0"/>
+              </a:rPr>
+              <a:t> // </a:t>
             </a:r>
             <a:r>
               <a:rPr lang="en-US" sz="1200" b="1" kern="0" dirty="0" smtClean="0">
                 <a:solidFill>
-                  <a:schemeClr val="accent2"/>
-                </a:solidFill>
-                <a:latin typeface="Courier New" pitchFamily="49" charset="0"/>
-                <a:cs typeface="Courier New" pitchFamily="49" charset="0"/>
-              </a:rPr>
-              <a:t>                  </a:t>
-            </a:r>
-            <a:r>
-              <a:rPr lang="en-US" sz="1200" b="1" kern="0" dirty="0" smtClean="0">
-                <a:solidFill>
                   <a:srgbClr val="00B050"/>
                 </a:solidFill>
                 <a:latin typeface="Courier New" pitchFamily="49" charset="0"/>
                 <a:cs typeface="Courier New" pitchFamily="49" charset="0"/>
               </a:rPr>
-              <a:t>// </a:t>
-            </a:r>
-            <a:r>
-              <a:rPr lang="en-US" sz="1200" b="1" kern="0" dirty="0">
-                <a:solidFill>
-                  <a:srgbClr val="00B050"/>
-                </a:solidFill>
-                <a:latin typeface="Courier New" pitchFamily="49" charset="0"/>
-                <a:cs typeface="Courier New" pitchFamily="49" charset="0"/>
-              </a:rPr>
-              <a:t>toggle both LEDs</a:t>
-            </a:r>
+              <a:t>toggle LEDs</a:t>
+            </a:r>
+            <a:endParaRPr lang="en-US" sz="1200" b="1" kern="0" dirty="0">
+              <a:solidFill>
+                <a:srgbClr val="00B050"/>
+              </a:solidFill>
+              <a:latin typeface="Courier New" pitchFamily="49" charset="0"/>
+              <a:cs typeface="Courier New" pitchFamily="49" charset="0"/>
+            </a:endParaRPr>
           </a:p>
           <a:p>
             <a:pPr marL="0" indent="0">
@@ -13055,7 +13022,7 @@
           <a:p>
             <a:r>
               <a:rPr lang="en-US" dirty="0" smtClean="0"/>
-              <a:t>In-Class Programming Exercise </a:t>
+              <a:t>In Class Exercise</a:t>
             </a:r>
             <a:endParaRPr lang="en-US" dirty="0"/>
           </a:p>
@@ -13077,115 +13044,28 @@
           <a:lstStyle/>
           <a:p>
             <a:r>
-              <a:rPr lang="en-US" sz="2400" dirty="0"/>
-              <a:t>Create a project around </a:t>
-            </a:r>
-            <a:r>
-              <a:rPr lang="en-US" sz="2400" dirty="0" err="1"/>
-              <a:t>interruptTones.c</a:t>
-            </a:r>
-            <a:r>
-              <a:rPr lang="en-US" sz="2400" dirty="0"/>
-              <a:t>.  This C program utilizes interrupts to Blink the Green LED (P1.0 using Timer A at 440Hz  Modify the program to do the following</a:t>
-            </a:r>
-            <a:r>
-              <a:rPr lang="en-US" sz="2400" dirty="0" smtClean="0"/>
-              <a:t>:</a:t>
-            </a:r>
-          </a:p>
-          <a:p>
-            <a:pPr lvl="1"/>
-            <a:r>
-              <a:rPr lang="en-US" sz="1800" dirty="0" smtClean="0"/>
-              <a:t>Put </a:t>
-            </a:r>
-            <a:r>
-              <a:rPr lang="en-US" sz="1800" dirty="0"/>
-              <a:t>a speaker or headphones on P1.6 to listen to the 440Hz 'A' Tone using the following schematic.</a:t>
-            </a:r>
-          </a:p>
-          <a:p>
-            <a:pPr lvl="1"/>
-            <a:r>
-              <a:rPr lang="en-US" sz="1800" dirty="0" smtClean="0"/>
-              <a:t>Implement </a:t>
-            </a:r>
-            <a:r>
-              <a:rPr lang="en-US" sz="1800" dirty="0"/>
-              <a:t>another interrupt from a button press (P1.3) to toggle the Red LED (P1.0) and then increment through each tone in the counts array.</a:t>
-            </a:r>
-          </a:p>
-          <a:p>
-            <a:pPr lvl="1"/>
-            <a:r>
-              <a:rPr lang="en-US" sz="1800" dirty="0" smtClean="0"/>
-              <a:t>Use </a:t>
-            </a:r>
-            <a:r>
-              <a:rPr lang="en-US" sz="1800" dirty="0"/>
-              <a:t>the button interrupt to increment through the counts array to be output the different tones on a speaker.</a:t>
-            </a:r>
-          </a:p>
-        </p:txBody>
-      </p:sp>
-      <p:sp>
-        <p:nvSpPr>
-          <p:cNvPr id="4" name="Rectangle 3"/>
-          <p:cNvSpPr/>
-          <p:nvPr/>
-        </p:nvSpPr>
-        <p:spPr>
-          <a:xfrm>
-            <a:off x="2960176" y="5594292"/>
-            <a:ext cx="2861040" cy="461665"/>
-          </a:xfrm>
-          <a:prstGeom prst="rect">
-            <a:avLst/>
-          </a:prstGeom>
-        </p:spPr>
-        <p:txBody>
-          <a:bodyPr wrap="none">
-            <a:spAutoFit/>
-          </a:bodyPr>
-          <a:lstStyle/>
-          <a:p>
-            <a:r>
-              <a:rPr lang="en-US" dirty="0"/>
-              <a:t>(see </a:t>
-            </a:r>
-            <a:r>
-              <a:rPr lang="en-US" dirty="0" err="1"/>
-              <a:t>interruptTones.c</a:t>
-            </a:r>
-            <a:r>
-              <a:rPr lang="en-US" dirty="0"/>
-              <a:t>)</a:t>
-            </a:r>
+              <a:rPr lang="en-US" dirty="0" smtClean="0"/>
+              <a:t>Time permitting, create a new project and type the single button code into a C file and run it.</a:t>
+            </a:r>
+            <a:endParaRPr lang="en-US" dirty="0"/>
           </a:p>
         </p:txBody>
       </p:sp>
     </p:spTree>
     <p:extLst>
       <p:ext uri="{BB962C8B-B14F-4D97-AF65-F5344CB8AC3E}">
-        <p14:creationId xmlns:p14="http://schemas.microsoft.com/office/powerpoint/2010/main" val="3383098997"/>
+        <p14:creationId xmlns:p14="http://schemas.microsoft.com/office/powerpoint/2010/main" val="3361458923"/>
       </p:ext>
     </p:extLst>
   </p:cSld>
   <p:clrMapOvr>
     <a:masterClrMapping/>
   </p:clrMapOvr>
-  <p:timing>
-    <p:tnLst>
-      <p:par>
-        <p:cTn id="1" dur="indefinite" restart="never" nodeType="tmRoot"/>
-      </p:par>
-    </p:tnLst>
-  </p:timing>
 </p:sld>
 </file>
 
 <file path=ppt/slides/slide17.xml><?xml version="1.0" encoding="utf-8"?>
-<p:sld xmlns:a="http://schemas.openxmlformats.org/drawingml/2006/main" xmlns:r="http://schemas.openxmlformats.org/officeDocument/2006/relationships" xmlns:p="http://schemas.openxmlformats.org/presentationml/2006/main" show="0">
+<p:sld xmlns:a="http://schemas.openxmlformats.org/drawingml/2006/main" xmlns:r="http://schemas.openxmlformats.org/officeDocument/2006/relationships" xmlns:p="http://schemas.openxmlformats.org/presentationml/2006/main">
   <p:cSld>
     <p:spTree>
       <p:nvGrpSpPr>
@@ -13203,7 +13083,26 @@
       </p:grpSpPr>
       <p:sp>
         <p:nvSpPr>
-          <p:cNvPr id="2" name="Title 1"/>
+          <p:cNvPr id="5" name="Subtitle 4"/>
+          <p:cNvSpPr>
+            <a:spLocks noGrp="1"/>
+          </p:cNvSpPr>
+          <p:nvPr>
+            <p:ph type="subTitle" idx="1"/>
+          </p:nvPr>
+        </p:nvSpPr>
+        <p:spPr/>
+        <p:txBody>
+          <a:bodyPr/>
+          <a:lstStyle/>
+          <a:p>
+            <a:endParaRPr lang="en-US" dirty="0"/>
+          </a:p>
+        </p:txBody>
+      </p:sp>
+      <p:sp>
+        <p:nvSpPr>
+          <p:cNvPr id="4" name="Title 3"/>
           <p:cNvSpPr>
             <a:spLocks noGrp="1"/>
           </p:cNvSpPr>
@@ -13218,187 +13117,23 @@
           <a:p>
             <a:r>
               <a:rPr lang="en-US" dirty="0" smtClean="0"/>
-              <a:t>In-Class Programming Exercise </a:t>
+              <a:t>BACKUPS</a:t>
             </a:r>
             <a:endParaRPr lang="en-US" dirty="0"/>
           </a:p>
         </p:txBody>
       </p:sp>
-      <p:sp>
-        <p:nvSpPr>
-          <p:cNvPr id="3" name="Content Placeholder 2"/>
-          <p:cNvSpPr>
-            <a:spLocks noGrp="1"/>
-          </p:cNvSpPr>
-          <p:nvPr>
-            <p:ph idx="1"/>
-          </p:nvPr>
-        </p:nvSpPr>
-        <p:spPr/>
-        <p:txBody>
-          <a:bodyPr/>
-          <a:lstStyle/>
-          <a:p>
-            <a:endParaRPr lang="en-US" sz="1800" dirty="0"/>
-          </a:p>
-        </p:txBody>
-      </p:sp>
-      <p:sp>
-        <p:nvSpPr>
-          <p:cNvPr id="4" name="Rectangle 3"/>
-          <p:cNvSpPr/>
-          <p:nvPr/>
-        </p:nvSpPr>
-        <p:spPr>
-          <a:xfrm>
-            <a:off x="3141480" y="659685"/>
-            <a:ext cx="2861040" cy="461665"/>
-          </a:xfrm>
-          <a:prstGeom prst="rect">
-            <a:avLst/>
-          </a:prstGeom>
-        </p:spPr>
-        <p:txBody>
-          <a:bodyPr wrap="none">
-            <a:spAutoFit/>
-          </a:bodyPr>
-          <a:lstStyle/>
-          <a:p>
-            <a:r>
-              <a:rPr lang="en-US" dirty="0"/>
-              <a:t>(see </a:t>
-            </a:r>
-            <a:r>
-              <a:rPr lang="en-US" dirty="0" err="1"/>
-              <a:t>interruptTones.c</a:t>
-            </a:r>
-            <a:r>
-              <a:rPr lang="en-US" dirty="0"/>
-              <a:t>)</a:t>
-            </a:r>
-          </a:p>
-        </p:txBody>
-      </p:sp>
-      <p:sp>
-        <p:nvSpPr>
-          <p:cNvPr id="7" name="Rectangle 6"/>
-          <p:cNvSpPr/>
-          <p:nvPr/>
-        </p:nvSpPr>
-        <p:spPr>
-          <a:xfrm>
-            <a:off x="0" y="6172174"/>
-            <a:ext cx="9144000" cy="707886"/>
-          </a:xfrm>
-          <a:prstGeom prst="rect">
-            <a:avLst/>
-          </a:prstGeom>
-        </p:spPr>
-        <p:txBody>
-          <a:bodyPr wrap="square">
-            <a:spAutoFit/>
-          </a:bodyPr>
-          <a:lstStyle/>
-          <a:p>
-            <a:pPr algn="ctr">
-              <a:spcBef>
-                <a:spcPts val="0"/>
-              </a:spcBef>
-            </a:pPr>
-            <a:r>
-              <a:rPr lang="en-US" sz="2000" dirty="0"/>
-              <a:t>Setup for the hooking up 3.5mm Audio Jack to the MSP430 Launchpad Board</a:t>
-            </a:r>
-          </a:p>
-          <a:p>
-            <a:pPr algn="ctr">
-              <a:spcBef>
-                <a:spcPts val="0"/>
-              </a:spcBef>
-            </a:pPr>
-            <a:r>
-              <a:rPr lang="en-US" sz="2000" dirty="0" smtClean="0"/>
-              <a:t>without </a:t>
-            </a:r>
-            <a:r>
-              <a:rPr lang="en-US" sz="2000" dirty="0"/>
-              <a:t>Volume Control</a:t>
-            </a:r>
-          </a:p>
-        </p:txBody>
-      </p:sp>
-      <p:pic>
-        <p:nvPicPr>
-          <p:cNvPr id="1026" name="Picture 2"/>
-          <p:cNvPicPr>
-            <a:picLocks noChangeAspect="1" noChangeArrowheads="1"/>
-          </p:cNvPicPr>
-          <p:nvPr/>
-        </p:nvPicPr>
-        <p:blipFill>
-          <a:blip r:embed="rId2">
-            <a:extLst>
-              <a:ext uri="{28A0092B-C50C-407E-A947-70E740481C1C}">
-                <a14:useLocalDpi xmlns:a14="http://schemas.microsoft.com/office/drawing/2010/main" val="0"/>
-              </a:ext>
-            </a:extLst>
-          </a:blip>
-          <a:srcRect/>
-          <a:stretch>
-            <a:fillRect/>
-          </a:stretch>
-        </p:blipFill>
-        <p:spPr bwMode="auto">
-          <a:xfrm>
-            <a:off x="354251" y="1385334"/>
-            <a:ext cx="8435498" cy="4769734"/>
-          </a:xfrm>
-          <a:prstGeom prst="rect">
-            <a:avLst/>
-          </a:prstGeom>
-          <a:noFill/>
-          <a:ln>
-            <a:noFill/>
-          </a:ln>
-          <a:extLst>
-            <a:ext uri="{909E8E84-426E-40DD-AFC4-6F175D3DCCD1}">
-              <a14:hiddenFill xmlns:a14="http://schemas.microsoft.com/office/drawing/2010/main">
-                <a:solidFill>
-                  <a:schemeClr val="accent1"/>
-                </a:solidFill>
-              </a14:hiddenFill>
-            </a:ext>
-            <a:ext uri="{91240B29-F687-4F45-9708-019B960494DF}">
-              <a14:hiddenLine xmlns:a14="http://schemas.microsoft.com/office/drawing/2010/main" w="9525">
-                <a:solidFill>
-                  <a:schemeClr val="tx1"/>
-                </a:solidFill>
-                <a:miter lim="800000"/>
-                <a:headEnd/>
-                <a:tailEnd/>
-              </a14:hiddenLine>
-            </a:ext>
-          </a:extLst>
-        </p:spPr>
-      </p:pic>
     </p:spTree>
     <p:extLst>
       <p:ext uri="{BB962C8B-B14F-4D97-AF65-F5344CB8AC3E}">
-        <p14:creationId xmlns:p14="http://schemas.microsoft.com/office/powerpoint/2010/main" val="2469392628"/>
+        <p14:creationId xmlns:p14="http://schemas.microsoft.com/office/powerpoint/2010/main" val="3003632033"/>
       </p:ext>
     </p:extLst>
   </p:cSld>
   <p:clrMapOvr>
     <a:masterClrMapping/>
   </p:clrMapOvr>
-  <mc:AlternateContent xmlns:mc="http://schemas.openxmlformats.org/markup-compatibility/2006" xmlns:p14="http://schemas.microsoft.com/office/powerpoint/2010/main">
-    <mc:Choice Requires="p14">
-      <p:transition spd="slow" p14:dur="2000"/>
-    </mc:Choice>
-    <mc:Fallback xmlns="">
-      <p:transition spd="slow"/>
-    </mc:Fallback>
-  </mc:AlternateContent>
+  <p:transition spd="med"/>
   <p:timing>
     <p:tnLst>
       <p:par>
@@ -13442,16 +13177,16 @@
           <a:lstStyle/>
           <a:p>
             <a:r>
-              <a:rPr lang="en-US" dirty="0" smtClean="0"/>
-              <a:t>In-Class Programming Exercise </a:t>
-            </a:r>
-            <a:endParaRPr lang="en-US" dirty="0"/>
+              <a:rPr lang="en-US" b="1" dirty="0" smtClean="0"/>
+              <a:t>Lesson 25 Polling - Example Code</a:t>
+            </a:r>
+            <a:endParaRPr lang="en-US" b="1" dirty="0"/>
           </a:p>
         </p:txBody>
       </p:sp>
       <p:sp>
         <p:nvSpPr>
-          <p:cNvPr id="3" name="Content Placeholder 2"/>
+          <p:cNvPr id="5" name="Content Placeholder 2"/>
           <p:cNvSpPr>
             <a:spLocks noGrp="1"/>
           </p:cNvSpPr>
@@ -13459,157 +13194,868 @@
             <p:ph idx="1"/>
           </p:nvPr>
         </p:nvSpPr>
-        <p:spPr/>
+        <p:spPr>
+          <a:xfrm>
+            <a:off x="65118" y="757317"/>
+            <a:ext cx="8924336" cy="5176758"/>
+          </a:xfrm>
+          <a:solidFill>
+            <a:schemeClr val="bg1"/>
+          </a:solidFill>
+          <a:ln>
+            <a:solidFill>
+              <a:schemeClr val="tx1"/>
+            </a:solidFill>
+          </a:ln>
+        </p:spPr>
         <p:txBody>
           <a:bodyPr/>
           <a:lstStyle/>
           <a:p>
-            <a:endParaRPr lang="en-US" sz="1800" dirty="0"/>
-          </a:p>
-        </p:txBody>
-      </p:sp>
-      <p:sp>
-        <p:nvSpPr>
-          <p:cNvPr id="4" name="Rectangle 3"/>
-          <p:cNvSpPr/>
-          <p:nvPr/>
-        </p:nvSpPr>
-        <p:spPr>
-          <a:xfrm>
-            <a:off x="3141480" y="659685"/>
-            <a:ext cx="2861040" cy="461665"/>
-          </a:xfrm>
-          <a:prstGeom prst="rect">
-            <a:avLst/>
-          </a:prstGeom>
-        </p:spPr>
-        <p:txBody>
-          <a:bodyPr wrap="none">
-            <a:spAutoFit/>
-          </a:bodyPr>
-          <a:lstStyle/>
-          <a:p>
-            <a:r>
-              <a:rPr lang="en-US" dirty="0"/>
-              <a:t>(see </a:t>
-            </a:r>
-            <a:r>
-              <a:rPr lang="en-US" dirty="0" err="1"/>
-              <a:t>interruptTones.c</a:t>
-            </a:r>
-            <a:r>
-              <a:rPr lang="en-US" dirty="0"/>
-              <a:t>)</a:t>
-            </a:r>
-          </a:p>
-        </p:txBody>
-      </p:sp>
-      <p:sp>
-        <p:nvSpPr>
-          <p:cNvPr id="7" name="Rectangle 6"/>
-          <p:cNvSpPr/>
-          <p:nvPr/>
-        </p:nvSpPr>
-        <p:spPr>
-          <a:xfrm>
-            <a:off x="0" y="6172174"/>
-            <a:ext cx="9144000" cy="707886"/>
-          </a:xfrm>
-          <a:prstGeom prst="rect">
-            <a:avLst/>
-          </a:prstGeom>
-        </p:spPr>
-        <p:txBody>
-          <a:bodyPr wrap="square">
-            <a:spAutoFit/>
-          </a:bodyPr>
-          <a:lstStyle/>
-          <a:p>
-            <a:pPr algn="ctr">
+            <a:pPr marL="0" indent="0">
+              <a:buNone/>
+            </a:pPr>
+            <a:r>
+              <a:rPr lang="en-US" sz="1200" b="1" dirty="0" smtClean="0">
+                <a:latin typeface="Courier New" pitchFamily="49" charset="0"/>
+                <a:cs typeface="Courier New" pitchFamily="49" charset="0"/>
+              </a:rPr>
+              <a:t>           </a:t>
+            </a:r>
+            <a:r>
+              <a:rPr lang="en-US" sz="1200" b="1" u="sng" dirty="0" err="1" smtClean="0">
+                <a:latin typeface="Courier New" pitchFamily="49" charset="0"/>
+                <a:cs typeface="Courier New" pitchFamily="49" charset="0"/>
+              </a:rPr>
+              <a:t>Main.c</a:t>
+            </a:r>
+            <a:endParaRPr lang="en-US" sz="1200" b="1" dirty="0" smtClean="0">
+              <a:latin typeface="Courier New" pitchFamily="49" charset="0"/>
+              <a:cs typeface="Courier New" pitchFamily="49" charset="0"/>
+            </a:endParaRPr>
+          </a:p>
+          <a:p>
+            <a:pPr marL="0" marR="0" indent="0">
               <a:spcBef>
                 <a:spcPts val="0"/>
               </a:spcBef>
-            </a:pPr>
-            <a:r>
-              <a:rPr lang="en-US" sz="2000" dirty="0"/>
-              <a:t>Setup for the hooking up 3.5mm Audio Jack to the MSP430 Launchpad Board</a:t>
-            </a:r>
-          </a:p>
-          <a:p>
-            <a:pPr algn="ctr">
+              <a:spcAft>
+                <a:spcPts val="0"/>
+              </a:spcAft>
+              <a:buNone/>
+            </a:pPr>
+            <a:r>
+              <a:rPr lang="en-US" sz="1200" b="1" dirty="0" smtClean="0">
+                <a:solidFill>
+                  <a:srgbClr val="7F0055"/>
+                </a:solidFill>
+                <a:latin typeface="Consolas"/>
+                <a:ea typeface="Calibri"/>
+              </a:rPr>
+              <a:t>#</a:t>
+            </a:r>
+            <a:r>
+              <a:rPr lang="en-US" sz="1200" b="1" dirty="0">
+                <a:solidFill>
+                  <a:srgbClr val="7F0055"/>
+                </a:solidFill>
+                <a:latin typeface="Consolas"/>
+                <a:ea typeface="Calibri"/>
+              </a:rPr>
+              <a:t>include</a:t>
+            </a:r>
+            <a:r>
+              <a:rPr lang="en-US" sz="1200" dirty="0">
+                <a:solidFill>
+                  <a:srgbClr val="000000"/>
+                </a:solidFill>
+                <a:latin typeface="Consolas"/>
+                <a:ea typeface="Calibri"/>
+              </a:rPr>
+              <a:t> </a:t>
+            </a:r>
+            <a:r>
+              <a:rPr lang="en-US" sz="1200" dirty="0">
+                <a:solidFill>
+                  <a:srgbClr val="2A00FF"/>
+                </a:solidFill>
+                <a:latin typeface="Consolas"/>
+                <a:ea typeface="Calibri"/>
+              </a:rPr>
+              <a:t>&lt;msp430g2553.h&gt;</a:t>
+            </a:r>
+            <a:endParaRPr lang="en-US" sz="1200" dirty="0">
+              <a:latin typeface="Calibri"/>
+              <a:ea typeface="Calibri"/>
+            </a:endParaRPr>
+          </a:p>
+          <a:p>
+            <a:pPr marL="0" marR="0" indent="0">
               <a:spcBef>
                 <a:spcPts val="0"/>
               </a:spcBef>
-            </a:pPr>
-            <a:r>
-              <a:rPr lang="en-US" sz="2000" dirty="0" smtClean="0"/>
-              <a:t>without </a:t>
-            </a:r>
-            <a:r>
-              <a:rPr lang="en-US" sz="2000" dirty="0"/>
-              <a:t>Volume Control</a:t>
-            </a:r>
+              <a:spcAft>
+                <a:spcPts val="0"/>
+              </a:spcAft>
+              <a:buNone/>
+            </a:pPr>
+            <a:r>
+              <a:rPr lang="en-US" sz="1200" dirty="0">
+                <a:latin typeface="Consolas"/>
+                <a:ea typeface="Calibri"/>
+              </a:rPr>
+              <a:t> </a:t>
+            </a:r>
+            <a:endParaRPr lang="en-US" sz="1200" dirty="0">
+              <a:latin typeface="Calibri"/>
+              <a:ea typeface="Calibri"/>
+            </a:endParaRPr>
+          </a:p>
+          <a:p>
+            <a:pPr marL="0" marR="0" indent="0">
+              <a:spcBef>
+                <a:spcPts val="0"/>
+              </a:spcBef>
+              <a:spcAft>
+                <a:spcPts val="0"/>
+              </a:spcAft>
+              <a:buNone/>
+            </a:pPr>
+            <a:r>
+              <a:rPr lang="en-US" sz="1200" b="1" dirty="0" smtClean="0">
+                <a:solidFill>
+                  <a:srgbClr val="7F0055"/>
+                </a:solidFill>
+                <a:latin typeface="Consolas"/>
+                <a:ea typeface="Calibri"/>
+              </a:rPr>
+              <a:t>void</a:t>
+            </a:r>
+            <a:r>
+              <a:rPr lang="en-US" sz="1200" dirty="0" smtClean="0">
+                <a:solidFill>
+                  <a:srgbClr val="000000"/>
+                </a:solidFill>
+                <a:latin typeface="Consolas"/>
+                <a:ea typeface="Calibri"/>
+              </a:rPr>
+              <a:t> </a:t>
+            </a:r>
+            <a:r>
+              <a:rPr lang="en-US" sz="1200" b="1" dirty="0" smtClean="0">
+                <a:solidFill>
+                  <a:srgbClr val="000000"/>
+                </a:solidFill>
+                <a:latin typeface="Consolas"/>
+                <a:ea typeface="Calibri"/>
+              </a:rPr>
+              <a:t>main</a:t>
+            </a:r>
+            <a:r>
+              <a:rPr lang="en-US" sz="1200" dirty="0" smtClean="0">
+                <a:solidFill>
+                  <a:srgbClr val="000000"/>
+                </a:solidFill>
+                <a:latin typeface="Consolas"/>
+                <a:ea typeface="Calibri"/>
+              </a:rPr>
+              <a:t>(</a:t>
+            </a:r>
+            <a:r>
+              <a:rPr lang="en-US" sz="1200" b="1" dirty="0" smtClean="0">
+                <a:solidFill>
+                  <a:srgbClr val="7F0055"/>
+                </a:solidFill>
+                <a:latin typeface="Consolas"/>
+                <a:ea typeface="Calibri"/>
+              </a:rPr>
+              <a:t>void</a:t>
+            </a:r>
+            <a:r>
+              <a:rPr lang="en-US" sz="1200" dirty="0" smtClean="0">
+                <a:solidFill>
+                  <a:srgbClr val="000000"/>
+                </a:solidFill>
+                <a:latin typeface="Consolas"/>
+                <a:ea typeface="Calibri"/>
+              </a:rPr>
+              <a:t>) {</a:t>
+            </a:r>
+            <a:endParaRPr lang="en-US" sz="1200" dirty="0" smtClean="0">
+              <a:latin typeface="Calibri"/>
+              <a:ea typeface="Calibri"/>
+            </a:endParaRPr>
+          </a:p>
+          <a:p>
+            <a:pPr marL="0" indent="0">
+              <a:buNone/>
+            </a:pPr>
+            <a:r>
+              <a:rPr lang="en-US" sz="1200" dirty="0">
+                <a:solidFill>
+                  <a:srgbClr val="000000"/>
+                </a:solidFill>
+                <a:latin typeface="Consolas"/>
+              </a:rPr>
+              <a:t> </a:t>
+            </a:r>
+            <a:r>
+              <a:rPr lang="en-US" sz="1200" dirty="0" smtClean="0">
+                <a:solidFill>
+                  <a:srgbClr val="000000"/>
+                </a:solidFill>
+                <a:latin typeface="Consolas"/>
+              </a:rPr>
+              <a:t>   WDTCTL </a:t>
+            </a:r>
+            <a:r>
+              <a:rPr lang="en-US" sz="1200" dirty="0">
+                <a:solidFill>
+                  <a:srgbClr val="000000"/>
+                </a:solidFill>
+                <a:latin typeface="Consolas"/>
+              </a:rPr>
+              <a:t>= WDTPW | WDTHOLD</a:t>
+            </a:r>
+            <a:r>
+              <a:rPr lang="en-US" sz="1200" dirty="0" smtClean="0">
+                <a:solidFill>
+                  <a:srgbClr val="000000"/>
+                </a:solidFill>
+                <a:latin typeface="Consolas"/>
+              </a:rPr>
+              <a:t>;   </a:t>
+            </a:r>
+            <a:r>
+              <a:rPr lang="en-US" sz="1200" dirty="0" smtClean="0">
+                <a:solidFill>
+                  <a:srgbClr val="3F7F5F"/>
+                </a:solidFill>
+                <a:latin typeface="Consolas"/>
+              </a:rPr>
+              <a:t>// </a:t>
+            </a:r>
+            <a:r>
+              <a:rPr lang="en-US" sz="1200" dirty="0">
+                <a:solidFill>
+                  <a:srgbClr val="3F7F5F"/>
+                </a:solidFill>
+                <a:latin typeface="Consolas"/>
+              </a:rPr>
+              <a:t>Stop watchdog </a:t>
+            </a:r>
+            <a:r>
+              <a:rPr lang="en-US" sz="1200" dirty="0" smtClean="0">
+                <a:solidFill>
+                  <a:srgbClr val="3F7F5F"/>
+                </a:solidFill>
+                <a:latin typeface="Consolas"/>
+              </a:rPr>
+              <a:t>timer</a:t>
+            </a:r>
+          </a:p>
+          <a:p>
+            <a:pPr marL="0" indent="0">
+              <a:buNone/>
+            </a:pPr>
+            <a:endParaRPr lang="en-US" sz="1200" dirty="0">
+              <a:solidFill>
+                <a:srgbClr val="3F7F5F"/>
+              </a:solidFill>
+              <a:latin typeface="Consolas"/>
+            </a:endParaRPr>
+          </a:p>
+          <a:p>
+            <a:pPr marL="0" indent="0">
+              <a:buNone/>
+            </a:pPr>
+            <a:r>
+              <a:rPr lang="en-US" sz="1200" dirty="0">
+                <a:solidFill>
+                  <a:srgbClr val="000000"/>
+                </a:solidFill>
+                <a:latin typeface="Consolas"/>
+              </a:rPr>
+              <a:t>    BCSCTL1 = CALBC1_8MHZ;      </a:t>
+            </a:r>
+            <a:r>
+              <a:rPr lang="en-US" sz="1200" dirty="0">
+                <a:solidFill>
+                  <a:srgbClr val="3F7F5F"/>
+                </a:solidFill>
+                <a:latin typeface="Consolas"/>
+              </a:rPr>
+              <a:t>// Set SMCLK 8 </a:t>
+            </a:r>
+            <a:r>
+              <a:rPr lang="en-US" sz="1200" dirty="0" smtClean="0">
+                <a:solidFill>
+                  <a:srgbClr val="3F7F5F"/>
+                </a:solidFill>
+                <a:latin typeface="Consolas"/>
+              </a:rPr>
+              <a:t>MHz</a:t>
+            </a:r>
+            <a:endParaRPr lang="en-US" sz="1200" dirty="0">
+              <a:solidFill>
+                <a:srgbClr val="3F7F5F"/>
+              </a:solidFill>
+              <a:latin typeface="Consolas"/>
+            </a:endParaRPr>
+          </a:p>
+          <a:p>
+            <a:pPr marL="0" indent="0">
+              <a:buNone/>
+            </a:pPr>
+            <a:r>
+              <a:rPr lang="en-US" sz="1200" dirty="0">
+                <a:solidFill>
+                  <a:srgbClr val="000000"/>
+                </a:solidFill>
+                <a:latin typeface="Consolas"/>
+              </a:rPr>
+              <a:t>    DCOCTL = CALDCO_8MHZ</a:t>
+            </a:r>
+            <a:r>
+              <a:rPr lang="en-US" sz="1200" dirty="0" smtClean="0">
+                <a:solidFill>
+                  <a:srgbClr val="000000"/>
+                </a:solidFill>
+                <a:latin typeface="Consolas"/>
+              </a:rPr>
+              <a:t>;</a:t>
+            </a:r>
+            <a:endParaRPr lang="en-US" sz="1200" dirty="0">
+              <a:solidFill>
+                <a:srgbClr val="000000"/>
+              </a:solidFill>
+              <a:latin typeface="Consolas"/>
+            </a:endParaRPr>
+          </a:p>
+          <a:p>
+            <a:pPr marL="0" indent="0">
+              <a:buNone/>
+            </a:pPr>
+            <a:endParaRPr lang="en-US" sz="1200" dirty="0" smtClean="0">
+              <a:latin typeface="Consolas"/>
+            </a:endParaRPr>
+          </a:p>
+          <a:p>
+            <a:pPr marL="0" indent="0">
+              <a:buNone/>
+            </a:pPr>
+            <a:r>
+              <a:rPr lang="en-US" sz="1200" dirty="0" smtClean="0">
+                <a:latin typeface="Consolas"/>
+              </a:rPr>
+              <a:t>    P1DIR </a:t>
+            </a:r>
+            <a:r>
+              <a:rPr lang="en-US" sz="1200" dirty="0">
+                <a:latin typeface="Consolas"/>
+              </a:rPr>
+              <a:t>= BIT6; </a:t>
+            </a:r>
+            <a:r>
+              <a:rPr lang="en-US" sz="1200" dirty="0" smtClean="0">
+                <a:latin typeface="Consolas"/>
+              </a:rPr>
+              <a:t>		</a:t>
+            </a:r>
+            <a:r>
+              <a:rPr lang="en-US" sz="1200" dirty="0" smtClean="0">
+                <a:solidFill>
+                  <a:srgbClr val="3F7F5F"/>
+                </a:solidFill>
+                <a:latin typeface="Consolas"/>
+              </a:rPr>
+              <a:t>// </a:t>
+            </a:r>
+            <a:r>
+              <a:rPr lang="en-US" sz="1200" dirty="0">
+                <a:solidFill>
+                  <a:srgbClr val="3F7F5F"/>
+                </a:solidFill>
+                <a:latin typeface="Consolas"/>
+              </a:rPr>
+              <a:t>Set the green LED as an output</a:t>
+            </a:r>
+            <a:endParaRPr lang="en-US" sz="1200" dirty="0">
+              <a:latin typeface="Consolas"/>
+            </a:endParaRPr>
+          </a:p>
+          <a:p>
+            <a:pPr marL="0" indent="0">
+              <a:buNone/>
+            </a:pPr>
+            <a:r>
+              <a:rPr lang="en-US" sz="1200" dirty="0" smtClean="0">
+                <a:solidFill>
+                  <a:srgbClr val="000000"/>
+                </a:solidFill>
+                <a:latin typeface="Consolas"/>
+              </a:rPr>
+              <a:t>    </a:t>
+            </a:r>
+          </a:p>
+          <a:p>
+            <a:pPr marL="0" indent="0">
+              <a:buNone/>
+            </a:pPr>
+            <a:r>
+              <a:rPr lang="en-US" sz="1200" dirty="0">
+                <a:solidFill>
+                  <a:srgbClr val="000000"/>
+                </a:solidFill>
+                <a:latin typeface="Consolas"/>
+              </a:rPr>
+              <a:t> </a:t>
+            </a:r>
+            <a:r>
+              <a:rPr lang="en-US" sz="1200" dirty="0" smtClean="0">
+                <a:solidFill>
+                  <a:srgbClr val="000000"/>
+                </a:solidFill>
+                <a:latin typeface="Consolas"/>
+              </a:rPr>
+              <a:t>   TACCR0 </a:t>
+            </a:r>
+            <a:r>
+              <a:rPr lang="en-US" sz="1200" dirty="0">
+                <a:solidFill>
+                  <a:srgbClr val="000000"/>
+                </a:solidFill>
+                <a:latin typeface="Consolas"/>
+              </a:rPr>
+              <a:t>= 256 - 1;                    </a:t>
+            </a:r>
+            <a:r>
+              <a:rPr lang="en-US" sz="1200" dirty="0">
+                <a:solidFill>
+                  <a:srgbClr val="3F7F5F"/>
+                </a:solidFill>
+                <a:latin typeface="Consolas"/>
+              </a:rPr>
+              <a:t>// Set the interval</a:t>
+            </a:r>
+          </a:p>
+          <a:p>
+            <a:pPr marL="0" indent="0">
+              <a:buNone/>
+            </a:pPr>
+            <a:r>
+              <a:rPr lang="en-US" sz="1200" dirty="0">
+                <a:solidFill>
+                  <a:srgbClr val="000000"/>
+                </a:solidFill>
+                <a:latin typeface="Consolas"/>
+              </a:rPr>
+              <a:t>    </a:t>
+            </a:r>
+            <a:r>
+              <a:rPr lang="en-US" sz="1200" dirty="0" smtClean="0">
+                <a:solidFill>
+                  <a:srgbClr val="000000"/>
+                </a:solidFill>
+                <a:latin typeface="Consolas"/>
+              </a:rPr>
+              <a:t>TA0CTL </a:t>
+            </a:r>
+            <a:r>
+              <a:rPr lang="en-US" sz="1200" dirty="0">
+                <a:solidFill>
+                  <a:srgbClr val="000000"/>
+                </a:solidFill>
+                <a:latin typeface="Consolas"/>
+              </a:rPr>
+              <a:t>&amp;= ~TAIFG;                     </a:t>
+            </a:r>
+            <a:r>
+              <a:rPr lang="en-US" sz="1200" dirty="0">
+                <a:solidFill>
+                  <a:srgbClr val="3F7F5F"/>
+                </a:solidFill>
+                <a:latin typeface="Consolas"/>
+              </a:rPr>
+              <a:t>// Clear any rollover flag</a:t>
+            </a:r>
+            <a:endParaRPr lang="en-US" sz="1200" dirty="0">
+              <a:latin typeface="Consolas"/>
+            </a:endParaRPr>
+          </a:p>
+          <a:p>
+            <a:pPr marL="0" indent="0">
+              <a:buNone/>
+            </a:pPr>
+            <a:r>
+              <a:rPr lang="en-US" sz="1200" dirty="0">
+                <a:solidFill>
+                  <a:srgbClr val="000000"/>
+                </a:solidFill>
+                <a:latin typeface="Consolas"/>
+              </a:rPr>
+              <a:t>    </a:t>
+            </a:r>
+            <a:r>
+              <a:rPr lang="en-US" sz="1200" dirty="0" smtClean="0">
+                <a:solidFill>
+                  <a:srgbClr val="000000"/>
+                </a:solidFill>
+                <a:latin typeface="Consolas"/>
+              </a:rPr>
+              <a:t>TA0CTL </a:t>
+            </a:r>
+            <a:r>
+              <a:rPr lang="en-US" sz="1200" dirty="0">
+                <a:solidFill>
+                  <a:srgbClr val="000000"/>
+                </a:solidFill>
+                <a:latin typeface="Consolas"/>
+              </a:rPr>
+              <a:t>|= ID_0 | TASSEL_2 | MC_1</a:t>
+            </a:r>
+            <a:r>
+              <a:rPr lang="en-US" sz="1200" dirty="0" smtClean="0">
+                <a:solidFill>
+                  <a:srgbClr val="000000"/>
+                </a:solidFill>
+                <a:latin typeface="Consolas"/>
+              </a:rPr>
+              <a:t>;     </a:t>
+            </a:r>
+            <a:r>
+              <a:rPr lang="en-US" sz="1200" dirty="0" smtClean="0">
+                <a:solidFill>
+                  <a:srgbClr val="3F7F5F"/>
+                </a:solidFill>
+                <a:latin typeface="Consolas"/>
+              </a:rPr>
+              <a:t>// </a:t>
+            </a:r>
+            <a:r>
+              <a:rPr lang="en-US" sz="1200" dirty="0">
+                <a:solidFill>
+                  <a:srgbClr val="3F7F5F"/>
+                </a:solidFill>
+                <a:latin typeface="Consolas"/>
+              </a:rPr>
+              <a:t>Important Timer </a:t>
+            </a:r>
+            <a:r>
+              <a:rPr lang="en-US" sz="1200" dirty="0" smtClean="0">
+                <a:solidFill>
+                  <a:srgbClr val="3F7F5F"/>
+                </a:solidFill>
+                <a:latin typeface="Consolas"/>
+              </a:rPr>
+              <a:t>stuff!</a:t>
+            </a:r>
+          </a:p>
+          <a:p>
+            <a:pPr marL="0" indent="0">
+              <a:buNone/>
+            </a:pPr>
+            <a:endParaRPr lang="en-US" sz="1200" b="1" dirty="0">
+              <a:solidFill>
+                <a:srgbClr val="3F7F5F"/>
+              </a:solidFill>
+              <a:latin typeface="Consolas"/>
+            </a:endParaRPr>
+          </a:p>
+          <a:p>
+            <a:pPr marL="0" indent="0">
+              <a:buNone/>
+            </a:pPr>
+            <a:r>
+              <a:rPr lang="en-US" sz="1200" b="1" dirty="0" smtClean="0">
+                <a:solidFill>
+                  <a:srgbClr val="7F0055"/>
+                </a:solidFill>
+                <a:latin typeface="Consolas"/>
+              </a:rPr>
+              <a:t>while</a:t>
+            </a:r>
+            <a:r>
+              <a:rPr lang="en-US" sz="1200" b="1" dirty="0" smtClean="0">
+                <a:solidFill>
+                  <a:srgbClr val="000000"/>
+                </a:solidFill>
+                <a:latin typeface="Consolas"/>
+              </a:rPr>
+              <a:t>(1</a:t>
+            </a:r>
+            <a:r>
+              <a:rPr lang="en-US" sz="1200" b="1" dirty="0">
+                <a:solidFill>
+                  <a:srgbClr val="000000"/>
+                </a:solidFill>
+                <a:latin typeface="Consolas"/>
+              </a:rPr>
+              <a:t>) {</a:t>
+            </a:r>
+          </a:p>
+          <a:p>
+            <a:pPr marL="0" indent="0">
+              <a:buNone/>
+            </a:pPr>
+            <a:r>
+              <a:rPr lang="en-US" sz="1200" dirty="0">
+                <a:solidFill>
+                  <a:srgbClr val="000000"/>
+                </a:solidFill>
+                <a:latin typeface="Consolas"/>
+              </a:rPr>
+              <a:t>    </a:t>
+            </a:r>
+            <a:r>
+              <a:rPr lang="en-US" sz="1200" b="1" dirty="0">
+                <a:solidFill>
+                  <a:srgbClr val="7F0055"/>
+                </a:solidFill>
+                <a:latin typeface="Consolas"/>
+              </a:rPr>
+              <a:t>while</a:t>
+            </a:r>
+            <a:r>
+              <a:rPr lang="en-US" sz="1200" b="1" dirty="0">
+                <a:solidFill>
+                  <a:srgbClr val="000000"/>
+                </a:solidFill>
+                <a:latin typeface="Consolas"/>
+              </a:rPr>
+              <a:t> ((</a:t>
+            </a:r>
+            <a:r>
+              <a:rPr lang="en-US" sz="1200" b="1" dirty="0" smtClean="0">
+                <a:solidFill>
+                  <a:srgbClr val="000000"/>
+                </a:solidFill>
+                <a:latin typeface="Consolas"/>
+              </a:rPr>
+              <a:t>TA0CTL </a:t>
+            </a:r>
+            <a:r>
+              <a:rPr lang="en-US" sz="1200" b="1" dirty="0">
+                <a:solidFill>
+                  <a:srgbClr val="000000"/>
+                </a:solidFill>
+                <a:latin typeface="Consolas"/>
+              </a:rPr>
+              <a:t>&amp; TAIFG) == 0</a:t>
+            </a:r>
+            <a:r>
+              <a:rPr lang="en-US" sz="1200" b="1" dirty="0" smtClean="0">
+                <a:solidFill>
+                  <a:srgbClr val="000000"/>
+                </a:solidFill>
+                <a:latin typeface="Consolas"/>
+              </a:rPr>
+              <a:t>); </a:t>
+            </a:r>
+            <a:r>
+              <a:rPr lang="en-US" sz="1200" dirty="0">
+                <a:solidFill>
+                  <a:srgbClr val="3F7F5F"/>
+                </a:solidFill>
+                <a:latin typeface="Consolas"/>
+              </a:rPr>
+              <a:t>// </a:t>
+            </a:r>
+            <a:r>
+              <a:rPr lang="en-US" sz="1200" dirty="0" smtClean="0">
+                <a:solidFill>
+                  <a:srgbClr val="3F7F5F"/>
+                </a:solidFill>
+                <a:latin typeface="Consolas"/>
+              </a:rPr>
+              <a:t>Polling timer flag?         </a:t>
+            </a:r>
+            <a:r>
+              <a:rPr lang="en-US" sz="1200" dirty="0" smtClean="0">
+                <a:solidFill>
+                  <a:srgbClr val="FF0000"/>
+                </a:solidFill>
+                <a:latin typeface="Consolas"/>
+              </a:rPr>
+              <a:t>Would this be good for pong game?</a:t>
+            </a:r>
+            <a:endParaRPr lang="en-US" sz="1200" b="1" dirty="0">
+              <a:solidFill>
+                <a:srgbClr val="FF0000"/>
+              </a:solidFill>
+              <a:latin typeface="Consolas"/>
+            </a:endParaRPr>
+          </a:p>
+          <a:p>
+            <a:pPr marL="0" indent="0">
+              <a:buNone/>
+            </a:pPr>
+            <a:r>
+              <a:rPr lang="en-US" sz="1200" dirty="0">
+                <a:solidFill>
+                  <a:srgbClr val="000000"/>
+                </a:solidFill>
+                <a:latin typeface="Consolas"/>
+              </a:rPr>
+              <a:t>    </a:t>
+            </a:r>
+            <a:r>
+              <a:rPr lang="en-US" sz="1200" dirty="0" smtClean="0">
+                <a:solidFill>
+                  <a:srgbClr val="000000"/>
+                </a:solidFill>
+                <a:latin typeface="Consolas"/>
+              </a:rPr>
+              <a:t>TA0CTL </a:t>
+            </a:r>
+            <a:r>
+              <a:rPr lang="en-US" sz="1200" dirty="0">
+                <a:solidFill>
+                  <a:srgbClr val="000000"/>
+                </a:solidFill>
+                <a:latin typeface="Consolas"/>
+              </a:rPr>
+              <a:t>&amp;= ~TAIFG</a:t>
+            </a:r>
+            <a:r>
+              <a:rPr lang="en-US" sz="1200" dirty="0" smtClean="0">
+                <a:solidFill>
+                  <a:srgbClr val="000000"/>
+                </a:solidFill>
+                <a:latin typeface="Consolas"/>
+              </a:rPr>
+              <a:t>;              </a:t>
+            </a:r>
+            <a:r>
+              <a:rPr lang="en-US" sz="1200" dirty="0" smtClean="0">
+                <a:solidFill>
+                  <a:srgbClr val="3F7F5F"/>
+                </a:solidFill>
+                <a:latin typeface="Consolas"/>
+              </a:rPr>
+              <a:t>// </a:t>
+            </a:r>
+            <a:r>
+              <a:rPr lang="en-US" sz="1200" dirty="0">
+                <a:solidFill>
+                  <a:srgbClr val="3F7F5F"/>
+                </a:solidFill>
+                <a:latin typeface="Consolas"/>
+              </a:rPr>
+              <a:t>Clear </a:t>
+            </a:r>
+            <a:r>
+              <a:rPr lang="en-US" sz="1200" dirty="0" smtClean="0">
+                <a:solidFill>
+                  <a:srgbClr val="3F7F5F"/>
+                </a:solidFill>
+                <a:latin typeface="Consolas"/>
+              </a:rPr>
+              <a:t>rollover flag</a:t>
+            </a:r>
+            <a:endParaRPr lang="en-US" sz="1200" dirty="0">
+              <a:solidFill>
+                <a:srgbClr val="000000"/>
+              </a:solidFill>
+              <a:latin typeface="Consolas"/>
+            </a:endParaRPr>
+          </a:p>
+          <a:p>
+            <a:pPr marL="0" indent="0">
+              <a:buNone/>
+            </a:pPr>
+            <a:r>
+              <a:rPr lang="en-US" sz="1200" dirty="0">
+                <a:solidFill>
+                  <a:srgbClr val="000000"/>
+                </a:solidFill>
+                <a:latin typeface="Consolas"/>
+              </a:rPr>
+              <a:t>    P1OUT ^= BIT6</a:t>
+            </a:r>
+            <a:r>
+              <a:rPr lang="en-US" sz="1200" dirty="0" smtClean="0">
+                <a:solidFill>
+                  <a:srgbClr val="000000"/>
+                </a:solidFill>
+                <a:latin typeface="Consolas"/>
+              </a:rPr>
+              <a:t>;                </a:t>
+            </a:r>
+            <a:r>
+              <a:rPr lang="en-US" sz="1200" dirty="0" smtClean="0">
+                <a:solidFill>
+                  <a:srgbClr val="3F7F5F"/>
+                </a:solidFill>
+                <a:latin typeface="Consolas"/>
+              </a:rPr>
+              <a:t>// toggle LED</a:t>
+            </a:r>
+            <a:endParaRPr lang="en-US" sz="1200" dirty="0">
+              <a:solidFill>
+                <a:srgbClr val="000000"/>
+              </a:solidFill>
+              <a:latin typeface="Consolas"/>
+            </a:endParaRPr>
+          </a:p>
+          <a:p>
+            <a:pPr marL="0" indent="0">
+              <a:buNone/>
+            </a:pPr>
+            <a:r>
+              <a:rPr lang="en-US" sz="1200" dirty="0">
+                <a:solidFill>
+                  <a:srgbClr val="000000"/>
+                </a:solidFill>
+                <a:latin typeface="Consolas"/>
+              </a:rPr>
+              <a:t>    } </a:t>
+            </a:r>
+            <a:r>
+              <a:rPr lang="en-US" sz="1200" dirty="0">
+                <a:solidFill>
+                  <a:srgbClr val="3F7F5F"/>
+                </a:solidFill>
+                <a:latin typeface="Consolas"/>
+              </a:rPr>
+              <a:t>// end infinite </a:t>
+            </a:r>
+            <a:r>
+              <a:rPr lang="en-US" sz="1200" dirty="0" smtClean="0">
+                <a:solidFill>
+                  <a:srgbClr val="3F7F5F"/>
+                </a:solidFill>
+                <a:latin typeface="Consolas"/>
+              </a:rPr>
+              <a:t>loop</a:t>
+            </a:r>
+          </a:p>
+          <a:p>
+            <a:pPr marL="0" indent="0">
+              <a:buNone/>
+            </a:pPr>
+            <a:r>
+              <a:rPr lang="en-US" sz="1200" dirty="0" smtClean="0">
+                <a:solidFill>
+                  <a:srgbClr val="000000"/>
+                </a:solidFill>
+                <a:latin typeface="Consolas"/>
+                <a:ea typeface="Calibri"/>
+              </a:rPr>
+              <a:t>}</a:t>
+            </a:r>
+            <a:endParaRPr lang="en-US" sz="1200" dirty="0">
+              <a:effectLst/>
+              <a:latin typeface="Calibri"/>
+              <a:ea typeface="Calibri"/>
+            </a:endParaRPr>
           </a:p>
         </p:txBody>
       </p:sp>
-      <p:pic>
-        <p:nvPicPr>
-          <p:cNvPr id="3074" name="Picture 2"/>
-          <p:cNvPicPr>
-            <a:picLocks noChangeAspect="1" noChangeArrowheads="1"/>
-          </p:cNvPicPr>
-          <p:nvPr/>
-        </p:nvPicPr>
-        <p:blipFill>
-          <a:blip r:embed="rId2">
-            <a:extLst>
-              <a:ext uri="{28A0092B-C50C-407E-A947-70E740481C1C}">
-                <a14:useLocalDpi xmlns:a14="http://schemas.microsoft.com/office/drawing/2010/main" val="0"/>
-              </a:ext>
-            </a:extLst>
-          </a:blip>
-          <a:srcRect/>
-          <a:stretch>
-            <a:fillRect/>
-          </a:stretch>
-        </p:blipFill>
-        <p:spPr bwMode="auto">
-          <a:xfrm>
-            <a:off x="609600" y="1450223"/>
-            <a:ext cx="7924800" cy="4667250"/>
-          </a:xfrm>
-          <a:prstGeom prst="rect">
-            <a:avLst/>
-          </a:prstGeom>
-          <a:noFill/>
-          <a:ln>
-            <a:noFill/>
-          </a:ln>
-          <a:extLst>
-            <a:ext uri="{909E8E84-426E-40DD-AFC4-6F175D3DCCD1}">
-              <a14:hiddenFill xmlns:a14="http://schemas.microsoft.com/office/drawing/2010/main">
-                <a:solidFill>
-                  <a:schemeClr val="accent1"/>
-                </a:solidFill>
-              </a14:hiddenFill>
-            </a:ext>
-            <a:ext uri="{91240B29-F687-4F45-9708-019B960494DF}">
-              <a14:hiddenLine xmlns:a14="http://schemas.microsoft.com/office/drawing/2010/main" w="9525">
-                <a:solidFill>
-                  <a:schemeClr val="tx1"/>
-                </a:solidFill>
-                <a:miter lim="800000"/>
-                <a:headEnd/>
-                <a:tailEnd/>
-              </a14:hiddenLine>
-            </a:ext>
-          </a:extLst>
-        </p:spPr>
-      </p:pic>
     </p:spTree>
     <p:extLst>
       <p:ext uri="{BB962C8B-B14F-4D97-AF65-F5344CB8AC3E}">
-        <p14:creationId xmlns:p14="http://schemas.microsoft.com/office/powerpoint/2010/main" val="4102588970"/>
+        <p14:creationId xmlns:p14="http://schemas.microsoft.com/office/powerpoint/2010/main" val="3658817693"/>
       </p:ext>
     </p:extLst>
   </p:cSld>
@@ -13635,7 +14081,7 @@
 </file>
 
 <file path=ppt/slides/slide19.xml><?xml version="1.0" encoding="utf-8"?>
-<p:sld xmlns:a="http://schemas.openxmlformats.org/drawingml/2006/main" xmlns:r="http://schemas.openxmlformats.org/officeDocument/2006/relationships" xmlns:p="http://schemas.openxmlformats.org/presentationml/2006/main">
+<p:sld xmlns:a="http://schemas.openxmlformats.org/drawingml/2006/main" xmlns:r="http://schemas.openxmlformats.org/officeDocument/2006/relationships" xmlns:p="http://schemas.openxmlformats.org/presentationml/2006/main" show="0">
   <p:cSld>
     <p:spTree>
       <p:nvGrpSpPr>
@@ -13667,63 +14113,1075 @@
           <a:lstStyle/>
           <a:p>
             <a:r>
-              <a:rPr lang="en-US" dirty="0" smtClean="0"/>
-              <a:t>In-Class Programming Exercise </a:t>
-            </a:r>
-            <a:endParaRPr lang="en-US" dirty="0"/>
+              <a:rPr lang="en-US" b="1" dirty="0" smtClean="0"/>
+              <a:t>Lesson 25 Interrupt - Example Code</a:t>
+            </a:r>
+            <a:endParaRPr lang="en-US" b="1" dirty="0"/>
           </a:p>
         </p:txBody>
       </p:sp>
       <p:sp>
         <p:nvSpPr>
-          <p:cNvPr id="4" name="Rectangle 3"/>
+          <p:cNvPr id="5" name="Content Placeholder 2"/>
+          <p:cNvSpPr>
+            <a:spLocks noGrp="1"/>
+          </p:cNvSpPr>
+          <p:nvPr>
+            <p:ph idx="1"/>
+          </p:nvPr>
+        </p:nvSpPr>
+        <p:spPr>
+          <a:xfrm>
+            <a:off x="65118" y="757317"/>
+            <a:ext cx="8924336" cy="6087166"/>
+          </a:xfrm>
+          <a:solidFill>
+            <a:schemeClr val="bg1"/>
+          </a:solidFill>
+          <a:ln>
+            <a:solidFill>
+              <a:schemeClr val="tx1"/>
+            </a:solidFill>
+          </a:ln>
+        </p:spPr>
+        <p:txBody>
+          <a:bodyPr/>
+          <a:lstStyle/>
+          <a:p>
+            <a:pPr marL="0" indent="0">
+              <a:spcBef>
+                <a:spcPts val="0"/>
+              </a:spcBef>
+              <a:buNone/>
+            </a:pPr>
+            <a:r>
+              <a:rPr lang="en-US" sz="1200" b="1" dirty="0">
+                <a:solidFill>
+                  <a:srgbClr val="7F0055"/>
+                </a:solidFill>
+                <a:latin typeface="Consolas"/>
+              </a:rPr>
+              <a:t>#include</a:t>
+            </a:r>
+            <a:r>
+              <a:rPr lang="en-US" sz="1200" b="1" dirty="0">
+                <a:solidFill>
+                  <a:srgbClr val="000000"/>
+                </a:solidFill>
+                <a:latin typeface="Consolas"/>
+              </a:rPr>
+              <a:t> </a:t>
+            </a:r>
+            <a:r>
+              <a:rPr lang="en-US" sz="1200" b="1" dirty="0">
+                <a:solidFill>
+                  <a:srgbClr val="2A00FF"/>
+                </a:solidFill>
+                <a:latin typeface="Consolas"/>
+              </a:rPr>
+              <a:t>&lt;msp430.h&gt;</a:t>
+            </a:r>
+            <a:r>
+              <a:rPr lang="en-US" sz="1200" b="1" dirty="0">
+                <a:solidFill>
+                  <a:srgbClr val="000000"/>
+                </a:solidFill>
+                <a:latin typeface="Consolas"/>
+              </a:rPr>
+              <a:t> </a:t>
+            </a:r>
+          </a:p>
+          <a:p>
+            <a:pPr marL="0" indent="0">
+              <a:spcBef>
+                <a:spcPts val="0"/>
+              </a:spcBef>
+              <a:buNone/>
+            </a:pPr>
+            <a:r>
+              <a:rPr lang="en-US" sz="1200" b="1" dirty="0" smtClean="0">
+                <a:solidFill>
+                  <a:srgbClr val="7F0055"/>
+                </a:solidFill>
+                <a:latin typeface="Consolas"/>
+              </a:rPr>
+              <a:t>char</a:t>
+            </a:r>
+            <a:r>
+              <a:rPr lang="en-US" sz="1200" b="1" dirty="0" smtClean="0">
+                <a:solidFill>
+                  <a:srgbClr val="000000"/>
+                </a:solidFill>
+                <a:latin typeface="Consolas"/>
+              </a:rPr>
+              <a:t> </a:t>
+            </a:r>
+            <a:r>
+              <a:rPr lang="en-US" sz="1200" b="1" dirty="0">
+                <a:solidFill>
+                  <a:srgbClr val="000000"/>
+                </a:solidFill>
+                <a:latin typeface="Consolas"/>
+              </a:rPr>
+              <a:t>flag = 0;                  </a:t>
+            </a:r>
+            <a:r>
+              <a:rPr lang="en-US" sz="1200" b="1" dirty="0">
+                <a:solidFill>
+                  <a:srgbClr val="3F7F5F"/>
+                </a:solidFill>
+                <a:latin typeface="Consolas"/>
+              </a:rPr>
+              <a:t>// global variable to share info between main and ISR</a:t>
+            </a:r>
+          </a:p>
+          <a:p>
+            <a:pPr marL="0" indent="0">
+              <a:spcBef>
+                <a:spcPts val="0"/>
+              </a:spcBef>
+              <a:buNone/>
+            </a:pPr>
+            <a:r>
+              <a:rPr lang="en-US" sz="1200" b="1" dirty="0" smtClean="0">
+                <a:solidFill>
+                  <a:srgbClr val="7F0055"/>
+                </a:solidFill>
+                <a:latin typeface="Consolas"/>
+              </a:rPr>
+              <a:t>void</a:t>
+            </a:r>
+            <a:r>
+              <a:rPr lang="en-US" sz="1200" b="1" dirty="0" smtClean="0">
+                <a:solidFill>
+                  <a:srgbClr val="000000"/>
+                </a:solidFill>
+                <a:latin typeface="Consolas"/>
+              </a:rPr>
+              <a:t> </a:t>
+            </a:r>
+            <a:r>
+              <a:rPr lang="en-US" sz="1200" b="1" dirty="0">
+                <a:solidFill>
+                  <a:srgbClr val="000000"/>
+                </a:solidFill>
+                <a:latin typeface="Consolas"/>
+              </a:rPr>
+              <a:t>main(</a:t>
+            </a:r>
+            <a:r>
+              <a:rPr lang="en-US" sz="1200" b="1" dirty="0">
+                <a:solidFill>
+                  <a:srgbClr val="7F0055"/>
+                </a:solidFill>
+                <a:latin typeface="Consolas"/>
+              </a:rPr>
+              <a:t>void</a:t>
+            </a:r>
+            <a:r>
+              <a:rPr lang="en-US" sz="1200" b="1" dirty="0">
+                <a:solidFill>
+                  <a:srgbClr val="000000"/>
+                </a:solidFill>
+                <a:latin typeface="Consolas"/>
+              </a:rPr>
+              <a:t>)</a:t>
+            </a:r>
+          </a:p>
+          <a:p>
+            <a:pPr marL="0" indent="0">
+              <a:spcBef>
+                <a:spcPts val="0"/>
+              </a:spcBef>
+              <a:buNone/>
+            </a:pPr>
+            <a:r>
+              <a:rPr lang="en-US" sz="1200" dirty="0">
+                <a:solidFill>
+                  <a:srgbClr val="000000"/>
+                </a:solidFill>
+                <a:latin typeface="Consolas"/>
+              </a:rPr>
+              <a:t>{</a:t>
+            </a:r>
+          </a:p>
+          <a:p>
+            <a:pPr marL="0" indent="0">
+              <a:spcBef>
+                <a:spcPts val="0"/>
+              </a:spcBef>
+              <a:buNone/>
+            </a:pPr>
+            <a:r>
+              <a:rPr lang="en-US" sz="1200" dirty="0">
+                <a:solidFill>
+                  <a:srgbClr val="000000"/>
+                </a:solidFill>
+                <a:latin typeface="Consolas"/>
+              </a:rPr>
+              <a:t>    WDTCTL = WDTPW|WDTHOLD;     </a:t>
+            </a:r>
+            <a:r>
+              <a:rPr lang="en-US" sz="1200" dirty="0">
+                <a:solidFill>
+                  <a:srgbClr val="3F7F5F"/>
+                </a:solidFill>
+                <a:latin typeface="Consolas"/>
+              </a:rPr>
+              <a:t>// stop the watchdog timer</a:t>
+            </a:r>
+          </a:p>
+          <a:p>
+            <a:pPr marL="0" indent="0">
+              <a:spcBef>
+                <a:spcPts val="0"/>
+              </a:spcBef>
+              <a:buNone/>
+            </a:pPr>
+            <a:r>
+              <a:rPr lang="en-US" sz="1200" dirty="0" smtClean="0">
+                <a:solidFill>
+                  <a:srgbClr val="000000"/>
+                </a:solidFill>
+                <a:latin typeface="Consolas"/>
+              </a:rPr>
+              <a:t>    </a:t>
+            </a:r>
+            <a:r>
+              <a:rPr lang="en-US" sz="1200" dirty="0">
+                <a:solidFill>
+                  <a:srgbClr val="000000"/>
+                </a:solidFill>
+                <a:latin typeface="Consolas"/>
+              </a:rPr>
+              <a:t>P1DIR |= BIT0|BIT6;         </a:t>
+            </a:r>
+            <a:r>
+              <a:rPr lang="en-US" sz="1200" dirty="0">
+                <a:solidFill>
+                  <a:srgbClr val="3F7F5F"/>
+                </a:solidFill>
+                <a:latin typeface="Consolas"/>
+              </a:rPr>
+              <a:t>// set LEDs to output</a:t>
+            </a:r>
+          </a:p>
+          <a:p>
+            <a:pPr marL="0" indent="0">
+              <a:spcBef>
+                <a:spcPts val="0"/>
+              </a:spcBef>
+              <a:buNone/>
+            </a:pPr>
+            <a:r>
+              <a:rPr lang="en-US" sz="1200" dirty="0" smtClean="0">
+                <a:solidFill>
+                  <a:srgbClr val="000000"/>
+                </a:solidFill>
+                <a:latin typeface="Consolas"/>
+              </a:rPr>
+              <a:t>    TA0CTL &amp;= ~(MC1|MC0);        </a:t>
+            </a:r>
+            <a:r>
+              <a:rPr lang="en-US" sz="1200" dirty="0" smtClean="0">
+                <a:solidFill>
+                  <a:srgbClr val="3F7F5F"/>
+                </a:solidFill>
+                <a:latin typeface="Consolas"/>
+              </a:rPr>
+              <a:t>// stop timer</a:t>
+            </a:r>
+          </a:p>
+          <a:p>
+            <a:pPr marL="0" indent="0">
+              <a:spcBef>
+                <a:spcPts val="0"/>
+              </a:spcBef>
+              <a:buNone/>
+            </a:pPr>
+            <a:r>
+              <a:rPr lang="en-US" sz="1200" dirty="0" smtClean="0">
+                <a:solidFill>
+                  <a:srgbClr val="000000"/>
+                </a:solidFill>
+                <a:latin typeface="Consolas"/>
+              </a:rPr>
+              <a:t>    TA0CTL </a:t>
+            </a:r>
+            <a:r>
+              <a:rPr lang="en-US" sz="1200" dirty="0">
+                <a:solidFill>
+                  <a:srgbClr val="000000"/>
+                </a:solidFill>
+                <a:latin typeface="Consolas"/>
+              </a:rPr>
+              <a:t>|= TACLR;             </a:t>
+            </a:r>
+            <a:r>
+              <a:rPr lang="en-US" sz="1200" dirty="0">
+                <a:solidFill>
+                  <a:srgbClr val="3F7F5F"/>
+                </a:solidFill>
+                <a:latin typeface="Consolas"/>
+              </a:rPr>
+              <a:t>// clear </a:t>
+            </a:r>
+            <a:r>
+              <a:rPr lang="en-US" sz="1200" dirty="0" smtClean="0">
+                <a:solidFill>
+                  <a:srgbClr val="3F7F5F"/>
+                </a:solidFill>
+                <a:latin typeface="Consolas"/>
+              </a:rPr>
+              <a:t>TAR</a:t>
+            </a:r>
+          </a:p>
+          <a:p>
+            <a:pPr marL="0" indent="0">
+              <a:spcBef>
+                <a:spcPts val="0"/>
+              </a:spcBef>
+              <a:buNone/>
+            </a:pPr>
+            <a:r>
+              <a:rPr lang="en-US" sz="1200" dirty="0" smtClean="0">
+                <a:solidFill>
+                  <a:srgbClr val="3F7F5F"/>
+                </a:solidFill>
+                <a:latin typeface="Consolas"/>
+              </a:rPr>
+              <a:t>    </a:t>
+            </a:r>
+            <a:r>
+              <a:rPr lang="en-US" sz="1200" dirty="0" smtClean="0">
+                <a:solidFill>
+                  <a:srgbClr val="000000"/>
+                </a:solidFill>
+                <a:latin typeface="Consolas"/>
+              </a:rPr>
+              <a:t>TA0CTL </a:t>
+            </a:r>
+            <a:r>
+              <a:rPr lang="en-US" sz="1200" dirty="0">
+                <a:solidFill>
+                  <a:srgbClr val="000000"/>
+                </a:solidFill>
+                <a:latin typeface="Consolas"/>
+              </a:rPr>
+              <a:t>|= TASSEL_2;           </a:t>
+            </a:r>
+            <a:r>
+              <a:rPr lang="en-US" sz="1200" dirty="0">
+                <a:solidFill>
+                  <a:srgbClr val="3F7F5F"/>
+                </a:solidFill>
+                <a:latin typeface="Consolas"/>
+              </a:rPr>
+              <a:t>// configure for SMCLK - what's the frequency (roughly)?</a:t>
+            </a:r>
+          </a:p>
+          <a:p>
+            <a:pPr marL="0" indent="0">
+              <a:spcBef>
+                <a:spcPts val="0"/>
+              </a:spcBef>
+              <a:buNone/>
+            </a:pPr>
+            <a:r>
+              <a:rPr lang="en-US" sz="1200" dirty="0">
+                <a:solidFill>
+                  <a:srgbClr val="000000"/>
+                </a:solidFill>
+                <a:latin typeface="Consolas"/>
+              </a:rPr>
+              <a:t>    TA0CTL |= ID_3;         	  </a:t>
+            </a:r>
+            <a:r>
+              <a:rPr lang="en-US" sz="1200" dirty="0">
+                <a:solidFill>
+                  <a:srgbClr val="3F7F5F"/>
+                </a:solidFill>
+                <a:latin typeface="Consolas"/>
+              </a:rPr>
+              <a:t>// divide clock by 8 - what's the frequency of interrupt?</a:t>
+            </a:r>
+          </a:p>
+          <a:p>
+            <a:pPr marL="0" indent="0">
+              <a:spcBef>
+                <a:spcPts val="0"/>
+              </a:spcBef>
+              <a:buNone/>
+            </a:pPr>
+            <a:r>
+              <a:rPr lang="en-US" sz="1200" dirty="0">
+                <a:solidFill>
+                  <a:srgbClr val="000000"/>
+                </a:solidFill>
+                <a:latin typeface="Consolas"/>
+              </a:rPr>
+              <a:t>    TA0CTL &amp;= ~TAIFG;            </a:t>
+            </a:r>
+            <a:r>
+              <a:rPr lang="en-US" sz="1200" dirty="0">
+                <a:solidFill>
+                  <a:srgbClr val="3F7F5F"/>
+                </a:solidFill>
+                <a:latin typeface="Consolas"/>
+              </a:rPr>
+              <a:t>// clear interrupt flag</a:t>
+            </a:r>
+          </a:p>
+          <a:p>
+            <a:pPr marL="0" indent="0">
+              <a:spcBef>
+                <a:spcPts val="0"/>
+              </a:spcBef>
+              <a:buNone/>
+            </a:pPr>
+            <a:r>
+              <a:rPr lang="en-US" sz="1200" dirty="0">
+                <a:solidFill>
+                  <a:srgbClr val="000000"/>
+                </a:solidFill>
+                <a:latin typeface="Consolas"/>
+              </a:rPr>
+              <a:t>    TA0CTL |= MC_1;               </a:t>
+            </a:r>
+            <a:r>
+              <a:rPr lang="en-US" sz="1200" dirty="0">
+                <a:solidFill>
+                  <a:srgbClr val="3F7F5F"/>
+                </a:solidFill>
+                <a:latin typeface="Consolas"/>
+              </a:rPr>
+              <a:t>// set count mode to </a:t>
+            </a:r>
+            <a:r>
+              <a:rPr lang="en-US" sz="1200" dirty="0" smtClean="0">
+                <a:solidFill>
+                  <a:srgbClr val="3F7F5F"/>
+                </a:solidFill>
+                <a:latin typeface="Consolas"/>
+              </a:rPr>
+              <a:t>continuous</a:t>
+            </a:r>
+          </a:p>
+          <a:p>
+            <a:pPr marL="0" indent="0">
+              <a:spcBef>
+                <a:spcPts val="0"/>
+              </a:spcBef>
+              <a:buNone/>
+            </a:pPr>
+            <a:r>
+              <a:rPr lang="en-US" sz="1200" dirty="0" smtClean="0">
+                <a:solidFill>
+                  <a:srgbClr val="000000"/>
+                </a:solidFill>
+                <a:latin typeface="Consolas"/>
+              </a:rPr>
+              <a:t>    TA0CTL </a:t>
+            </a:r>
+            <a:r>
+              <a:rPr lang="en-US" sz="1200" dirty="0">
+                <a:solidFill>
+                  <a:srgbClr val="000000"/>
+                </a:solidFill>
+                <a:latin typeface="Consolas"/>
+              </a:rPr>
+              <a:t>|= TAIE;              </a:t>
+            </a:r>
+            <a:r>
+              <a:rPr lang="en-US" sz="1200" dirty="0">
+                <a:solidFill>
+                  <a:srgbClr val="3F7F5F"/>
+                </a:solidFill>
+                <a:latin typeface="Consolas"/>
+              </a:rPr>
+              <a:t>// enable interrupt</a:t>
+            </a:r>
+          </a:p>
+          <a:p>
+            <a:pPr marL="0" indent="0">
+              <a:spcBef>
+                <a:spcPts val="0"/>
+              </a:spcBef>
+              <a:buNone/>
+            </a:pPr>
+            <a:r>
+              <a:rPr lang="en-US" sz="1200" dirty="0" smtClean="0">
+                <a:solidFill>
+                  <a:srgbClr val="000000"/>
+                </a:solidFill>
+                <a:latin typeface="Consolas"/>
+              </a:rPr>
+              <a:t>    </a:t>
+            </a:r>
+            <a:r>
+              <a:rPr lang="en-US" sz="1200" b="1" dirty="0">
+                <a:solidFill>
+                  <a:srgbClr val="642880"/>
+                </a:solidFill>
+                <a:latin typeface="Consolas"/>
+              </a:rPr>
+              <a:t>__</a:t>
+            </a:r>
+            <a:r>
+              <a:rPr lang="en-US" sz="1200" b="1" dirty="0" err="1">
+                <a:solidFill>
+                  <a:srgbClr val="642880"/>
+                </a:solidFill>
+                <a:latin typeface="Consolas"/>
+              </a:rPr>
+              <a:t>enable_interrupt</a:t>
+            </a:r>
+            <a:r>
+              <a:rPr lang="en-US" sz="1200" b="1" dirty="0">
+                <a:solidFill>
+                  <a:srgbClr val="000000"/>
+                </a:solidFill>
+                <a:latin typeface="Consolas"/>
+              </a:rPr>
+              <a:t>();       </a:t>
+            </a:r>
+            <a:r>
+              <a:rPr lang="en-US" sz="1200" b="1" dirty="0">
+                <a:solidFill>
+                  <a:srgbClr val="3F7F5F"/>
+                </a:solidFill>
+                <a:latin typeface="Consolas"/>
+              </a:rPr>
+              <a:t>// enable </a:t>
+            </a:r>
+            <a:r>
+              <a:rPr lang="en-US" sz="1200" b="1" dirty="0" err="1">
+                <a:solidFill>
+                  <a:srgbClr val="3F7F5F"/>
+                </a:solidFill>
+                <a:latin typeface="Consolas"/>
+              </a:rPr>
+              <a:t>maskable</a:t>
+            </a:r>
+            <a:r>
+              <a:rPr lang="en-US" sz="1200" b="1" dirty="0">
+                <a:solidFill>
+                  <a:srgbClr val="3F7F5F"/>
+                </a:solidFill>
+                <a:latin typeface="Consolas"/>
+              </a:rPr>
+              <a:t> interrupts</a:t>
+            </a:r>
+          </a:p>
+          <a:p>
+            <a:pPr marL="0" indent="0">
+              <a:spcBef>
+                <a:spcPts val="0"/>
+              </a:spcBef>
+              <a:buNone/>
+            </a:pPr>
+            <a:r>
+              <a:rPr lang="en-US" sz="1200" dirty="0" smtClean="0">
+                <a:solidFill>
+                  <a:srgbClr val="000000"/>
+                </a:solidFill>
+                <a:latin typeface="Consolas"/>
+              </a:rPr>
+              <a:t>    </a:t>
+            </a:r>
+            <a:r>
+              <a:rPr lang="en-US" sz="1200" b="1" dirty="0" err="1">
+                <a:solidFill>
+                  <a:srgbClr val="7F0055"/>
+                </a:solidFill>
+                <a:latin typeface="Consolas"/>
+              </a:rPr>
+              <a:t>int</a:t>
+            </a:r>
+            <a:r>
+              <a:rPr lang="en-US" sz="1200" b="1" dirty="0">
+                <a:solidFill>
+                  <a:srgbClr val="000000"/>
+                </a:solidFill>
+                <a:latin typeface="Consolas"/>
+              </a:rPr>
+              <a:t> count = 0;</a:t>
+            </a:r>
+          </a:p>
+          <a:p>
+            <a:pPr marL="0" indent="0">
+              <a:spcBef>
+                <a:spcPts val="0"/>
+              </a:spcBef>
+              <a:buNone/>
+            </a:pPr>
+            <a:r>
+              <a:rPr lang="en-US" sz="1200" dirty="0" smtClean="0">
+                <a:solidFill>
+                  <a:srgbClr val="000000"/>
+                </a:solidFill>
+                <a:latin typeface="Consolas"/>
+              </a:rPr>
+              <a:t>    </a:t>
+            </a:r>
+            <a:r>
+              <a:rPr lang="en-US" sz="1200" b="1" dirty="0">
+                <a:solidFill>
+                  <a:srgbClr val="7F0055"/>
+                </a:solidFill>
+                <a:latin typeface="Consolas"/>
+              </a:rPr>
+              <a:t>while</a:t>
+            </a:r>
+            <a:r>
+              <a:rPr lang="en-US" sz="1200" b="1" dirty="0">
+                <a:solidFill>
+                  <a:srgbClr val="000000"/>
+                </a:solidFill>
+                <a:latin typeface="Consolas"/>
+              </a:rPr>
+              <a:t>(1)</a:t>
+            </a:r>
+          </a:p>
+          <a:p>
+            <a:pPr marL="0" indent="0">
+              <a:spcBef>
+                <a:spcPts val="0"/>
+              </a:spcBef>
+              <a:buNone/>
+            </a:pPr>
+            <a:r>
+              <a:rPr lang="en-US" sz="1200" dirty="0">
+                <a:solidFill>
+                  <a:srgbClr val="000000"/>
+                </a:solidFill>
+                <a:latin typeface="Consolas"/>
+              </a:rPr>
+              <a:t>    {</a:t>
+            </a:r>
+          </a:p>
+          <a:p>
+            <a:pPr marL="0" indent="0">
+              <a:spcBef>
+                <a:spcPts val="0"/>
+              </a:spcBef>
+              <a:buNone/>
+            </a:pPr>
+            <a:r>
+              <a:rPr lang="en-US" sz="1200" b="1" dirty="0">
+                <a:solidFill>
+                  <a:srgbClr val="000000"/>
+                </a:solidFill>
+                <a:latin typeface="Consolas"/>
+              </a:rPr>
+              <a:t>        </a:t>
+            </a:r>
+            <a:r>
+              <a:rPr lang="en-US" sz="1200" b="1" dirty="0">
+                <a:solidFill>
+                  <a:srgbClr val="3F7F5F"/>
+                </a:solidFill>
+                <a:latin typeface="Consolas"/>
+              </a:rPr>
+              <a:t>// do other useful stuff</a:t>
+            </a:r>
+          </a:p>
+          <a:p>
+            <a:pPr marL="0" indent="0">
+              <a:spcBef>
+                <a:spcPts val="0"/>
+              </a:spcBef>
+              <a:buNone/>
+            </a:pPr>
+            <a:endParaRPr lang="en-US" sz="1200" dirty="0">
+              <a:latin typeface="Consolas"/>
+            </a:endParaRPr>
+          </a:p>
+          <a:p>
+            <a:pPr marL="0" indent="0">
+              <a:spcBef>
+                <a:spcPts val="0"/>
+              </a:spcBef>
+              <a:buNone/>
+            </a:pPr>
+            <a:r>
+              <a:rPr lang="en-US" sz="1200" dirty="0">
+                <a:solidFill>
+                  <a:srgbClr val="000000"/>
+                </a:solidFill>
+                <a:latin typeface="Consolas"/>
+              </a:rPr>
+              <a:t>        </a:t>
+            </a:r>
+            <a:r>
+              <a:rPr lang="en-US" sz="1200" dirty="0">
+                <a:solidFill>
+                  <a:srgbClr val="3F7F5F"/>
+                </a:solidFill>
+                <a:latin typeface="Consolas"/>
+              </a:rPr>
+              <a:t>// respond to interrupt if it occurred</a:t>
+            </a:r>
+          </a:p>
+          <a:p>
+            <a:pPr marL="0" indent="0">
+              <a:spcBef>
+                <a:spcPts val="0"/>
+              </a:spcBef>
+              <a:buNone/>
+            </a:pPr>
+            <a:r>
+              <a:rPr lang="en-US" sz="1200" dirty="0">
+                <a:solidFill>
+                  <a:srgbClr val="000000"/>
+                </a:solidFill>
+                <a:latin typeface="Consolas"/>
+              </a:rPr>
+              <a:t>        </a:t>
+            </a:r>
+            <a:r>
+              <a:rPr lang="en-US" sz="1200" dirty="0">
+                <a:solidFill>
+                  <a:srgbClr val="3F7F5F"/>
+                </a:solidFill>
+                <a:latin typeface="Consolas"/>
+              </a:rPr>
+              <a:t>// flag is global variable used to share information between main and the ISR</a:t>
+            </a:r>
+          </a:p>
+          <a:p>
+            <a:pPr marL="0" indent="0">
+              <a:spcBef>
+                <a:spcPts val="0"/>
+              </a:spcBef>
+              <a:buNone/>
+            </a:pPr>
+            <a:r>
+              <a:rPr lang="en-US" sz="1200" dirty="0">
+                <a:solidFill>
+                  <a:srgbClr val="000000"/>
+                </a:solidFill>
+                <a:latin typeface="Consolas"/>
+              </a:rPr>
+              <a:t>        </a:t>
+            </a:r>
+            <a:r>
+              <a:rPr lang="en-US" sz="1200" b="1" dirty="0">
+                <a:solidFill>
+                  <a:srgbClr val="7F0055"/>
+                </a:solidFill>
+                <a:latin typeface="Consolas"/>
+              </a:rPr>
+              <a:t>if</a:t>
+            </a:r>
+            <a:r>
+              <a:rPr lang="en-US" sz="1200" b="1" dirty="0">
+                <a:solidFill>
+                  <a:srgbClr val="000000"/>
+                </a:solidFill>
+                <a:latin typeface="Consolas"/>
+              </a:rPr>
+              <a:t> (flag</a:t>
+            </a:r>
+            <a:r>
+              <a:rPr lang="en-US" sz="1200" b="1" dirty="0" smtClean="0">
+                <a:solidFill>
+                  <a:srgbClr val="000000"/>
+                </a:solidFill>
+                <a:latin typeface="Consolas"/>
+              </a:rPr>
+              <a:t>)</a:t>
+            </a:r>
+          </a:p>
+          <a:p>
+            <a:pPr marL="0" indent="0">
+              <a:spcBef>
+                <a:spcPts val="0"/>
+              </a:spcBef>
+              <a:buNone/>
+            </a:pPr>
+            <a:r>
+              <a:rPr lang="en-US" sz="1200" dirty="0" smtClean="0">
+                <a:solidFill>
+                  <a:srgbClr val="000000"/>
+                </a:solidFill>
+                <a:latin typeface="Consolas"/>
+              </a:rPr>
+              <a:t>        {</a:t>
+            </a:r>
+          </a:p>
+          <a:p>
+            <a:pPr marL="0" indent="0">
+              <a:spcBef>
+                <a:spcPts val="0"/>
+              </a:spcBef>
+              <a:buNone/>
+            </a:pPr>
+            <a:r>
+              <a:rPr lang="en-US" sz="1200" dirty="0" smtClean="0">
+                <a:solidFill>
+                  <a:srgbClr val="000000"/>
+                </a:solidFill>
+                <a:latin typeface="Consolas"/>
+              </a:rPr>
+              <a:t>            </a:t>
+            </a:r>
+            <a:r>
+              <a:rPr lang="en-US" sz="1200" dirty="0">
+                <a:solidFill>
+                  <a:srgbClr val="000000"/>
+                </a:solidFill>
+                <a:latin typeface="Consolas"/>
+              </a:rPr>
+              <a:t>flag = 0;</a:t>
+            </a:r>
+          </a:p>
+          <a:p>
+            <a:pPr marL="0" indent="0">
+              <a:spcBef>
+                <a:spcPts val="0"/>
+              </a:spcBef>
+              <a:buNone/>
+            </a:pPr>
+            <a:r>
+              <a:rPr lang="en-US" sz="1200" dirty="0">
+                <a:solidFill>
+                  <a:srgbClr val="000000"/>
+                </a:solidFill>
+                <a:latin typeface="Consolas"/>
+              </a:rPr>
+              <a:t>            P1OUT ^= BIT0;</a:t>
+            </a:r>
+          </a:p>
+          <a:p>
+            <a:pPr marL="0" indent="0">
+              <a:spcBef>
+                <a:spcPts val="0"/>
+              </a:spcBef>
+              <a:buNone/>
+            </a:pPr>
+            <a:r>
+              <a:rPr lang="en-US" sz="1200" dirty="0">
+                <a:solidFill>
+                  <a:srgbClr val="000000"/>
+                </a:solidFill>
+                <a:latin typeface="Consolas"/>
+              </a:rPr>
+              <a:t>            </a:t>
+            </a:r>
+            <a:r>
+              <a:rPr lang="en-US" sz="1200" b="1" dirty="0">
+                <a:solidFill>
+                  <a:srgbClr val="7F0055"/>
+                </a:solidFill>
+                <a:latin typeface="Consolas"/>
+              </a:rPr>
+              <a:t>if</a:t>
+            </a:r>
+            <a:r>
+              <a:rPr lang="en-US" sz="1200" b="1" dirty="0">
+                <a:solidFill>
+                  <a:srgbClr val="000000"/>
+                </a:solidFill>
+                <a:latin typeface="Consolas"/>
+              </a:rPr>
+              <a:t> (count)</a:t>
+            </a:r>
+          </a:p>
+          <a:p>
+            <a:pPr marL="0" indent="0">
+              <a:spcBef>
+                <a:spcPts val="0"/>
+              </a:spcBef>
+              <a:buNone/>
+            </a:pPr>
+            <a:r>
+              <a:rPr lang="en-US" sz="1200" dirty="0">
+                <a:solidFill>
+                  <a:srgbClr val="000000"/>
+                </a:solidFill>
+                <a:latin typeface="Consolas"/>
+              </a:rPr>
+              <a:t>            {</a:t>
+            </a:r>
+          </a:p>
+          <a:p>
+            <a:pPr marL="0" indent="0">
+              <a:spcBef>
+                <a:spcPts val="0"/>
+              </a:spcBef>
+              <a:buNone/>
+            </a:pPr>
+            <a:r>
+              <a:rPr lang="en-US" sz="1200" dirty="0">
+                <a:solidFill>
+                  <a:srgbClr val="000000"/>
+                </a:solidFill>
+                <a:latin typeface="Consolas"/>
+              </a:rPr>
+              <a:t>                P1OUT ^= BIT6;</a:t>
+            </a:r>
+          </a:p>
+          <a:p>
+            <a:pPr marL="0" indent="0">
+              <a:spcBef>
+                <a:spcPts val="0"/>
+              </a:spcBef>
+              <a:buNone/>
+            </a:pPr>
+            <a:r>
+              <a:rPr lang="en-US" sz="1200" dirty="0">
+                <a:solidFill>
+                  <a:srgbClr val="000000"/>
+                </a:solidFill>
+                <a:latin typeface="Consolas"/>
+              </a:rPr>
+              <a:t>                count = 0;</a:t>
+            </a:r>
+          </a:p>
+          <a:p>
+            <a:pPr marL="0" indent="0">
+              <a:spcBef>
+                <a:spcPts val="0"/>
+              </a:spcBef>
+              <a:buNone/>
+            </a:pPr>
+            <a:r>
+              <a:rPr lang="en-US" sz="1200" dirty="0">
+                <a:solidFill>
+                  <a:srgbClr val="000000"/>
+                </a:solidFill>
+                <a:latin typeface="Consolas"/>
+              </a:rPr>
+              <a:t>            } </a:t>
+            </a:r>
+            <a:r>
+              <a:rPr lang="en-US" sz="1200" b="1" dirty="0">
+                <a:solidFill>
+                  <a:srgbClr val="7F0055"/>
+                </a:solidFill>
+                <a:latin typeface="Consolas"/>
+              </a:rPr>
+              <a:t>else</a:t>
+            </a:r>
+          </a:p>
+          <a:p>
+            <a:pPr marL="0" indent="0">
+              <a:spcBef>
+                <a:spcPts val="0"/>
+              </a:spcBef>
+              <a:buNone/>
+            </a:pPr>
+            <a:r>
+              <a:rPr lang="en-US" sz="1200" dirty="0">
+                <a:solidFill>
+                  <a:srgbClr val="000000"/>
+                </a:solidFill>
+                <a:latin typeface="Consolas"/>
+              </a:rPr>
+              <a:t>                count++;</a:t>
+            </a:r>
+          </a:p>
+          <a:p>
+            <a:pPr marL="0" indent="0">
+              <a:spcBef>
+                <a:spcPts val="0"/>
+              </a:spcBef>
+              <a:buNone/>
+            </a:pPr>
+            <a:r>
+              <a:rPr lang="en-US" sz="1200" dirty="0">
+                <a:solidFill>
+                  <a:srgbClr val="000000"/>
+                </a:solidFill>
+                <a:latin typeface="Consolas"/>
+              </a:rPr>
+              <a:t>        }</a:t>
+            </a:r>
+          </a:p>
+          <a:p>
+            <a:pPr marL="0" indent="0">
+              <a:spcBef>
+                <a:spcPts val="0"/>
+              </a:spcBef>
+              <a:buNone/>
+            </a:pPr>
+            <a:r>
+              <a:rPr lang="en-US" sz="1200" dirty="0">
+                <a:solidFill>
+                  <a:srgbClr val="000000"/>
+                </a:solidFill>
+                <a:latin typeface="Consolas"/>
+              </a:rPr>
+              <a:t>    }</a:t>
+            </a:r>
+          </a:p>
+          <a:p>
+            <a:pPr marL="0" indent="0">
+              <a:spcBef>
+                <a:spcPts val="0"/>
+              </a:spcBef>
+              <a:buNone/>
+            </a:pPr>
+            <a:endParaRPr lang="en-US" sz="1200" dirty="0">
+              <a:latin typeface="Consolas"/>
+            </a:endParaRPr>
+          </a:p>
+          <a:p>
+            <a:pPr marL="0" indent="0">
+              <a:spcBef>
+                <a:spcPts val="0"/>
+              </a:spcBef>
+              <a:buNone/>
+            </a:pPr>
+            <a:r>
+              <a:rPr lang="en-US" sz="1200" dirty="0" smtClean="0">
+                <a:solidFill>
+                  <a:srgbClr val="000000"/>
+                </a:solidFill>
+                <a:latin typeface="Consolas"/>
+              </a:rPr>
+              <a:t>}</a:t>
+            </a:r>
+            <a:endParaRPr lang="en-US" sz="1200" dirty="0">
+              <a:solidFill>
+                <a:srgbClr val="000000"/>
+              </a:solidFill>
+              <a:latin typeface="Consolas"/>
+            </a:endParaRPr>
+          </a:p>
+          <a:p>
+            <a:pPr marL="0" indent="0">
+              <a:spcBef>
+                <a:spcPts val="0"/>
+              </a:spcBef>
+              <a:buNone/>
+            </a:pPr>
+            <a:endParaRPr lang="en-US" sz="1200" dirty="0">
+              <a:latin typeface="Consolas"/>
+            </a:endParaRPr>
+          </a:p>
+        </p:txBody>
+      </p:sp>
+      <p:sp>
+        <p:nvSpPr>
+          <p:cNvPr id="3" name="Rectangle 2"/>
           <p:cNvSpPr/>
           <p:nvPr/>
         </p:nvSpPr>
         <p:spPr>
           <a:xfrm>
-            <a:off x="2834053" y="1362842"/>
-            <a:ext cx="2861040" cy="461665"/>
+            <a:off x="3568894" y="5459487"/>
+            <a:ext cx="5424985" cy="1384995"/>
           </a:xfrm>
           <a:prstGeom prst="rect">
             <a:avLst/>
           </a:prstGeom>
-        </p:spPr>
-        <p:txBody>
-          <a:bodyPr wrap="none">
-            <a:spAutoFit/>
-          </a:bodyPr>
-          <a:lstStyle/>
-          <a:p>
-            <a:r>
-              <a:rPr lang="en-US" dirty="0"/>
-              <a:t>(see </a:t>
-            </a:r>
-            <a:r>
-              <a:rPr lang="en-US" dirty="0" err="1"/>
-              <a:t>interruptTones.c</a:t>
-            </a:r>
-            <a:r>
-              <a:rPr lang="en-US" dirty="0"/>
-              <a:t>)</a:t>
-            </a:r>
-          </a:p>
-        </p:txBody>
-      </p:sp>
-      <p:sp>
-        <p:nvSpPr>
-          <p:cNvPr id="7" name="Rectangle 6"/>
-          <p:cNvSpPr/>
-          <p:nvPr/>
-        </p:nvSpPr>
-        <p:spPr>
-          <a:xfrm>
-            <a:off x="0" y="5545033"/>
-            <a:ext cx="9144000" cy="707886"/>
-          </a:xfrm>
-          <a:prstGeom prst="rect">
-            <a:avLst/>
-          </a:prstGeom>
+          <a:ln>
+            <a:solidFill>
+              <a:schemeClr val="tx1"/>
+            </a:solidFill>
+          </a:ln>
         </p:spPr>
         <p:txBody>
           <a:bodyPr wrap="square">
@@ -13731,98 +15189,236 @@
           </a:bodyPr>
           <a:lstStyle/>
           <a:p>
-            <a:pPr algn="ctr">
+            <a:pPr marL="0" indent="0">
               <a:spcBef>
                 <a:spcPts val="0"/>
               </a:spcBef>
-            </a:pPr>
-            <a:r>
-              <a:rPr lang="en-US" sz="2000" dirty="0"/>
-              <a:t>Setup for the hooking up 3.5mm Audio Jack to the MSP430 Launchpad </a:t>
-            </a:r>
-            <a:r>
-              <a:rPr lang="en-US" sz="2000" dirty="0" smtClean="0"/>
-              <a:t>Board</a:t>
-            </a:r>
-          </a:p>
-          <a:p>
-            <a:pPr algn="ctr">
+              <a:buNone/>
+            </a:pPr>
+            <a:r>
+              <a:rPr lang="en-US" sz="1200" dirty="0">
+                <a:solidFill>
+                  <a:srgbClr val="3F7F5F"/>
+                </a:solidFill>
+                <a:latin typeface="Consolas"/>
+              </a:rPr>
+              <a:t>// Flag for continuous counting is TAIFG</a:t>
+            </a:r>
+          </a:p>
+          <a:p>
+            <a:pPr marL="0" indent="0">
               <a:spcBef>
                 <a:spcPts val="0"/>
               </a:spcBef>
-            </a:pPr>
-            <a:r>
-              <a:rPr lang="en-US" sz="2000" dirty="0" smtClean="0"/>
-              <a:t>with Volume Control</a:t>
-            </a:r>
-            <a:endParaRPr lang="en-US" sz="2000" dirty="0"/>
+              <a:buNone/>
+            </a:pPr>
+            <a:r>
+              <a:rPr lang="en-US" sz="1200" b="1" dirty="0">
+                <a:solidFill>
+                  <a:srgbClr val="7F0055"/>
+                </a:solidFill>
+                <a:latin typeface="Consolas"/>
+              </a:rPr>
+              <a:t>#pragma</a:t>
+            </a:r>
+            <a:r>
+              <a:rPr lang="en-US" sz="1200" b="1" dirty="0">
+                <a:solidFill>
+                  <a:srgbClr val="000000"/>
+                </a:solidFill>
+                <a:latin typeface="Consolas"/>
+              </a:rPr>
+              <a:t> vector=TIMER0_A1_VECTOR</a:t>
+            </a:r>
+          </a:p>
+          <a:p>
+            <a:pPr marL="0" indent="0">
+              <a:spcBef>
+                <a:spcPts val="0"/>
+              </a:spcBef>
+              <a:buNone/>
+            </a:pPr>
+            <a:r>
+              <a:rPr lang="en-US" sz="1200" b="1" dirty="0">
+                <a:solidFill>
+                  <a:srgbClr val="7F0055"/>
+                </a:solidFill>
+                <a:latin typeface="Consolas"/>
+              </a:rPr>
+              <a:t>__interrupt</a:t>
+            </a:r>
+            <a:r>
+              <a:rPr lang="en-US" sz="1200" b="1" dirty="0">
+                <a:solidFill>
+                  <a:srgbClr val="000000"/>
+                </a:solidFill>
+                <a:latin typeface="Consolas"/>
+              </a:rPr>
+              <a:t> </a:t>
+            </a:r>
+            <a:r>
+              <a:rPr lang="en-US" sz="1200" b="1" dirty="0">
+                <a:solidFill>
+                  <a:srgbClr val="7F0055"/>
+                </a:solidFill>
+                <a:latin typeface="Consolas"/>
+              </a:rPr>
+              <a:t>void</a:t>
+            </a:r>
+            <a:r>
+              <a:rPr lang="en-US" sz="1200" b="1" dirty="0">
+                <a:solidFill>
+                  <a:srgbClr val="000000"/>
+                </a:solidFill>
+                <a:latin typeface="Consolas"/>
+              </a:rPr>
+              <a:t> TIMER0_A1_ISR()</a:t>
+            </a:r>
+          </a:p>
+          <a:p>
+            <a:pPr marL="0" indent="0">
+              <a:spcBef>
+                <a:spcPts val="0"/>
+              </a:spcBef>
+              <a:buNone/>
+            </a:pPr>
+            <a:r>
+              <a:rPr lang="en-US" sz="1200" dirty="0">
+                <a:solidFill>
+                  <a:srgbClr val="000000"/>
+                </a:solidFill>
+                <a:latin typeface="Consolas"/>
+              </a:rPr>
+              <a:t>{</a:t>
+            </a:r>
+          </a:p>
+          <a:p>
+            <a:pPr marL="0" indent="0">
+              <a:spcBef>
+                <a:spcPts val="0"/>
+              </a:spcBef>
+              <a:buNone/>
+            </a:pPr>
+            <a:r>
+              <a:rPr lang="en-US" sz="1200" dirty="0">
+                <a:solidFill>
+                  <a:srgbClr val="000000"/>
+                </a:solidFill>
+                <a:latin typeface="Consolas"/>
+              </a:rPr>
+              <a:t>    </a:t>
+            </a:r>
+            <a:r>
+              <a:rPr lang="en-US" sz="1200" dirty="0" smtClean="0">
+                <a:solidFill>
+                  <a:srgbClr val="000000"/>
+                </a:solidFill>
+                <a:latin typeface="Consolas"/>
+              </a:rPr>
+              <a:t>TA0CTL </a:t>
+            </a:r>
+            <a:r>
+              <a:rPr lang="en-US" sz="1200" dirty="0">
+                <a:solidFill>
+                  <a:srgbClr val="000000"/>
+                </a:solidFill>
+                <a:latin typeface="Consolas"/>
+              </a:rPr>
+              <a:t>&amp;= ~TAIFG;            </a:t>
+            </a:r>
+            <a:r>
+              <a:rPr lang="en-US" sz="1200" dirty="0">
+                <a:solidFill>
+                  <a:srgbClr val="3F7F5F"/>
+                </a:solidFill>
+                <a:latin typeface="Consolas"/>
+              </a:rPr>
+              <a:t>// clear interrupt flag</a:t>
+            </a:r>
+          </a:p>
+          <a:p>
+            <a:pPr marL="0" indent="0">
+              <a:spcBef>
+                <a:spcPts val="0"/>
+              </a:spcBef>
+              <a:buNone/>
+            </a:pPr>
+            <a:r>
+              <a:rPr lang="en-US" sz="1200" dirty="0">
+                <a:solidFill>
+                  <a:srgbClr val="000000"/>
+                </a:solidFill>
+                <a:latin typeface="Consolas"/>
+              </a:rPr>
+              <a:t>    flag = 1;</a:t>
+            </a:r>
+          </a:p>
+          <a:p>
+            <a:pPr marL="0" indent="0">
+              <a:spcBef>
+                <a:spcPts val="0"/>
+              </a:spcBef>
+              <a:buNone/>
+            </a:pPr>
+            <a:r>
+              <a:rPr lang="en-US" sz="1200" dirty="0">
+                <a:solidFill>
+                  <a:srgbClr val="000000"/>
+                </a:solidFill>
+                <a:latin typeface="Consolas"/>
+              </a:rPr>
+              <a:t>}</a:t>
+            </a:r>
           </a:p>
         </p:txBody>
       </p:sp>
-      <p:pic>
-        <p:nvPicPr>
-          <p:cNvPr id="8" name="Picture 2"/>
-          <p:cNvPicPr>
-            <a:picLocks noChangeAspect="1" noChangeArrowheads="1"/>
-          </p:cNvPicPr>
+      <p:cxnSp>
+        <p:nvCxnSpPr>
+          <p:cNvPr id="6" name="Straight Arrow Connector 5"/>
+          <p:cNvCxnSpPr>
+            <a:stCxn id="3" idx="1"/>
+          </p:cNvCxnSpPr>
           <p:nvPr/>
-        </p:nvPicPr>
-        <p:blipFill>
-          <a:blip r:embed="rId2">
-            <a:extLst>
-              <a:ext uri="{28A0092B-C50C-407E-A947-70E740481C1C}">
-                <a14:useLocalDpi xmlns:a14="http://schemas.microsoft.com/office/drawing/2010/main" val="0"/>
-              </a:ext>
-            </a:extLst>
-          </a:blip>
-          <a:srcRect/>
-          <a:stretch>
-            <a:fillRect/>
-          </a:stretch>
-        </p:blipFill>
+        </p:nvCxnSpPr>
         <p:spPr bwMode="auto">
-          <a:xfrm>
-            <a:off x="1324302" y="1824507"/>
-            <a:ext cx="6259383" cy="3530122"/>
+          <a:xfrm flipH="1">
+            <a:off x="914390" y="6151985"/>
+            <a:ext cx="2654504" cy="651553"/>
           </a:xfrm>
-          <a:prstGeom prst="rect">
+          <a:prstGeom prst="straightConnector1">
             <a:avLst/>
           </a:prstGeom>
           <a:noFill/>
-          <a:ln>
-            <a:noFill/>
+          <a:ln w="9525" cap="flat" cmpd="sng" algn="ctr">
+            <a:solidFill>
+              <a:schemeClr val="tx1"/>
+            </a:solidFill>
+            <a:prstDash val="solid"/>
+            <a:round/>
+            <a:headEnd type="none" w="med" len="med"/>
+            <a:tailEnd type="triangle"/>
           </a:ln>
-          <a:extLst>
-            <a:ext uri="{909E8E84-426E-40DD-AFC4-6F175D3DCCD1}">
-              <a14:hiddenFill xmlns:a14="http://schemas.microsoft.com/office/drawing/2010/main">
-                <a:solidFill>
-                  <a:schemeClr val="accent1"/>
-                </a:solidFill>
-              </a14:hiddenFill>
-            </a:ext>
-            <a:ext uri="{91240B29-F687-4F45-9708-019B960494DF}">
-              <a14:hiddenLine xmlns:a14="http://schemas.microsoft.com/office/drawing/2010/main" w="9525">
-                <a:solidFill>
-                  <a:schemeClr val="tx1"/>
-                </a:solidFill>
-                <a:miter lim="800000"/>
-                <a:headEnd/>
-                <a:tailEnd/>
-              </a14:hiddenLine>
-            </a:ext>
-          </a:extLst>
+          <a:effectLst/>
         </p:spPr>
-      </p:pic>
+      </p:cxnSp>
     </p:spTree>
     <p:extLst>
       <p:ext uri="{BB962C8B-B14F-4D97-AF65-F5344CB8AC3E}">
-        <p14:creationId xmlns:p14="http://schemas.microsoft.com/office/powerpoint/2010/main" val="3543331703"/>
+        <p14:creationId xmlns:p14="http://schemas.microsoft.com/office/powerpoint/2010/main" val="1692932088"/>
       </p:ext>
     </p:extLst>
   </p:cSld>
   <p:clrMapOvr>
     <a:masterClrMapping/>
   </p:clrMapOvr>
+  <mc:AlternateContent xmlns:mc="http://schemas.openxmlformats.org/markup-compatibility/2006" xmlns:p14="http://schemas.microsoft.com/office/powerpoint/2010/main">
+    <mc:Choice Requires="p14">
+      <p:transition spd="slow" p14:dur="2000"/>
+    </mc:Choice>
+    <mc:Fallback xmlns="">
+      <p:transition spd="slow"/>
+    </mc:Fallback>
+  </mc:AlternateContent>
   <p:timing>
     <p:tnLst>
       <p:par>
@@ -13987,13 +15583,80 @@
       </p:sp>
       <p:sp>
         <p:nvSpPr>
+          <p:cNvPr id="3" name="Content Placeholder 2"/>
+          <p:cNvSpPr>
+            <a:spLocks noGrp="1"/>
+          </p:cNvSpPr>
+          <p:nvPr>
+            <p:ph idx="1"/>
+          </p:nvPr>
+        </p:nvSpPr>
+        <p:spPr/>
+        <p:txBody>
+          <a:bodyPr/>
+          <a:lstStyle/>
+          <a:p>
+            <a:r>
+              <a:rPr lang="en-US" sz="2400" dirty="0"/>
+              <a:t>Create a project around </a:t>
+            </a:r>
+            <a:r>
+              <a:rPr lang="en-US" sz="2400" dirty="0" err="1"/>
+              <a:t>interruptTones.c</a:t>
+            </a:r>
+            <a:r>
+              <a:rPr lang="en-US" sz="2400" dirty="0"/>
+              <a:t>.  This C program utilizes interrupts to Blink the Green LED (P1.0 using Timer A at 440Hz  Modify the program to do the following</a:t>
+            </a:r>
+            <a:r>
+              <a:rPr lang="en-US" sz="2400" dirty="0" smtClean="0"/>
+              <a:t>:</a:t>
+            </a:r>
+          </a:p>
+          <a:p>
+            <a:pPr lvl="1"/>
+            <a:r>
+              <a:rPr lang="en-US" sz="1800" dirty="0" smtClean="0"/>
+              <a:t>Put </a:t>
+            </a:r>
+            <a:r>
+              <a:rPr lang="en-US" sz="1800" dirty="0"/>
+              <a:t>a speaker or headphones on P1.6 to listen to the 440Hz 'A' Tone using the following schematic.</a:t>
+            </a:r>
+          </a:p>
+          <a:p>
+            <a:pPr lvl="1"/>
+            <a:r>
+              <a:rPr lang="en-US" sz="1800" dirty="0" smtClean="0"/>
+              <a:t>Implement </a:t>
+            </a:r>
+            <a:r>
+              <a:rPr lang="en-US" sz="1800" dirty="0"/>
+              <a:t>another interrupt from a button press (P1.3) to toggle the Red LED (P1.0) and then increment through each tone in the counts array.</a:t>
+            </a:r>
+          </a:p>
+          <a:p>
+            <a:pPr lvl="1"/>
+            <a:r>
+              <a:rPr lang="en-US" sz="1800" dirty="0" smtClean="0"/>
+              <a:t>Use </a:t>
+            </a:r>
+            <a:r>
+              <a:rPr lang="en-US" sz="1800" dirty="0"/>
+              <a:t>the button interrupt to increment through the counts array to be output the different tones on a speaker.</a:t>
+            </a:r>
+          </a:p>
+        </p:txBody>
+      </p:sp>
+      <p:sp>
+        <p:nvSpPr>
           <p:cNvPr id="4" name="Rectangle 3"/>
           <p:cNvSpPr/>
           <p:nvPr/>
         </p:nvSpPr>
         <p:spPr>
           <a:xfrm>
-            <a:off x="3212424" y="1459683"/>
+            <a:off x="2960176" y="5594292"/>
             <a:ext cx="2861040" cy="461665"/>
           </a:xfrm>
           <a:prstGeom prst="rect">
@@ -14021,6 +15684,121 @@
           </a:p>
         </p:txBody>
       </p:sp>
+    </p:spTree>
+    <p:extLst>
+      <p:ext uri="{BB962C8B-B14F-4D97-AF65-F5344CB8AC3E}">
+        <p14:creationId xmlns:p14="http://schemas.microsoft.com/office/powerpoint/2010/main" val="3383098997"/>
+      </p:ext>
+    </p:extLst>
+  </p:cSld>
+  <p:clrMapOvr>
+    <a:masterClrMapping/>
+  </p:clrMapOvr>
+  <p:timing>
+    <p:tnLst>
+      <p:par>
+        <p:cTn id="1" dur="indefinite" restart="never" nodeType="tmRoot"/>
+      </p:par>
+    </p:tnLst>
+  </p:timing>
+</p:sld>
+</file>
+
+<file path=ppt/slides/slide21.xml><?xml version="1.0" encoding="utf-8"?>
+<p:sld xmlns:a="http://schemas.openxmlformats.org/drawingml/2006/main" xmlns:r="http://schemas.openxmlformats.org/officeDocument/2006/relationships" xmlns:p="http://schemas.openxmlformats.org/presentationml/2006/main" show="0">
+  <p:cSld>
+    <p:spTree>
+      <p:nvGrpSpPr>
+        <p:cNvPr id="1" name=""/>
+        <p:cNvGrpSpPr/>
+        <p:nvPr/>
+      </p:nvGrpSpPr>
+      <p:grpSpPr>
+        <a:xfrm>
+          <a:off x="0" y="0"/>
+          <a:ext cx="0" cy="0"/>
+          <a:chOff x="0" y="0"/>
+          <a:chExt cx="0" cy="0"/>
+        </a:xfrm>
+      </p:grpSpPr>
+      <p:sp>
+        <p:nvSpPr>
+          <p:cNvPr id="2" name="Title 1"/>
+          <p:cNvSpPr>
+            <a:spLocks noGrp="1"/>
+          </p:cNvSpPr>
+          <p:nvPr>
+            <p:ph type="title"/>
+          </p:nvPr>
+        </p:nvSpPr>
+        <p:spPr/>
+        <p:txBody>
+          <a:bodyPr/>
+          <a:lstStyle/>
+          <a:p>
+            <a:r>
+              <a:rPr lang="en-US" dirty="0" smtClean="0"/>
+              <a:t>In-Class Programming Exercise </a:t>
+            </a:r>
+            <a:endParaRPr lang="en-US" dirty="0"/>
+          </a:p>
+        </p:txBody>
+      </p:sp>
+      <p:sp>
+        <p:nvSpPr>
+          <p:cNvPr id="3" name="Content Placeholder 2"/>
+          <p:cNvSpPr>
+            <a:spLocks noGrp="1"/>
+          </p:cNvSpPr>
+          <p:nvPr>
+            <p:ph idx="1"/>
+          </p:nvPr>
+        </p:nvSpPr>
+        <p:spPr/>
+        <p:txBody>
+          <a:bodyPr/>
+          <a:lstStyle/>
+          <a:p>
+            <a:endParaRPr lang="en-US" sz="1800" dirty="0"/>
+          </a:p>
+        </p:txBody>
+      </p:sp>
+      <p:sp>
+        <p:nvSpPr>
+          <p:cNvPr id="4" name="Rectangle 3"/>
+          <p:cNvSpPr/>
+          <p:nvPr/>
+        </p:nvSpPr>
+        <p:spPr>
+          <a:xfrm>
+            <a:off x="3141480" y="659685"/>
+            <a:ext cx="2861040" cy="461665"/>
+          </a:xfrm>
+          <a:prstGeom prst="rect">
+            <a:avLst/>
+          </a:prstGeom>
+        </p:spPr>
+        <p:txBody>
+          <a:bodyPr wrap="none">
+            <a:spAutoFit/>
+          </a:bodyPr>
+          <a:lstStyle/>
+          <a:p>
+            <a:r>
+              <a:rPr lang="en-US" dirty="0"/>
+              <a:t>(see </a:t>
+            </a:r>
+            <a:r>
+              <a:rPr lang="en-US" dirty="0" err="1"/>
+              <a:t>interruptTones.c</a:t>
+            </a:r>
+            <a:r>
+              <a:rPr lang="en-US" dirty="0"/>
+              <a:t>)</a:t>
+            </a:r>
+          </a:p>
+        </p:txBody>
+      </p:sp>
       <p:sp>
         <p:nvSpPr>
           <p:cNvPr id="7" name="Rectangle 6"/>
@@ -14029,7 +15807,7 @@
         </p:nvSpPr>
         <p:spPr>
           <a:xfrm>
-            <a:off x="-86710" y="5730740"/>
+            <a:off x="0" y="6172174"/>
             <a:ext cx="9144000" cy="707886"/>
           </a:xfrm>
           <a:prstGeom prst="rect">
@@ -14049,11 +15827,7 @@
             </a:pPr>
             <a:r>
               <a:rPr lang="en-US" sz="2000" dirty="0"/>
-              <a:t>Setup for the hooking up 3.5mm Audio Jack to the MSP430 Launchpad </a:t>
-            </a:r>
-            <a:r>
-              <a:rPr lang="en-US" sz="2000" dirty="0" smtClean="0"/>
-              <a:t>Board</a:t>
+              <a:t>Setup for the hooking up 3.5mm Audio Jack to the MSP430 Launchpad Board</a:t>
             </a:r>
           </a:p>
           <a:p>
@@ -14064,15 +15838,18 @@
             </a:pPr>
             <a:r>
               <a:rPr lang="en-US" sz="2000" dirty="0" smtClean="0"/>
-              <a:t>with Volume Control</a:t>
-            </a:r>
-            <a:endParaRPr lang="en-US" sz="2000" dirty="0"/>
+              <a:t>without </a:t>
+            </a:r>
+            <a:r>
+              <a:rPr lang="en-US" sz="2000" dirty="0"/>
+              <a:t>Volume Control</a:t>
+            </a:r>
           </a:p>
         </p:txBody>
       </p:sp>
       <p:pic>
         <p:nvPicPr>
-          <p:cNvPr id="4098" name="Picture 2"/>
+          <p:cNvPr id="1026" name="Picture 2"/>
           <p:cNvPicPr>
             <a:picLocks noChangeAspect="1" noChangeArrowheads="1"/>
           </p:cNvPicPr>
@@ -14093,8 +15870,8 @@
         </p:blipFill>
         <p:spPr bwMode="auto">
           <a:xfrm>
-            <a:off x="788276" y="1921348"/>
-            <a:ext cx="7593097" cy="3878997"/>
+            <a:off x="354251" y="1385334"/>
+            <a:ext cx="8435498" cy="4769734"/>
           </a:xfrm>
           <a:prstGeom prst="rect">
             <a:avLst/>
@@ -14127,93 +15904,21 @@
     </p:spTree>
     <p:extLst>
       <p:ext uri="{BB962C8B-B14F-4D97-AF65-F5344CB8AC3E}">
-        <p14:creationId xmlns:p14="http://schemas.microsoft.com/office/powerpoint/2010/main" val="3999124884"/>
+        <p14:creationId xmlns:p14="http://schemas.microsoft.com/office/powerpoint/2010/main" val="2469392628"/>
       </p:ext>
     </p:extLst>
   </p:cSld>
   <p:clrMapOvr>
     <a:masterClrMapping/>
   </p:clrMapOvr>
-  <p:timing>
-    <p:tnLst>
-      <p:par>
-        <p:cTn id="1" dur="indefinite" restart="never" nodeType="tmRoot"/>
-      </p:par>
-    </p:tnLst>
-  </p:timing>
-</p:sld>
-</file>
-
-<file path=ppt/slides/slide21.xml><?xml version="1.0" encoding="utf-8"?>
-<p:sld xmlns:a="http://schemas.openxmlformats.org/drawingml/2006/main" xmlns:r="http://schemas.openxmlformats.org/officeDocument/2006/relationships" xmlns:p="http://schemas.openxmlformats.org/presentationml/2006/main">
-  <p:cSld>
-    <p:spTree>
-      <p:nvGrpSpPr>
-        <p:cNvPr id="1" name=""/>
-        <p:cNvGrpSpPr/>
-        <p:nvPr/>
-      </p:nvGrpSpPr>
-      <p:grpSpPr>
-        <a:xfrm>
-          <a:off x="0" y="0"/>
-          <a:ext cx="0" cy="0"/>
-          <a:chOff x="0" y="0"/>
-          <a:chExt cx="0" cy="0"/>
-        </a:xfrm>
-      </p:grpSpPr>
-      <p:sp>
-        <p:nvSpPr>
-          <p:cNvPr id="5" name="Subtitle 4"/>
-          <p:cNvSpPr>
-            <a:spLocks noGrp="1"/>
-          </p:cNvSpPr>
-          <p:nvPr>
-            <p:ph type="subTitle" idx="1"/>
-          </p:nvPr>
-        </p:nvSpPr>
-        <p:spPr/>
-        <p:txBody>
-          <a:bodyPr/>
-          <a:lstStyle/>
-          <a:p>
-            <a:endParaRPr lang="en-US" dirty="0"/>
-          </a:p>
-        </p:txBody>
-      </p:sp>
-      <p:sp>
-        <p:nvSpPr>
-          <p:cNvPr id="4" name="Title 3"/>
-          <p:cNvSpPr>
-            <a:spLocks noGrp="1"/>
-          </p:cNvSpPr>
-          <p:nvPr>
-            <p:ph type="title"/>
-          </p:nvPr>
-        </p:nvSpPr>
-        <p:spPr/>
-        <p:txBody>
-          <a:bodyPr/>
-          <a:lstStyle/>
-          <a:p>
-            <a:r>
-              <a:rPr lang="en-US" dirty="0" smtClean="0"/>
-              <a:t>BACKUPS</a:t>
-            </a:r>
-            <a:endParaRPr lang="en-US" dirty="0"/>
-          </a:p>
-        </p:txBody>
-      </p:sp>
-    </p:spTree>
-    <p:extLst>
-      <p:ext uri="{BB962C8B-B14F-4D97-AF65-F5344CB8AC3E}">
-        <p14:creationId xmlns:p14="http://schemas.microsoft.com/office/powerpoint/2010/main" val="3003632033"/>
-      </p:ext>
-    </p:extLst>
-  </p:cSld>
-  <p:clrMapOvr>
-    <a:masterClrMapping/>
-  </p:clrMapOvr>
-  <p:transition spd="med"/>
+  <mc:AlternateContent xmlns:mc="http://schemas.openxmlformats.org/markup-compatibility/2006" xmlns:p14="http://schemas.microsoft.com/office/powerpoint/2010/main">
+    <mc:Choice Requires="p14">
+      <p:transition spd="slow" p14:dur="2000"/>
+    </mc:Choice>
+    <mc:Fallback xmlns="">
+      <p:transition spd="slow"/>
+    </mc:Fallback>
+  </mc:AlternateContent>
   <p:timing>
     <p:tnLst>
       <p:par>
@@ -14257,16 +15962,16 @@
           <a:lstStyle/>
           <a:p>
             <a:r>
-              <a:rPr lang="en-US" b="1" dirty="0" smtClean="0"/>
-              <a:t>Lesson 25 Polling - Example Code</a:t>
-            </a:r>
-            <a:endParaRPr lang="en-US" b="1" dirty="0"/>
+              <a:rPr lang="en-US" dirty="0" smtClean="0"/>
+              <a:t>In-Class Programming Exercise </a:t>
+            </a:r>
+            <a:endParaRPr lang="en-US" dirty="0"/>
           </a:p>
         </p:txBody>
       </p:sp>
       <p:sp>
         <p:nvSpPr>
-          <p:cNvPr id="5" name="Content Placeholder 2"/>
+          <p:cNvPr id="3" name="Content Placeholder 2"/>
           <p:cNvSpPr>
             <a:spLocks noGrp="1"/>
           </p:cNvSpPr>
@@ -14274,868 +15979,157 @@
             <p:ph idx="1"/>
           </p:nvPr>
         </p:nvSpPr>
-        <p:spPr>
-          <a:xfrm>
-            <a:off x="65118" y="757317"/>
-            <a:ext cx="8924336" cy="5176758"/>
-          </a:xfrm>
-          <a:solidFill>
-            <a:schemeClr val="bg1"/>
-          </a:solidFill>
-          <a:ln>
-            <a:solidFill>
-              <a:schemeClr val="tx1"/>
-            </a:solidFill>
-          </a:ln>
-        </p:spPr>
+        <p:spPr/>
         <p:txBody>
           <a:bodyPr/>
           <a:lstStyle/>
           <a:p>
-            <a:pPr marL="0" indent="0">
-              <a:buNone/>
-            </a:pPr>
-            <a:r>
-              <a:rPr lang="en-US" sz="1200" b="1" dirty="0" smtClean="0">
-                <a:latin typeface="Courier New" pitchFamily="49" charset="0"/>
-                <a:cs typeface="Courier New" pitchFamily="49" charset="0"/>
-              </a:rPr>
-              <a:t>           </a:t>
-            </a:r>
-            <a:r>
-              <a:rPr lang="en-US" sz="1200" b="1" u="sng" dirty="0" err="1" smtClean="0">
-                <a:latin typeface="Courier New" pitchFamily="49" charset="0"/>
-                <a:cs typeface="Courier New" pitchFamily="49" charset="0"/>
-              </a:rPr>
-              <a:t>Main.c</a:t>
-            </a:r>
-            <a:endParaRPr lang="en-US" sz="1200" b="1" dirty="0" smtClean="0">
-              <a:latin typeface="Courier New" pitchFamily="49" charset="0"/>
-              <a:cs typeface="Courier New" pitchFamily="49" charset="0"/>
-            </a:endParaRPr>
-          </a:p>
-          <a:p>
-            <a:pPr marL="0" marR="0" indent="0">
+            <a:endParaRPr lang="en-US" sz="1800" dirty="0"/>
+          </a:p>
+        </p:txBody>
+      </p:sp>
+      <p:sp>
+        <p:nvSpPr>
+          <p:cNvPr id="4" name="Rectangle 3"/>
+          <p:cNvSpPr/>
+          <p:nvPr/>
+        </p:nvSpPr>
+        <p:spPr>
+          <a:xfrm>
+            <a:off x="3141480" y="659685"/>
+            <a:ext cx="2861040" cy="461665"/>
+          </a:xfrm>
+          <a:prstGeom prst="rect">
+            <a:avLst/>
+          </a:prstGeom>
+        </p:spPr>
+        <p:txBody>
+          <a:bodyPr wrap="none">
+            <a:spAutoFit/>
+          </a:bodyPr>
+          <a:lstStyle/>
+          <a:p>
+            <a:r>
+              <a:rPr lang="en-US" dirty="0"/>
+              <a:t>(see </a:t>
+            </a:r>
+            <a:r>
+              <a:rPr lang="en-US" dirty="0" err="1"/>
+              <a:t>interruptTones.c</a:t>
+            </a:r>
+            <a:r>
+              <a:rPr lang="en-US" dirty="0"/>
+              <a:t>)</a:t>
+            </a:r>
+          </a:p>
+        </p:txBody>
+      </p:sp>
+      <p:sp>
+        <p:nvSpPr>
+          <p:cNvPr id="7" name="Rectangle 6"/>
+          <p:cNvSpPr/>
+          <p:nvPr/>
+        </p:nvSpPr>
+        <p:spPr>
+          <a:xfrm>
+            <a:off x="0" y="6172174"/>
+            <a:ext cx="9144000" cy="707886"/>
+          </a:xfrm>
+          <a:prstGeom prst="rect">
+            <a:avLst/>
+          </a:prstGeom>
+        </p:spPr>
+        <p:txBody>
+          <a:bodyPr wrap="square">
+            <a:spAutoFit/>
+          </a:bodyPr>
+          <a:lstStyle/>
+          <a:p>
+            <a:pPr algn="ctr">
               <a:spcBef>
                 <a:spcPts val="0"/>
               </a:spcBef>
-              <a:spcAft>
-                <a:spcPts val="0"/>
-              </a:spcAft>
-              <a:buNone/>
-            </a:pPr>
-            <a:r>
-              <a:rPr lang="en-US" sz="1200" b="1" dirty="0" smtClean="0">
-                <a:solidFill>
-                  <a:srgbClr val="7F0055"/>
-                </a:solidFill>
-                <a:latin typeface="Consolas"/>
-                <a:ea typeface="Calibri"/>
-              </a:rPr>
-              <a:t>#</a:t>
-            </a:r>
-            <a:r>
-              <a:rPr lang="en-US" sz="1200" b="1" dirty="0">
-                <a:solidFill>
-                  <a:srgbClr val="7F0055"/>
-                </a:solidFill>
-                <a:latin typeface="Consolas"/>
-                <a:ea typeface="Calibri"/>
-              </a:rPr>
-              <a:t>include</a:t>
-            </a:r>
-            <a:r>
-              <a:rPr lang="en-US" sz="1200" dirty="0">
-                <a:solidFill>
-                  <a:srgbClr val="000000"/>
-                </a:solidFill>
-                <a:latin typeface="Consolas"/>
-                <a:ea typeface="Calibri"/>
-              </a:rPr>
-              <a:t> </a:t>
-            </a:r>
-            <a:r>
-              <a:rPr lang="en-US" sz="1200" dirty="0">
-                <a:solidFill>
-                  <a:srgbClr val="2A00FF"/>
-                </a:solidFill>
-                <a:latin typeface="Consolas"/>
-                <a:ea typeface="Calibri"/>
-              </a:rPr>
-              <a:t>&lt;msp430g2553.h&gt;</a:t>
-            </a:r>
-            <a:endParaRPr lang="en-US" sz="1200" dirty="0">
-              <a:latin typeface="Calibri"/>
-              <a:ea typeface="Calibri"/>
-            </a:endParaRPr>
-          </a:p>
-          <a:p>
-            <a:pPr marL="0" marR="0" indent="0">
+            </a:pPr>
+            <a:r>
+              <a:rPr lang="en-US" sz="2000" dirty="0"/>
+              <a:t>Setup for the hooking up 3.5mm Audio Jack to the MSP430 Launchpad Board</a:t>
+            </a:r>
+          </a:p>
+          <a:p>
+            <a:pPr algn="ctr">
               <a:spcBef>
                 <a:spcPts val="0"/>
               </a:spcBef>
-              <a:spcAft>
-                <a:spcPts val="0"/>
-              </a:spcAft>
-              <a:buNone/>
-            </a:pPr>
-            <a:r>
-              <a:rPr lang="en-US" sz="1200" dirty="0">
-                <a:latin typeface="Consolas"/>
-                <a:ea typeface="Calibri"/>
-              </a:rPr>
-              <a:t> </a:t>
-            </a:r>
-            <a:endParaRPr lang="en-US" sz="1200" dirty="0">
-              <a:latin typeface="Calibri"/>
-              <a:ea typeface="Calibri"/>
-            </a:endParaRPr>
-          </a:p>
-          <a:p>
-            <a:pPr marL="0" marR="0" indent="0">
-              <a:spcBef>
-                <a:spcPts val="0"/>
-              </a:spcBef>
-              <a:spcAft>
-                <a:spcPts val="0"/>
-              </a:spcAft>
-              <a:buNone/>
-            </a:pPr>
-            <a:r>
-              <a:rPr lang="en-US" sz="1200" b="1" dirty="0" smtClean="0">
-                <a:solidFill>
-                  <a:srgbClr val="7F0055"/>
-                </a:solidFill>
-                <a:latin typeface="Consolas"/>
-                <a:ea typeface="Calibri"/>
-              </a:rPr>
-              <a:t>void</a:t>
-            </a:r>
-            <a:r>
-              <a:rPr lang="en-US" sz="1200" dirty="0" smtClean="0">
-                <a:solidFill>
-                  <a:srgbClr val="000000"/>
-                </a:solidFill>
-                <a:latin typeface="Consolas"/>
-                <a:ea typeface="Calibri"/>
-              </a:rPr>
-              <a:t> </a:t>
-            </a:r>
-            <a:r>
-              <a:rPr lang="en-US" sz="1200" b="1" dirty="0" smtClean="0">
-                <a:solidFill>
-                  <a:srgbClr val="000000"/>
-                </a:solidFill>
-                <a:latin typeface="Consolas"/>
-                <a:ea typeface="Calibri"/>
-              </a:rPr>
-              <a:t>main</a:t>
-            </a:r>
-            <a:r>
-              <a:rPr lang="en-US" sz="1200" dirty="0" smtClean="0">
-                <a:solidFill>
-                  <a:srgbClr val="000000"/>
-                </a:solidFill>
-                <a:latin typeface="Consolas"/>
-                <a:ea typeface="Calibri"/>
-              </a:rPr>
-              <a:t>(</a:t>
-            </a:r>
-            <a:r>
-              <a:rPr lang="en-US" sz="1200" b="1" dirty="0" smtClean="0">
-                <a:solidFill>
-                  <a:srgbClr val="7F0055"/>
-                </a:solidFill>
-                <a:latin typeface="Consolas"/>
-                <a:ea typeface="Calibri"/>
-              </a:rPr>
-              <a:t>void</a:t>
-            </a:r>
-            <a:r>
-              <a:rPr lang="en-US" sz="1200" dirty="0" smtClean="0">
-                <a:solidFill>
-                  <a:srgbClr val="000000"/>
-                </a:solidFill>
-                <a:latin typeface="Consolas"/>
-                <a:ea typeface="Calibri"/>
-              </a:rPr>
-              <a:t>) {</a:t>
-            </a:r>
-            <a:endParaRPr lang="en-US" sz="1200" dirty="0" smtClean="0">
-              <a:latin typeface="Calibri"/>
-              <a:ea typeface="Calibri"/>
-            </a:endParaRPr>
-          </a:p>
-          <a:p>
-            <a:pPr marL="0" indent="0">
-              <a:buNone/>
-            </a:pPr>
-            <a:r>
-              <a:rPr lang="en-US" sz="1200" dirty="0">
-                <a:solidFill>
-                  <a:srgbClr val="000000"/>
-                </a:solidFill>
-                <a:latin typeface="Consolas"/>
-              </a:rPr>
-              <a:t> </a:t>
-            </a:r>
-            <a:r>
-              <a:rPr lang="en-US" sz="1200" dirty="0" smtClean="0">
-                <a:solidFill>
-                  <a:srgbClr val="000000"/>
-                </a:solidFill>
-                <a:latin typeface="Consolas"/>
-              </a:rPr>
-              <a:t>   WDTCTL </a:t>
-            </a:r>
-            <a:r>
-              <a:rPr lang="en-US" sz="1200" dirty="0">
-                <a:solidFill>
-                  <a:srgbClr val="000000"/>
-                </a:solidFill>
-                <a:latin typeface="Consolas"/>
-              </a:rPr>
-              <a:t>= WDTPW | WDTHOLD</a:t>
-            </a:r>
-            <a:r>
-              <a:rPr lang="en-US" sz="1200" dirty="0" smtClean="0">
-                <a:solidFill>
-                  <a:srgbClr val="000000"/>
-                </a:solidFill>
-                <a:latin typeface="Consolas"/>
-              </a:rPr>
-              <a:t>;   </a:t>
-            </a:r>
-            <a:r>
-              <a:rPr lang="en-US" sz="1200" dirty="0" smtClean="0">
-                <a:solidFill>
-                  <a:srgbClr val="3F7F5F"/>
-                </a:solidFill>
-                <a:latin typeface="Consolas"/>
-              </a:rPr>
-              <a:t>// </a:t>
-            </a:r>
-            <a:r>
-              <a:rPr lang="en-US" sz="1200" dirty="0">
-                <a:solidFill>
-                  <a:srgbClr val="3F7F5F"/>
-                </a:solidFill>
-                <a:latin typeface="Consolas"/>
-              </a:rPr>
-              <a:t>Stop watchdog </a:t>
-            </a:r>
-            <a:r>
-              <a:rPr lang="en-US" sz="1200" dirty="0" smtClean="0">
-                <a:solidFill>
-                  <a:srgbClr val="3F7F5F"/>
-                </a:solidFill>
-                <a:latin typeface="Consolas"/>
-              </a:rPr>
-              <a:t>timer</a:t>
-            </a:r>
-          </a:p>
-          <a:p>
-            <a:pPr marL="0" indent="0">
-              <a:buNone/>
-            </a:pPr>
-            <a:endParaRPr lang="en-US" sz="1200" dirty="0">
-              <a:solidFill>
-                <a:srgbClr val="3F7F5F"/>
-              </a:solidFill>
-              <a:latin typeface="Consolas"/>
-            </a:endParaRPr>
-          </a:p>
-          <a:p>
-            <a:pPr marL="0" indent="0">
-              <a:buNone/>
-            </a:pPr>
-            <a:r>
-              <a:rPr lang="en-US" sz="1200" dirty="0">
-                <a:solidFill>
-                  <a:srgbClr val="000000"/>
-                </a:solidFill>
-                <a:latin typeface="Consolas"/>
-              </a:rPr>
-              <a:t>    BCSCTL1 = CALBC1_8MHZ;      </a:t>
-            </a:r>
-            <a:r>
-              <a:rPr lang="en-US" sz="1200" dirty="0">
-                <a:solidFill>
-                  <a:srgbClr val="3F7F5F"/>
-                </a:solidFill>
-                <a:latin typeface="Consolas"/>
-              </a:rPr>
-              <a:t>// Set SMCLK 8 </a:t>
-            </a:r>
-            <a:r>
-              <a:rPr lang="en-US" sz="1200" dirty="0" smtClean="0">
-                <a:solidFill>
-                  <a:srgbClr val="3F7F5F"/>
-                </a:solidFill>
-                <a:latin typeface="Consolas"/>
-              </a:rPr>
-              <a:t>MHz</a:t>
-            </a:r>
-            <a:endParaRPr lang="en-US" sz="1200" dirty="0">
-              <a:solidFill>
-                <a:srgbClr val="3F7F5F"/>
-              </a:solidFill>
-              <a:latin typeface="Consolas"/>
-            </a:endParaRPr>
-          </a:p>
-          <a:p>
-            <a:pPr marL="0" indent="0">
-              <a:buNone/>
-            </a:pPr>
-            <a:r>
-              <a:rPr lang="en-US" sz="1200" dirty="0">
-                <a:solidFill>
-                  <a:srgbClr val="000000"/>
-                </a:solidFill>
-                <a:latin typeface="Consolas"/>
-              </a:rPr>
-              <a:t>    DCOCTL = CALDCO_8MHZ</a:t>
-            </a:r>
-            <a:r>
-              <a:rPr lang="en-US" sz="1200" dirty="0" smtClean="0">
-                <a:solidFill>
-                  <a:srgbClr val="000000"/>
-                </a:solidFill>
-                <a:latin typeface="Consolas"/>
-              </a:rPr>
-              <a:t>;</a:t>
-            </a:r>
-            <a:endParaRPr lang="en-US" sz="1200" dirty="0">
-              <a:solidFill>
-                <a:srgbClr val="000000"/>
-              </a:solidFill>
-              <a:latin typeface="Consolas"/>
-            </a:endParaRPr>
-          </a:p>
-          <a:p>
-            <a:pPr marL="0" indent="0">
-              <a:buNone/>
-            </a:pPr>
-            <a:endParaRPr lang="en-US" sz="1200" dirty="0" smtClean="0">
-              <a:latin typeface="Consolas"/>
-            </a:endParaRPr>
-          </a:p>
-          <a:p>
-            <a:pPr marL="0" indent="0">
-              <a:buNone/>
-            </a:pPr>
-            <a:r>
-              <a:rPr lang="en-US" sz="1200" dirty="0" smtClean="0">
-                <a:latin typeface="Consolas"/>
-              </a:rPr>
-              <a:t>    P1DIR </a:t>
-            </a:r>
-            <a:r>
-              <a:rPr lang="en-US" sz="1200" dirty="0">
-                <a:latin typeface="Consolas"/>
-              </a:rPr>
-              <a:t>= BIT6; </a:t>
-            </a:r>
-            <a:r>
-              <a:rPr lang="en-US" sz="1200" dirty="0" smtClean="0">
-                <a:latin typeface="Consolas"/>
-              </a:rPr>
-              <a:t>		</a:t>
-            </a:r>
-            <a:r>
-              <a:rPr lang="en-US" sz="1200" dirty="0" smtClean="0">
-                <a:solidFill>
-                  <a:srgbClr val="3F7F5F"/>
-                </a:solidFill>
-                <a:latin typeface="Consolas"/>
-              </a:rPr>
-              <a:t>// </a:t>
-            </a:r>
-            <a:r>
-              <a:rPr lang="en-US" sz="1200" dirty="0">
-                <a:solidFill>
-                  <a:srgbClr val="3F7F5F"/>
-                </a:solidFill>
-                <a:latin typeface="Consolas"/>
-              </a:rPr>
-              <a:t>Set the green LED as an output</a:t>
-            </a:r>
-            <a:endParaRPr lang="en-US" sz="1200" dirty="0">
-              <a:latin typeface="Consolas"/>
-            </a:endParaRPr>
-          </a:p>
-          <a:p>
-            <a:pPr marL="0" indent="0">
-              <a:buNone/>
-            </a:pPr>
-            <a:r>
-              <a:rPr lang="en-US" sz="1200" dirty="0" smtClean="0">
-                <a:solidFill>
-                  <a:srgbClr val="000000"/>
-                </a:solidFill>
-                <a:latin typeface="Consolas"/>
-              </a:rPr>
-              <a:t>    </a:t>
-            </a:r>
-          </a:p>
-          <a:p>
-            <a:pPr marL="0" indent="0">
-              <a:buNone/>
-            </a:pPr>
-            <a:r>
-              <a:rPr lang="en-US" sz="1200" dirty="0">
-                <a:solidFill>
-                  <a:srgbClr val="000000"/>
-                </a:solidFill>
-                <a:latin typeface="Consolas"/>
-              </a:rPr>
-              <a:t> </a:t>
-            </a:r>
-            <a:r>
-              <a:rPr lang="en-US" sz="1200" dirty="0" smtClean="0">
-                <a:solidFill>
-                  <a:srgbClr val="000000"/>
-                </a:solidFill>
-                <a:latin typeface="Consolas"/>
-              </a:rPr>
-              <a:t>   TACCR0 </a:t>
-            </a:r>
-            <a:r>
-              <a:rPr lang="en-US" sz="1200" dirty="0">
-                <a:solidFill>
-                  <a:srgbClr val="000000"/>
-                </a:solidFill>
-                <a:latin typeface="Consolas"/>
-              </a:rPr>
-              <a:t>= 256 - 1;                    </a:t>
-            </a:r>
-            <a:r>
-              <a:rPr lang="en-US" sz="1200" dirty="0">
-                <a:solidFill>
-                  <a:srgbClr val="3F7F5F"/>
-                </a:solidFill>
-                <a:latin typeface="Consolas"/>
-              </a:rPr>
-              <a:t>// Set the interval</a:t>
-            </a:r>
-          </a:p>
-          <a:p>
-            <a:pPr marL="0" indent="0">
-              <a:buNone/>
-            </a:pPr>
-            <a:r>
-              <a:rPr lang="en-US" sz="1200" dirty="0">
-                <a:solidFill>
-                  <a:srgbClr val="000000"/>
-                </a:solidFill>
-                <a:latin typeface="Consolas"/>
-              </a:rPr>
-              <a:t>    </a:t>
-            </a:r>
-            <a:r>
-              <a:rPr lang="en-US" sz="1200" dirty="0" smtClean="0">
-                <a:solidFill>
-                  <a:srgbClr val="000000"/>
-                </a:solidFill>
-                <a:latin typeface="Consolas"/>
-              </a:rPr>
-              <a:t>TA0CTL </a:t>
-            </a:r>
-            <a:r>
-              <a:rPr lang="en-US" sz="1200" dirty="0">
-                <a:solidFill>
-                  <a:srgbClr val="000000"/>
-                </a:solidFill>
-                <a:latin typeface="Consolas"/>
-              </a:rPr>
-              <a:t>&amp;= ~TAIFG;                     </a:t>
-            </a:r>
-            <a:r>
-              <a:rPr lang="en-US" sz="1200" dirty="0">
-                <a:solidFill>
-                  <a:srgbClr val="3F7F5F"/>
-                </a:solidFill>
-                <a:latin typeface="Consolas"/>
-              </a:rPr>
-              <a:t>// Clear any rollover flag</a:t>
-            </a:r>
-            <a:endParaRPr lang="en-US" sz="1200" dirty="0">
-              <a:latin typeface="Consolas"/>
-            </a:endParaRPr>
-          </a:p>
-          <a:p>
-            <a:pPr marL="0" indent="0">
-              <a:buNone/>
-            </a:pPr>
-            <a:r>
-              <a:rPr lang="en-US" sz="1200" dirty="0">
-                <a:solidFill>
-                  <a:srgbClr val="000000"/>
-                </a:solidFill>
-                <a:latin typeface="Consolas"/>
-              </a:rPr>
-              <a:t>    </a:t>
-            </a:r>
-            <a:r>
-              <a:rPr lang="en-US" sz="1200" dirty="0" smtClean="0">
-                <a:solidFill>
-                  <a:srgbClr val="000000"/>
-                </a:solidFill>
-                <a:latin typeface="Consolas"/>
-              </a:rPr>
-              <a:t>TA0CTL </a:t>
-            </a:r>
-            <a:r>
-              <a:rPr lang="en-US" sz="1200" dirty="0">
-                <a:solidFill>
-                  <a:srgbClr val="000000"/>
-                </a:solidFill>
-                <a:latin typeface="Consolas"/>
-              </a:rPr>
-              <a:t>|= ID_0 | TASSEL_2 | MC_1</a:t>
-            </a:r>
-            <a:r>
-              <a:rPr lang="en-US" sz="1200" dirty="0" smtClean="0">
-                <a:solidFill>
-                  <a:srgbClr val="000000"/>
-                </a:solidFill>
-                <a:latin typeface="Consolas"/>
-              </a:rPr>
-              <a:t>;     </a:t>
-            </a:r>
-            <a:r>
-              <a:rPr lang="en-US" sz="1200" dirty="0" smtClean="0">
-                <a:solidFill>
-                  <a:srgbClr val="3F7F5F"/>
-                </a:solidFill>
-                <a:latin typeface="Consolas"/>
-              </a:rPr>
-              <a:t>// </a:t>
-            </a:r>
-            <a:r>
-              <a:rPr lang="en-US" sz="1200" dirty="0">
-                <a:solidFill>
-                  <a:srgbClr val="3F7F5F"/>
-                </a:solidFill>
-                <a:latin typeface="Consolas"/>
-              </a:rPr>
-              <a:t>Important Timer </a:t>
-            </a:r>
-            <a:r>
-              <a:rPr lang="en-US" sz="1200" dirty="0" smtClean="0">
-                <a:solidFill>
-                  <a:srgbClr val="3F7F5F"/>
-                </a:solidFill>
-                <a:latin typeface="Consolas"/>
-              </a:rPr>
-              <a:t>stuff!</a:t>
-            </a:r>
-          </a:p>
-          <a:p>
-            <a:pPr marL="0" indent="0">
-              <a:buNone/>
-            </a:pPr>
-            <a:endParaRPr lang="en-US" sz="1200" b="1" dirty="0">
-              <a:solidFill>
-                <a:srgbClr val="3F7F5F"/>
-              </a:solidFill>
-              <a:latin typeface="Consolas"/>
-            </a:endParaRPr>
-          </a:p>
-          <a:p>
-            <a:pPr marL="0" indent="0">
-              <a:buNone/>
-            </a:pPr>
-            <a:r>
-              <a:rPr lang="en-US" sz="1200" b="1" dirty="0" smtClean="0">
-                <a:solidFill>
-                  <a:srgbClr val="7F0055"/>
-                </a:solidFill>
-                <a:latin typeface="Consolas"/>
-              </a:rPr>
-              <a:t>while</a:t>
-            </a:r>
-            <a:r>
-              <a:rPr lang="en-US" sz="1200" b="1" dirty="0" smtClean="0">
-                <a:solidFill>
-                  <a:srgbClr val="000000"/>
-                </a:solidFill>
-                <a:latin typeface="Consolas"/>
-              </a:rPr>
-              <a:t>(1</a:t>
-            </a:r>
-            <a:r>
-              <a:rPr lang="en-US" sz="1200" b="1" dirty="0">
-                <a:solidFill>
-                  <a:srgbClr val="000000"/>
-                </a:solidFill>
-                <a:latin typeface="Consolas"/>
-              </a:rPr>
-              <a:t>) {</a:t>
-            </a:r>
-          </a:p>
-          <a:p>
-            <a:pPr marL="0" indent="0">
-              <a:buNone/>
-            </a:pPr>
-            <a:r>
-              <a:rPr lang="en-US" sz="1200" dirty="0">
-                <a:solidFill>
-                  <a:srgbClr val="000000"/>
-                </a:solidFill>
-                <a:latin typeface="Consolas"/>
-              </a:rPr>
-              <a:t>    </a:t>
-            </a:r>
-            <a:r>
-              <a:rPr lang="en-US" sz="1200" b="1" dirty="0">
-                <a:solidFill>
-                  <a:srgbClr val="7F0055"/>
-                </a:solidFill>
-                <a:latin typeface="Consolas"/>
-              </a:rPr>
-              <a:t>while</a:t>
-            </a:r>
-            <a:r>
-              <a:rPr lang="en-US" sz="1200" b="1" dirty="0">
-                <a:solidFill>
-                  <a:srgbClr val="000000"/>
-                </a:solidFill>
-                <a:latin typeface="Consolas"/>
-              </a:rPr>
-              <a:t> ((</a:t>
-            </a:r>
-            <a:r>
-              <a:rPr lang="en-US" sz="1200" b="1" dirty="0" smtClean="0">
-                <a:solidFill>
-                  <a:srgbClr val="000000"/>
-                </a:solidFill>
-                <a:latin typeface="Consolas"/>
-              </a:rPr>
-              <a:t>TA0CTL </a:t>
-            </a:r>
-            <a:r>
-              <a:rPr lang="en-US" sz="1200" b="1" dirty="0">
-                <a:solidFill>
-                  <a:srgbClr val="000000"/>
-                </a:solidFill>
-                <a:latin typeface="Consolas"/>
-              </a:rPr>
-              <a:t>&amp; TAIFG) == 0</a:t>
-            </a:r>
-            <a:r>
-              <a:rPr lang="en-US" sz="1200" b="1" dirty="0" smtClean="0">
-                <a:solidFill>
-                  <a:srgbClr val="000000"/>
-                </a:solidFill>
-                <a:latin typeface="Consolas"/>
-              </a:rPr>
-              <a:t>); </a:t>
-            </a:r>
-            <a:r>
-              <a:rPr lang="en-US" sz="1200" dirty="0">
-                <a:solidFill>
-                  <a:srgbClr val="3F7F5F"/>
-                </a:solidFill>
-                <a:latin typeface="Consolas"/>
-              </a:rPr>
-              <a:t>// </a:t>
-            </a:r>
-            <a:r>
-              <a:rPr lang="en-US" sz="1200" dirty="0" smtClean="0">
-                <a:solidFill>
-                  <a:srgbClr val="3F7F5F"/>
-                </a:solidFill>
-                <a:latin typeface="Consolas"/>
-              </a:rPr>
-              <a:t>Polling timer flag?         </a:t>
-            </a:r>
-            <a:r>
-              <a:rPr lang="en-US" sz="1200" dirty="0" smtClean="0">
-                <a:solidFill>
-                  <a:srgbClr val="FF0000"/>
-                </a:solidFill>
-                <a:latin typeface="Consolas"/>
-              </a:rPr>
-              <a:t>Would this be good for pong game?</a:t>
-            </a:r>
-            <a:endParaRPr lang="en-US" sz="1200" b="1" dirty="0">
-              <a:solidFill>
-                <a:srgbClr val="FF0000"/>
-              </a:solidFill>
-              <a:latin typeface="Consolas"/>
-            </a:endParaRPr>
-          </a:p>
-          <a:p>
-            <a:pPr marL="0" indent="0">
-              <a:buNone/>
-            </a:pPr>
-            <a:r>
-              <a:rPr lang="en-US" sz="1200" dirty="0">
-                <a:solidFill>
-                  <a:srgbClr val="000000"/>
-                </a:solidFill>
-                <a:latin typeface="Consolas"/>
-              </a:rPr>
-              <a:t>    </a:t>
-            </a:r>
-            <a:r>
-              <a:rPr lang="en-US" sz="1200" dirty="0" smtClean="0">
-                <a:solidFill>
-                  <a:srgbClr val="000000"/>
-                </a:solidFill>
-                <a:latin typeface="Consolas"/>
-              </a:rPr>
-              <a:t>TA0CTL </a:t>
-            </a:r>
-            <a:r>
-              <a:rPr lang="en-US" sz="1200" dirty="0">
-                <a:solidFill>
-                  <a:srgbClr val="000000"/>
-                </a:solidFill>
-                <a:latin typeface="Consolas"/>
-              </a:rPr>
-              <a:t>&amp;= ~TAIFG</a:t>
-            </a:r>
-            <a:r>
-              <a:rPr lang="en-US" sz="1200" dirty="0" smtClean="0">
-                <a:solidFill>
-                  <a:srgbClr val="000000"/>
-                </a:solidFill>
-                <a:latin typeface="Consolas"/>
-              </a:rPr>
-              <a:t>;              </a:t>
-            </a:r>
-            <a:r>
-              <a:rPr lang="en-US" sz="1200" dirty="0" smtClean="0">
-                <a:solidFill>
-                  <a:srgbClr val="3F7F5F"/>
-                </a:solidFill>
-                <a:latin typeface="Consolas"/>
-              </a:rPr>
-              <a:t>// </a:t>
-            </a:r>
-            <a:r>
-              <a:rPr lang="en-US" sz="1200" dirty="0">
-                <a:solidFill>
-                  <a:srgbClr val="3F7F5F"/>
-                </a:solidFill>
-                <a:latin typeface="Consolas"/>
-              </a:rPr>
-              <a:t>Clear </a:t>
-            </a:r>
-            <a:r>
-              <a:rPr lang="en-US" sz="1200" dirty="0" smtClean="0">
-                <a:solidFill>
-                  <a:srgbClr val="3F7F5F"/>
-                </a:solidFill>
-                <a:latin typeface="Consolas"/>
-              </a:rPr>
-              <a:t>rollover flag</a:t>
-            </a:r>
-            <a:endParaRPr lang="en-US" sz="1200" dirty="0">
-              <a:solidFill>
-                <a:srgbClr val="000000"/>
-              </a:solidFill>
-              <a:latin typeface="Consolas"/>
-            </a:endParaRPr>
-          </a:p>
-          <a:p>
-            <a:pPr marL="0" indent="0">
-              <a:buNone/>
-            </a:pPr>
-            <a:r>
-              <a:rPr lang="en-US" sz="1200" dirty="0">
-                <a:solidFill>
-                  <a:srgbClr val="000000"/>
-                </a:solidFill>
-                <a:latin typeface="Consolas"/>
-              </a:rPr>
-              <a:t>    P1OUT ^= BIT6</a:t>
-            </a:r>
-            <a:r>
-              <a:rPr lang="en-US" sz="1200" dirty="0" smtClean="0">
-                <a:solidFill>
-                  <a:srgbClr val="000000"/>
-                </a:solidFill>
-                <a:latin typeface="Consolas"/>
-              </a:rPr>
-              <a:t>;                </a:t>
-            </a:r>
-            <a:r>
-              <a:rPr lang="en-US" sz="1200" dirty="0" smtClean="0">
-                <a:solidFill>
-                  <a:srgbClr val="3F7F5F"/>
-                </a:solidFill>
-                <a:latin typeface="Consolas"/>
-              </a:rPr>
-              <a:t>// toggle LED</a:t>
-            </a:r>
-            <a:endParaRPr lang="en-US" sz="1200" dirty="0">
-              <a:solidFill>
-                <a:srgbClr val="000000"/>
-              </a:solidFill>
-              <a:latin typeface="Consolas"/>
-            </a:endParaRPr>
-          </a:p>
-          <a:p>
-            <a:pPr marL="0" indent="0">
-              <a:buNone/>
-            </a:pPr>
-            <a:r>
-              <a:rPr lang="en-US" sz="1200" dirty="0">
-                <a:solidFill>
-                  <a:srgbClr val="000000"/>
-                </a:solidFill>
-                <a:latin typeface="Consolas"/>
-              </a:rPr>
-              <a:t>    } </a:t>
-            </a:r>
-            <a:r>
-              <a:rPr lang="en-US" sz="1200" dirty="0">
-                <a:solidFill>
-                  <a:srgbClr val="3F7F5F"/>
-                </a:solidFill>
-                <a:latin typeface="Consolas"/>
-              </a:rPr>
-              <a:t>// end infinite </a:t>
-            </a:r>
-            <a:r>
-              <a:rPr lang="en-US" sz="1200" dirty="0" smtClean="0">
-                <a:solidFill>
-                  <a:srgbClr val="3F7F5F"/>
-                </a:solidFill>
-                <a:latin typeface="Consolas"/>
-              </a:rPr>
-              <a:t>loop</a:t>
-            </a:r>
-          </a:p>
-          <a:p>
-            <a:pPr marL="0" indent="0">
-              <a:buNone/>
-            </a:pPr>
-            <a:r>
-              <a:rPr lang="en-US" sz="1200" dirty="0" smtClean="0">
-                <a:solidFill>
-                  <a:srgbClr val="000000"/>
-                </a:solidFill>
-                <a:latin typeface="Consolas"/>
-                <a:ea typeface="Calibri"/>
-              </a:rPr>
-              <a:t>}</a:t>
-            </a:r>
-            <a:endParaRPr lang="en-US" sz="1200" dirty="0">
-              <a:effectLst/>
-              <a:latin typeface="Calibri"/>
-              <a:ea typeface="Calibri"/>
-            </a:endParaRPr>
+            </a:pPr>
+            <a:r>
+              <a:rPr lang="en-US" sz="2000" dirty="0" smtClean="0"/>
+              <a:t>without </a:t>
+            </a:r>
+            <a:r>
+              <a:rPr lang="en-US" sz="2000" dirty="0"/>
+              <a:t>Volume Control</a:t>
+            </a:r>
           </a:p>
         </p:txBody>
       </p:sp>
+      <p:pic>
+        <p:nvPicPr>
+          <p:cNvPr id="3074" name="Picture 2"/>
+          <p:cNvPicPr>
+            <a:picLocks noChangeAspect="1" noChangeArrowheads="1"/>
+          </p:cNvPicPr>
+          <p:nvPr/>
+        </p:nvPicPr>
+        <p:blipFill>
+          <a:blip r:embed="rId2">
+            <a:extLst>
+              <a:ext uri="{28A0092B-C50C-407E-A947-70E740481C1C}">
+                <a14:useLocalDpi xmlns:a14="http://schemas.microsoft.com/office/drawing/2010/main" val="0"/>
+              </a:ext>
+            </a:extLst>
+          </a:blip>
+          <a:srcRect/>
+          <a:stretch>
+            <a:fillRect/>
+          </a:stretch>
+        </p:blipFill>
+        <p:spPr bwMode="auto">
+          <a:xfrm>
+            <a:off x="609600" y="1450223"/>
+            <a:ext cx="7924800" cy="4667250"/>
+          </a:xfrm>
+          <a:prstGeom prst="rect">
+            <a:avLst/>
+          </a:prstGeom>
+          <a:noFill/>
+          <a:ln>
+            <a:noFill/>
+          </a:ln>
+          <a:extLst>
+            <a:ext uri="{909E8E84-426E-40DD-AFC4-6F175D3DCCD1}">
+              <a14:hiddenFill xmlns:a14="http://schemas.microsoft.com/office/drawing/2010/main">
+                <a:solidFill>
+                  <a:schemeClr val="accent1"/>
+                </a:solidFill>
+              </a14:hiddenFill>
+            </a:ext>
+            <a:ext uri="{91240B29-F687-4F45-9708-019B960494DF}">
+              <a14:hiddenLine xmlns:a14="http://schemas.microsoft.com/office/drawing/2010/main" w="9525">
+                <a:solidFill>
+                  <a:schemeClr val="tx1"/>
+                </a:solidFill>
+                <a:miter lim="800000"/>
+                <a:headEnd/>
+                <a:tailEnd/>
+              </a14:hiddenLine>
+            </a:ext>
+          </a:extLst>
+        </p:spPr>
+      </p:pic>
     </p:spTree>
     <p:extLst>
       <p:ext uri="{BB962C8B-B14F-4D97-AF65-F5344CB8AC3E}">
-        <p14:creationId xmlns:p14="http://schemas.microsoft.com/office/powerpoint/2010/main" val="3658817693"/>
+        <p14:creationId xmlns:p14="http://schemas.microsoft.com/office/powerpoint/2010/main" val="4102588970"/>
       </p:ext>
     </p:extLst>
   </p:cSld>
@@ -15161,7 +16155,7 @@
 </file>
 
 <file path=ppt/slides/slide23.xml><?xml version="1.0" encoding="utf-8"?>
-<p:sld xmlns:a="http://schemas.openxmlformats.org/drawingml/2006/main" xmlns:r="http://schemas.openxmlformats.org/officeDocument/2006/relationships" xmlns:p="http://schemas.openxmlformats.org/presentationml/2006/main" show="0">
+<p:sld xmlns:a="http://schemas.openxmlformats.org/drawingml/2006/main" xmlns:r="http://schemas.openxmlformats.org/officeDocument/2006/relationships" xmlns:p="http://schemas.openxmlformats.org/presentationml/2006/main">
   <p:cSld>
     <p:spTree>
       <p:nvGrpSpPr>
@@ -15193,1075 +16187,63 @@
           <a:lstStyle/>
           <a:p>
             <a:r>
-              <a:rPr lang="en-US" b="1" dirty="0" smtClean="0"/>
-              <a:t>Lesson 25 Interrupt - Example Code</a:t>
-            </a:r>
-            <a:endParaRPr lang="en-US" b="1" dirty="0"/>
+              <a:rPr lang="en-US" dirty="0" smtClean="0"/>
+              <a:t>In-Class Programming Exercise </a:t>
+            </a:r>
+            <a:endParaRPr lang="en-US" dirty="0"/>
           </a:p>
         </p:txBody>
       </p:sp>
       <p:sp>
         <p:nvSpPr>
-          <p:cNvPr id="5" name="Content Placeholder 2"/>
-          <p:cNvSpPr>
-            <a:spLocks noGrp="1"/>
-          </p:cNvSpPr>
-          <p:nvPr>
-            <p:ph idx="1"/>
-          </p:nvPr>
-        </p:nvSpPr>
-        <p:spPr>
-          <a:xfrm>
-            <a:off x="65118" y="757317"/>
-            <a:ext cx="8924336" cy="6087166"/>
-          </a:xfrm>
-          <a:solidFill>
-            <a:schemeClr val="bg1"/>
-          </a:solidFill>
-          <a:ln>
-            <a:solidFill>
-              <a:schemeClr val="tx1"/>
-            </a:solidFill>
-          </a:ln>
-        </p:spPr>
-        <p:txBody>
-          <a:bodyPr/>
-          <a:lstStyle/>
-          <a:p>
-            <a:pPr marL="0" indent="0">
-              <a:spcBef>
-                <a:spcPts val="0"/>
-              </a:spcBef>
-              <a:buNone/>
-            </a:pPr>
-            <a:r>
-              <a:rPr lang="en-US" sz="1200" b="1" dirty="0">
-                <a:solidFill>
-                  <a:srgbClr val="7F0055"/>
-                </a:solidFill>
-                <a:latin typeface="Consolas"/>
-              </a:rPr>
-              <a:t>#include</a:t>
-            </a:r>
-            <a:r>
-              <a:rPr lang="en-US" sz="1200" b="1" dirty="0">
-                <a:solidFill>
-                  <a:srgbClr val="000000"/>
-                </a:solidFill>
-                <a:latin typeface="Consolas"/>
-              </a:rPr>
-              <a:t> </a:t>
-            </a:r>
-            <a:r>
-              <a:rPr lang="en-US" sz="1200" b="1" dirty="0">
-                <a:solidFill>
-                  <a:srgbClr val="2A00FF"/>
-                </a:solidFill>
-                <a:latin typeface="Consolas"/>
-              </a:rPr>
-              <a:t>&lt;msp430.h&gt;</a:t>
-            </a:r>
-            <a:r>
-              <a:rPr lang="en-US" sz="1200" b="1" dirty="0">
-                <a:solidFill>
-                  <a:srgbClr val="000000"/>
-                </a:solidFill>
-                <a:latin typeface="Consolas"/>
-              </a:rPr>
-              <a:t> </a:t>
-            </a:r>
-          </a:p>
-          <a:p>
-            <a:pPr marL="0" indent="0">
-              <a:spcBef>
-                <a:spcPts val="0"/>
-              </a:spcBef>
-              <a:buNone/>
-            </a:pPr>
-            <a:r>
-              <a:rPr lang="en-US" sz="1200" b="1" dirty="0" smtClean="0">
-                <a:solidFill>
-                  <a:srgbClr val="7F0055"/>
-                </a:solidFill>
-                <a:latin typeface="Consolas"/>
-              </a:rPr>
-              <a:t>char</a:t>
-            </a:r>
-            <a:r>
-              <a:rPr lang="en-US" sz="1200" b="1" dirty="0" smtClean="0">
-                <a:solidFill>
-                  <a:srgbClr val="000000"/>
-                </a:solidFill>
-                <a:latin typeface="Consolas"/>
-              </a:rPr>
-              <a:t> </a:t>
-            </a:r>
-            <a:r>
-              <a:rPr lang="en-US" sz="1200" b="1" dirty="0">
-                <a:solidFill>
-                  <a:srgbClr val="000000"/>
-                </a:solidFill>
-                <a:latin typeface="Consolas"/>
-              </a:rPr>
-              <a:t>flag = 0;                  </a:t>
-            </a:r>
-            <a:r>
-              <a:rPr lang="en-US" sz="1200" b="1" dirty="0">
-                <a:solidFill>
-                  <a:srgbClr val="3F7F5F"/>
-                </a:solidFill>
-                <a:latin typeface="Consolas"/>
-              </a:rPr>
-              <a:t>// global variable to share info between main and ISR</a:t>
-            </a:r>
-          </a:p>
-          <a:p>
-            <a:pPr marL="0" indent="0">
-              <a:spcBef>
-                <a:spcPts val="0"/>
-              </a:spcBef>
-              <a:buNone/>
-            </a:pPr>
-            <a:r>
-              <a:rPr lang="en-US" sz="1200" b="1" dirty="0" smtClean="0">
-                <a:solidFill>
-                  <a:srgbClr val="7F0055"/>
-                </a:solidFill>
-                <a:latin typeface="Consolas"/>
-              </a:rPr>
-              <a:t>void</a:t>
-            </a:r>
-            <a:r>
-              <a:rPr lang="en-US" sz="1200" b="1" dirty="0" smtClean="0">
-                <a:solidFill>
-                  <a:srgbClr val="000000"/>
-                </a:solidFill>
-                <a:latin typeface="Consolas"/>
-              </a:rPr>
-              <a:t> </a:t>
-            </a:r>
-            <a:r>
-              <a:rPr lang="en-US" sz="1200" b="1" dirty="0">
-                <a:solidFill>
-                  <a:srgbClr val="000000"/>
-                </a:solidFill>
-                <a:latin typeface="Consolas"/>
-              </a:rPr>
-              <a:t>main(</a:t>
-            </a:r>
-            <a:r>
-              <a:rPr lang="en-US" sz="1200" b="1" dirty="0">
-                <a:solidFill>
-                  <a:srgbClr val="7F0055"/>
-                </a:solidFill>
-                <a:latin typeface="Consolas"/>
-              </a:rPr>
-              <a:t>void</a:t>
-            </a:r>
-            <a:r>
-              <a:rPr lang="en-US" sz="1200" b="1" dirty="0">
-                <a:solidFill>
-                  <a:srgbClr val="000000"/>
-                </a:solidFill>
-                <a:latin typeface="Consolas"/>
-              </a:rPr>
-              <a:t>)</a:t>
-            </a:r>
-          </a:p>
-          <a:p>
-            <a:pPr marL="0" indent="0">
-              <a:spcBef>
-                <a:spcPts val="0"/>
-              </a:spcBef>
-              <a:buNone/>
-            </a:pPr>
-            <a:r>
-              <a:rPr lang="en-US" sz="1200" dirty="0">
-                <a:solidFill>
-                  <a:srgbClr val="000000"/>
-                </a:solidFill>
-                <a:latin typeface="Consolas"/>
-              </a:rPr>
-              <a:t>{</a:t>
-            </a:r>
-          </a:p>
-          <a:p>
-            <a:pPr marL="0" indent="0">
-              <a:spcBef>
-                <a:spcPts val="0"/>
-              </a:spcBef>
-              <a:buNone/>
-            </a:pPr>
-            <a:r>
-              <a:rPr lang="en-US" sz="1200" dirty="0">
-                <a:solidFill>
-                  <a:srgbClr val="000000"/>
-                </a:solidFill>
-                <a:latin typeface="Consolas"/>
-              </a:rPr>
-              <a:t>    WDTCTL = WDTPW|WDTHOLD;     </a:t>
-            </a:r>
-            <a:r>
-              <a:rPr lang="en-US" sz="1200" dirty="0">
-                <a:solidFill>
-                  <a:srgbClr val="3F7F5F"/>
-                </a:solidFill>
-                <a:latin typeface="Consolas"/>
-              </a:rPr>
-              <a:t>// stop the watchdog timer</a:t>
-            </a:r>
-          </a:p>
-          <a:p>
-            <a:pPr marL="0" indent="0">
-              <a:spcBef>
-                <a:spcPts val="0"/>
-              </a:spcBef>
-              <a:buNone/>
-            </a:pPr>
-            <a:r>
-              <a:rPr lang="en-US" sz="1200" dirty="0" smtClean="0">
-                <a:solidFill>
-                  <a:srgbClr val="000000"/>
-                </a:solidFill>
-                <a:latin typeface="Consolas"/>
-              </a:rPr>
-              <a:t>    </a:t>
-            </a:r>
-            <a:r>
-              <a:rPr lang="en-US" sz="1200" dirty="0">
-                <a:solidFill>
-                  <a:srgbClr val="000000"/>
-                </a:solidFill>
-                <a:latin typeface="Consolas"/>
-              </a:rPr>
-              <a:t>P1DIR |= BIT0|BIT6;         </a:t>
-            </a:r>
-            <a:r>
-              <a:rPr lang="en-US" sz="1200" dirty="0">
-                <a:solidFill>
-                  <a:srgbClr val="3F7F5F"/>
-                </a:solidFill>
-                <a:latin typeface="Consolas"/>
-              </a:rPr>
-              <a:t>// set LEDs to output</a:t>
-            </a:r>
-          </a:p>
-          <a:p>
-            <a:pPr marL="0" indent="0">
-              <a:spcBef>
-                <a:spcPts val="0"/>
-              </a:spcBef>
-              <a:buNone/>
-            </a:pPr>
-            <a:r>
-              <a:rPr lang="en-US" sz="1200" dirty="0" smtClean="0">
-                <a:solidFill>
-                  <a:srgbClr val="000000"/>
-                </a:solidFill>
-                <a:latin typeface="Consolas"/>
-              </a:rPr>
-              <a:t>    TA0CTL &amp;= ~(MC1|MC0);        </a:t>
-            </a:r>
-            <a:r>
-              <a:rPr lang="en-US" sz="1200" dirty="0" smtClean="0">
-                <a:solidFill>
-                  <a:srgbClr val="3F7F5F"/>
-                </a:solidFill>
-                <a:latin typeface="Consolas"/>
-              </a:rPr>
-              <a:t>// stop timer</a:t>
-            </a:r>
-          </a:p>
-          <a:p>
-            <a:pPr marL="0" indent="0">
-              <a:spcBef>
-                <a:spcPts val="0"/>
-              </a:spcBef>
-              <a:buNone/>
-            </a:pPr>
-            <a:r>
-              <a:rPr lang="en-US" sz="1200" dirty="0" smtClean="0">
-                <a:solidFill>
-                  <a:srgbClr val="000000"/>
-                </a:solidFill>
-                <a:latin typeface="Consolas"/>
-              </a:rPr>
-              <a:t>    TA0CTL </a:t>
-            </a:r>
-            <a:r>
-              <a:rPr lang="en-US" sz="1200" dirty="0">
-                <a:solidFill>
-                  <a:srgbClr val="000000"/>
-                </a:solidFill>
-                <a:latin typeface="Consolas"/>
-              </a:rPr>
-              <a:t>|= TACLR;             </a:t>
-            </a:r>
-            <a:r>
-              <a:rPr lang="en-US" sz="1200" dirty="0">
-                <a:solidFill>
-                  <a:srgbClr val="3F7F5F"/>
-                </a:solidFill>
-                <a:latin typeface="Consolas"/>
-              </a:rPr>
-              <a:t>// clear </a:t>
-            </a:r>
-            <a:r>
-              <a:rPr lang="en-US" sz="1200" dirty="0" smtClean="0">
-                <a:solidFill>
-                  <a:srgbClr val="3F7F5F"/>
-                </a:solidFill>
-                <a:latin typeface="Consolas"/>
-              </a:rPr>
-              <a:t>TAR</a:t>
-            </a:r>
-          </a:p>
-          <a:p>
-            <a:pPr marL="0" indent="0">
-              <a:spcBef>
-                <a:spcPts val="0"/>
-              </a:spcBef>
-              <a:buNone/>
-            </a:pPr>
-            <a:r>
-              <a:rPr lang="en-US" sz="1200" dirty="0" smtClean="0">
-                <a:solidFill>
-                  <a:srgbClr val="3F7F5F"/>
-                </a:solidFill>
-                <a:latin typeface="Consolas"/>
-              </a:rPr>
-              <a:t>    </a:t>
-            </a:r>
-            <a:r>
-              <a:rPr lang="en-US" sz="1200" dirty="0" smtClean="0">
-                <a:solidFill>
-                  <a:srgbClr val="000000"/>
-                </a:solidFill>
-                <a:latin typeface="Consolas"/>
-              </a:rPr>
-              <a:t>TA0CTL </a:t>
-            </a:r>
-            <a:r>
-              <a:rPr lang="en-US" sz="1200" dirty="0">
-                <a:solidFill>
-                  <a:srgbClr val="000000"/>
-                </a:solidFill>
-                <a:latin typeface="Consolas"/>
-              </a:rPr>
-              <a:t>|= TASSEL_2;           </a:t>
-            </a:r>
-            <a:r>
-              <a:rPr lang="en-US" sz="1200" dirty="0">
-                <a:solidFill>
-                  <a:srgbClr val="3F7F5F"/>
-                </a:solidFill>
-                <a:latin typeface="Consolas"/>
-              </a:rPr>
-              <a:t>// configure for SMCLK - what's the frequency (roughly)?</a:t>
-            </a:r>
-          </a:p>
-          <a:p>
-            <a:pPr marL="0" indent="0">
-              <a:spcBef>
-                <a:spcPts val="0"/>
-              </a:spcBef>
-              <a:buNone/>
-            </a:pPr>
-            <a:r>
-              <a:rPr lang="en-US" sz="1200" dirty="0">
-                <a:solidFill>
-                  <a:srgbClr val="000000"/>
-                </a:solidFill>
-                <a:latin typeface="Consolas"/>
-              </a:rPr>
-              <a:t>    TA0CTL |= ID_3;         	  </a:t>
-            </a:r>
-            <a:r>
-              <a:rPr lang="en-US" sz="1200" dirty="0">
-                <a:solidFill>
-                  <a:srgbClr val="3F7F5F"/>
-                </a:solidFill>
-                <a:latin typeface="Consolas"/>
-              </a:rPr>
-              <a:t>// divide clock by 8 - what's the frequency of interrupt?</a:t>
-            </a:r>
-          </a:p>
-          <a:p>
-            <a:pPr marL="0" indent="0">
-              <a:spcBef>
-                <a:spcPts val="0"/>
-              </a:spcBef>
-              <a:buNone/>
-            </a:pPr>
-            <a:r>
-              <a:rPr lang="en-US" sz="1200" dirty="0">
-                <a:solidFill>
-                  <a:srgbClr val="000000"/>
-                </a:solidFill>
-                <a:latin typeface="Consolas"/>
-              </a:rPr>
-              <a:t>    TA0CTL &amp;= ~TAIFG;            </a:t>
-            </a:r>
-            <a:r>
-              <a:rPr lang="en-US" sz="1200" dirty="0">
-                <a:solidFill>
-                  <a:srgbClr val="3F7F5F"/>
-                </a:solidFill>
-                <a:latin typeface="Consolas"/>
-              </a:rPr>
-              <a:t>// clear interrupt flag</a:t>
-            </a:r>
-          </a:p>
-          <a:p>
-            <a:pPr marL="0" indent="0">
-              <a:spcBef>
-                <a:spcPts val="0"/>
-              </a:spcBef>
-              <a:buNone/>
-            </a:pPr>
-            <a:r>
-              <a:rPr lang="en-US" sz="1200" dirty="0">
-                <a:solidFill>
-                  <a:srgbClr val="000000"/>
-                </a:solidFill>
-                <a:latin typeface="Consolas"/>
-              </a:rPr>
-              <a:t>    TA0CTL |= MC_1;               </a:t>
-            </a:r>
-            <a:r>
-              <a:rPr lang="en-US" sz="1200" dirty="0">
-                <a:solidFill>
-                  <a:srgbClr val="3F7F5F"/>
-                </a:solidFill>
-                <a:latin typeface="Consolas"/>
-              </a:rPr>
-              <a:t>// set count mode to </a:t>
-            </a:r>
-            <a:r>
-              <a:rPr lang="en-US" sz="1200" dirty="0" smtClean="0">
-                <a:solidFill>
-                  <a:srgbClr val="3F7F5F"/>
-                </a:solidFill>
-                <a:latin typeface="Consolas"/>
-              </a:rPr>
-              <a:t>continuous</a:t>
-            </a:r>
-          </a:p>
-          <a:p>
-            <a:pPr marL="0" indent="0">
-              <a:spcBef>
-                <a:spcPts val="0"/>
-              </a:spcBef>
-              <a:buNone/>
-            </a:pPr>
-            <a:r>
-              <a:rPr lang="en-US" sz="1200" dirty="0" smtClean="0">
-                <a:solidFill>
-                  <a:srgbClr val="000000"/>
-                </a:solidFill>
-                <a:latin typeface="Consolas"/>
-              </a:rPr>
-              <a:t>    TA0CTL </a:t>
-            </a:r>
-            <a:r>
-              <a:rPr lang="en-US" sz="1200" dirty="0">
-                <a:solidFill>
-                  <a:srgbClr val="000000"/>
-                </a:solidFill>
-                <a:latin typeface="Consolas"/>
-              </a:rPr>
-              <a:t>|= TAIE;              </a:t>
-            </a:r>
-            <a:r>
-              <a:rPr lang="en-US" sz="1200" dirty="0">
-                <a:solidFill>
-                  <a:srgbClr val="3F7F5F"/>
-                </a:solidFill>
-                <a:latin typeface="Consolas"/>
-              </a:rPr>
-              <a:t>// enable interrupt</a:t>
-            </a:r>
-          </a:p>
-          <a:p>
-            <a:pPr marL="0" indent="0">
-              <a:spcBef>
-                <a:spcPts val="0"/>
-              </a:spcBef>
-              <a:buNone/>
-            </a:pPr>
-            <a:r>
-              <a:rPr lang="en-US" sz="1200" dirty="0" smtClean="0">
-                <a:solidFill>
-                  <a:srgbClr val="000000"/>
-                </a:solidFill>
-                <a:latin typeface="Consolas"/>
-              </a:rPr>
-              <a:t>    </a:t>
-            </a:r>
-            <a:r>
-              <a:rPr lang="en-US" sz="1200" b="1" dirty="0">
-                <a:solidFill>
-                  <a:srgbClr val="642880"/>
-                </a:solidFill>
-                <a:latin typeface="Consolas"/>
-              </a:rPr>
-              <a:t>__</a:t>
-            </a:r>
-            <a:r>
-              <a:rPr lang="en-US" sz="1200" b="1" dirty="0" err="1">
-                <a:solidFill>
-                  <a:srgbClr val="642880"/>
-                </a:solidFill>
-                <a:latin typeface="Consolas"/>
-              </a:rPr>
-              <a:t>enable_interrupt</a:t>
-            </a:r>
-            <a:r>
-              <a:rPr lang="en-US" sz="1200" b="1" dirty="0">
-                <a:solidFill>
-                  <a:srgbClr val="000000"/>
-                </a:solidFill>
-                <a:latin typeface="Consolas"/>
-              </a:rPr>
-              <a:t>();       </a:t>
-            </a:r>
-            <a:r>
-              <a:rPr lang="en-US" sz="1200" b="1" dirty="0">
-                <a:solidFill>
-                  <a:srgbClr val="3F7F5F"/>
-                </a:solidFill>
-                <a:latin typeface="Consolas"/>
-              </a:rPr>
-              <a:t>// enable </a:t>
-            </a:r>
-            <a:r>
-              <a:rPr lang="en-US" sz="1200" b="1" dirty="0" err="1">
-                <a:solidFill>
-                  <a:srgbClr val="3F7F5F"/>
-                </a:solidFill>
-                <a:latin typeface="Consolas"/>
-              </a:rPr>
-              <a:t>maskable</a:t>
-            </a:r>
-            <a:r>
-              <a:rPr lang="en-US" sz="1200" b="1" dirty="0">
-                <a:solidFill>
-                  <a:srgbClr val="3F7F5F"/>
-                </a:solidFill>
-                <a:latin typeface="Consolas"/>
-              </a:rPr>
-              <a:t> interrupts</a:t>
-            </a:r>
-          </a:p>
-          <a:p>
-            <a:pPr marL="0" indent="0">
-              <a:spcBef>
-                <a:spcPts val="0"/>
-              </a:spcBef>
-              <a:buNone/>
-            </a:pPr>
-            <a:r>
-              <a:rPr lang="en-US" sz="1200" dirty="0" smtClean="0">
-                <a:solidFill>
-                  <a:srgbClr val="000000"/>
-                </a:solidFill>
-                <a:latin typeface="Consolas"/>
-              </a:rPr>
-              <a:t>    </a:t>
-            </a:r>
-            <a:r>
-              <a:rPr lang="en-US" sz="1200" b="1" dirty="0" err="1">
-                <a:solidFill>
-                  <a:srgbClr val="7F0055"/>
-                </a:solidFill>
-                <a:latin typeface="Consolas"/>
-              </a:rPr>
-              <a:t>int</a:t>
-            </a:r>
-            <a:r>
-              <a:rPr lang="en-US" sz="1200" b="1" dirty="0">
-                <a:solidFill>
-                  <a:srgbClr val="000000"/>
-                </a:solidFill>
-                <a:latin typeface="Consolas"/>
-              </a:rPr>
-              <a:t> count = 0;</a:t>
-            </a:r>
-          </a:p>
-          <a:p>
-            <a:pPr marL="0" indent="0">
-              <a:spcBef>
-                <a:spcPts val="0"/>
-              </a:spcBef>
-              <a:buNone/>
-            </a:pPr>
-            <a:r>
-              <a:rPr lang="en-US" sz="1200" dirty="0" smtClean="0">
-                <a:solidFill>
-                  <a:srgbClr val="000000"/>
-                </a:solidFill>
-                <a:latin typeface="Consolas"/>
-              </a:rPr>
-              <a:t>    </a:t>
-            </a:r>
-            <a:r>
-              <a:rPr lang="en-US" sz="1200" b="1" dirty="0">
-                <a:solidFill>
-                  <a:srgbClr val="7F0055"/>
-                </a:solidFill>
-                <a:latin typeface="Consolas"/>
-              </a:rPr>
-              <a:t>while</a:t>
-            </a:r>
-            <a:r>
-              <a:rPr lang="en-US" sz="1200" b="1" dirty="0">
-                <a:solidFill>
-                  <a:srgbClr val="000000"/>
-                </a:solidFill>
-                <a:latin typeface="Consolas"/>
-              </a:rPr>
-              <a:t>(1)</a:t>
-            </a:r>
-          </a:p>
-          <a:p>
-            <a:pPr marL="0" indent="0">
-              <a:spcBef>
-                <a:spcPts val="0"/>
-              </a:spcBef>
-              <a:buNone/>
-            </a:pPr>
-            <a:r>
-              <a:rPr lang="en-US" sz="1200" dirty="0">
-                <a:solidFill>
-                  <a:srgbClr val="000000"/>
-                </a:solidFill>
-                <a:latin typeface="Consolas"/>
-              </a:rPr>
-              <a:t>    {</a:t>
-            </a:r>
-          </a:p>
-          <a:p>
-            <a:pPr marL="0" indent="0">
-              <a:spcBef>
-                <a:spcPts val="0"/>
-              </a:spcBef>
-              <a:buNone/>
-            </a:pPr>
-            <a:r>
-              <a:rPr lang="en-US" sz="1200" b="1" dirty="0">
-                <a:solidFill>
-                  <a:srgbClr val="000000"/>
-                </a:solidFill>
-                <a:latin typeface="Consolas"/>
-              </a:rPr>
-              <a:t>        </a:t>
-            </a:r>
-            <a:r>
-              <a:rPr lang="en-US" sz="1200" b="1" dirty="0">
-                <a:solidFill>
-                  <a:srgbClr val="3F7F5F"/>
-                </a:solidFill>
-                <a:latin typeface="Consolas"/>
-              </a:rPr>
-              <a:t>// do other useful stuff</a:t>
-            </a:r>
-          </a:p>
-          <a:p>
-            <a:pPr marL="0" indent="0">
-              <a:spcBef>
-                <a:spcPts val="0"/>
-              </a:spcBef>
-              <a:buNone/>
-            </a:pPr>
-            <a:endParaRPr lang="en-US" sz="1200" dirty="0">
-              <a:latin typeface="Consolas"/>
-            </a:endParaRPr>
-          </a:p>
-          <a:p>
-            <a:pPr marL="0" indent="0">
-              <a:spcBef>
-                <a:spcPts val="0"/>
-              </a:spcBef>
-              <a:buNone/>
-            </a:pPr>
-            <a:r>
-              <a:rPr lang="en-US" sz="1200" dirty="0">
-                <a:solidFill>
-                  <a:srgbClr val="000000"/>
-                </a:solidFill>
-                <a:latin typeface="Consolas"/>
-              </a:rPr>
-              <a:t>        </a:t>
-            </a:r>
-            <a:r>
-              <a:rPr lang="en-US" sz="1200" dirty="0">
-                <a:solidFill>
-                  <a:srgbClr val="3F7F5F"/>
-                </a:solidFill>
-                <a:latin typeface="Consolas"/>
-              </a:rPr>
-              <a:t>// respond to interrupt if it occurred</a:t>
-            </a:r>
-          </a:p>
-          <a:p>
-            <a:pPr marL="0" indent="0">
-              <a:spcBef>
-                <a:spcPts val="0"/>
-              </a:spcBef>
-              <a:buNone/>
-            </a:pPr>
-            <a:r>
-              <a:rPr lang="en-US" sz="1200" dirty="0">
-                <a:solidFill>
-                  <a:srgbClr val="000000"/>
-                </a:solidFill>
-                <a:latin typeface="Consolas"/>
-              </a:rPr>
-              <a:t>        </a:t>
-            </a:r>
-            <a:r>
-              <a:rPr lang="en-US" sz="1200" dirty="0">
-                <a:solidFill>
-                  <a:srgbClr val="3F7F5F"/>
-                </a:solidFill>
-                <a:latin typeface="Consolas"/>
-              </a:rPr>
-              <a:t>// flag is global variable used to share information between main and the ISR</a:t>
-            </a:r>
-          </a:p>
-          <a:p>
-            <a:pPr marL="0" indent="0">
-              <a:spcBef>
-                <a:spcPts val="0"/>
-              </a:spcBef>
-              <a:buNone/>
-            </a:pPr>
-            <a:r>
-              <a:rPr lang="en-US" sz="1200" dirty="0">
-                <a:solidFill>
-                  <a:srgbClr val="000000"/>
-                </a:solidFill>
-                <a:latin typeface="Consolas"/>
-              </a:rPr>
-              <a:t>        </a:t>
-            </a:r>
-            <a:r>
-              <a:rPr lang="en-US" sz="1200" b="1" dirty="0">
-                <a:solidFill>
-                  <a:srgbClr val="7F0055"/>
-                </a:solidFill>
-                <a:latin typeface="Consolas"/>
-              </a:rPr>
-              <a:t>if</a:t>
-            </a:r>
-            <a:r>
-              <a:rPr lang="en-US" sz="1200" b="1" dirty="0">
-                <a:solidFill>
-                  <a:srgbClr val="000000"/>
-                </a:solidFill>
-                <a:latin typeface="Consolas"/>
-              </a:rPr>
-              <a:t> (flag</a:t>
-            </a:r>
-            <a:r>
-              <a:rPr lang="en-US" sz="1200" b="1" dirty="0" smtClean="0">
-                <a:solidFill>
-                  <a:srgbClr val="000000"/>
-                </a:solidFill>
-                <a:latin typeface="Consolas"/>
-              </a:rPr>
-              <a:t>)</a:t>
-            </a:r>
-          </a:p>
-          <a:p>
-            <a:pPr marL="0" indent="0">
-              <a:spcBef>
-                <a:spcPts val="0"/>
-              </a:spcBef>
-              <a:buNone/>
-            </a:pPr>
-            <a:r>
-              <a:rPr lang="en-US" sz="1200" dirty="0" smtClean="0">
-                <a:solidFill>
-                  <a:srgbClr val="000000"/>
-                </a:solidFill>
-                <a:latin typeface="Consolas"/>
-              </a:rPr>
-              <a:t>        {</a:t>
-            </a:r>
-          </a:p>
-          <a:p>
-            <a:pPr marL="0" indent="0">
-              <a:spcBef>
-                <a:spcPts val="0"/>
-              </a:spcBef>
-              <a:buNone/>
-            </a:pPr>
-            <a:r>
-              <a:rPr lang="en-US" sz="1200" dirty="0" smtClean="0">
-                <a:solidFill>
-                  <a:srgbClr val="000000"/>
-                </a:solidFill>
-                <a:latin typeface="Consolas"/>
-              </a:rPr>
-              <a:t>            </a:t>
-            </a:r>
-            <a:r>
-              <a:rPr lang="en-US" sz="1200" dirty="0">
-                <a:solidFill>
-                  <a:srgbClr val="000000"/>
-                </a:solidFill>
-                <a:latin typeface="Consolas"/>
-              </a:rPr>
-              <a:t>flag = 0;</a:t>
-            </a:r>
-          </a:p>
-          <a:p>
-            <a:pPr marL="0" indent="0">
-              <a:spcBef>
-                <a:spcPts val="0"/>
-              </a:spcBef>
-              <a:buNone/>
-            </a:pPr>
-            <a:r>
-              <a:rPr lang="en-US" sz="1200" dirty="0">
-                <a:solidFill>
-                  <a:srgbClr val="000000"/>
-                </a:solidFill>
-                <a:latin typeface="Consolas"/>
-              </a:rPr>
-              <a:t>            P1OUT ^= BIT0;</a:t>
-            </a:r>
-          </a:p>
-          <a:p>
-            <a:pPr marL="0" indent="0">
-              <a:spcBef>
-                <a:spcPts val="0"/>
-              </a:spcBef>
-              <a:buNone/>
-            </a:pPr>
-            <a:r>
-              <a:rPr lang="en-US" sz="1200" dirty="0">
-                <a:solidFill>
-                  <a:srgbClr val="000000"/>
-                </a:solidFill>
-                <a:latin typeface="Consolas"/>
-              </a:rPr>
-              <a:t>            </a:t>
-            </a:r>
-            <a:r>
-              <a:rPr lang="en-US" sz="1200" b="1" dirty="0">
-                <a:solidFill>
-                  <a:srgbClr val="7F0055"/>
-                </a:solidFill>
-                <a:latin typeface="Consolas"/>
-              </a:rPr>
-              <a:t>if</a:t>
-            </a:r>
-            <a:r>
-              <a:rPr lang="en-US" sz="1200" b="1" dirty="0">
-                <a:solidFill>
-                  <a:srgbClr val="000000"/>
-                </a:solidFill>
-                <a:latin typeface="Consolas"/>
-              </a:rPr>
-              <a:t> (count)</a:t>
-            </a:r>
-          </a:p>
-          <a:p>
-            <a:pPr marL="0" indent="0">
-              <a:spcBef>
-                <a:spcPts val="0"/>
-              </a:spcBef>
-              <a:buNone/>
-            </a:pPr>
-            <a:r>
-              <a:rPr lang="en-US" sz="1200" dirty="0">
-                <a:solidFill>
-                  <a:srgbClr val="000000"/>
-                </a:solidFill>
-                <a:latin typeface="Consolas"/>
-              </a:rPr>
-              <a:t>            {</a:t>
-            </a:r>
-          </a:p>
-          <a:p>
-            <a:pPr marL="0" indent="0">
-              <a:spcBef>
-                <a:spcPts val="0"/>
-              </a:spcBef>
-              <a:buNone/>
-            </a:pPr>
-            <a:r>
-              <a:rPr lang="en-US" sz="1200" dirty="0">
-                <a:solidFill>
-                  <a:srgbClr val="000000"/>
-                </a:solidFill>
-                <a:latin typeface="Consolas"/>
-              </a:rPr>
-              <a:t>                P1OUT ^= BIT6;</a:t>
-            </a:r>
-          </a:p>
-          <a:p>
-            <a:pPr marL="0" indent="0">
-              <a:spcBef>
-                <a:spcPts val="0"/>
-              </a:spcBef>
-              <a:buNone/>
-            </a:pPr>
-            <a:r>
-              <a:rPr lang="en-US" sz="1200" dirty="0">
-                <a:solidFill>
-                  <a:srgbClr val="000000"/>
-                </a:solidFill>
-                <a:latin typeface="Consolas"/>
-              </a:rPr>
-              <a:t>                count = 0;</a:t>
-            </a:r>
-          </a:p>
-          <a:p>
-            <a:pPr marL="0" indent="0">
-              <a:spcBef>
-                <a:spcPts val="0"/>
-              </a:spcBef>
-              <a:buNone/>
-            </a:pPr>
-            <a:r>
-              <a:rPr lang="en-US" sz="1200" dirty="0">
-                <a:solidFill>
-                  <a:srgbClr val="000000"/>
-                </a:solidFill>
-                <a:latin typeface="Consolas"/>
-              </a:rPr>
-              <a:t>            } </a:t>
-            </a:r>
-            <a:r>
-              <a:rPr lang="en-US" sz="1200" b="1" dirty="0">
-                <a:solidFill>
-                  <a:srgbClr val="7F0055"/>
-                </a:solidFill>
-                <a:latin typeface="Consolas"/>
-              </a:rPr>
-              <a:t>else</a:t>
-            </a:r>
-          </a:p>
-          <a:p>
-            <a:pPr marL="0" indent="0">
-              <a:spcBef>
-                <a:spcPts val="0"/>
-              </a:spcBef>
-              <a:buNone/>
-            </a:pPr>
-            <a:r>
-              <a:rPr lang="en-US" sz="1200" dirty="0">
-                <a:solidFill>
-                  <a:srgbClr val="000000"/>
-                </a:solidFill>
-                <a:latin typeface="Consolas"/>
-              </a:rPr>
-              <a:t>                count++;</a:t>
-            </a:r>
-          </a:p>
-          <a:p>
-            <a:pPr marL="0" indent="0">
-              <a:spcBef>
-                <a:spcPts val="0"/>
-              </a:spcBef>
-              <a:buNone/>
-            </a:pPr>
-            <a:r>
-              <a:rPr lang="en-US" sz="1200" dirty="0">
-                <a:solidFill>
-                  <a:srgbClr val="000000"/>
-                </a:solidFill>
-                <a:latin typeface="Consolas"/>
-              </a:rPr>
-              <a:t>        }</a:t>
-            </a:r>
-          </a:p>
-          <a:p>
-            <a:pPr marL="0" indent="0">
-              <a:spcBef>
-                <a:spcPts val="0"/>
-              </a:spcBef>
-              <a:buNone/>
-            </a:pPr>
-            <a:r>
-              <a:rPr lang="en-US" sz="1200" dirty="0">
-                <a:solidFill>
-                  <a:srgbClr val="000000"/>
-                </a:solidFill>
-                <a:latin typeface="Consolas"/>
-              </a:rPr>
-              <a:t>    }</a:t>
-            </a:r>
-          </a:p>
-          <a:p>
-            <a:pPr marL="0" indent="0">
-              <a:spcBef>
-                <a:spcPts val="0"/>
-              </a:spcBef>
-              <a:buNone/>
-            </a:pPr>
-            <a:endParaRPr lang="en-US" sz="1200" dirty="0">
-              <a:latin typeface="Consolas"/>
-            </a:endParaRPr>
-          </a:p>
-          <a:p>
-            <a:pPr marL="0" indent="0">
-              <a:spcBef>
-                <a:spcPts val="0"/>
-              </a:spcBef>
-              <a:buNone/>
-            </a:pPr>
-            <a:r>
-              <a:rPr lang="en-US" sz="1200" dirty="0" smtClean="0">
-                <a:solidFill>
-                  <a:srgbClr val="000000"/>
-                </a:solidFill>
-                <a:latin typeface="Consolas"/>
-              </a:rPr>
-              <a:t>}</a:t>
-            </a:r>
-            <a:endParaRPr lang="en-US" sz="1200" dirty="0">
-              <a:solidFill>
-                <a:srgbClr val="000000"/>
-              </a:solidFill>
-              <a:latin typeface="Consolas"/>
-            </a:endParaRPr>
-          </a:p>
-          <a:p>
-            <a:pPr marL="0" indent="0">
-              <a:spcBef>
-                <a:spcPts val="0"/>
-              </a:spcBef>
-              <a:buNone/>
-            </a:pPr>
-            <a:endParaRPr lang="en-US" sz="1200" dirty="0">
-              <a:latin typeface="Consolas"/>
-            </a:endParaRPr>
-          </a:p>
-        </p:txBody>
-      </p:sp>
-      <p:sp>
-        <p:nvSpPr>
-          <p:cNvPr id="3" name="Rectangle 2"/>
+          <p:cNvPr id="4" name="Rectangle 3"/>
           <p:cNvSpPr/>
           <p:nvPr/>
         </p:nvSpPr>
         <p:spPr>
           <a:xfrm>
-            <a:off x="3568894" y="5459487"/>
-            <a:ext cx="5424985" cy="1384995"/>
+            <a:off x="2834053" y="1362842"/>
+            <a:ext cx="2861040" cy="461665"/>
           </a:xfrm>
           <a:prstGeom prst="rect">
             <a:avLst/>
           </a:prstGeom>
-          <a:ln>
-            <a:solidFill>
-              <a:schemeClr val="tx1"/>
-            </a:solidFill>
-          </a:ln>
+        </p:spPr>
+        <p:txBody>
+          <a:bodyPr wrap="none">
+            <a:spAutoFit/>
+          </a:bodyPr>
+          <a:lstStyle/>
+          <a:p>
+            <a:r>
+              <a:rPr lang="en-US" dirty="0"/>
+              <a:t>(see </a:t>
+            </a:r>
+            <a:r>
+              <a:rPr lang="en-US" dirty="0" err="1"/>
+              <a:t>interruptTones.c</a:t>
+            </a:r>
+            <a:r>
+              <a:rPr lang="en-US" dirty="0"/>
+              <a:t>)</a:t>
+            </a:r>
+          </a:p>
+        </p:txBody>
+      </p:sp>
+      <p:sp>
+        <p:nvSpPr>
+          <p:cNvPr id="7" name="Rectangle 6"/>
+          <p:cNvSpPr/>
+          <p:nvPr/>
+        </p:nvSpPr>
+        <p:spPr>
+          <a:xfrm>
+            <a:off x="0" y="5545033"/>
+            <a:ext cx="9144000" cy="707886"/>
+          </a:xfrm>
+          <a:prstGeom prst="rect">
+            <a:avLst/>
+          </a:prstGeom>
         </p:spPr>
         <p:txBody>
           <a:bodyPr wrap="square">
@@ -16269,236 +16251,297 @@
           </a:bodyPr>
           <a:lstStyle/>
           <a:p>
-            <a:pPr marL="0" indent="0">
+            <a:pPr algn="ctr">
               <a:spcBef>
                 <a:spcPts val="0"/>
               </a:spcBef>
-              <a:buNone/>
-            </a:pPr>
-            <a:r>
-              <a:rPr lang="en-US" sz="1200" dirty="0">
-                <a:solidFill>
-                  <a:srgbClr val="3F7F5F"/>
-                </a:solidFill>
-                <a:latin typeface="Consolas"/>
-              </a:rPr>
-              <a:t>// Flag for continuous counting is TAIFG</a:t>
-            </a:r>
-          </a:p>
-          <a:p>
-            <a:pPr marL="0" indent="0">
+            </a:pPr>
+            <a:r>
+              <a:rPr lang="en-US" sz="2000" dirty="0"/>
+              <a:t>Setup for the hooking up 3.5mm Audio Jack to the MSP430 Launchpad </a:t>
+            </a:r>
+            <a:r>
+              <a:rPr lang="en-US" sz="2000" dirty="0" smtClean="0"/>
+              <a:t>Board</a:t>
+            </a:r>
+          </a:p>
+          <a:p>
+            <a:pPr algn="ctr">
               <a:spcBef>
                 <a:spcPts val="0"/>
               </a:spcBef>
-              <a:buNone/>
-            </a:pPr>
-            <a:r>
-              <a:rPr lang="en-US" sz="1200" b="1" dirty="0">
-                <a:solidFill>
-                  <a:srgbClr val="7F0055"/>
-                </a:solidFill>
-                <a:latin typeface="Consolas"/>
-              </a:rPr>
-              <a:t>#pragma</a:t>
-            </a:r>
-            <a:r>
-              <a:rPr lang="en-US" sz="1200" b="1" dirty="0">
-                <a:solidFill>
-                  <a:srgbClr val="000000"/>
-                </a:solidFill>
-                <a:latin typeface="Consolas"/>
-              </a:rPr>
-              <a:t> vector=TIMER0_A1_VECTOR</a:t>
-            </a:r>
-          </a:p>
-          <a:p>
-            <a:pPr marL="0" indent="0">
-              <a:spcBef>
-                <a:spcPts val="0"/>
-              </a:spcBef>
-              <a:buNone/>
-            </a:pPr>
-            <a:r>
-              <a:rPr lang="en-US" sz="1200" b="1" dirty="0">
-                <a:solidFill>
-                  <a:srgbClr val="7F0055"/>
-                </a:solidFill>
-                <a:latin typeface="Consolas"/>
-              </a:rPr>
-              <a:t>__interrupt</a:t>
-            </a:r>
-            <a:r>
-              <a:rPr lang="en-US" sz="1200" b="1" dirty="0">
-                <a:solidFill>
-                  <a:srgbClr val="000000"/>
-                </a:solidFill>
-                <a:latin typeface="Consolas"/>
-              </a:rPr>
-              <a:t> </a:t>
-            </a:r>
-            <a:r>
-              <a:rPr lang="en-US" sz="1200" b="1" dirty="0">
-                <a:solidFill>
-                  <a:srgbClr val="7F0055"/>
-                </a:solidFill>
-                <a:latin typeface="Consolas"/>
-              </a:rPr>
-              <a:t>void</a:t>
-            </a:r>
-            <a:r>
-              <a:rPr lang="en-US" sz="1200" b="1" dirty="0">
-                <a:solidFill>
-                  <a:srgbClr val="000000"/>
-                </a:solidFill>
-                <a:latin typeface="Consolas"/>
-              </a:rPr>
-              <a:t> TIMER0_A1_ISR()</a:t>
-            </a:r>
-          </a:p>
-          <a:p>
-            <a:pPr marL="0" indent="0">
-              <a:spcBef>
-                <a:spcPts val="0"/>
-              </a:spcBef>
-              <a:buNone/>
-            </a:pPr>
-            <a:r>
-              <a:rPr lang="en-US" sz="1200" dirty="0">
-                <a:solidFill>
-                  <a:srgbClr val="000000"/>
-                </a:solidFill>
-                <a:latin typeface="Consolas"/>
-              </a:rPr>
-              <a:t>{</a:t>
-            </a:r>
-          </a:p>
-          <a:p>
-            <a:pPr marL="0" indent="0">
-              <a:spcBef>
-                <a:spcPts val="0"/>
-              </a:spcBef>
-              <a:buNone/>
-            </a:pPr>
-            <a:r>
-              <a:rPr lang="en-US" sz="1200" dirty="0">
-                <a:solidFill>
-                  <a:srgbClr val="000000"/>
-                </a:solidFill>
-                <a:latin typeface="Consolas"/>
-              </a:rPr>
-              <a:t>    </a:t>
-            </a:r>
-            <a:r>
-              <a:rPr lang="en-US" sz="1200" dirty="0" smtClean="0">
-                <a:solidFill>
-                  <a:srgbClr val="000000"/>
-                </a:solidFill>
-                <a:latin typeface="Consolas"/>
-              </a:rPr>
-              <a:t>TA0CTL </a:t>
-            </a:r>
-            <a:r>
-              <a:rPr lang="en-US" sz="1200" dirty="0">
-                <a:solidFill>
-                  <a:srgbClr val="000000"/>
-                </a:solidFill>
-                <a:latin typeface="Consolas"/>
-              </a:rPr>
-              <a:t>&amp;= ~TAIFG;            </a:t>
-            </a:r>
-            <a:r>
-              <a:rPr lang="en-US" sz="1200" dirty="0">
-                <a:solidFill>
-                  <a:srgbClr val="3F7F5F"/>
-                </a:solidFill>
-                <a:latin typeface="Consolas"/>
-              </a:rPr>
-              <a:t>// clear interrupt flag</a:t>
-            </a:r>
-          </a:p>
-          <a:p>
-            <a:pPr marL="0" indent="0">
-              <a:spcBef>
-                <a:spcPts val="0"/>
-              </a:spcBef>
-              <a:buNone/>
-            </a:pPr>
-            <a:r>
-              <a:rPr lang="en-US" sz="1200" dirty="0">
-                <a:solidFill>
-                  <a:srgbClr val="000000"/>
-                </a:solidFill>
-                <a:latin typeface="Consolas"/>
-              </a:rPr>
-              <a:t>    flag = 1;</a:t>
-            </a:r>
-          </a:p>
-          <a:p>
-            <a:pPr marL="0" indent="0">
-              <a:spcBef>
-                <a:spcPts val="0"/>
-              </a:spcBef>
-              <a:buNone/>
-            </a:pPr>
-            <a:r>
-              <a:rPr lang="en-US" sz="1200" dirty="0">
-                <a:solidFill>
-                  <a:srgbClr val="000000"/>
-                </a:solidFill>
-                <a:latin typeface="Consolas"/>
-              </a:rPr>
-              <a:t>}</a:t>
-            </a:r>
+            </a:pPr>
+            <a:r>
+              <a:rPr lang="en-US" sz="2000" dirty="0" smtClean="0"/>
+              <a:t>with Volume Control</a:t>
+            </a:r>
+            <a:endParaRPr lang="en-US" sz="2000" dirty="0"/>
           </a:p>
         </p:txBody>
       </p:sp>
-      <p:cxnSp>
-        <p:nvCxnSpPr>
-          <p:cNvPr id="6" name="Straight Arrow Connector 5"/>
-          <p:cNvCxnSpPr>
-            <a:stCxn id="3" idx="1"/>
-          </p:cNvCxnSpPr>
+      <p:pic>
+        <p:nvPicPr>
+          <p:cNvPr id="8" name="Picture 2"/>
+          <p:cNvPicPr>
+            <a:picLocks noChangeAspect="1" noChangeArrowheads="1"/>
+          </p:cNvPicPr>
           <p:nvPr/>
-        </p:nvCxnSpPr>
+        </p:nvPicPr>
+        <p:blipFill>
+          <a:blip r:embed="rId2">
+            <a:extLst>
+              <a:ext uri="{28A0092B-C50C-407E-A947-70E740481C1C}">
+                <a14:useLocalDpi xmlns:a14="http://schemas.microsoft.com/office/drawing/2010/main" val="0"/>
+              </a:ext>
+            </a:extLst>
+          </a:blip>
+          <a:srcRect/>
+          <a:stretch>
+            <a:fillRect/>
+          </a:stretch>
+        </p:blipFill>
         <p:spPr bwMode="auto">
-          <a:xfrm flipH="1">
-            <a:off x="914390" y="6151985"/>
-            <a:ext cx="2654504" cy="651553"/>
+          <a:xfrm>
+            <a:off x="1324302" y="1824507"/>
+            <a:ext cx="6259383" cy="3530122"/>
           </a:xfrm>
-          <a:prstGeom prst="straightConnector1">
+          <a:prstGeom prst="rect">
             <a:avLst/>
           </a:prstGeom>
           <a:noFill/>
-          <a:ln w="9525" cap="flat" cmpd="sng" algn="ctr">
-            <a:solidFill>
-              <a:schemeClr val="tx1"/>
-            </a:solidFill>
-            <a:prstDash val="solid"/>
-            <a:round/>
-            <a:headEnd type="none" w="med" len="med"/>
-            <a:tailEnd type="triangle"/>
+          <a:ln>
+            <a:noFill/>
           </a:ln>
-          <a:effectLst/>
+          <a:extLst>
+            <a:ext uri="{909E8E84-426E-40DD-AFC4-6F175D3DCCD1}">
+              <a14:hiddenFill xmlns:a14="http://schemas.microsoft.com/office/drawing/2010/main">
+                <a:solidFill>
+                  <a:schemeClr val="accent1"/>
+                </a:solidFill>
+              </a14:hiddenFill>
+            </a:ext>
+            <a:ext uri="{91240B29-F687-4F45-9708-019B960494DF}">
+              <a14:hiddenLine xmlns:a14="http://schemas.microsoft.com/office/drawing/2010/main" w="9525">
+                <a:solidFill>
+                  <a:schemeClr val="tx1"/>
+                </a:solidFill>
+                <a:miter lim="800000"/>
+                <a:headEnd/>
+                <a:tailEnd/>
+              </a14:hiddenLine>
+            </a:ext>
+          </a:extLst>
         </p:spPr>
-      </p:cxnSp>
+      </p:pic>
     </p:spTree>
     <p:extLst>
       <p:ext uri="{BB962C8B-B14F-4D97-AF65-F5344CB8AC3E}">
-        <p14:creationId xmlns:p14="http://schemas.microsoft.com/office/powerpoint/2010/main" val="1692932088"/>
+        <p14:creationId xmlns:p14="http://schemas.microsoft.com/office/powerpoint/2010/main" val="3543331703"/>
       </p:ext>
     </p:extLst>
   </p:cSld>
   <p:clrMapOvr>
     <a:masterClrMapping/>
   </p:clrMapOvr>
-  <mc:AlternateContent xmlns:mc="http://schemas.openxmlformats.org/markup-compatibility/2006" xmlns:p14="http://schemas.microsoft.com/office/powerpoint/2010/main">
-    <mc:Choice Requires="p14">
-      <p:transition spd="slow" p14:dur="2000"/>
-    </mc:Choice>
-    <mc:Fallback xmlns="">
-      <p:transition spd="slow"/>
-    </mc:Fallback>
-  </mc:AlternateContent>
+  <p:timing>
+    <p:tnLst>
+      <p:par>
+        <p:cTn id="1" dur="indefinite" restart="never" nodeType="tmRoot"/>
+      </p:par>
+    </p:tnLst>
+  </p:timing>
+</p:sld>
+</file>
+
+<file path=ppt/slides/slide24.xml><?xml version="1.0" encoding="utf-8"?>
+<p:sld xmlns:a="http://schemas.openxmlformats.org/drawingml/2006/main" xmlns:r="http://schemas.openxmlformats.org/officeDocument/2006/relationships" xmlns:p="http://schemas.openxmlformats.org/presentationml/2006/main">
+  <p:cSld>
+    <p:spTree>
+      <p:nvGrpSpPr>
+        <p:cNvPr id="1" name=""/>
+        <p:cNvGrpSpPr/>
+        <p:nvPr/>
+      </p:nvGrpSpPr>
+      <p:grpSpPr>
+        <a:xfrm>
+          <a:off x="0" y="0"/>
+          <a:ext cx="0" cy="0"/>
+          <a:chOff x="0" y="0"/>
+          <a:chExt cx="0" cy="0"/>
+        </a:xfrm>
+      </p:grpSpPr>
+      <p:sp>
+        <p:nvSpPr>
+          <p:cNvPr id="2" name="Title 1"/>
+          <p:cNvSpPr>
+            <a:spLocks noGrp="1"/>
+          </p:cNvSpPr>
+          <p:nvPr>
+            <p:ph type="title"/>
+          </p:nvPr>
+        </p:nvSpPr>
+        <p:spPr/>
+        <p:txBody>
+          <a:bodyPr/>
+          <a:lstStyle/>
+          <a:p>
+            <a:r>
+              <a:rPr lang="en-US" dirty="0" smtClean="0"/>
+              <a:t>In-Class Programming Exercise </a:t>
+            </a:r>
+            <a:endParaRPr lang="en-US" dirty="0"/>
+          </a:p>
+        </p:txBody>
+      </p:sp>
+      <p:sp>
+        <p:nvSpPr>
+          <p:cNvPr id="4" name="Rectangle 3"/>
+          <p:cNvSpPr/>
+          <p:nvPr/>
+        </p:nvSpPr>
+        <p:spPr>
+          <a:xfrm>
+            <a:off x="3212424" y="1459683"/>
+            <a:ext cx="2861040" cy="461665"/>
+          </a:xfrm>
+          <a:prstGeom prst="rect">
+            <a:avLst/>
+          </a:prstGeom>
+        </p:spPr>
+        <p:txBody>
+          <a:bodyPr wrap="none">
+            <a:spAutoFit/>
+          </a:bodyPr>
+          <a:lstStyle/>
+          <a:p>
+            <a:r>
+              <a:rPr lang="en-US" dirty="0"/>
+              <a:t>(see </a:t>
+            </a:r>
+            <a:r>
+              <a:rPr lang="en-US" dirty="0" err="1"/>
+              <a:t>interruptTones.c</a:t>
+            </a:r>
+            <a:r>
+              <a:rPr lang="en-US" dirty="0"/>
+              <a:t>)</a:t>
+            </a:r>
+          </a:p>
+        </p:txBody>
+      </p:sp>
+      <p:sp>
+        <p:nvSpPr>
+          <p:cNvPr id="7" name="Rectangle 6"/>
+          <p:cNvSpPr/>
+          <p:nvPr/>
+        </p:nvSpPr>
+        <p:spPr>
+          <a:xfrm>
+            <a:off x="-86710" y="5730740"/>
+            <a:ext cx="9144000" cy="707886"/>
+          </a:xfrm>
+          <a:prstGeom prst="rect">
+            <a:avLst/>
+          </a:prstGeom>
+        </p:spPr>
+        <p:txBody>
+          <a:bodyPr wrap="square">
+            <a:spAutoFit/>
+          </a:bodyPr>
+          <a:lstStyle/>
+          <a:p>
+            <a:pPr algn="ctr">
+              <a:spcBef>
+                <a:spcPts val="0"/>
+              </a:spcBef>
+            </a:pPr>
+            <a:r>
+              <a:rPr lang="en-US" sz="2000" dirty="0"/>
+              <a:t>Setup for the hooking up 3.5mm Audio Jack to the MSP430 Launchpad </a:t>
+            </a:r>
+            <a:r>
+              <a:rPr lang="en-US" sz="2000" dirty="0" smtClean="0"/>
+              <a:t>Board</a:t>
+            </a:r>
+          </a:p>
+          <a:p>
+            <a:pPr algn="ctr">
+              <a:spcBef>
+                <a:spcPts val="0"/>
+              </a:spcBef>
+            </a:pPr>
+            <a:r>
+              <a:rPr lang="en-US" sz="2000" dirty="0" smtClean="0"/>
+              <a:t>with Volume Control</a:t>
+            </a:r>
+            <a:endParaRPr lang="en-US" sz="2000" dirty="0"/>
+          </a:p>
+        </p:txBody>
+      </p:sp>
+      <p:pic>
+        <p:nvPicPr>
+          <p:cNvPr id="4098" name="Picture 2"/>
+          <p:cNvPicPr>
+            <a:picLocks noChangeAspect="1" noChangeArrowheads="1"/>
+          </p:cNvPicPr>
+          <p:nvPr/>
+        </p:nvPicPr>
+        <p:blipFill>
+          <a:blip r:embed="rId2">
+            <a:extLst>
+              <a:ext uri="{28A0092B-C50C-407E-A947-70E740481C1C}">
+                <a14:useLocalDpi xmlns:a14="http://schemas.microsoft.com/office/drawing/2010/main" val="0"/>
+              </a:ext>
+            </a:extLst>
+          </a:blip>
+          <a:srcRect/>
+          <a:stretch>
+            <a:fillRect/>
+          </a:stretch>
+        </p:blipFill>
+        <p:spPr bwMode="auto">
+          <a:xfrm>
+            <a:off x="788276" y="1921348"/>
+            <a:ext cx="7593097" cy="3878997"/>
+          </a:xfrm>
+          <a:prstGeom prst="rect">
+            <a:avLst/>
+          </a:prstGeom>
+          <a:noFill/>
+          <a:ln>
+            <a:noFill/>
+          </a:ln>
+          <a:extLst>
+            <a:ext uri="{909E8E84-426E-40DD-AFC4-6F175D3DCCD1}">
+              <a14:hiddenFill xmlns:a14="http://schemas.microsoft.com/office/drawing/2010/main">
+                <a:solidFill>
+                  <a:schemeClr val="accent1"/>
+                </a:solidFill>
+              </a14:hiddenFill>
+            </a:ext>
+            <a:ext uri="{91240B29-F687-4F45-9708-019B960494DF}">
+              <a14:hiddenLine xmlns:a14="http://schemas.microsoft.com/office/drawing/2010/main" w="9525">
+                <a:solidFill>
+                  <a:schemeClr val="tx1"/>
+                </a:solidFill>
+                <a:miter lim="800000"/>
+                <a:headEnd/>
+                <a:tailEnd/>
+              </a14:hiddenLine>
+            </a:ext>
+          </a:extLst>
+        </p:spPr>
+      </p:pic>
+    </p:spTree>
+    <p:extLst>
+      <p:ext uri="{BB962C8B-B14F-4D97-AF65-F5344CB8AC3E}">
+        <p14:creationId xmlns:p14="http://schemas.microsoft.com/office/powerpoint/2010/main" val="3999124884"/>
+      </p:ext>
+    </p:extLst>
+  </p:cSld>
+  <p:clrMapOvr>
+    <a:masterClrMapping/>
+  </p:clrMapOvr>
   <p:timing>
     <p:tnLst>
       <p:par>

--- a/source/lessons/lsn24-25/Lsn24-25.pptx
+++ b/source/lessons/lsn24-25/Lsn24-25.pptx
@@ -1940,7 +1940,7 @@
           <a:p>
             <a:fld id="{834513E8-165F-4932-9E2D-FD497CB9A4FD}" type="datetimeFigureOut">
               <a:rPr lang="en-US" smtClean="0"/>
-              <a:t>8/16/2018</a:t>
+              <a:t>10/12/2018</a:t>
             </a:fld>
             <a:endParaRPr lang="en-US"/>
           </a:p>
@@ -2217,7 +2217,7 @@
           <a:p>
             <a:fld id="{834513E8-165F-4932-9E2D-FD497CB9A4FD}" type="datetimeFigureOut">
               <a:rPr lang="en-US" smtClean="0"/>
-              <a:t>8/16/2018</a:t>
+              <a:t>10/12/2018</a:t>
             </a:fld>
             <a:endParaRPr lang="en-US"/>
           </a:p>
@@ -2470,7 +2470,7 @@
           <a:p>
             <a:fld id="{834513E8-165F-4932-9E2D-FD497CB9A4FD}" type="datetimeFigureOut">
               <a:rPr lang="en-US" smtClean="0"/>
-              <a:t>8/16/2018</a:t>
+              <a:t>10/12/2018</a:t>
             </a:fld>
             <a:endParaRPr lang="en-US"/>
           </a:p>
@@ -2640,7 +2640,7 @@
           <a:p>
             <a:fld id="{834513E8-165F-4932-9E2D-FD497CB9A4FD}" type="datetimeFigureOut">
               <a:rPr lang="en-US" smtClean="0"/>
-              <a:t>8/16/2018</a:t>
+              <a:t>10/12/2018</a:t>
             </a:fld>
             <a:endParaRPr lang="en-US"/>
           </a:p>
@@ -2820,7 +2820,7 @@
           <a:p>
             <a:fld id="{834513E8-165F-4932-9E2D-FD497CB9A4FD}" type="datetimeFigureOut">
               <a:rPr lang="en-US" smtClean="0"/>
-              <a:t>8/16/2018</a:t>
+              <a:t>10/12/2018</a:t>
             </a:fld>
             <a:endParaRPr lang="en-US"/>
           </a:p>
@@ -3564,7 +3564,7 @@
           <a:p>
             <a:fld id="{834513E8-165F-4932-9E2D-FD497CB9A4FD}" type="datetimeFigureOut">
               <a:rPr lang="en-US" smtClean="0"/>
-              <a:t>8/16/2018</a:t>
+              <a:t>10/12/2018</a:t>
             </a:fld>
             <a:endParaRPr lang="en-US"/>
           </a:p>
@@ -3734,7 +3734,7 @@
           <a:p>
             <a:fld id="{834513E8-165F-4932-9E2D-FD497CB9A4FD}" type="datetimeFigureOut">
               <a:rPr lang="en-US" smtClean="0"/>
-              <a:t>8/16/2018</a:t>
+              <a:t>10/12/2018</a:t>
             </a:fld>
             <a:endParaRPr lang="en-US"/>
           </a:p>
@@ -3980,7 +3980,7 @@
           <a:p>
             <a:fld id="{834513E8-165F-4932-9E2D-FD497CB9A4FD}" type="datetimeFigureOut">
               <a:rPr lang="en-US" smtClean="0"/>
-              <a:t>8/16/2018</a:t>
+              <a:t>10/12/2018</a:t>
             </a:fld>
             <a:endParaRPr lang="en-US"/>
           </a:p>
@@ -4212,7 +4212,7 @@
           <a:p>
             <a:fld id="{834513E8-165F-4932-9E2D-FD497CB9A4FD}" type="datetimeFigureOut">
               <a:rPr lang="en-US" smtClean="0"/>
-              <a:t>8/16/2018</a:t>
+              <a:t>10/12/2018</a:t>
             </a:fld>
             <a:endParaRPr lang="en-US"/>
           </a:p>
@@ -4579,7 +4579,7 @@
           <a:p>
             <a:fld id="{834513E8-165F-4932-9E2D-FD497CB9A4FD}" type="datetimeFigureOut">
               <a:rPr lang="en-US" smtClean="0"/>
-              <a:t>8/16/2018</a:t>
+              <a:t>10/12/2018</a:t>
             </a:fld>
             <a:endParaRPr lang="en-US"/>
           </a:p>
@@ -4697,7 +4697,7 @@
           <a:p>
             <a:fld id="{834513E8-165F-4932-9E2D-FD497CB9A4FD}" type="datetimeFigureOut">
               <a:rPr lang="en-US" smtClean="0"/>
-              <a:t>8/16/2018</a:t>
+              <a:t>10/12/2018</a:t>
             </a:fld>
             <a:endParaRPr lang="en-US"/>
           </a:p>
@@ -6513,7 +6513,7 @@
           <a:p>
             <a:fld id="{834513E8-165F-4932-9E2D-FD497CB9A4FD}" type="datetimeFigureOut">
               <a:rPr lang="en-US" smtClean="0"/>
-              <a:t>8/16/2018</a:t>
+              <a:t>10/12/2018</a:t>
             </a:fld>
             <a:endParaRPr lang="en-US"/>
           </a:p>
@@ -9863,15 +9863,7 @@
                   <a:srgbClr val="FF0000"/>
                 </a:solidFill>
               </a:rPr>
-              <a:t>Caution:  Spend as little time as possible inside an ISR</a:t>
-            </a:r>
-            <a:r>
-              <a:rPr lang="en-US" sz="2000" dirty="0" smtClean="0">
-                <a:solidFill>
-                  <a:srgbClr val="FF0000"/>
-                </a:solidFill>
-              </a:rPr>
-              <a:t>! Why do you think I say this?</a:t>
+              <a:t>Caution:  Spend as little time as possible inside an ISR! Why do you think I say this?</a:t>
             </a:r>
             <a:endParaRPr lang="en-US" sz="2000" dirty="0">
               <a:solidFill>
@@ -10313,6 +10305,99 @@
           </a:p>
         </p:txBody>
       </p:sp>
+      <p:sp>
+        <p:nvSpPr>
+          <p:cNvPr id="4" name="Right Brace 3"/>
+          <p:cNvSpPr/>
+          <p:nvPr/>
+        </p:nvSpPr>
+        <p:spPr bwMode="auto">
+          <a:xfrm>
+            <a:off x="6960476" y="2916621"/>
+            <a:ext cx="772510" cy="3019096"/>
+          </a:xfrm>
+          <a:prstGeom prst="rightBrace">
+            <a:avLst/>
+          </a:prstGeom>
+          <a:noFill/>
+          <a:ln w="12700" cap="flat" cmpd="sng" algn="ctr">
+            <a:solidFill>
+              <a:schemeClr val="tx1"/>
+            </a:solidFill>
+            <a:prstDash val="solid"/>
+            <a:round/>
+            <a:headEnd type="none" w="med" len="med"/>
+            <a:tailEnd type="none" w="med" len="med"/>
+          </a:ln>
+          <a:effectLst/>
+        </p:spPr>
+        <p:txBody>
+          <a:bodyPr vert="horz" wrap="square" lIns="91440" tIns="45720" rIns="91440" bIns="45720" numCol="1" rtlCol="0" anchor="t" anchorCtr="0" compatLnSpc="1">
+            <a:prstTxWarp prst="textNoShape">
+              <a:avLst/>
+            </a:prstTxWarp>
+          </a:bodyPr>
+          <a:lstStyle/>
+          <a:p>
+            <a:pPr marL="0" marR="0" indent="0" algn="ctr" defTabSz="914400" rtl="0" eaLnBrk="0" fontAlgn="base" latinLnBrk="0" hangingPunct="0">
+              <a:lnSpc>
+                <a:spcPct val="100000"/>
+              </a:lnSpc>
+              <a:spcBef>
+                <a:spcPct val="0"/>
+              </a:spcBef>
+              <a:spcAft>
+                <a:spcPct val="0"/>
+              </a:spcAft>
+              <a:buClrTx/>
+              <a:buSzTx/>
+              <a:buFontTx/>
+              <a:buNone/>
+              <a:tabLst/>
+            </a:pPr>
+            <a:endParaRPr kumimoji="0" lang="en-US" sz="1600" b="0" i="0" u="none" strike="noStrike" cap="none" normalizeH="0" baseline="0" smtClean="0">
+              <a:ln>
+                <a:noFill/>
+              </a:ln>
+              <a:solidFill>
+                <a:schemeClr val="tx1"/>
+              </a:solidFill>
+              <a:effectLst/>
+              <a:latin typeface="Arial" charset="0"/>
+            </a:endParaRPr>
+          </a:p>
+        </p:txBody>
+      </p:sp>
+      <p:sp>
+        <p:nvSpPr>
+          <p:cNvPr id="5" name="TextBox 4"/>
+          <p:cNvSpPr txBox="1"/>
+          <p:nvPr/>
+        </p:nvSpPr>
+        <p:spPr>
+          <a:xfrm>
+            <a:off x="7732987" y="4195336"/>
+            <a:ext cx="893193" cy="461665"/>
+          </a:xfrm>
+          <a:prstGeom prst="rect">
+            <a:avLst/>
+          </a:prstGeom>
+          <a:noFill/>
+        </p:spPr>
+        <p:txBody>
+          <a:bodyPr wrap="none" rtlCol="0">
+            <a:spAutoFit/>
+          </a:bodyPr>
+          <a:lstStyle/>
+          <a:p>
+            <a:r>
+              <a:rPr lang="en-US" dirty="0" smtClean="0"/>
+              <a:t>Lab 3</a:t>
+            </a:r>
+            <a:endParaRPr lang="en-US" dirty="0"/>
+          </a:p>
+        </p:txBody>
+      </p:sp>
     </p:spTree>
     <p:extLst>
       <p:ext uri="{BB962C8B-B14F-4D97-AF65-F5344CB8AC3E}">
@@ -11387,17 +11472,7 @@
                 <a:latin typeface="Courier New" pitchFamily="49" charset="0"/>
                 <a:cs typeface="Courier New" pitchFamily="49" charset="0"/>
               </a:rPr>
-              <a:t>oid main(void</a:t>
-            </a:r>
-            <a:r>
-              <a:rPr lang="en-US" sz="1400" b="1" dirty="0" smtClean="0">
-                <a:solidFill>
-                  <a:schemeClr val="accent2"/>
-                </a:solidFill>
-                <a:latin typeface="Courier New" pitchFamily="49" charset="0"/>
-                <a:cs typeface="Courier New" pitchFamily="49" charset="0"/>
-              </a:rPr>
-              <a:t>) {</a:t>
+              <a:t>oid main(void) {</a:t>
             </a:r>
             <a:endParaRPr lang="en-US" sz="1400" b="1" dirty="0">
               <a:solidFill>
@@ -12520,17 +12595,7 @@
                 <a:latin typeface="Courier New" pitchFamily="49" charset="0"/>
                 <a:cs typeface="Courier New" pitchFamily="49" charset="0"/>
               </a:rPr>
-              <a:t>; </a:t>
-            </a:r>
-            <a:r>
-              <a:rPr lang="en-US" sz="1200" b="1" kern="0" dirty="0" smtClean="0">
-                <a:solidFill>
-                  <a:schemeClr val="accent2"/>
-                </a:solidFill>
-                <a:latin typeface="Courier New" pitchFamily="49" charset="0"/>
-                <a:cs typeface="Courier New" pitchFamily="49" charset="0"/>
-              </a:rPr>
-              <a:t>  </a:t>
+              <a:t>;   </a:t>
             </a:r>
             <a:r>
               <a:rPr lang="en-US" sz="1200" b="1" kern="0" dirty="0" smtClean="0">
@@ -12673,17 +12738,7 @@
                 <a:latin typeface="Courier New" pitchFamily="49" charset="0"/>
                 <a:cs typeface="Courier New" pitchFamily="49" charset="0"/>
               </a:rPr>
-              <a:t> </a:t>
-            </a:r>
-            <a:r>
-              <a:rPr lang="en-US" sz="1200" b="1" kern="0" dirty="0" smtClean="0">
-                <a:solidFill>
-                  <a:schemeClr val="accent2"/>
-                </a:solidFill>
-                <a:latin typeface="Courier New" pitchFamily="49" charset="0"/>
-                <a:cs typeface="Courier New" pitchFamily="49" charset="0"/>
-              </a:rPr>
-              <a:t> </a:t>
+              <a:t>  </a:t>
             </a:r>
             <a:r>
               <a:rPr lang="en-US" sz="1200" b="1" kern="0" dirty="0" smtClean="0">
@@ -12833,27 +12888,7 @@
                 <a:latin typeface="Courier New" pitchFamily="49" charset="0"/>
                 <a:cs typeface="Courier New" pitchFamily="49" charset="0"/>
               </a:rPr>
-              <a:t>                     </a:t>
-            </a:r>
-            <a:r>
-              <a:rPr lang="en-US" sz="1200" b="1" kern="0" dirty="0" smtClean="0">
-                <a:solidFill>
-                  <a:srgbClr val="00B050"/>
-                </a:solidFill>
-                <a:latin typeface="Courier New" pitchFamily="49" charset="0"/>
-                <a:cs typeface="Courier New" pitchFamily="49" charset="0"/>
-              </a:rPr>
-              <a:t>  // </a:t>
-            </a:r>
-            <a:r>
-              <a:rPr lang="en-US" sz="1200" b="1" kern="0" dirty="0" smtClean="0">
-                <a:solidFill>
-                  <a:srgbClr val="00B050"/>
-                </a:solidFill>
-                <a:latin typeface="Courier New" pitchFamily="49" charset="0"/>
-                <a:cs typeface="Courier New" pitchFamily="49" charset="0"/>
-              </a:rPr>
-              <a:t>interrupt </a:t>
+              <a:t>                       // interrupt </a:t>
             </a:r>
             <a:r>
               <a:rPr lang="en-US" sz="1200" b="1" kern="0" dirty="0">
@@ -17326,7 +17361,7 @@
 </file>
 
 <file path=ppt/slides/slide6.xml><?xml version="1.0" encoding="utf-8"?>
-<p:sld xmlns:a="http://schemas.openxmlformats.org/drawingml/2006/main" xmlns:r="http://schemas.openxmlformats.org/officeDocument/2006/relationships" xmlns:p="http://schemas.openxmlformats.org/presentationml/2006/main">
+<p:sld xmlns:a="http://schemas.openxmlformats.org/drawingml/2006/main" xmlns:r="http://schemas.openxmlformats.org/officeDocument/2006/relationships" xmlns:p="http://schemas.openxmlformats.org/presentationml/2006/main" show="0">
   <p:cSld>
     <p:spTree>
       <p:nvGrpSpPr>
@@ -17822,6 +17857,7 @@
   <p:clrMapOvr>
     <a:masterClrMapping/>
   </p:clrMapOvr>
+  <p:transition spd="med"/>
   <p:timing>
     <p:tnLst>
       <p:par>

--- a/source/lessons/lsn24-25/Lsn24-25.pptx
+++ b/source/lessons/lsn24-25/Lsn24-25.pptx
@@ -1940,7 +1940,7 @@
           <a:p>
             <a:fld id="{834513E8-165F-4932-9E2D-FD497CB9A4FD}" type="datetimeFigureOut">
               <a:rPr lang="en-US" smtClean="0"/>
-              <a:t>10/12/2018</a:t>
+              <a:t>10/15/2018</a:t>
             </a:fld>
             <a:endParaRPr lang="en-US"/>
           </a:p>
@@ -2217,7 +2217,7 @@
           <a:p>
             <a:fld id="{834513E8-165F-4932-9E2D-FD497CB9A4FD}" type="datetimeFigureOut">
               <a:rPr lang="en-US" smtClean="0"/>
-              <a:t>10/12/2018</a:t>
+              <a:t>10/15/2018</a:t>
             </a:fld>
             <a:endParaRPr lang="en-US"/>
           </a:p>
@@ -2470,7 +2470,7 @@
           <a:p>
             <a:fld id="{834513E8-165F-4932-9E2D-FD497CB9A4FD}" type="datetimeFigureOut">
               <a:rPr lang="en-US" smtClean="0"/>
-              <a:t>10/12/2018</a:t>
+              <a:t>10/15/2018</a:t>
             </a:fld>
             <a:endParaRPr lang="en-US"/>
           </a:p>
@@ -2640,7 +2640,7 @@
           <a:p>
             <a:fld id="{834513E8-165F-4932-9E2D-FD497CB9A4FD}" type="datetimeFigureOut">
               <a:rPr lang="en-US" smtClean="0"/>
-              <a:t>10/12/2018</a:t>
+              <a:t>10/15/2018</a:t>
             </a:fld>
             <a:endParaRPr lang="en-US"/>
           </a:p>
@@ -2820,7 +2820,7 @@
           <a:p>
             <a:fld id="{834513E8-165F-4932-9E2D-FD497CB9A4FD}" type="datetimeFigureOut">
               <a:rPr lang="en-US" smtClean="0"/>
-              <a:t>10/12/2018</a:t>
+              <a:t>10/15/2018</a:t>
             </a:fld>
             <a:endParaRPr lang="en-US"/>
           </a:p>
@@ -3564,7 +3564,7 @@
           <a:p>
             <a:fld id="{834513E8-165F-4932-9E2D-FD497CB9A4FD}" type="datetimeFigureOut">
               <a:rPr lang="en-US" smtClean="0"/>
-              <a:t>10/12/2018</a:t>
+              <a:t>10/15/2018</a:t>
             </a:fld>
             <a:endParaRPr lang="en-US"/>
           </a:p>
@@ -3734,7 +3734,7 @@
           <a:p>
             <a:fld id="{834513E8-165F-4932-9E2D-FD497CB9A4FD}" type="datetimeFigureOut">
               <a:rPr lang="en-US" smtClean="0"/>
-              <a:t>10/12/2018</a:t>
+              <a:t>10/15/2018</a:t>
             </a:fld>
             <a:endParaRPr lang="en-US"/>
           </a:p>
@@ -3980,7 +3980,7 @@
           <a:p>
             <a:fld id="{834513E8-165F-4932-9E2D-FD497CB9A4FD}" type="datetimeFigureOut">
               <a:rPr lang="en-US" smtClean="0"/>
-              <a:t>10/12/2018</a:t>
+              <a:t>10/15/2018</a:t>
             </a:fld>
             <a:endParaRPr lang="en-US"/>
           </a:p>
@@ -4212,7 +4212,7 @@
           <a:p>
             <a:fld id="{834513E8-165F-4932-9E2D-FD497CB9A4FD}" type="datetimeFigureOut">
               <a:rPr lang="en-US" smtClean="0"/>
-              <a:t>10/12/2018</a:t>
+              <a:t>10/15/2018</a:t>
             </a:fld>
             <a:endParaRPr lang="en-US"/>
           </a:p>
@@ -4579,7 +4579,7 @@
           <a:p>
             <a:fld id="{834513E8-165F-4932-9E2D-FD497CB9A4FD}" type="datetimeFigureOut">
               <a:rPr lang="en-US" smtClean="0"/>
-              <a:t>10/12/2018</a:t>
+              <a:t>10/15/2018</a:t>
             </a:fld>
             <a:endParaRPr lang="en-US"/>
           </a:p>
@@ -4697,7 +4697,7 @@
           <a:p>
             <a:fld id="{834513E8-165F-4932-9E2D-FD497CB9A4FD}" type="datetimeFigureOut">
               <a:rPr lang="en-US" smtClean="0"/>
-              <a:t>10/12/2018</a:t>
+              <a:t>10/15/2018</a:t>
             </a:fld>
             <a:endParaRPr lang="en-US"/>
           </a:p>
@@ -6513,7 +6513,7 @@
           <a:p>
             <a:fld id="{834513E8-165F-4932-9E2D-FD497CB9A4FD}" type="datetimeFigureOut">
               <a:rPr lang="en-US" smtClean="0"/>
-              <a:t>10/12/2018</a:t>
+              <a:t>10/15/2018</a:t>
             </a:fld>
             <a:endParaRPr lang="en-US"/>
           </a:p>
@@ -10398,6 +10398,87 @@
           </a:p>
         </p:txBody>
       </p:sp>
+      <p:sp>
+        <p:nvSpPr>
+          <p:cNvPr id="6" name="Rectangular Callout 5"/>
+          <p:cNvSpPr/>
+          <p:nvPr/>
+        </p:nvSpPr>
+        <p:spPr bwMode="auto">
+          <a:xfrm>
+            <a:off x="5601922" y="1485966"/>
+            <a:ext cx="2995448" cy="926157"/>
+          </a:xfrm>
+          <a:prstGeom prst="wedgeRectCallout">
+            <a:avLst>
+              <a:gd name="adj1" fmla="val -75815"/>
+              <a:gd name="adj2" fmla="val 160786"/>
+            </a:avLst>
+          </a:prstGeom>
+          <a:solidFill>
+            <a:srgbClr val="FFFF00"/>
+          </a:solidFill>
+          <a:ln w="12700" cap="flat" cmpd="sng" algn="ctr">
+            <a:solidFill>
+              <a:schemeClr val="tx1"/>
+            </a:solidFill>
+            <a:prstDash val="solid"/>
+            <a:round/>
+            <a:headEnd type="none" w="med" len="med"/>
+            <a:tailEnd type="none" w="med" len="med"/>
+          </a:ln>
+          <a:effectLst/>
+        </p:spPr>
+        <p:txBody>
+          <a:bodyPr vert="horz" wrap="square" lIns="91440" tIns="45720" rIns="91440" bIns="45720" numCol="1" rtlCol="0" anchor="t" anchorCtr="0" compatLnSpc="1">
+            <a:prstTxWarp prst="textNoShape">
+              <a:avLst/>
+            </a:prstTxWarp>
+          </a:bodyPr>
+          <a:lstStyle/>
+          <a:p>
+            <a:pPr marL="0" marR="0" indent="0" algn="ctr" defTabSz="914400" rtl="0" eaLnBrk="0" fontAlgn="base" latinLnBrk="0" hangingPunct="0">
+              <a:lnSpc>
+                <a:spcPct val="100000"/>
+              </a:lnSpc>
+              <a:spcBef>
+                <a:spcPct val="0"/>
+              </a:spcBef>
+              <a:spcAft>
+                <a:spcPct val="0"/>
+              </a:spcAft>
+              <a:buClrTx/>
+              <a:buSzTx/>
+              <a:buFontTx/>
+              <a:buNone/>
+              <a:tabLst/>
+            </a:pPr>
+            <a:r>
+              <a:rPr kumimoji="0" lang="en-US" sz="1600" b="0" i="0" u="none" strike="noStrike" cap="none" normalizeH="0" baseline="0" dirty="0" smtClean="0">
+                <a:ln>
+                  <a:noFill/>
+                </a:ln>
+                <a:solidFill>
+                  <a:schemeClr val="tx1"/>
+                </a:solidFill>
+                <a:effectLst/>
+                <a:latin typeface="Arial" charset="0"/>
+              </a:rPr>
+              <a:t>This should make you think of the logic analyzer and when you select the triggering mode</a:t>
+            </a:r>
+            <a:endParaRPr kumimoji="0" lang="en-US" sz="1600" b="0" i="0" u="none" strike="noStrike" cap="none" normalizeH="0" baseline="0" dirty="0" smtClean="0">
+              <a:ln>
+                <a:noFill/>
+              </a:ln>
+              <a:solidFill>
+                <a:schemeClr val="tx1"/>
+              </a:solidFill>
+              <a:effectLst/>
+              <a:latin typeface="Arial" charset="0"/>
+            </a:endParaRPr>
+          </a:p>
+        </p:txBody>
+      </p:sp>
     </p:spTree>
     <p:extLst>
       <p:ext uri="{BB962C8B-B14F-4D97-AF65-F5344CB8AC3E}">
@@ -10411,9 +10492,80 @@
   <p:timing>
     <p:tnLst>
       <p:par>
-        <p:cTn id="1" dur="indefinite" restart="never" nodeType="tmRoot"/>
+        <p:cTn id="1" dur="indefinite" restart="never" nodeType="tmRoot">
+          <p:childTnLst>
+            <p:seq concurrent="1" nextAc="seek">
+              <p:cTn id="2" dur="indefinite" nodeType="mainSeq">
+                <p:childTnLst>
+                  <p:par>
+                    <p:cTn id="3" fill="hold">
+                      <p:stCondLst>
+                        <p:cond delay="indefinite"/>
+                      </p:stCondLst>
+                      <p:childTnLst>
+                        <p:par>
+                          <p:cTn id="4" fill="hold">
+                            <p:stCondLst>
+                              <p:cond delay="0"/>
+                            </p:stCondLst>
+                            <p:childTnLst>
+                              <p:par>
+                                <p:cTn id="5" presetID="1" presetClass="entr" presetSubtype="0" fill="hold" grpId="0" nodeType="clickEffect">
+                                  <p:stCondLst>
+                                    <p:cond delay="0"/>
+                                  </p:stCondLst>
+                                  <p:childTnLst>
+                                    <p:set>
+                                      <p:cBhvr>
+                                        <p:cTn id="6" dur="1" fill="hold">
+                                          <p:stCondLst>
+                                            <p:cond delay="0"/>
+                                          </p:stCondLst>
+                                        </p:cTn>
+                                        <p:tgtEl>
+                                          <p:spTgt spid="6"/>
+                                        </p:tgtEl>
+                                        <p:attrNameLst>
+                                          <p:attrName>style.visibility</p:attrName>
+                                        </p:attrNameLst>
+                                      </p:cBhvr>
+                                      <p:to>
+                                        <p:strVal val="visible"/>
+                                      </p:to>
+                                    </p:set>
+                                  </p:childTnLst>
+                                </p:cTn>
+                              </p:par>
+                            </p:childTnLst>
+                          </p:cTn>
+                        </p:par>
+                      </p:childTnLst>
+                    </p:cTn>
+                  </p:par>
+                </p:childTnLst>
+              </p:cTn>
+              <p:prevCondLst>
+                <p:cond evt="onPrev" delay="0">
+                  <p:tgtEl>
+                    <p:sldTgt/>
+                  </p:tgtEl>
+                </p:cond>
+              </p:prevCondLst>
+              <p:nextCondLst>
+                <p:cond evt="onNext" delay="0">
+                  <p:tgtEl>
+                    <p:sldTgt/>
+                  </p:tgtEl>
+                </p:cond>
+              </p:nextCondLst>
+            </p:seq>
+          </p:childTnLst>
+        </p:cTn>
       </p:par>
     </p:tnLst>
+    <p:bldLst>
+      <p:bldP spid="6" grpId="0" animBg="1"/>
+    </p:bldLst>
   </p:timing>
 </p:sld>
 </file>
@@ -13079,8 +13231,45 @@
           <a:lstStyle/>
           <a:p>
             <a:r>
+              <a:rPr lang="en-US" dirty="0"/>
+              <a:t>C</a:t>
+            </a:r>
+            <a:r>
               <a:rPr lang="en-US" dirty="0" smtClean="0"/>
-              <a:t>Time permitting, create a new project and type the single button code into a C file and run it.</a:t>
+              <a:t>reate </a:t>
+            </a:r>
+            <a:r>
+              <a:rPr lang="en-US" dirty="0" smtClean="0"/>
+              <a:t>a </a:t>
+            </a:r>
+            <a:r>
+              <a:rPr lang="en-US" dirty="0" smtClean="0"/>
+              <a:t>new C project</a:t>
+            </a:r>
+          </a:p>
+          <a:p>
+            <a:r>
+              <a:rPr lang="en-US" dirty="0" smtClean="0"/>
+              <a:t>Hook up a single LED and resistor to a pin</a:t>
+            </a:r>
+          </a:p>
+          <a:p>
+            <a:r>
+              <a:rPr lang="en-US" dirty="0" smtClean="0"/>
+              <a:t>When you press the button on the Launchpad, the LED is toggled on/off</a:t>
+            </a:r>
+          </a:p>
+          <a:p>
+            <a:pPr lvl="1"/>
+            <a:r>
+              <a:rPr lang="en-US" dirty="0" smtClean="0"/>
+              <a:t>Feel free to use some of your code from Lab 2</a:t>
+            </a:r>
+          </a:p>
+          <a:p>
+            <a:r>
+              <a:rPr lang="en-US" dirty="0" smtClean="0"/>
+              <a:t>Show your instructor when you are done</a:t>
             </a:r>
             <a:endParaRPr lang="en-US" dirty="0"/>
           </a:p>
@@ -13096,6 +13285,13 @@
   <p:clrMapOvr>
     <a:masterClrMapping/>
   </p:clrMapOvr>
+  <p:timing>
+    <p:tnLst>
+      <p:par>
+        <p:cTn id="1" dur="indefinite" restart="never" nodeType="tmRoot"/>
+      </p:par>
+    </p:tnLst>
+  </p:timing>
 </p:sld>
 </file>
 
@@ -17122,7 +17318,7 @@
         </p:spPr>
         <p:txBody>
           <a:bodyPr>
-            <a:normAutofit fontScale="92500" lnSpcReduction="10000"/>
+            <a:normAutofit/>
           </a:bodyPr>
           <a:lstStyle/>
           <a:p>
@@ -17298,26 +17494,16 @@
                   <a:schemeClr val="accent2"/>
                 </a:solidFill>
               </a:rPr>
-              <a:t>Return to normal program</a:t>
-            </a:r>
-          </a:p>
-          <a:p>
-            <a:pPr marL="0" indent="0">
-              <a:buNone/>
-            </a:pPr>
-            <a:endParaRPr lang="en-US" sz="2000" dirty="0" smtClean="0"/>
-          </a:p>
-          <a:p>
-            <a:pPr marL="0" indent="0">
-              <a:buNone/>
-            </a:pPr>
-            <a:r>
-              <a:rPr lang="en-US" sz="2000" dirty="0" smtClean="0"/>
-              <a:t>Have you used an interrupt yet?</a:t>
-            </a:r>
-          </a:p>
-          <a:p>
-            <a:pPr lvl="2"/>
+              <a:t>Return to normal </a:t>
+            </a:r>
+            <a:r>
+              <a:rPr lang="en-US" dirty="0" smtClean="0">
+                <a:solidFill>
+                  <a:schemeClr val="accent2"/>
+                </a:solidFill>
+              </a:rPr>
+              <a:t>program</a:t>
+            </a:r>
             <a:endParaRPr lang="en-US" sz="1600" dirty="0">
               <a:solidFill>
                 <a:schemeClr val="accent2"/>
@@ -18812,13 +18998,13 @@
         </p:nvSpPr>
         <p:spPr bwMode="auto">
           <a:xfrm>
-            <a:off x="1459098" y="2069682"/>
+            <a:off x="6653836" y="2148013"/>
             <a:ext cx="2995448" cy="646386"/>
           </a:xfrm>
           <a:prstGeom prst="wedgeRectCallout">
             <a:avLst>
-              <a:gd name="adj1" fmla="val 82662"/>
-              <a:gd name="adj2" fmla="val 57215"/>
+              <a:gd name="adj1" fmla="val -57920"/>
+              <a:gd name="adj2" fmla="val 95683"/>
             </a:avLst>
           </a:prstGeom>
           <a:solidFill>

--- a/source/lessons/lsn24-25/Lsn24-25.pptx
+++ b/source/lessons/lsn24-25/Lsn24-25.pptx
@@ -7,10 +7,10 @@
     <p:sldMasterId id="2147483667" r:id="rId3"/>
   </p:sldMasterIdLst>
   <p:notesMasterIdLst>
-    <p:notesMasterId r:id="rId28"/>
+    <p:notesMasterId r:id="rId29"/>
   </p:notesMasterIdLst>
   <p:handoutMasterIdLst>
-    <p:handoutMasterId r:id="rId29"/>
+    <p:handoutMasterId r:id="rId30"/>
   </p:handoutMasterIdLst>
   <p:sldIdLst>
     <p:sldId id="352" r:id="rId4"/>
@@ -24,19 +24,20 @@
     <p:sldId id="363" r:id="rId12"/>
     <p:sldId id="364" r:id="rId13"/>
     <p:sldId id="365" r:id="rId14"/>
-    <p:sldId id="366" r:id="rId15"/>
-    <p:sldId id="367" r:id="rId16"/>
-    <p:sldId id="368" r:id="rId17"/>
-    <p:sldId id="369" r:id="rId18"/>
-    <p:sldId id="375" r:id="rId19"/>
-    <p:sldId id="353" r:id="rId20"/>
-    <p:sldId id="356" r:id="rId21"/>
-    <p:sldId id="357" r:id="rId22"/>
-    <p:sldId id="370" r:id="rId23"/>
-    <p:sldId id="371" r:id="rId24"/>
-    <p:sldId id="372" r:id="rId25"/>
-    <p:sldId id="373" r:id="rId26"/>
-    <p:sldId id="374" r:id="rId27"/>
+    <p:sldId id="376" r:id="rId15"/>
+    <p:sldId id="366" r:id="rId16"/>
+    <p:sldId id="367" r:id="rId17"/>
+    <p:sldId id="368" r:id="rId18"/>
+    <p:sldId id="369" r:id="rId19"/>
+    <p:sldId id="375" r:id="rId20"/>
+    <p:sldId id="353" r:id="rId21"/>
+    <p:sldId id="356" r:id="rId22"/>
+    <p:sldId id="357" r:id="rId23"/>
+    <p:sldId id="370" r:id="rId24"/>
+    <p:sldId id="371" r:id="rId25"/>
+    <p:sldId id="372" r:id="rId26"/>
+    <p:sldId id="373" r:id="rId27"/>
+    <p:sldId id="374" r:id="rId28"/>
   </p:sldIdLst>
   <p:sldSz cx="9144000" cy="6858000" type="screen4x3"/>
   <p:notesSz cx="7010400" cy="9296400"/>
@@ -1157,7 +1158,7 @@
               <a:pPr>
                 <a:defRPr/>
               </a:pPr>
-              <a:t>18</a:t>
+              <a:t>19</a:t>
             </a:fld>
             <a:endParaRPr lang="en-US"/>
           </a:p>
@@ -1440,7 +1441,7 @@
               <a:pPr>
                 <a:defRPr/>
               </a:pPr>
-              <a:t>19</a:t>
+              <a:t>20</a:t>
             </a:fld>
             <a:endParaRPr lang="en-US"/>
           </a:p>
@@ -1940,7 +1941,7 @@
           <a:p>
             <a:fld id="{834513E8-165F-4932-9E2D-FD497CB9A4FD}" type="datetimeFigureOut">
               <a:rPr lang="en-US" smtClean="0"/>
-              <a:t>10/15/2018</a:t>
+              <a:t>10/16/2018</a:t>
             </a:fld>
             <a:endParaRPr lang="en-US"/>
           </a:p>
@@ -2217,7 +2218,7 @@
           <a:p>
             <a:fld id="{834513E8-165F-4932-9E2D-FD497CB9A4FD}" type="datetimeFigureOut">
               <a:rPr lang="en-US" smtClean="0"/>
-              <a:t>10/15/2018</a:t>
+              <a:t>10/16/2018</a:t>
             </a:fld>
             <a:endParaRPr lang="en-US"/>
           </a:p>
@@ -2470,7 +2471,7 @@
           <a:p>
             <a:fld id="{834513E8-165F-4932-9E2D-FD497CB9A4FD}" type="datetimeFigureOut">
               <a:rPr lang="en-US" smtClean="0"/>
-              <a:t>10/15/2018</a:t>
+              <a:t>10/16/2018</a:t>
             </a:fld>
             <a:endParaRPr lang="en-US"/>
           </a:p>
@@ -2640,7 +2641,7 @@
           <a:p>
             <a:fld id="{834513E8-165F-4932-9E2D-FD497CB9A4FD}" type="datetimeFigureOut">
               <a:rPr lang="en-US" smtClean="0"/>
-              <a:t>10/15/2018</a:t>
+              <a:t>10/16/2018</a:t>
             </a:fld>
             <a:endParaRPr lang="en-US"/>
           </a:p>
@@ -2820,7 +2821,7 @@
           <a:p>
             <a:fld id="{834513E8-165F-4932-9E2D-FD497CB9A4FD}" type="datetimeFigureOut">
               <a:rPr lang="en-US" smtClean="0"/>
-              <a:t>10/15/2018</a:t>
+              <a:t>10/16/2018</a:t>
             </a:fld>
             <a:endParaRPr lang="en-US"/>
           </a:p>
@@ -3564,7 +3565,7 @@
           <a:p>
             <a:fld id="{834513E8-165F-4932-9E2D-FD497CB9A4FD}" type="datetimeFigureOut">
               <a:rPr lang="en-US" smtClean="0"/>
-              <a:t>10/15/2018</a:t>
+              <a:t>10/16/2018</a:t>
             </a:fld>
             <a:endParaRPr lang="en-US"/>
           </a:p>
@@ -3734,7 +3735,7 @@
           <a:p>
             <a:fld id="{834513E8-165F-4932-9E2D-FD497CB9A4FD}" type="datetimeFigureOut">
               <a:rPr lang="en-US" smtClean="0"/>
-              <a:t>10/15/2018</a:t>
+              <a:t>10/16/2018</a:t>
             </a:fld>
             <a:endParaRPr lang="en-US"/>
           </a:p>
@@ -3980,7 +3981,7 @@
           <a:p>
             <a:fld id="{834513E8-165F-4932-9E2D-FD497CB9A4FD}" type="datetimeFigureOut">
               <a:rPr lang="en-US" smtClean="0"/>
-              <a:t>10/15/2018</a:t>
+              <a:t>10/16/2018</a:t>
             </a:fld>
             <a:endParaRPr lang="en-US"/>
           </a:p>
@@ -4212,7 +4213,7 @@
           <a:p>
             <a:fld id="{834513E8-165F-4932-9E2D-FD497CB9A4FD}" type="datetimeFigureOut">
               <a:rPr lang="en-US" smtClean="0"/>
-              <a:t>10/15/2018</a:t>
+              <a:t>10/16/2018</a:t>
             </a:fld>
             <a:endParaRPr lang="en-US"/>
           </a:p>
@@ -4579,7 +4580,7 @@
           <a:p>
             <a:fld id="{834513E8-165F-4932-9E2D-FD497CB9A4FD}" type="datetimeFigureOut">
               <a:rPr lang="en-US" smtClean="0"/>
-              <a:t>10/15/2018</a:t>
+              <a:t>10/16/2018</a:t>
             </a:fld>
             <a:endParaRPr lang="en-US"/>
           </a:p>
@@ -4697,7 +4698,7 @@
           <a:p>
             <a:fld id="{834513E8-165F-4932-9E2D-FD497CB9A4FD}" type="datetimeFigureOut">
               <a:rPr lang="en-US" smtClean="0"/>
-              <a:t>10/15/2018</a:t>
+              <a:t>10/16/2018</a:t>
             </a:fld>
             <a:endParaRPr lang="en-US"/>
           </a:p>
@@ -6513,7 +6514,7 @@
           <a:p>
             <a:fld id="{834513E8-165F-4932-9E2D-FD497CB9A4FD}" type="datetimeFigureOut">
               <a:rPr lang="en-US" smtClean="0"/>
-              <a:t>10/15/2018</a:t>
+              <a:t>10/16/2018</a:t>
             </a:fld>
             <a:endParaRPr lang="en-US"/>
           </a:p>
@@ -9881,6 +9882,100 @@
           </a:p>
         </p:txBody>
       </p:sp>
+      <p:sp>
+        <p:nvSpPr>
+          <p:cNvPr id="4" name="Rectangular Callout 3"/>
+          <p:cNvSpPr/>
+          <p:nvPr/>
+        </p:nvSpPr>
+        <p:spPr bwMode="auto">
+          <a:xfrm>
+            <a:off x="4903076" y="2506718"/>
+            <a:ext cx="3239814" cy="953814"/>
+          </a:xfrm>
+          <a:prstGeom prst="wedgeRectCallout">
+            <a:avLst>
+              <a:gd name="adj1" fmla="val -103558"/>
+              <a:gd name="adj2" fmla="val -100543"/>
+            </a:avLst>
+          </a:prstGeom>
+          <a:solidFill>
+            <a:srgbClr val="FFFF00"/>
+          </a:solidFill>
+          <a:ln w="12700" cap="flat" cmpd="sng" algn="ctr">
+            <a:solidFill>
+              <a:schemeClr val="tx1"/>
+            </a:solidFill>
+            <a:prstDash val="solid"/>
+            <a:round/>
+            <a:headEnd type="none" w="med" len="med"/>
+            <a:tailEnd type="none" w="med" len="med"/>
+          </a:ln>
+          <a:effectLst/>
+        </p:spPr>
+        <p:txBody>
+          <a:bodyPr vert="horz" wrap="square" lIns="91440" tIns="45720" rIns="91440" bIns="45720" numCol="1" rtlCol="0" anchor="t" anchorCtr="0" compatLnSpc="1">
+            <a:prstTxWarp prst="textNoShape">
+              <a:avLst/>
+            </a:prstTxWarp>
+          </a:bodyPr>
+          <a:lstStyle/>
+          <a:p>
+            <a:pPr marL="0" marR="0" indent="0" algn="ctr" defTabSz="914400" rtl="0" eaLnBrk="0" fontAlgn="base" latinLnBrk="0" hangingPunct="0">
+              <a:lnSpc>
+                <a:spcPct val="100000"/>
+              </a:lnSpc>
+              <a:spcBef>
+                <a:spcPct val="0"/>
+              </a:spcBef>
+              <a:spcAft>
+                <a:spcPct val="0"/>
+              </a:spcAft>
+              <a:buClrTx/>
+              <a:buSzTx/>
+              <a:buFontTx/>
+              <a:buNone/>
+              <a:tabLst/>
+            </a:pPr>
+            <a:r>
+              <a:rPr kumimoji="0" lang="en-US" sz="1600" b="0" i="0" u="none" strike="noStrike" cap="none" normalizeH="0" baseline="0" dirty="0" smtClean="0">
+                <a:ln>
+                  <a:noFill/>
+                </a:ln>
+                <a:solidFill>
+                  <a:schemeClr val="tx1"/>
+                </a:solidFill>
+                <a:effectLst/>
+                <a:latin typeface="Arial" charset="0"/>
+              </a:rPr>
+              <a:t>This name doesn’t have to match the interrupt</a:t>
+            </a:r>
+            <a:r>
+              <a:rPr kumimoji="0" lang="en-US" sz="1600" b="0" i="0" u="none" strike="noStrike" cap="none" normalizeH="0" dirty="0" smtClean="0">
+                <a:ln>
+                  <a:noFill/>
+                </a:ln>
+                <a:solidFill>
+                  <a:schemeClr val="tx1"/>
+                </a:solidFill>
+                <a:effectLst/>
+                <a:latin typeface="Arial" charset="0"/>
+              </a:rPr>
+              <a:t> vector name, but we generally make it similar</a:t>
+            </a:r>
+            <a:endParaRPr kumimoji="0" lang="en-US" sz="1600" b="0" i="0" u="none" strike="noStrike" cap="none" normalizeH="0" baseline="0" dirty="0" smtClean="0">
+              <a:ln>
+                <a:noFill/>
+              </a:ln>
+              <a:solidFill>
+                <a:schemeClr val="tx1"/>
+              </a:solidFill>
+              <a:effectLst/>
+              <a:latin typeface="Arial" charset="0"/>
+            </a:endParaRPr>
+          </a:p>
+        </p:txBody>
+      </p:sp>
     </p:spTree>
     <p:extLst>
       <p:ext uri="{BB962C8B-B14F-4D97-AF65-F5344CB8AC3E}">
@@ -9894,9 +9989,80 @@
   <p:timing>
     <p:tnLst>
       <p:par>
-        <p:cTn id="1" dur="indefinite" restart="never" nodeType="tmRoot"/>
+        <p:cTn id="1" dur="indefinite" restart="never" nodeType="tmRoot">
+          <p:childTnLst>
+            <p:seq concurrent="1" nextAc="seek">
+              <p:cTn id="2" dur="indefinite" nodeType="mainSeq">
+                <p:childTnLst>
+                  <p:par>
+                    <p:cTn id="3" fill="hold">
+                      <p:stCondLst>
+                        <p:cond delay="indefinite"/>
+                      </p:stCondLst>
+                      <p:childTnLst>
+                        <p:par>
+                          <p:cTn id="4" fill="hold">
+                            <p:stCondLst>
+                              <p:cond delay="0"/>
+                            </p:stCondLst>
+                            <p:childTnLst>
+                              <p:par>
+                                <p:cTn id="5" presetID="1" presetClass="entr" presetSubtype="0" fill="hold" grpId="0" nodeType="clickEffect">
+                                  <p:stCondLst>
+                                    <p:cond delay="0"/>
+                                  </p:stCondLst>
+                                  <p:childTnLst>
+                                    <p:set>
+                                      <p:cBhvr>
+                                        <p:cTn id="6" dur="1" fill="hold">
+                                          <p:stCondLst>
+                                            <p:cond delay="0"/>
+                                          </p:stCondLst>
+                                        </p:cTn>
+                                        <p:tgtEl>
+                                          <p:spTgt spid="4"/>
+                                        </p:tgtEl>
+                                        <p:attrNameLst>
+                                          <p:attrName>style.visibility</p:attrName>
+                                        </p:attrNameLst>
+                                      </p:cBhvr>
+                                      <p:to>
+                                        <p:strVal val="visible"/>
+                                      </p:to>
+                                    </p:set>
+                                  </p:childTnLst>
+                                </p:cTn>
+                              </p:par>
+                            </p:childTnLst>
+                          </p:cTn>
+                        </p:par>
+                      </p:childTnLst>
+                    </p:cTn>
+                  </p:par>
+                </p:childTnLst>
+              </p:cTn>
+              <p:prevCondLst>
+                <p:cond evt="onPrev" delay="0">
+                  <p:tgtEl>
+                    <p:sldTgt/>
+                  </p:tgtEl>
+                </p:cond>
+              </p:prevCondLst>
+              <p:nextCondLst>
+                <p:cond evt="onNext" delay="0">
+                  <p:tgtEl>
+                    <p:sldTgt/>
+                  </p:tgtEl>
+                </p:cond>
+              </p:nextCondLst>
+            </p:seq>
+          </p:childTnLst>
+        </p:cTn>
       </p:par>
     </p:tnLst>
+    <p:bldLst>
+      <p:bldP spid="4" grpId="0" animBg="1"/>
+    </p:bldLst>
   </p:timing>
 </p:sld>
 </file>
@@ -9934,6 +10100,473 @@
           <a:lstStyle/>
           <a:p>
             <a:r>
+              <a:rPr lang="en-US" dirty="0" smtClean="0"/>
+              <a:t>Interrupt Vector Names</a:t>
+            </a:r>
+            <a:endParaRPr lang="en-US" dirty="0"/>
+          </a:p>
+        </p:txBody>
+      </p:sp>
+      <p:pic>
+        <p:nvPicPr>
+          <p:cNvPr id="4" name="Picture 3"/>
+          <p:cNvPicPr>
+            <a:picLocks noChangeAspect="1"/>
+          </p:cNvPicPr>
+          <p:nvPr/>
+        </p:nvPicPr>
+        <p:blipFill>
+          <a:blip r:embed="rId2"/>
+          <a:stretch>
+            <a:fillRect/>
+          </a:stretch>
+        </p:blipFill>
+        <p:spPr>
+          <a:xfrm>
+            <a:off x="740979" y="1634289"/>
+            <a:ext cx="7630510" cy="4398858"/>
+          </a:xfrm>
+          <a:prstGeom prst="rect">
+            <a:avLst/>
+          </a:prstGeom>
+        </p:spPr>
+      </p:pic>
+      <p:sp>
+        <p:nvSpPr>
+          <p:cNvPr id="5" name="Right Arrow 4"/>
+          <p:cNvSpPr/>
+          <p:nvPr/>
+        </p:nvSpPr>
+        <p:spPr bwMode="auto">
+          <a:xfrm>
+            <a:off x="260131" y="4296103"/>
+            <a:ext cx="630621" cy="307428"/>
+          </a:xfrm>
+          <a:prstGeom prst="rightArrow">
+            <a:avLst/>
+          </a:prstGeom>
+          <a:solidFill>
+            <a:srgbClr val="0C2D83"/>
+          </a:solidFill>
+          <a:ln w="12700" cap="flat" cmpd="sng" algn="ctr">
+            <a:solidFill>
+              <a:schemeClr val="tx1"/>
+            </a:solidFill>
+            <a:prstDash val="solid"/>
+            <a:round/>
+            <a:headEnd type="none" w="med" len="med"/>
+            <a:tailEnd type="none" w="med" len="med"/>
+          </a:ln>
+          <a:effectLst/>
+        </p:spPr>
+        <p:txBody>
+          <a:bodyPr vert="horz" wrap="square" lIns="91440" tIns="45720" rIns="91440" bIns="45720" numCol="1" rtlCol="0" anchor="t" anchorCtr="0" compatLnSpc="1">
+            <a:prstTxWarp prst="textNoShape">
+              <a:avLst/>
+            </a:prstTxWarp>
+          </a:bodyPr>
+          <a:lstStyle/>
+          <a:p>
+            <a:pPr marL="0" marR="0" indent="0" algn="ctr" defTabSz="914400" rtl="0" eaLnBrk="0" fontAlgn="base" latinLnBrk="0" hangingPunct="0">
+              <a:lnSpc>
+                <a:spcPct val="100000"/>
+              </a:lnSpc>
+              <a:spcBef>
+                <a:spcPct val="0"/>
+              </a:spcBef>
+              <a:spcAft>
+                <a:spcPct val="0"/>
+              </a:spcAft>
+              <a:buClrTx/>
+              <a:buSzTx/>
+              <a:buFontTx/>
+              <a:buNone/>
+              <a:tabLst/>
+            </a:pPr>
+            <a:endParaRPr kumimoji="0" lang="en-US" sz="1600" b="0" i="0" u="none" strike="noStrike" cap="none" normalizeH="0" baseline="0" smtClean="0">
+              <a:ln>
+                <a:noFill/>
+              </a:ln>
+              <a:solidFill>
+                <a:schemeClr val="tx1"/>
+              </a:solidFill>
+              <a:effectLst/>
+              <a:latin typeface="Arial" charset="0"/>
+            </a:endParaRPr>
+          </a:p>
+        </p:txBody>
+      </p:sp>
+      <p:sp>
+        <p:nvSpPr>
+          <p:cNvPr id="6" name="Right Arrow 5"/>
+          <p:cNvSpPr/>
+          <p:nvPr/>
+        </p:nvSpPr>
+        <p:spPr bwMode="auto">
+          <a:xfrm>
+            <a:off x="246989" y="4889939"/>
+            <a:ext cx="630621" cy="307428"/>
+          </a:xfrm>
+          <a:prstGeom prst="rightArrow">
+            <a:avLst/>
+          </a:prstGeom>
+          <a:solidFill>
+            <a:srgbClr val="0C2D83"/>
+          </a:solidFill>
+          <a:ln w="12700" cap="flat" cmpd="sng" algn="ctr">
+            <a:solidFill>
+              <a:schemeClr val="tx1"/>
+            </a:solidFill>
+            <a:prstDash val="solid"/>
+            <a:round/>
+            <a:headEnd type="none" w="med" len="med"/>
+            <a:tailEnd type="none" w="med" len="med"/>
+          </a:ln>
+          <a:effectLst/>
+        </p:spPr>
+        <p:txBody>
+          <a:bodyPr vert="horz" wrap="square" lIns="91440" tIns="45720" rIns="91440" bIns="45720" numCol="1" rtlCol="0" anchor="t" anchorCtr="0" compatLnSpc="1">
+            <a:prstTxWarp prst="textNoShape">
+              <a:avLst/>
+            </a:prstTxWarp>
+          </a:bodyPr>
+          <a:lstStyle/>
+          <a:p>
+            <a:pPr marL="0" marR="0" indent="0" algn="ctr" defTabSz="914400" rtl="0" eaLnBrk="0" fontAlgn="base" latinLnBrk="0" hangingPunct="0">
+              <a:lnSpc>
+                <a:spcPct val="100000"/>
+              </a:lnSpc>
+              <a:spcBef>
+                <a:spcPct val="0"/>
+              </a:spcBef>
+              <a:spcAft>
+                <a:spcPct val="0"/>
+              </a:spcAft>
+              <a:buClrTx/>
+              <a:buSzTx/>
+              <a:buFontTx/>
+              <a:buNone/>
+              <a:tabLst/>
+            </a:pPr>
+            <a:endParaRPr kumimoji="0" lang="en-US" sz="1600" b="0" i="0" u="none" strike="noStrike" cap="none" normalizeH="0" baseline="0" smtClean="0">
+              <a:ln>
+                <a:noFill/>
+              </a:ln>
+              <a:solidFill>
+                <a:schemeClr val="tx1"/>
+              </a:solidFill>
+              <a:effectLst/>
+              <a:latin typeface="Arial" charset="0"/>
+            </a:endParaRPr>
+          </a:p>
+        </p:txBody>
+      </p:sp>
+      <p:sp>
+        <p:nvSpPr>
+          <p:cNvPr id="7" name="Rounded Rectangle 6"/>
+          <p:cNvSpPr/>
+          <p:nvPr/>
+        </p:nvSpPr>
+        <p:spPr bwMode="auto">
+          <a:xfrm>
+            <a:off x="1710559" y="5436479"/>
+            <a:ext cx="6479627" cy="853963"/>
+          </a:xfrm>
+          <a:prstGeom prst="roundRect">
+            <a:avLst/>
+          </a:prstGeom>
+          <a:solidFill>
+            <a:srgbClr val="0C2D83"/>
+          </a:solidFill>
+          <a:ln w="12700" cap="flat" cmpd="sng" algn="ctr">
+            <a:solidFill>
+              <a:schemeClr val="tx1"/>
+            </a:solidFill>
+            <a:prstDash val="solid"/>
+            <a:round/>
+            <a:headEnd type="none" w="med" len="med"/>
+            <a:tailEnd type="none" w="med" len="med"/>
+          </a:ln>
+          <a:effectLst/>
+        </p:spPr>
+        <p:txBody>
+          <a:bodyPr vert="horz" wrap="square" lIns="91440" tIns="45720" rIns="91440" bIns="45720" numCol="1" rtlCol="0" anchor="t" anchorCtr="0" compatLnSpc="1">
+            <a:prstTxWarp prst="textNoShape">
+              <a:avLst/>
+            </a:prstTxWarp>
+          </a:bodyPr>
+          <a:lstStyle/>
+          <a:p>
+            <a:pPr marL="0" marR="0" indent="0" algn="ctr" defTabSz="914400" rtl="0" eaLnBrk="0" fontAlgn="base" latinLnBrk="0" hangingPunct="0">
+              <a:lnSpc>
+                <a:spcPct val="100000"/>
+              </a:lnSpc>
+              <a:spcBef>
+                <a:spcPct val="0"/>
+              </a:spcBef>
+              <a:spcAft>
+                <a:spcPct val="0"/>
+              </a:spcAft>
+              <a:buClrTx/>
+              <a:buSzTx/>
+              <a:buFontTx/>
+              <a:buNone/>
+              <a:tabLst/>
+            </a:pPr>
+            <a:r>
+              <a:rPr kumimoji="0" lang="en-US" sz="1600" b="0" i="0" u="none" strike="noStrike" cap="none" normalizeH="0" baseline="0" dirty="0" smtClean="0">
+                <a:ln>
+                  <a:noFill/>
+                </a:ln>
+                <a:solidFill>
+                  <a:schemeClr val="bg1"/>
+                </a:solidFill>
+                <a:effectLst/>
+                <a:latin typeface="Arial" charset="0"/>
+              </a:rPr>
+              <a:t>Since the user</a:t>
+            </a:r>
+            <a:r>
+              <a:rPr kumimoji="0" lang="en-US" sz="1600" b="0" i="0" u="none" strike="noStrike" cap="none" normalizeH="0" dirty="0" smtClean="0">
+                <a:ln>
+                  <a:noFill/>
+                </a:ln>
+                <a:solidFill>
+                  <a:schemeClr val="bg1"/>
+                </a:solidFill>
+                <a:effectLst/>
+                <a:latin typeface="Arial" charset="0"/>
+              </a:rPr>
+              <a:t> guides are written in assembly, they don’t seem to show the C defines in them. The only way I know to find all of the interrupt vector names is to look at the header</a:t>
+            </a:r>
+            <a:endParaRPr kumimoji="0" lang="en-US" sz="1600" b="0" i="0" u="none" strike="noStrike" cap="none" normalizeH="0" baseline="0" dirty="0" smtClean="0">
+              <a:ln>
+                <a:noFill/>
+              </a:ln>
+              <a:solidFill>
+                <a:schemeClr val="bg1"/>
+              </a:solidFill>
+              <a:effectLst/>
+              <a:latin typeface="Arial" charset="0"/>
+            </a:endParaRPr>
+          </a:p>
+        </p:txBody>
+      </p:sp>
+      <p:sp>
+        <p:nvSpPr>
+          <p:cNvPr id="8" name="Oval 7"/>
+          <p:cNvSpPr/>
+          <p:nvPr/>
+        </p:nvSpPr>
+        <p:spPr bwMode="auto">
+          <a:xfrm>
+            <a:off x="2010103" y="1481959"/>
+            <a:ext cx="1529256" cy="567558"/>
+          </a:xfrm>
+          <a:prstGeom prst="ellipse">
+            <a:avLst/>
+          </a:prstGeom>
+          <a:noFill/>
+          <a:ln w="12700" cap="flat" cmpd="sng" algn="ctr">
+            <a:solidFill>
+              <a:srgbClr val="FF0000"/>
+            </a:solidFill>
+            <a:prstDash val="solid"/>
+            <a:round/>
+            <a:headEnd type="none" w="med" len="med"/>
+            <a:tailEnd type="none" w="med" len="med"/>
+          </a:ln>
+          <a:effectLst/>
+        </p:spPr>
+        <p:txBody>
+          <a:bodyPr vert="horz" wrap="square" lIns="91440" tIns="45720" rIns="91440" bIns="45720" numCol="1" rtlCol="0" anchor="t" anchorCtr="0" compatLnSpc="1">
+            <a:prstTxWarp prst="textNoShape">
+              <a:avLst/>
+            </a:prstTxWarp>
+          </a:bodyPr>
+          <a:lstStyle/>
+          <a:p>
+            <a:pPr marL="0" marR="0" indent="0" algn="ctr" defTabSz="914400" rtl="0" eaLnBrk="0" fontAlgn="base" latinLnBrk="0" hangingPunct="0">
+              <a:lnSpc>
+                <a:spcPct val="100000"/>
+              </a:lnSpc>
+              <a:spcBef>
+                <a:spcPct val="0"/>
+              </a:spcBef>
+              <a:spcAft>
+                <a:spcPct val="0"/>
+              </a:spcAft>
+              <a:buClrTx/>
+              <a:buSzTx/>
+              <a:buFontTx/>
+              <a:buNone/>
+              <a:tabLst/>
+            </a:pPr>
+            <a:endParaRPr kumimoji="0" lang="en-US" sz="1600" b="0" i="0" u="none" strike="noStrike" cap="none" normalizeH="0" baseline="0" smtClean="0">
+              <a:ln>
+                <a:noFill/>
+              </a:ln>
+              <a:solidFill>
+                <a:schemeClr val="tx1"/>
+              </a:solidFill>
+              <a:effectLst/>
+              <a:latin typeface="Arial" charset="0"/>
+            </a:endParaRPr>
+          </a:p>
+        </p:txBody>
+      </p:sp>
+    </p:spTree>
+    <p:extLst>
+      <p:ext uri="{BB962C8B-B14F-4D97-AF65-F5344CB8AC3E}">
+        <p14:creationId xmlns:p14="http://schemas.microsoft.com/office/powerpoint/2010/main" val="584378119"/>
+      </p:ext>
+    </p:extLst>
+  </p:cSld>
+  <p:clrMapOvr>
+    <a:masterClrMapping/>
+  </p:clrMapOvr>
+  <p:timing>
+    <p:tnLst>
+      <p:par>
+        <p:cTn id="1" dur="indefinite" restart="never" nodeType="tmRoot">
+          <p:childTnLst>
+            <p:seq concurrent="1" nextAc="seek">
+              <p:cTn id="2" dur="indefinite" nodeType="mainSeq">
+                <p:childTnLst>
+                  <p:par>
+                    <p:cTn id="3" fill="hold">
+                      <p:stCondLst>
+                        <p:cond delay="indefinite"/>
+                      </p:stCondLst>
+                      <p:childTnLst>
+                        <p:par>
+                          <p:cTn id="4" fill="hold">
+                            <p:stCondLst>
+                              <p:cond delay="0"/>
+                            </p:stCondLst>
+                            <p:childTnLst>
+                              <p:par>
+                                <p:cTn id="5" presetID="1" presetClass="entr" presetSubtype="0" fill="hold" grpId="0" nodeType="clickEffect">
+                                  <p:stCondLst>
+                                    <p:cond delay="0"/>
+                                  </p:stCondLst>
+                                  <p:childTnLst>
+                                    <p:set>
+                                      <p:cBhvr>
+                                        <p:cTn id="6" dur="1" fill="hold">
+                                          <p:stCondLst>
+                                            <p:cond delay="0"/>
+                                          </p:stCondLst>
+                                        </p:cTn>
+                                        <p:tgtEl>
+                                          <p:spTgt spid="7"/>
+                                        </p:tgtEl>
+                                        <p:attrNameLst>
+                                          <p:attrName>style.visibility</p:attrName>
+                                        </p:attrNameLst>
+                                      </p:cBhvr>
+                                      <p:to>
+                                        <p:strVal val="visible"/>
+                                      </p:to>
+                                    </p:set>
+                                  </p:childTnLst>
+                                </p:cTn>
+                              </p:par>
+                              <p:par>
+                                <p:cTn id="7" presetID="1" presetClass="entr" presetSubtype="0" fill="hold" grpId="0" nodeType="withEffect">
+                                  <p:stCondLst>
+                                    <p:cond delay="0"/>
+                                  </p:stCondLst>
+                                  <p:childTnLst>
+                                    <p:set>
+                                      <p:cBhvr>
+                                        <p:cTn id="8" dur="1" fill="hold">
+                                          <p:stCondLst>
+                                            <p:cond delay="0"/>
+                                          </p:stCondLst>
+                                        </p:cTn>
+                                        <p:tgtEl>
+                                          <p:spTgt spid="8"/>
+                                        </p:tgtEl>
+                                        <p:attrNameLst>
+                                          <p:attrName>style.visibility</p:attrName>
+                                        </p:attrNameLst>
+                                      </p:cBhvr>
+                                      <p:to>
+                                        <p:strVal val="visible"/>
+                                      </p:to>
+                                    </p:set>
+                                  </p:childTnLst>
+                                </p:cTn>
+                              </p:par>
+                            </p:childTnLst>
+                          </p:cTn>
+                        </p:par>
+                      </p:childTnLst>
+                    </p:cTn>
+                  </p:par>
+                </p:childTnLst>
+              </p:cTn>
+              <p:prevCondLst>
+                <p:cond evt="onPrev" delay="0">
+                  <p:tgtEl>
+                    <p:sldTgt/>
+                  </p:tgtEl>
+                </p:cond>
+              </p:prevCondLst>
+              <p:nextCondLst>
+                <p:cond evt="onNext" delay="0">
+                  <p:tgtEl>
+                    <p:sldTgt/>
+                  </p:tgtEl>
+                </p:cond>
+              </p:nextCondLst>
+            </p:seq>
+          </p:childTnLst>
+        </p:cTn>
+      </p:par>
+    </p:tnLst>
+    <p:bldLst>
+      <p:bldP spid="7" grpId="0" animBg="1"/>
+      <p:bldP spid="8" grpId="0" animBg="1"/>
+    </p:bldLst>
+  </p:timing>
+</p:sld>
+</file>
+
+<file path=ppt/slides/slide13.xml><?xml version="1.0" encoding="utf-8"?>
+<p:sld xmlns:a="http://schemas.openxmlformats.org/drawingml/2006/main" xmlns:r="http://schemas.openxmlformats.org/officeDocument/2006/relationships" xmlns:p="http://schemas.openxmlformats.org/presentationml/2006/main">
+  <p:cSld>
+    <p:spTree>
+      <p:nvGrpSpPr>
+        <p:cNvPr id="1" name=""/>
+        <p:cNvGrpSpPr/>
+        <p:nvPr/>
+      </p:nvGrpSpPr>
+      <p:grpSpPr>
+        <a:xfrm>
+          <a:off x="0" y="0"/>
+          <a:ext cx="0" cy="0"/>
+          <a:chOff x="0" y="0"/>
+          <a:chExt cx="0" cy="0"/>
+        </a:xfrm>
+      </p:grpSpPr>
+      <p:sp>
+        <p:nvSpPr>
+          <p:cNvPr id="2" name="Title 1"/>
+          <p:cNvSpPr>
+            <a:spLocks noGrp="1"/>
+          </p:cNvSpPr>
+          <p:nvPr>
+            <p:ph type="title"/>
+          </p:nvPr>
+        </p:nvSpPr>
+        <p:spPr/>
+        <p:txBody>
+          <a:bodyPr/>
+          <a:lstStyle/>
+          <a:p>
+            <a:r>
               <a:rPr lang="en-US" b="1" dirty="0" smtClean="0"/>
               <a:t>Interrupts: </a:t>
             </a:r>
@@ -10141,7 +10774,7 @@
 </p:sld>
 </file>
 
-<file path=ppt/slides/slide13.xml><?xml version="1.0" encoding="utf-8"?>
+<file path=ppt/slides/slide14.xml><?xml version="1.0" encoding="utf-8"?>
 <p:sld xmlns:a="http://schemas.openxmlformats.org/drawingml/2006/main" xmlns:r="http://schemas.openxmlformats.org/officeDocument/2006/relationships" xmlns:p="http://schemas.openxmlformats.org/presentationml/2006/main">
   <p:cSld>
     <p:spTree>
@@ -10466,16 +11099,6 @@
               </a:rPr>
               <a:t>This should make you think of the logic analyzer and when you select the triggering mode</a:t>
             </a:r>
-            <a:endParaRPr kumimoji="0" lang="en-US" sz="1600" b="0" i="0" u="none" strike="noStrike" cap="none" normalizeH="0" baseline="0" dirty="0" smtClean="0">
-              <a:ln>
-                <a:noFill/>
-              </a:ln>
-              <a:solidFill>
-                <a:schemeClr val="tx1"/>
-              </a:solidFill>
-              <a:effectLst/>
-              <a:latin typeface="Arial" charset="0"/>
-            </a:endParaRPr>
           </a:p>
         </p:txBody>
       </p:sp>
@@ -10570,7 +11193,7 @@
 </p:sld>
 </file>
 
-<file path=ppt/slides/slide14.xml><?xml version="1.0" encoding="utf-8"?>
+<file path=ppt/slides/slide15.xml><?xml version="1.0" encoding="utf-8"?>
 <p:sld xmlns:a="http://schemas.openxmlformats.org/drawingml/2006/main" xmlns:r="http://schemas.openxmlformats.org/officeDocument/2006/relationships" xmlns:p="http://schemas.openxmlformats.org/presentationml/2006/main">
   <p:cSld>
     <p:spTree>
@@ -11479,7 +12102,17 @@
                 <a:latin typeface="Courier New" pitchFamily="49" charset="0"/>
                 <a:cs typeface="Courier New" pitchFamily="49" charset="0"/>
               </a:rPr>
-              <a:t>;  </a:t>
+              <a:t>;    </a:t>
+            </a:r>
+            <a:r>
+              <a:rPr lang="en-US" sz="1500" b="1" dirty="0" smtClean="0">
+                <a:solidFill>
+                  <a:srgbClr val="00B050"/>
+                </a:solidFill>
+                <a:latin typeface="Courier New" pitchFamily="49" charset="0"/>
+                <a:cs typeface="Courier New" pitchFamily="49" charset="0"/>
+              </a:rPr>
+              <a:t>// you could use this tell the main() something</a:t>
             </a:r>
           </a:p>
           <a:p>
@@ -11528,7 +12161,7 @@
 </p:sld>
 </file>
 
-<file path=ppt/slides/slide15.xml><?xml version="1.0" encoding="utf-8"?>
+<file path=ppt/slides/slide16.xml><?xml version="1.0" encoding="utf-8"?>
 <p:sld xmlns:a="http://schemas.openxmlformats.org/drawingml/2006/main" xmlns:r="http://schemas.openxmlformats.org/officeDocument/2006/relationships" xmlns:p="http://schemas.openxmlformats.org/presentationml/2006/main">
   <p:cSld>
     <p:spTree>
@@ -13175,7 +13808,7 @@
 </p:sld>
 </file>
 
-<file path=ppt/slides/slide16.xml><?xml version="1.0" encoding="utf-8"?>
+<file path=ppt/slides/slide17.xml><?xml version="1.0" encoding="utf-8"?>
 <p:sld xmlns:a="http://schemas.openxmlformats.org/drawingml/2006/main" xmlns:r="http://schemas.openxmlformats.org/officeDocument/2006/relationships" xmlns:p="http://schemas.openxmlformats.org/presentationml/2006/main">
   <p:cSld>
     <p:spTree>
@@ -13236,40 +13869,68 @@
             </a:r>
             <a:r>
               <a:rPr lang="en-US" dirty="0" smtClean="0"/>
-              <a:t>reate </a:t>
-            </a:r>
+              <a:t>reate a new C project</a:t>
+            </a:r>
+          </a:p>
+          <a:p>
             <a:r>
               <a:rPr lang="en-US" dirty="0" smtClean="0"/>
-              <a:t>a </a:t>
-            </a:r>
+              <a:t>Setup the interrupts to read a button presses</a:t>
+            </a:r>
+            <a:endParaRPr lang="en-US" dirty="0" smtClean="0"/>
+          </a:p>
+          <a:p>
             <a:r>
               <a:rPr lang="en-US" dirty="0" smtClean="0"/>
-              <a:t>new C project</a:t>
-            </a:r>
-          </a:p>
-          <a:p>
+              <a:t>When you press the button on the Launchpad, the </a:t>
+            </a:r>
             <a:r>
               <a:rPr lang="en-US" dirty="0" smtClean="0"/>
-              <a:t>Hook up a single LED and resistor to a pin</a:t>
-            </a:r>
-          </a:p>
-          <a:p>
+              <a:t>red LED </a:t>
+            </a:r>
             <a:r>
               <a:rPr lang="en-US" dirty="0" smtClean="0"/>
-              <a:t>When you press the button on the Launchpad, the LED is toggled on/off</a:t>
+              <a:t>is toggled </a:t>
+            </a:r>
+            <a:r>
+              <a:rPr lang="en-US" dirty="0" smtClean="0"/>
+              <a:t>on/off</a:t>
+            </a:r>
+          </a:p>
+          <a:p>
+            <a:r>
+              <a:rPr lang="en-US" dirty="0" smtClean="0"/>
+              <a:t>Meanwhile, the green LED turns itself on/off about every second</a:t>
             </a:r>
           </a:p>
           <a:p>
             <a:pPr lvl="1"/>
             <a:r>
               <a:rPr lang="en-US" dirty="0" smtClean="0"/>
-              <a:t>Feel free to use some of your code from Lab 2</a:t>
-            </a:r>
+              <a:t>You can use: </a:t>
+            </a:r>
+            <a:r>
+              <a:rPr lang="en-US" b="0" dirty="0"/>
+              <a:t>__</a:t>
+            </a:r>
+            <a:r>
+              <a:rPr lang="en-US" b="0" dirty="0" err="1"/>
+              <a:t>delay_cycles</a:t>
+            </a:r>
+            <a:r>
+              <a:rPr lang="en-US" b="0" dirty="0"/>
+              <a:t>(cycles);</a:t>
+            </a:r>
+            <a:endParaRPr lang="en-US" dirty="0" smtClean="0"/>
           </a:p>
           <a:p>
             <a:r>
               <a:rPr lang="en-US" dirty="0" smtClean="0"/>
-              <a:t>Show your instructor when you are done</a:t>
+              <a:t>Show </a:t>
+            </a:r>
+            <a:r>
+              <a:rPr lang="en-US" dirty="0" smtClean="0"/>
+              <a:t>your instructor when you are done</a:t>
             </a:r>
             <a:endParaRPr lang="en-US" dirty="0"/>
           </a:p>
@@ -13295,7 +13956,7 @@
 </p:sld>
 </file>
 
-<file path=ppt/slides/slide17.xml><?xml version="1.0" encoding="utf-8"?>
+<file path=ppt/slides/slide18.xml><?xml version="1.0" encoding="utf-8"?>
 <p:sld xmlns:a="http://schemas.openxmlformats.org/drawingml/2006/main" xmlns:r="http://schemas.openxmlformats.org/officeDocument/2006/relationships" xmlns:p="http://schemas.openxmlformats.org/presentationml/2006/main">
   <p:cSld>
     <p:spTree>
@@ -13375,7 +14036,7 @@
 </p:sld>
 </file>
 
-<file path=ppt/slides/slide18.xml><?xml version="1.0" encoding="utf-8"?>
+<file path=ppt/slides/slide19.xml><?xml version="1.0" encoding="utf-8"?>
 <p:sld xmlns:a="http://schemas.openxmlformats.org/drawingml/2006/main" xmlns:r="http://schemas.openxmlformats.org/officeDocument/2006/relationships" xmlns:p="http://schemas.openxmlformats.org/presentationml/2006/main" show="0">
   <p:cSld>
     <p:spTree>
@@ -14311,7 +14972,119 @@
 </p:sld>
 </file>
 
-<file path=ppt/slides/slide19.xml><?xml version="1.0" encoding="utf-8"?>
+<file path=ppt/slides/slide2.xml><?xml version="1.0" encoding="utf-8"?>
+<p:sld xmlns:a="http://schemas.openxmlformats.org/drawingml/2006/main" xmlns:r="http://schemas.openxmlformats.org/officeDocument/2006/relationships" xmlns:p="http://schemas.openxmlformats.org/presentationml/2006/main">
+  <p:cSld>
+    <p:spTree>
+      <p:nvGrpSpPr>
+        <p:cNvPr id="1" name=""/>
+        <p:cNvGrpSpPr/>
+        <p:nvPr/>
+      </p:nvGrpSpPr>
+      <p:grpSpPr>
+        <a:xfrm>
+          <a:off x="0" y="0"/>
+          <a:ext cx="0" cy="0"/>
+          <a:chOff x="0" y="0"/>
+          <a:chExt cx="0" cy="0"/>
+        </a:xfrm>
+      </p:grpSpPr>
+      <p:sp>
+        <p:nvSpPr>
+          <p:cNvPr id="2" name="Title 1"/>
+          <p:cNvSpPr>
+            <a:spLocks noGrp="1"/>
+          </p:cNvSpPr>
+          <p:nvPr>
+            <p:ph type="title"/>
+          </p:nvPr>
+        </p:nvSpPr>
+        <p:spPr/>
+        <p:txBody>
+          <a:bodyPr/>
+          <a:lstStyle/>
+          <a:p>
+            <a:r>
+              <a:rPr lang="en-US" dirty="0" smtClean="0"/>
+              <a:t>Overview</a:t>
+            </a:r>
+            <a:endParaRPr lang="en-US" dirty="0"/>
+          </a:p>
+        </p:txBody>
+      </p:sp>
+      <p:sp>
+        <p:nvSpPr>
+          <p:cNvPr id="3" name="Subtitle 2"/>
+          <p:cNvSpPr>
+            <a:spLocks noGrp="1"/>
+          </p:cNvSpPr>
+          <p:nvPr>
+            <p:ph idx="1"/>
+          </p:nvPr>
+        </p:nvSpPr>
+        <p:spPr/>
+        <p:txBody>
+          <a:bodyPr/>
+          <a:lstStyle/>
+          <a:p>
+            <a:pPr algn="l"/>
+            <a:r>
+              <a:rPr lang="en-US" sz="2800" b="1" dirty="0" smtClean="0"/>
+              <a:t>Lesson Outline</a:t>
+            </a:r>
+            <a:endParaRPr lang="en-US" sz="2800" b="1" dirty="0" smtClean="0">
+              <a:solidFill>
+                <a:srgbClr val="0070C0"/>
+              </a:solidFill>
+            </a:endParaRPr>
+          </a:p>
+          <a:p>
+            <a:pPr marL="800100" lvl="1" indent="-342900" algn="l">
+              <a:buFont typeface="Arial" panose="020B0604020202020204" pitchFamily="34" charset="0"/>
+              <a:buChar char="•"/>
+            </a:pPr>
+            <a:r>
+              <a:rPr lang="en-US" dirty="0" smtClean="0">
+                <a:solidFill>
+                  <a:srgbClr val="0070C0"/>
+                </a:solidFill>
+              </a:rPr>
+              <a:t>Interrupts</a:t>
+            </a:r>
+            <a:endParaRPr lang="en-US" sz="1800" dirty="0" smtClean="0">
+              <a:solidFill>
+                <a:srgbClr val="0070C0"/>
+              </a:solidFill>
+            </a:endParaRPr>
+          </a:p>
+          <a:p>
+            <a:pPr algn="l"/>
+            <a:endParaRPr lang="en-US" sz="2400" dirty="0" smtClean="0"/>
+          </a:p>
+        </p:txBody>
+      </p:sp>
+    </p:spTree>
+    <p:extLst>
+      <p:ext uri="{BB962C8B-B14F-4D97-AF65-F5344CB8AC3E}">
+        <p14:creationId xmlns:p14="http://schemas.microsoft.com/office/powerpoint/2010/main" val="4001633631"/>
+      </p:ext>
+    </p:extLst>
+  </p:cSld>
+  <p:clrMapOvr>
+    <a:masterClrMapping/>
+  </p:clrMapOvr>
+  <p:transition spd="med"/>
+  <p:timing>
+    <p:tnLst>
+      <p:par>
+        <p:cTn id="1" dur="indefinite" restart="never" nodeType="tmRoot"/>
+      </p:par>
+    </p:tnLst>
+  </p:timing>
+</p:sld>
+</file>
+
+<file path=ppt/slides/slide20.xml><?xml version="1.0" encoding="utf-8"?>
 <p:sld xmlns:a="http://schemas.openxmlformats.org/drawingml/2006/main" xmlns:r="http://schemas.openxmlformats.org/officeDocument/2006/relationships" xmlns:p="http://schemas.openxmlformats.org/presentationml/2006/main" show="0">
   <p:cSld>
     <p:spTree>
@@ -15660,7 +16433,7 @@
 </p:sld>
 </file>
 
-<file path=ppt/slides/slide2.xml><?xml version="1.0" encoding="utf-8"?>
+<file path=ppt/slides/slide21.xml><?xml version="1.0" encoding="utf-8"?>
 <p:sld xmlns:a="http://schemas.openxmlformats.org/drawingml/2006/main" xmlns:r="http://schemas.openxmlformats.org/officeDocument/2006/relationships" xmlns:p="http://schemas.openxmlformats.org/presentationml/2006/main">
   <p:cSld>
     <p:spTree>
@@ -15694,118 +16467,6 @@
           <a:p>
             <a:r>
               <a:rPr lang="en-US" dirty="0" smtClean="0"/>
-              <a:t>Overview</a:t>
-            </a:r>
-            <a:endParaRPr lang="en-US" dirty="0"/>
-          </a:p>
-        </p:txBody>
-      </p:sp>
-      <p:sp>
-        <p:nvSpPr>
-          <p:cNvPr id="3" name="Subtitle 2"/>
-          <p:cNvSpPr>
-            <a:spLocks noGrp="1"/>
-          </p:cNvSpPr>
-          <p:nvPr>
-            <p:ph idx="1"/>
-          </p:nvPr>
-        </p:nvSpPr>
-        <p:spPr/>
-        <p:txBody>
-          <a:bodyPr/>
-          <a:lstStyle/>
-          <a:p>
-            <a:pPr algn="l"/>
-            <a:r>
-              <a:rPr lang="en-US" sz="2800" b="1" dirty="0" smtClean="0"/>
-              <a:t>Lesson Outline</a:t>
-            </a:r>
-            <a:endParaRPr lang="en-US" sz="2800" b="1" dirty="0" smtClean="0">
-              <a:solidFill>
-                <a:srgbClr val="0070C0"/>
-              </a:solidFill>
-            </a:endParaRPr>
-          </a:p>
-          <a:p>
-            <a:pPr marL="800100" lvl="1" indent="-342900" algn="l">
-              <a:buFont typeface="Arial" panose="020B0604020202020204" pitchFamily="34" charset="0"/>
-              <a:buChar char="•"/>
-            </a:pPr>
-            <a:r>
-              <a:rPr lang="en-US" dirty="0" smtClean="0">
-                <a:solidFill>
-                  <a:srgbClr val="0070C0"/>
-                </a:solidFill>
-              </a:rPr>
-              <a:t>Interrupts</a:t>
-            </a:r>
-            <a:endParaRPr lang="en-US" sz="1800" dirty="0" smtClean="0">
-              <a:solidFill>
-                <a:srgbClr val="0070C0"/>
-              </a:solidFill>
-            </a:endParaRPr>
-          </a:p>
-          <a:p>
-            <a:pPr algn="l"/>
-            <a:endParaRPr lang="en-US" sz="2400" dirty="0" smtClean="0"/>
-          </a:p>
-        </p:txBody>
-      </p:sp>
-    </p:spTree>
-    <p:extLst>
-      <p:ext uri="{BB962C8B-B14F-4D97-AF65-F5344CB8AC3E}">
-        <p14:creationId xmlns:p14="http://schemas.microsoft.com/office/powerpoint/2010/main" val="4001633631"/>
-      </p:ext>
-    </p:extLst>
-  </p:cSld>
-  <p:clrMapOvr>
-    <a:masterClrMapping/>
-  </p:clrMapOvr>
-  <p:transition spd="med"/>
-  <p:timing>
-    <p:tnLst>
-      <p:par>
-        <p:cTn id="1" dur="indefinite" restart="never" nodeType="tmRoot"/>
-      </p:par>
-    </p:tnLst>
-  </p:timing>
-</p:sld>
-</file>
-
-<file path=ppt/slides/slide20.xml><?xml version="1.0" encoding="utf-8"?>
-<p:sld xmlns:a="http://schemas.openxmlformats.org/drawingml/2006/main" xmlns:r="http://schemas.openxmlformats.org/officeDocument/2006/relationships" xmlns:p="http://schemas.openxmlformats.org/presentationml/2006/main">
-  <p:cSld>
-    <p:spTree>
-      <p:nvGrpSpPr>
-        <p:cNvPr id="1" name=""/>
-        <p:cNvGrpSpPr/>
-        <p:nvPr/>
-      </p:nvGrpSpPr>
-      <p:grpSpPr>
-        <a:xfrm>
-          <a:off x="0" y="0"/>
-          <a:ext cx="0" cy="0"/>
-          <a:chOff x="0" y="0"/>
-          <a:chExt cx="0" cy="0"/>
-        </a:xfrm>
-      </p:grpSpPr>
-      <p:sp>
-        <p:nvSpPr>
-          <p:cNvPr id="2" name="Title 1"/>
-          <p:cNvSpPr>
-            <a:spLocks noGrp="1"/>
-          </p:cNvSpPr>
-          <p:nvPr>
-            <p:ph type="title"/>
-          </p:nvPr>
-        </p:nvSpPr>
-        <p:spPr/>
-        <p:txBody>
-          <a:bodyPr/>
-          <a:lstStyle/>
-          <a:p>
-            <a:r>
-              <a:rPr lang="en-US" dirty="0" smtClean="0"/>
               <a:t>In-Class Programming Exercise </a:t>
             </a:r>
             <a:endParaRPr lang="en-US" dirty="0"/>
@@ -15925,231 +16586,6 @@
   <p:clrMapOvr>
     <a:masterClrMapping/>
   </p:clrMapOvr>
-  <p:timing>
-    <p:tnLst>
-      <p:par>
-        <p:cTn id="1" dur="indefinite" restart="never" nodeType="tmRoot"/>
-      </p:par>
-    </p:tnLst>
-  </p:timing>
-</p:sld>
-</file>
-
-<file path=ppt/slides/slide21.xml><?xml version="1.0" encoding="utf-8"?>
-<p:sld xmlns:a="http://schemas.openxmlformats.org/drawingml/2006/main" xmlns:r="http://schemas.openxmlformats.org/officeDocument/2006/relationships" xmlns:p="http://schemas.openxmlformats.org/presentationml/2006/main" show="0">
-  <p:cSld>
-    <p:spTree>
-      <p:nvGrpSpPr>
-        <p:cNvPr id="1" name=""/>
-        <p:cNvGrpSpPr/>
-        <p:nvPr/>
-      </p:nvGrpSpPr>
-      <p:grpSpPr>
-        <a:xfrm>
-          <a:off x="0" y="0"/>
-          <a:ext cx="0" cy="0"/>
-          <a:chOff x="0" y="0"/>
-          <a:chExt cx="0" cy="0"/>
-        </a:xfrm>
-      </p:grpSpPr>
-      <p:sp>
-        <p:nvSpPr>
-          <p:cNvPr id="2" name="Title 1"/>
-          <p:cNvSpPr>
-            <a:spLocks noGrp="1"/>
-          </p:cNvSpPr>
-          <p:nvPr>
-            <p:ph type="title"/>
-          </p:nvPr>
-        </p:nvSpPr>
-        <p:spPr/>
-        <p:txBody>
-          <a:bodyPr/>
-          <a:lstStyle/>
-          <a:p>
-            <a:r>
-              <a:rPr lang="en-US" dirty="0" smtClean="0"/>
-              <a:t>In-Class Programming Exercise </a:t>
-            </a:r>
-            <a:endParaRPr lang="en-US" dirty="0"/>
-          </a:p>
-        </p:txBody>
-      </p:sp>
-      <p:sp>
-        <p:nvSpPr>
-          <p:cNvPr id="3" name="Content Placeholder 2"/>
-          <p:cNvSpPr>
-            <a:spLocks noGrp="1"/>
-          </p:cNvSpPr>
-          <p:nvPr>
-            <p:ph idx="1"/>
-          </p:nvPr>
-        </p:nvSpPr>
-        <p:spPr/>
-        <p:txBody>
-          <a:bodyPr/>
-          <a:lstStyle/>
-          <a:p>
-            <a:endParaRPr lang="en-US" sz="1800" dirty="0"/>
-          </a:p>
-        </p:txBody>
-      </p:sp>
-      <p:sp>
-        <p:nvSpPr>
-          <p:cNvPr id="4" name="Rectangle 3"/>
-          <p:cNvSpPr/>
-          <p:nvPr/>
-        </p:nvSpPr>
-        <p:spPr>
-          <a:xfrm>
-            <a:off x="3141480" y="659685"/>
-            <a:ext cx="2861040" cy="461665"/>
-          </a:xfrm>
-          <a:prstGeom prst="rect">
-            <a:avLst/>
-          </a:prstGeom>
-        </p:spPr>
-        <p:txBody>
-          <a:bodyPr wrap="none">
-            <a:spAutoFit/>
-          </a:bodyPr>
-          <a:lstStyle/>
-          <a:p>
-            <a:r>
-              <a:rPr lang="en-US" dirty="0"/>
-              <a:t>(see </a:t>
-            </a:r>
-            <a:r>
-              <a:rPr lang="en-US" dirty="0" err="1"/>
-              <a:t>interruptTones.c</a:t>
-            </a:r>
-            <a:r>
-              <a:rPr lang="en-US" dirty="0"/>
-              <a:t>)</a:t>
-            </a:r>
-          </a:p>
-        </p:txBody>
-      </p:sp>
-      <p:sp>
-        <p:nvSpPr>
-          <p:cNvPr id="7" name="Rectangle 6"/>
-          <p:cNvSpPr/>
-          <p:nvPr/>
-        </p:nvSpPr>
-        <p:spPr>
-          <a:xfrm>
-            <a:off x="0" y="6172174"/>
-            <a:ext cx="9144000" cy="707886"/>
-          </a:xfrm>
-          <a:prstGeom prst="rect">
-            <a:avLst/>
-          </a:prstGeom>
-        </p:spPr>
-        <p:txBody>
-          <a:bodyPr wrap="square">
-            <a:spAutoFit/>
-          </a:bodyPr>
-          <a:lstStyle/>
-          <a:p>
-            <a:pPr algn="ctr">
-              <a:spcBef>
-                <a:spcPts val="0"/>
-              </a:spcBef>
-            </a:pPr>
-            <a:r>
-              <a:rPr lang="en-US" sz="2000" dirty="0"/>
-              <a:t>Setup for the hooking up 3.5mm Audio Jack to the MSP430 Launchpad Board</a:t>
-            </a:r>
-          </a:p>
-          <a:p>
-            <a:pPr algn="ctr">
-              <a:spcBef>
-                <a:spcPts val="0"/>
-              </a:spcBef>
-            </a:pPr>
-            <a:r>
-              <a:rPr lang="en-US" sz="2000" dirty="0" smtClean="0"/>
-              <a:t>without </a:t>
-            </a:r>
-            <a:r>
-              <a:rPr lang="en-US" sz="2000" dirty="0"/>
-              <a:t>Volume Control</a:t>
-            </a:r>
-          </a:p>
-        </p:txBody>
-      </p:sp>
-      <p:pic>
-        <p:nvPicPr>
-          <p:cNvPr id="1026" name="Picture 2"/>
-          <p:cNvPicPr>
-            <a:picLocks noChangeAspect="1" noChangeArrowheads="1"/>
-          </p:cNvPicPr>
-          <p:nvPr/>
-        </p:nvPicPr>
-        <p:blipFill>
-          <a:blip r:embed="rId2">
-            <a:extLst>
-              <a:ext uri="{28A0092B-C50C-407E-A947-70E740481C1C}">
-                <a14:useLocalDpi xmlns:a14="http://schemas.microsoft.com/office/drawing/2010/main" val="0"/>
-              </a:ext>
-            </a:extLst>
-          </a:blip>
-          <a:srcRect/>
-          <a:stretch>
-            <a:fillRect/>
-          </a:stretch>
-        </p:blipFill>
-        <p:spPr bwMode="auto">
-          <a:xfrm>
-            <a:off x="354251" y="1385334"/>
-            <a:ext cx="8435498" cy="4769734"/>
-          </a:xfrm>
-          <a:prstGeom prst="rect">
-            <a:avLst/>
-          </a:prstGeom>
-          <a:noFill/>
-          <a:ln>
-            <a:noFill/>
-          </a:ln>
-          <a:extLst>
-            <a:ext uri="{909E8E84-426E-40DD-AFC4-6F175D3DCCD1}">
-              <a14:hiddenFill xmlns:a14="http://schemas.microsoft.com/office/drawing/2010/main">
-                <a:solidFill>
-                  <a:schemeClr val="accent1"/>
-                </a:solidFill>
-              </a14:hiddenFill>
-            </a:ext>
-            <a:ext uri="{91240B29-F687-4F45-9708-019B960494DF}">
-              <a14:hiddenLine xmlns:a14="http://schemas.microsoft.com/office/drawing/2010/main" w="9525">
-                <a:solidFill>
-                  <a:schemeClr val="tx1"/>
-                </a:solidFill>
-                <a:miter lim="800000"/>
-                <a:headEnd/>
-                <a:tailEnd/>
-              </a14:hiddenLine>
-            </a:ext>
-          </a:extLst>
-        </p:spPr>
-      </p:pic>
-    </p:spTree>
-    <p:extLst>
-      <p:ext uri="{BB962C8B-B14F-4D97-AF65-F5344CB8AC3E}">
-        <p14:creationId xmlns:p14="http://schemas.microsoft.com/office/powerpoint/2010/main" val="2469392628"/>
-      </p:ext>
-    </p:extLst>
-  </p:cSld>
-  <p:clrMapOvr>
-    <a:masterClrMapping/>
-  </p:clrMapOvr>
-  <mc:AlternateContent xmlns:mc="http://schemas.openxmlformats.org/markup-compatibility/2006" xmlns:p14="http://schemas.microsoft.com/office/powerpoint/2010/main">
-    <mc:Choice Requires="p14">
-      <p:transition spd="slow" p14:dur="2000"/>
-    </mc:Choice>
-    <mc:Fallback xmlns="">
-      <p:transition spd="slow"/>
-    </mc:Fallback>
-  </mc:AlternateContent>
   <p:timing>
     <p:tnLst>
       <p:par>
@@ -16305,6 +16741,231 @@
       </p:sp>
       <p:pic>
         <p:nvPicPr>
+          <p:cNvPr id="1026" name="Picture 2"/>
+          <p:cNvPicPr>
+            <a:picLocks noChangeAspect="1" noChangeArrowheads="1"/>
+          </p:cNvPicPr>
+          <p:nvPr/>
+        </p:nvPicPr>
+        <p:blipFill>
+          <a:blip r:embed="rId2">
+            <a:extLst>
+              <a:ext uri="{28A0092B-C50C-407E-A947-70E740481C1C}">
+                <a14:useLocalDpi xmlns:a14="http://schemas.microsoft.com/office/drawing/2010/main" val="0"/>
+              </a:ext>
+            </a:extLst>
+          </a:blip>
+          <a:srcRect/>
+          <a:stretch>
+            <a:fillRect/>
+          </a:stretch>
+        </p:blipFill>
+        <p:spPr bwMode="auto">
+          <a:xfrm>
+            <a:off x="354251" y="1385334"/>
+            <a:ext cx="8435498" cy="4769734"/>
+          </a:xfrm>
+          <a:prstGeom prst="rect">
+            <a:avLst/>
+          </a:prstGeom>
+          <a:noFill/>
+          <a:ln>
+            <a:noFill/>
+          </a:ln>
+          <a:extLst>
+            <a:ext uri="{909E8E84-426E-40DD-AFC4-6F175D3DCCD1}">
+              <a14:hiddenFill xmlns:a14="http://schemas.microsoft.com/office/drawing/2010/main">
+                <a:solidFill>
+                  <a:schemeClr val="accent1"/>
+                </a:solidFill>
+              </a14:hiddenFill>
+            </a:ext>
+            <a:ext uri="{91240B29-F687-4F45-9708-019B960494DF}">
+              <a14:hiddenLine xmlns:a14="http://schemas.microsoft.com/office/drawing/2010/main" w="9525">
+                <a:solidFill>
+                  <a:schemeClr val="tx1"/>
+                </a:solidFill>
+                <a:miter lim="800000"/>
+                <a:headEnd/>
+                <a:tailEnd/>
+              </a14:hiddenLine>
+            </a:ext>
+          </a:extLst>
+        </p:spPr>
+      </p:pic>
+    </p:spTree>
+    <p:extLst>
+      <p:ext uri="{BB962C8B-B14F-4D97-AF65-F5344CB8AC3E}">
+        <p14:creationId xmlns:p14="http://schemas.microsoft.com/office/powerpoint/2010/main" val="2469392628"/>
+      </p:ext>
+    </p:extLst>
+  </p:cSld>
+  <p:clrMapOvr>
+    <a:masterClrMapping/>
+  </p:clrMapOvr>
+  <mc:AlternateContent xmlns:mc="http://schemas.openxmlformats.org/markup-compatibility/2006" xmlns:p14="http://schemas.microsoft.com/office/powerpoint/2010/main">
+    <mc:Choice Requires="p14">
+      <p:transition spd="slow" p14:dur="2000"/>
+    </mc:Choice>
+    <mc:Fallback xmlns="">
+      <p:transition spd="slow"/>
+    </mc:Fallback>
+  </mc:AlternateContent>
+  <p:timing>
+    <p:tnLst>
+      <p:par>
+        <p:cTn id="1" dur="indefinite" restart="never" nodeType="tmRoot"/>
+      </p:par>
+    </p:tnLst>
+  </p:timing>
+</p:sld>
+</file>
+
+<file path=ppt/slides/slide23.xml><?xml version="1.0" encoding="utf-8"?>
+<p:sld xmlns:a="http://schemas.openxmlformats.org/drawingml/2006/main" xmlns:r="http://schemas.openxmlformats.org/officeDocument/2006/relationships" xmlns:p="http://schemas.openxmlformats.org/presentationml/2006/main" show="0">
+  <p:cSld>
+    <p:spTree>
+      <p:nvGrpSpPr>
+        <p:cNvPr id="1" name=""/>
+        <p:cNvGrpSpPr/>
+        <p:nvPr/>
+      </p:nvGrpSpPr>
+      <p:grpSpPr>
+        <a:xfrm>
+          <a:off x="0" y="0"/>
+          <a:ext cx="0" cy="0"/>
+          <a:chOff x="0" y="0"/>
+          <a:chExt cx="0" cy="0"/>
+        </a:xfrm>
+      </p:grpSpPr>
+      <p:sp>
+        <p:nvSpPr>
+          <p:cNvPr id="2" name="Title 1"/>
+          <p:cNvSpPr>
+            <a:spLocks noGrp="1"/>
+          </p:cNvSpPr>
+          <p:nvPr>
+            <p:ph type="title"/>
+          </p:nvPr>
+        </p:nvSpPr>
+        <p:spPr/>
+        <p:txBody>
+          <a:bodyPr/>
+          <a:lstStyle/>
+          <a:p>
+            <a:r>
+              <a:rPr lang="en-US" dirty="0" smtClean="0"/>
+              <a:t>In-Class Programming Exercise </a:t>
+            </a:r>
+            <a:endParaRPr lang="en-US" dirty="0"/>
+          </a:p>
+        </p:txBody>
+      </p:sp>
+      <p:sp>
+        <p:nvSpPr>
+          <p:cNvPr id="3" name="Content Placeholder 2"/>
+          <p:cNvSpPr>
+            <a:spLocks noGrp="1"/>
+          </p:cNvSpPr>
+          <p:nvPr>
+            <p:ph idx="1"/>
+          </p:nvPr>
+        </p:nvSpPr>
+        <p:spPr/>
+        <p:txBody>
+          <a:bodyPr/>
+          <a:lstStyle/>
+          <a:p>
+            <a:endParaRPr lang="en-US" sz="1800" dirty="0"/>
+          </a:p>
+        </p:txBody>
+      </p:sp>
+      <p:sp>
+        <p:nvSpPr>
+          <p:cNvPr id="4" name="Rectangle 3"/>
+          <p:cNvSpPr/>
+          <p:nvPr/>
+        </p:nvSpPr>
+        <p:spPr>
+          <a:xfrm>
+            <a:off x="3141480" y="659685"/>
+            <a:ext cx="2861040" cy="461665"/>
+          </a:xfrm>
+          <a:prstGeom prst="rect">
+            <a:avLst/>
+          </a:prstGeom>
+        </p:spPr>
+        <p:txBody>
+          <a:bodyPr wrap="none">
+            <a:spAutoFit/>
+          </a:bodyPr>
+          <a:lstStyle/>
+          <a:p>
+            <a:r>
+              <a:rPr lang="en-US" dirty="0"/>
+              <a:t>(see </a:t>
+            </a:r>
+            <a:r>
+              <a:rPr lang="en-US" dirty="0" err="1"/>
+              <a:t>interruptTones.c</a:t>
+            </a:r>
+            <a:r>
+              <a:rPr lang="en-US" dirty="0"/>
+              <a:t>)</a:t>
+            </a:r>
+          </a:p>
+        </p:txBody>
+      </p:sp>
+      <p:sp>
+        <p:nvSpPr>
+          <p:cNvPr id="7" name="Rectangle 6"/>
+          <p:cNvSpPr/>
+          <p:nvPr/>
+        </p:nvSpPr>
+        <p:spPr>
+          <a:xfrm>
+            <a:off x="0" y="6172174"/>
+            <a:ext cx="9144000" cy="707886"/>
+          </a:xfrm>
+          <a:prstGeom prst="rect">
+            <a:avLst/>
+          </a:prstGeom>
+        </p:spPr>
+        <p:txBody>
+          <a:bodyPr wrap="square">
+            <a:spAutoFit/>
+          </a:bodyPr>
+          <a:lstStyle/>
+          <a:p>
+            <a:pPr algn="ctr">
+              <a:spcBef>
+                <a:spcPts val="0"/>
+              </a:spcBef>
+            </a:pPr>
+            <a:r>
+              <a:rPr lang="en-US" sz="2000" dirty="0"/>
+              <a:t>Setup for the hooking up 3.5mm Audio Jack to the MSP430 Launchpad Board</a:t>
+            </a:r>
+          </a:p>
+          <a:p>
+            <a:pPr algn="ctr">
+              <a:spcBef>
+                <a:spcPts val="0"/>
+              </a:spcBef>
+            </a:pPr>
+            <a:r>
+              <a:rPr lang="en-US" sz="2000" dirty="0" smtClean="0"/>
+              <a:t>without </a:t>
+            </a:r>
+            <a:r>
+              <a:rPr lang="en-US" sz="2000" dirty="0"/>
+              <a:t>Volume Control</a:t>
+            </a:r>
+          </a:p>
+        </p:txBody>
+      </p:sp>
+      <p:pic>
+        <p:nvPicPr>
           <p:cNvPr id="3074" name="Picture 2"/>
           <p:cNvPicPr>
             <a:picLocks noChangeAspect="1" noChangeArrowheads="1"/>
@@ -16385,7 +17046,7 @@
 </p:sld>
 </file>
 
-<file path=ppt/slides/slide23.xml><?xml version="1.0" encoding="utf-8"?>
+<file path=ppt/slides/slide24.xml><?xml version="1.0" encoding="utf-8"?>
 <p:sld xmlns:a="http://schemas.openxmlformats.org/drawingml/2006/main" xmlns:r="http://schemas.openxmlformats.org/officeDocument/2006/relationships" xmlns:p="http://schemas.openxmlformats.org/presentationml/2006/main">
   <p:cSld>
     <p:spTree>
@@ -16584,7 +17245,7 @@
 </p:sld>
 </file>
 
-<file path=ppt/slides/slide24.xml><?xml version="1.0" encoding="utf-8"?>
+<file path=ppt/slides/slide25.xml><?xml version="1.0" encoding="utf-8"?>
 <p:sld xmlns:a="http://schemas.openxmlformats.org/drawingml/2006/main" xmlns:r="http://schemas.openxmlformats.org/officeDocument/2006/relationships" xmlns:p="http://schemas.openxmlformats.org/presentationml/2006/main">
   <p:cSld>
     <p:spTree>
@@ -17494,15 +18155,7 @@
                   <a:schemeClr val="accent2"/>
                 </a:solidFill>
               </a:rPr>
-              <a:t>Return to normal </a:t>
-            </a:r>
-            <a:r>
-              <a:rPr lang="en-US" dirty="0" smtClean="0">
-                <a:solidFill>
-                  <a:schemeClr val="accent2"/>
-                </a:solidFill>
-              </a:rPr>
-              <a:t>program</a:t>
+              <a:t>Return to normal program</a:t>
             </a:r>
             <a:endParaRPr lang="en-US" sz="1600" dirty="0">
               <a:solidFill>

--- a/source/lessons/lsn24-25/Lsn24-25.pptx
+++ b/source/lessons/lsn24-25/Lsn24-25.pptx
@@ -7,10 +7,10 @@
     <p:sldMasterId id="2147483667" r:id="rId3"/>
   </p:sldMasterIdLst>
   <p:notesMasterIdLst>
-    <p:notesMasterId r:id="rId29"/>
+    <p:notesMasterId r:id="rId22"/>
   </p:notesMasterIdLst>
   <p:handoutMasterIdLst>
-    <p:handoutMasterId r:id="rId30"/>
+    <p:handoutMasterId r:id="rId23"/>
   </p:handoutMasterIdLst>
   <p:sldIdLst>
     <p:sldId id="352" r:id="rId4"/>
@@ -31,13 +31,6 @@
     <p:sldId id="369" r:id="rId19"/>
     <p:sldId id="375" r:id="rId20"/>
     <p:sldId id="353" r:id="rId21"/>
-    <p:sldId id="356" r:id="rId22"/>
-    <p:sldId id="357" r:id="rId23"/>
-    <p:sldId id="370" r:id="rId24"/>
-    <p:sldId id="371" r:id="rId25"/>
-    <p:sldId id="372" r:id="rId26"/>
-    <p:sldId id="373" r:id="rId27"/>
-    <p:sldId id="374" r:id="rId28"/>
   </p:sldIdLst>
   <p:sldSz cx="9144000" cy="6858000" type="screen4x3"/>
   <p:notesSz cx="7010400" cy="9296400"/>
@@ -894,572 +887,6 @@
 </p:notesMaster>
 </file>
 
-<file path=ppt/notesSlides/notesSlide1.xml><?xml version="1.0" encoding="utf-8"?>
-<p:notes xmlns:a="http://schemas.openxmlformats.org/drawingml/2006/main" xmlns:r="http://schemas.openxmlformats.org/officeDocument/2006/relationships" xmlns:p="http://schemas.openxmlformats.org/presentationml/2006/main">
-  <p:cSld>
-    <p:spTree>
-      <p:nvGrpSpPr>
-        <p:cNvPr id="1" name=""/>
-        <p:cNvGrpSpPr/>
-        <p:nvPr/>
-      </p:nvGrpSpPr>
-      <p:grpSpPr>
-        <a:xfrm>
-          <a:off x="0" y="0"/>
-          <a:ext cx="0" cy="0"/>
-          <a:chOff x="0" y="0"/>
-          <a:chExt cx="0" cy="0"/>
-        </a:xfrm>
-      </p:grpSpPr>
-      <p:sp>
-        <p:nvSpPr>
-          <p:cNvPr id="2" name="Slide Image Placeholder 1"/>
-          <p:cNvSpPr>
-            <a:spLocks noGrp="1" noRot="1" noChangeAspect="1"/>
-          </p:cNvSpPr>
-          <p:nvPr>
-            <p:ph type="sldImg"/>
-          </p:nvPr>
-        </p:nvSpPr>
-        <p:spPr/>
-      </p:sp>
-      <p:sp>
-        <p:nvSpPr>
-          <p:cNvPr id="3" name="Notes Placeholder 2"/>
-          <p:cNvSpPr>
-            <a:spLocks noGrp="1"/>
-          </p:cNvSpPr>
-          <p:nvPr>
-            <p:ph type="body" idx="1"/>
-          </p:nvPr>
-        </p:nvSpPr>
-        <p:spPr/>
-        <p:txBody>
-          <a:bodyPr/>
-          <a:lstStyle/>
-          <a:p>
-            <a:r>
-              <a:rPr lang="en-US" dirty="0" smtClean="0"/>
-              <a:t>Let's examine what's going on here.</a:t>
-            </a:r>
-          </a:p>
-          <a:p>
-            <a:r>
-              <a:rPr lang="en-US" dirty="0" smtClean="0"/>
-              <a:t>The first line of code moves r1 (the stack pointer) into r4. The compiler is using r4 as the </a:t>
-            </a:r>
-            <a:r>
-              <a:rPr lang="en-US" b="1" dirty="0" smtClean="0"/>
-              <a:t>frame pointer</a:t>
-            </a:r>
-            <a:r>
-              <a:rPr lang="en-US" dirty="0" smtClean="0"/>
-              <a:t>. When you call a function (main() in this case), all of its local variables are allocated on the stack. We call the space on the stack used by a function a </a:t>
-            </a:r>
-            <a:r>
-              <a:rPr lang="en-US" b="1" dirty="0" smtClean="0"/>
-              <a:t>stack frame</a:t>
-            </a:r>
-            <a:r>
-              <a:rPr lang="en-US" dirty="0" smtClean="0"/>
-              <a:t>. However, the stack pointer changes as you allocate more variables on the stack. So a variable that was at 4(r1) at one point in your function could later be at 8(r1) if the stack pointer changes. The frame pointer ensures a consistent address for the same variable throughout the function. If we store the address of the base of the stack frame in the frame pointer, each variable will always be stored at the same place relative to the frame pointer - so a variable at 4(r4) will always be accessible at 4(r4).</a:t>
-            </a:r>
-          </a:p>
-          <a:p>
-            <a:r>
-              <a:rPr lang="en-US" dirty="0" smtClean="0"/>
-              <a:t>So the first line of code is setting the frame pointer. Next, the compiler adds 2 to the frame pointer. In most functions, the first thing you do is push the frame pointer onto the stack via push r4 - main is the exception. Adding two puts the base of the stack frame below this value, which is what we want.</a:t>
-            </a:r>
-          </a:p>
-          <a:p>
-            <a:r>
-              <a:rPr lang="en-US" dirty="0" smtClean="0"/>
-              <a:t>Next, the compiler subtracts two from the stack pointer. This is because we're allocating our int variable on the stack, so we're giving it two bytes. If we allocated two </a:t>
-            </a:r>
-            <a:r>
-              <a:rPr lang="en-US" dirty="0" err="1" smtClean="0"/>
-              <a:t>ints</a:t>
-            </a:r>
-            <a:r>
-              <a:rPr lang="en-US" dirty="0" smtClean="0"/>
-              <a:t>, the compiler would subtract 4 from the stack pointer.</a:t>
-            </a:r>
-          </a:p>
-          <a:p>
-            <a:endParaRPr lang="en-US" dirty="0" smtClean="0"/>
-          </a:p>
-          <a:p>
-            <a:r>
-              <a:rPr lang="en-US" dirty="0" smtClean="0"/>
-              <a:t>Our first four instructions are identical to our first sample program. We're setting up the frame pointer and allocating our variable on the stack.</a:t>
-            </a:r>
-          </a:p>
-          <a:p>
-            <a:r>
-              <a:rPr lang="en-US" dirty="0" smtClean="0"/>
-              <a:t>Next, we're moving our variable into r15. Remember, our ABI says that the first parameter to a function should be passed in through r15 - so we move our there.</a:t>
-            </a:r>
-          </a:p>
-          <a:p>
-            <a:r>
-              <a:rPr lang="en-US" dirty="0" smtClean="0"/>
-              <a:t>Next, we call the </a:t>
-            </a:r>
-            <a:r>
-              <a:rPr lang="en-US" dirty="0" err="1" smtClean="0"/>
-              <a:t>recursiveSummation</a:t>
-            </a:r>
-            <a:r>
-              <a:rPr lang="en-US" dirty="0" smtClean="0"/>
-              <a:t> subroutine the compiler has created.</a:t>
-            </a:r>
-          </a:p>
-          <a:p>
-            <a:r>
-              <a:rPr lang="en-US" dirty="0" smtClean="0"/>
-              <a:t>Once inside the </a:t>
-            </a:r>
-            <a:r>
-              <a:rPr lang="en-US" dirty="0" err="1" smtClean="0"/>
-              <a:t>recursiveSummation</a:t>
-            </a:r>
-            <a:r>
-              <a:rPr lang="en-US" dirty="0" smtClean="0"/>
-              <a:t> subroutine, we push the </a:t>
-            </a:r>
-            <a:r>
-              <a:rPr lang="en-US" dirty="0" err="1" smtClean="0"/>
-              <a:t>framePointer</a:t>
-            </a:r>
-            <a:r>
-              <a:rPr lang="en-US" dirty="0" smtClean="0"/>
-              <a:t> onto the stack so we don't destroy it. Then, we establish a new frame pointer and allocate a variable on the stack - just like we did in main.</a:t>
-            </a:r>
-          </a:p>
-          <a:p>
-            <a:r>
-              <a:rPr lang="en-US" dirty="0" smtClean="0"/>
-              <a:t>Next, the compiler moves the parameter we passed in r15 into the variable we established. It compares the variable to 1.</a:t>
-            </a:r>
-          </a:p>
-          <a:p>
-            <a:r>
-              <a:rPr lang="en-US" dirty="0" smtClean="0"/>
-              <a:t>If it's greater than or equal to 1, we jump to .L3 - the label that holds the code in our else case. We move our parameter into r15 (the register that holds the first parameter we pass to functions), subtract one, and call our </a:t>
-            </a:r>
-            <a:r>
-              <a:rPr lang="en-US" dirty="0" err="1" smtClean="0"/>
-              <a:t>recursiveSummation</a:t>
-            </a:r>
-            <a:r>
-              <a:rPr lang="en-US" dirty="0" smtClean="0"/>
-              <a:t> subroutine again. This code is the </a:t>
-            </a:r>
-            <a:r>
-              <a:rPr lang="en-US" dirty="0" err="1" smtClean="0"/>
-              <a:t>recursiveSummation</a:t>
-            </a:r>
-            <a:r>
-              <a:rPr lang="en-US" dirty="0" smtClean="0"/>
-              <a:t>(</a:t>
-            </a:r>
-            <a:r>
-              <a:rPr lang="en-US" dirty="0" err="1" smtClean="0"/>
-              <a:t>numberToSum</a:t>
-            </a:r>
-            <a:r>
-              <a:rPr lang="en-US" dirty="0" smtClean="0"/>
-              <a:t> - 1) piece of our code. The final instruction adds the current parameter to the result passed back in r15. This code is the return </a:t>
-            </a:r>
-            <a:r>
-              <a:rPr lang="en-US" dirty="0" err="1" smtClean="0"/>
-              <a:t>numberToSum</a:t>
-            </a:r>
-            <a:r>
-              <a:rPr lang="en-US" dirty="0" smtClean="0"/>
-              <a:t> + piece of our code.</a:t>
-            </a:r>
-          </a:p>
-          <a:p>
-            <a:r>
-              <a:rPr lang="en-US" dirty="0" smtClean="0"/>
-              <a:t>If it's less than 1, we're finished. We move 0 into r15, </a:t>
-            </a:r>
-            <a:r>
-              <a:rPr lang="en-US" dirty="0" err="1" smtClean="0"/>
-              <a:t>deallocate</a:t>
-            </a:r>
-            <a:r>
-              <a:rPr lang="en-US" dirty="0" smtClean="0"/>
-              <a:t> our variable from the stack, retrieve the frame pointer we pushed initially, and return.</a:t>
-            </a:r>
-          </a:p>
-          <a:p>
-            <a:r>
-              <a:rPr lang="en-US" dirty="0" smtClean="0"/>
-              <a:t>If you're interested in learning more, check out </a:t>
-            </a:r>
-            <a:r>
-              <a:rPr lang="en-US" dirty="0" smtClean="0">
-                <a:hlinkClick r:id="rId3"/>
-              </a:rPr>
-              <a:t>this Wikipedia reading on the Call Stack</a:t>
-            </a:r>
-            <a:r>
-              <a:rPr lang="en-US" dirty="0" smtClean="0"/>
-              <a:t>.</a:t>
-            </a:r>
-          </a:p>
-          <a:p>
-            <a:endParaRPr lang="en-US" dirty="0" smtClean="0"/>
-          </a:p>
-          <a:p>
-            <a:pPr defTabSz="916503">
-              <a:defRPr/>
-            </a:pPr>
-            <a:r>
-              <a:rPr lang="en-US" dirty="0" smtClean="0"/>
-              <a:t>After we're done, we'll add 2 to the stack pointer to </a:t>
-            </a:r>
-            <a:r>
-              <a:rPr lang="en-US" dirty="0" err="1" smtClean="0"/>
-              <a:t>deallocate</a:t>
-            </a:r>
-            <a:r>
-              <a:rPr lang="en-US" dirty="0" smtClean="0"/>
-              <a:t> int variable since we're done using it.</a:t>
-            </a:r>
-          </a:p>
-          <a:p>
-            <a:endParaRPr lang="en-US" dirty="0"/>
-          </a:p>
-        </p:txBody>
-      </p:sp>
-      <p:sp>
-        <p:nvSpPr>
-          <p:cNvPr id="4" name="Slide Number Placeholder 3"/>
-          <p:cNvSpPr>
-            <a:spLocks noGrp="1"/>
-          </p:cNvSpPr>
-          <p:nvPr>
-            <p:ph type="sldNum" sz="quarter" idx="10"/>
-          </p:nvPr>
-        </p:nvSpPr>
-        <p:spPr/>
-        <p:txBody>
-          <a:bodyPr/>
-          <a:lstStyle/>
-          <a:p>
-            <a:pPr>
-              <a:defRPr/>
-            </a:pPr>
-            <a:fld id="{B521704A-D1DF-485C-B173-B5BBD5DDB5B9}" type="slidenum">
-              <a:rPr lang="en-US" smtClean="0"/>
-              <a:pPr>
-                <a:defRPr/>
-              </a:pPr>
-              <a:t>19</a:t>
-            </a:fld>
-            <a:endParaRPr lang="en-US"/>
-          </a:p>
-        </p:txBody>
-      </p:sp>
-    </p:spTree>
-    <p:extLst>
-      <p:ext uri="{BB962C8B-B14F-4D97-AF65-F5344CB8AC3E}">
-        <p14:creationId xmlns:p14="http://schemas.microsoft.com/office/powerpoint/2010/main" val="2225843644"/>
-      </p:ext>
-    </p:extLst>
-  </p:cSld>
-  <p:clrMapOvr>
-    <a:masterClrMapping/>
-  </p:clrMapOvr>
-</p:notes>
-</file>
-
-<file path=ppt/notesSlides/notesSlide2.xml><?xml version="1.0" encoding="utf-8"?>
-<p:notes xmlns:a="http://schemas.openxmlformats.org/drawingml/2006/main" xmlns:r="http://schemas.openxmlformats.org/officeDocument/2006/relationships" xmlns:p="http://schemas.openxmlformats.org/presentationml/2006/main">
-  <p:cSld>
-    <p:spTree>
-      <p:nvGrpSpPr>
-        <p:cNvPr id="1" name=""/>
-        <p:cNvGrpSpPr/>
-        <p:nvPr/>
-      </p:nvGrpSpPr>
-      <p:grpSpPr>
-        <a:xfrm>
-          <a:off x="0" y="0"/>
-          <a:ext cx="0" cy="0"/>
-          <a:chOff x="0" y="0"/>
-          <a:chExt cx="0" cy="0"/>
-        </a:xfrm>
-      </p:grpSpPr>
-      <p:sp>
-        <p:nvSpPr>
-          <p:cNvPr id="2" name="Slide Image Placeholder 1"/>
-          <p:cNvSpPr>
-            <a:spLocks noGrp="1" noRot="1" noChangeAspect="1"/>
-          </p:cNvSpPr>
-          <p:nvPr>
-            <p:ph type="sldImg"/>
-          </p:nvPr>
-        </p:nvSpPr>
-        <p:spPr/>
-      </p:sp>
-      <p:sp>
-        <p:nvSpPr>
-          <p:cNvPr id="3" name="Notes Placeholder 2"/>
-          <p:cNvSpPr>
-            <a:spLocks noGrp="1"/>
-          </p:cNvSpPr>
-          <p:nvPr>
-            <p:ph type="body" idx="1"/>
-          </p:nvPr>
-        </p:nvSpPr>
-        <p:spPr/>
-        <p:txBody>
-          <a:bodyPr/>
-          <a:lstStyle/>
-          <a:p>
-            <a:r>
-              <a:rPr lang="en-US" dirty="0" smtClean="0"/>
-              <a:t>Let's examine what's going on here.</a:t>
-            </a:r>
-          </a:p>
-          <a:p>
-            <a:r>
-              <a:rPr lang="en-US" dirty="0" smtClean="0"/>
-              <a:t>The first line of code moves r1 (the stack pointer) into r4. The compiler is using r4 as the </a:t>
-            </a:r>
-            <a:r>
-              <a:rPr lang="en-US" b="1" dirty="0" smtClean="0"/>
-              <a:t>frame pointer</a:t>
-            </a:r>
-            <a:r>
-              <a:rPr lang="en-US" dirty="0" smtClean="0"/>
-              <a:t>. When you call a function (main() in this case), all of its local variables are allocated on the stack. We call the space on the stack used by a function a </a:t>
-            </a:r>
-            <a:r>
-              <a:rPr lang="en-US" b="1" dirty="0" smtClean="0"/>
-              <a:t>stack frame</a:t>
-            </a:r>
-            <a:r>
-              <a:rPr lang="en-US" dirty="0" smtClean="0"/>
-              <a:t>. However, the stack pointer changes as you allocate more variables on the stack. So a variable that was at 4(r1) at one point in your function could later be at 8(r1) if the stack pointer changes. The frame pointer ensures a consistent address for the same variable throughout the function. If we store the address of the base of the stack frame in the frame pointer, each variable will always be stored at the same place relative to the frame pointer - so a variable at 4(r4) will always be accessible at 4(r4).</a:t>
-            </a:r>
-          </a:p>
-          <a:p>
-            <a:r>
-              <a:rPr lang="en-US" dirty="0" smtClean="0"/>
-              <a:t>So the first line of code is setting the frame pointer. Next, the compiler adds 2 to the frame pointer. In most functions, the first thing you do is push the frame pointer onto the stack via push r4 - main is the exception. Adding two puts the base of the stack frame below this value, which is what we want.</a:t>
-            </a:r>
-          </a:p>
-          <a:p>
-            <a:r>
-              <a:rPr lang="en-US" dirty="0" smtClean="0"/>
-              <a:t>Next, the compiler subtracts two from the stack pointer. This is because we're allocating our int variable on the stack, so we're giving it two bytes. If we allocated two </a:t>
-            </a:r>
-            <a:r>
-              <a:rPr lang="en-US" dirty="0" err="1" smtClean="0"/>
-              <a:t>ints</a:t>
-            </a:r>
-            <a:r>
-              <a:rPr lang="en-US" dirty="0" smtClean="0"/>
-              <a:t>, the compiler would subtract 4 from the stack pointer.</a:t>
-            </a:r>
-          </a:p>
-          <a:p>
-            <a:endParaRPr lang="en-US" dirty="0" smtClean="0"/>
-          </a:p>
-          <a:p>
-            <a:r>
-              <a:rPr lang="en-US" dirty="0" smtClean="0"/>
-              <a:t>Our first four instructions are identical to our first sample program. We're setting up the frame pointer and allocating our variable on the stack.</a:t>
-            </a:r>
-          </a:p>
-          <a:p>
-            <a:r>
-              <a:rPr lang="en-US" dirty="0" smtClean="0"/>
-              <a:t>Next, we're moving our variable into r15. Remember, our ABI says that the first parameter to a function should be passed in through r15 - so we move our there.</a:t>
-            </a:r>
-          </a:p>
-          <a:p>
-            <a:r>
-              <a:rPr lang="en-US" dirty="0" smtClean="0"/>
-              <a:t>Next, we call the </a:t>
-            </a:r>
-            <a:r>
-              <a:rPr lang="en-US" dirty="0" err="1" smtClean="0"/>
-              <a:t>recursiveSummation</a:t>
-            </a:r>
-            <a:r>
-              <a:rPr lang="en-US" dirty="0" smtClean="0"/>
-              <a:t> subroutine the compiler has created.</a:t>
-            </a:r>
-          </a:p>
-          <a:p>
-            <a:r>
-              <a:rPr lang="en-US" dirty="0" smtClean="0"/>
-              <a:t>Once inside the </a:t>
-            </a:r>
-            <a:r>
-              <a:rPr lang="en-US" dirty="0" err="1" smtClean="0"/>
-              <a:t>recursiveSummation</a:t>
-            </a:r>
-            <a:r>
-              <a:rPr lang="en-US" dirty="0" smtClean="0"/>
-              <a:t> subroutine, we push the </a:t>
-            </a:r>
-            <a:r>
-              <a:rPr lang="en-US" dirty="0" err="1" smtClean="0"/>
-              <a:t>framePointer</a:t>
-            </a:r>
-            <a:r>
-              <a:rPr lang="en-US" dirty="0" smtClean="0"/>
-              <a:t> onto the stack so we don't destroy it. Then, we establish a new frame pointer and allocate a variable on the stack - just like we did in main.</a:t>
-            </a:r>
-          </a:p>
-          <a:p>
-            <a:r>
-              <a:rPr lang="en-US" dirty="0" smtClean="0"/>
-              <a:t>Next, the compiler moves the parameter we passed in r15 into the variable we established. It compares the variable to 1.</a:t>
-            </a:r>
-          </a:p>
-          <a:p>
-            <a:r>
-              <a:rPr lang="en-US" dirty="0" smtClean="0"/>
-              <a:t>If it's greater than or equal to 1, we jump to .L3 - the label that holds the code in our else case. We move our parameter into r15 (the register that holds the first parameter we pass to functions), subtract one, and call our </a:t>
-            </a:r>
-            <a:r>
-              <a:rPr lang="en-US" dirty="0" err="1" smtClean="0"/>
-              <a:t>recursiveSummation</a:t>
-            </a:r>
-            <a:r>
-              <a:rPr lang="en-US" dirty="0" smtClean="0"/>
-              <a:t> subroutine again. This code is the </a:t>
-            </a:r>
-            <a:r>
-              <a:rPr lang="en-US" dirty="0" err="1" smtClean="0"/>
-              <a:t>recursiveSummation</a:t>
-            </a:r>
-            <a:r>
-              <a:rPr lang="en-US" dirty="0" smtClean="0"/>
-              <a:t>(</a:t>
-            </a:r>
-            <a:r>
-              <a:rPr lang="en-US" dirty="0" err="1" smtClean="0"/>
-              <a:t>numberToSum</a:t>
-            </a:r>
-            <a:r>
-              <a:rPr lang="en-US" dirty="0" smtClean="0"/>
-              <a:t> - 1) piece of our code. The final instruction adds the current parameter to the result passed back in r15. This code is the return </a:t>
-            </a:r>
-            <a:r>
-              <a:rPr lang="en-US" dirty="0" err="1" smtClean="0"/>
-              <a:t>numberToSum</a:t>
-            </a:r>
-            <a:r>
-              <a:rPr lang="en-US" dirty="0" smtClean="0"/>
-              <a:t> + piece of our code.</a:t>
-            </a:r>
-          </a:p>
-          <a:p>
-            <a:r>
-              <a:rPr lang="en-US" dirty="0" smtClean="0"/>
-              <a:t>If it's less than 1, we're finished. We move 0 into r15, </a:t>
-            </a:r>
-            <a:r>
-              <a:rPr lang="en-US" dirty="0" err="1" smtClean="0"/>
-              <a:t>deallocate</a:t>
-            </a:r>
-            <a:r>
-              <a:rPr lang="en-US" dirty="0" smtClean="0"/>
-              <a:t> our variable from the stack, retrieve the frame pointer we pushed initially, and return.</a:t>
-            </a:r>
-          </a:p>
-          <a:p>
-            <a:r>
-              <a:rPr lang="en-US" dirty="0" smtClean="0"/>
-              <a:t>If you're interested in learning more, check out </a:t>
-            </a:r>
-            <a:r>
-              <a:rPr lang="en-US" dirty="0" smtClean="0">
-                <a:hlinkClick r:id="rId3"/>
-              </a:rPr>
-              <a:t>this Wikipedia reading on the Call Stack</a:t>
-            </a:r>
-            <a:r>
-              <a:rPr lang="en-US" dirty="0" smtClean="0"/>
-              <a:t>.</a:t>
-            </a:r>
-          </a:p>
-          <a:p>
-            <a:endParaRPr lang="en-US" dirty="0" smtClean="0"/>
-          </a:p>
-          <a:p>
-            <a:pPr defTabSz="916503">
-              <a:defRPr/>
-            </a:pPr>
-            <a:r>
-              <a:rPr lang="en-US" dirty="0" smtClean="0"/>
-              <a:t>After we're done, we'll add 2 to the stack pointer to </a:t>
-            </a:r>
-            <a:r>
-              <a:rPr lang="en-US" dirty="0" err="1" smtClean="0"/>
-              <a:t>deallocate</a:t>
-            </a:r>
-            <a:r>
-              <a:rPr lang="en-US" dirty="0" smtClean="0"/>
-              <a:t> int variable since we're done using it.</a:t>
-            </a:r>
-          </a:p>
-          <a:p>
-            <a:endParaRPr lang="en-US" dirty="0"/>
-          </a:p>
-        </p:txBody>
-      </p:sp>
-      <p:sp>
-        <p:nvSpPr>
-          <p:cNvPr id="4" name="Slide Number Placeholder 3"/>
-          <p:cNvSpPr>
-            <a:spLocks noGrp="1"/>
-          </p:cNvSpPr>
-          <p:nvPr>
-            <p:ph type="sldNum" sz="quarter" idx="10"/>
-          </p:nvPr>
-        </p:nvSpPr>
-        <p:spPr/>
-        <p:txBody>
-          <a:bodyPr/>
-          <a:lstStyle/>
-          <a:p>
-            <a:pPr>
-              <a:defRPr/>
-            </a:pPr>
-            <a:fld id="{B521704A-D1DF-485C-B173-B5BBD5DDB5B9}" type="slidenum">
-              <a:rPr lang="en-US" smtClean="0"/>
-              <a:pPr>
-                <a:defRPr/>
-              </a:pPr>
-              <a:t>20</a:t>
-            </a:fld>
-            <a:endParaRPr lang="en-US"/>
-          </a:p>
-        </p:txBody>
-      </p:sp>
-    </p:spTree>
-    <p:extLst>
-      <p:ext uri="{BB962C8B-B14F-4D97-AF65-F5344CB8AC3E}">
-        <p14:creationId xmlns:p14="http://schemas.microsoft.com/office/powerpoint/2010/main" val="439723644"/>
-      </p:ext>
-    </p:extLst>
-  </p:cSld>
-  <p:clrMapOvr>
-    <a:masterClrMapping/>
-  </p:clrMapOvr>
-</p:notes>
-</file>
-
 <file path=ppt/slideLayouts/slideLayout1.xml><?xml version="1.0" encoding="utf-8"?>
 <p:sldLayout xmlns:a="http://schemas.openxmlformats.org/drawingml/2006/main" xmlns:r="http://schemas.openxmlformats.org/officeDocument/2006/relationships" xmlns:p="http://schemas.openxmlformats.org/presentationml/2006/main" preserve="1" userDrawn="1">
   <p:cSld name="Title Slide">
@@ -1941,7 +1368,7 @@
           <a:p>
             <a:fld id="{834513E8-165F-4932-9E2D-FD497CB9A4FD}" type="datetimeFigureOut">
               <a:rPr lang="en-US" smtClean="0"/>
-              <a:t>10/16/2018</a:t>
+              <a:t>10/18/2018</a:t>
             </a:fld>
             <a:endParaRPr lang="en-US"/>
           </a:p>
@@ -2218,7 +1645,7 @@
           <a:p>
             <a:fld id="{834513E8-165F-4932-9E2D-FD497CB9A4FD}" type="datetimeFigureOut">
               <a:rPr lang="en-US" smtClean="0"/>
-              <a:t>10/16/2018</a:t>
+              <a:t>10/18/2018</a:t>
             </a:fld>
             <a:endParaRPr lang="en-US"/>
           </a:p>
@@ -2471,7 +1898,7 @@
           <a:p>
             <a:fld id="{834513E8-165F-4932-9E2D-FD497CB9A4FD}" type="datetimeFigureOut">
               <a:rPr lang="en-US" smtClean="0"/>
-              <a:t>10/16/2018</a:t>
+              <a:t>10/18/2018</a:t>
             </a:fld>
             <a:endParaRPr lang="en-US"/>
           </a:p>
@@ -2641,7 +2068,7 @@
           <a:p>
             <a:fld id="{834513E8-165F-4932-9E2D-FD497CB9A4FD}" type="datetimeFigureOut">
               <a:rPr lang="en-US" smtClean="0"/>
-              <a:t>10/16/2018</a:t>
+              <a:t>10/18/2018</a:t>
             </a:fld>
             <a:endParaRPr lang="en-US"/>
           </a:p>
@@ -2821,7 +2248,7 @@
           <a:p>
             <a:fld id="{834513E8-165F-4932-9E2D-FD497CB9A4FD}" type="datetimeFigureOut">
               <a:rPr lang="en-US" smtClean="0"/>
-              <a:t>10/16/2018</a:t>
+              <a:t>10/18/2018</a:t>
             </a:fld>
             <a:endParaRPr lang="en-US"/>
           </a:p>
@@ -3565,7 +2992,7 @@
           <a:p>
             <a:fld id="{834513E8-165F-4932-9E2D-FD497CB9A4FD}" type="datetimeFigureOut">
               <a:rPr lang="en-US" smtClean="0"/>
-              <a:t>10/16/2018</a:t>
+              <a:t>10/18/2018</a:t>
             </a:fld>
             <a:endParaRPr lang="en-US"/>
           </a:p>
@@ -3735,7 +3162,7 @@
           <a:p>
             <a:fld id="{834513E8-165F-4932-9E2D-FD497CB9A4FD}" type="datetimeFigureOut">
               <a:rPr lang="en-US" smtClean="0"/>
-              <a:t>10/16/2018</a:t>
+              <a:t>10/18/2018</a:t>
             </a:fld>
             <a:endParaRPr lang="en-US"/>
           </a:p>
@@ -3981,7 +3408,7 @@
           <a:p>
             <a:fld id="{834513E8-165F-4932-9E2D-FD497CB9A4FD}" type="datetimeFigureOut">
               <a:rPr lang="en-US" smtClean="0"/>
-              <a:t>10/16/2018</a:t>
+              <a:t>10/18/2018</a:t>
             </a:fld>
             <a:endParaRPr lang="en-US"/>
           </a:p>
@@ -4213,7 +3640,7 @@
           <a:p>
             <a:fld id="{834513E8-165F-4932-9E2D-FD497CB9A4FD}" type="datetimeFigureOut">
               <a:rPr lang="en-US" smtClean="0"/>
-              <a:t>10/16/2018</a:t>
+              <a:t>10/18/2018</a:t>
             </a:fld>
             <a:endParaRPr lang="en-US"/>
           </a:p>
@@ -4580,7 +4007,7 @@
           <a:p>
             <a:fld id="{834513E8-165F-4932-9E2D-FD497CB9A4FD}" type="datetimeFigureOut">
               <a:rPr lang="en-US" smtClean="0"/>
-              <a:t>10/16/2018</a:t>
+              <a:t>10/18/2018</a:t>
             </a:fld>
             <a:endParaRPr lang="en-US"/>
           </a:p>
@@ -4698,7 +4125,7 @@
           <a:p>
             <a:fld id="{834513E8-165F-4932-9E2D-FD497CB9A4FD}" type="datetimeFigureOut">
               <a:rPr lang="en-US" smtClean="0"/>
-              <a:t>10/16/2018</a:t>
+              <a:t>10/18/2018</a:t>
             </a:fld>
             <a:endParaRPr lang="en-US"/>
           </a:p>
@@ -6514,7 +5941,7 @@
           <a:p>
             <a:fld id="{834513E8-165F-4932-9E2D-FD497CB9A4FD}" type="datetimeFigureOut">
               <a:rPr lang="en-US" smtClean="0"/>
-              <a:t>10/16/2018</a:t>
+              <a:t>10/18/2018</a:t>
             </a:fld>
             <a:endParaRPr lang="en-US"/>
           </a:p>
@@ -13877,24 +13304,11 @@
               <a:rPr lang="en-US" dirty="0" smtClean="0"/>
               <a:t>Setup the interrupts to read a button presses</a:t>
             </a:r>
-            <a:endParaRPr lang="en-US" dirty="0" smtClean="0"/>
           </a:p>
           <a:p>
             <a:r>
               <a:rPr lang="en-US" dirty="0" smtClean="0"/>
-              <a:t>When you press the button on the Launchpad, the </a:t>
-            </a:r>
-            <a:r>
-              <a:rPr lang="en-US" dirty="0" smtClean="0"/>
-              <a:t>red LED </a:t>
-            </a:r>
-            <a:r>
-              <a:rPr lang="en-US" dirty="0" smtClean="0"/>
-              <a:t>is toggled </a:t>
-            </a:r>
-            <a:r>
-              <a:rPr lang="en-US" dirty="0" smtClean="0"/>
-              <a:t>on/off</a:t>
+              <a:t>When you press the button on the Launchpad, the red LED is toggled on/off</a:t>
             </a:r>
           </a:p>
           <a:p>
@@ -13926,11 +13340,7 @@
           <a:p>
             <a:r>
               <a:rPr lang="en-US" dirty="0" smtClean="0"/>
-              <a:t>Show </a:t>
-            </a:r>
-            <a:r>
-              <a:rPr lang="en-US" dirty="0" smtClean="0"/>
-              <a:t>your instructor when you are done</a:t>
+              <a:t>Show your instructor when you are done</a:t>
             </a:r>
             <a:endParaRPr lang="en-US" dirty="0"/>
           </a:p>
@@ -14036,942 +13446,6 @@
 </p:sld>
 </file>
 
-<file path=ppt/slides/slide19.xml><?xml version="1.0" encoding="utf-8"?>
-<p:sld xmlns:a="http://schemas.openxmlformats.org/drawingml/2006/main" xmlns:r="http://schemas.openxmlformats.org/officeDocument/2006/relationships" xmlns:p="http://schemas.openxmlformats.org/presentationml/2006/main" show="0">
-  <p:cSld>
-    <p:spTree>
-      <p:nvGrpSpPr>
-        <p:cNvPr id="1" name=""/>
-        <p:cNvGrpSpPr/>
-        <p:nvPr/>
-      </p:nvGrpSpPr>
-      <p:grpSpPr>
-        <a:xfrm>
-          <a:off x="0" y="0"/>
-          <a:ext cx="0" cy="0"/>
-          <a:chOff x="0" y="0"/>
-          <a:chExt cx="0" cy="0"/>
-        </a:xfrm>
-      </p:grpSpPr>
-      <p:sp>
-        <p:nvSpPr>
-          <p:cNvPr id="2" name="Title 1"/>
-          <p:cNvSpPr>
-            <a:spLocks noGrp="1"/>
-          </p:cNvSpPr>
-          <p:nvPr>
-            <p:ph type="title"/>
-          </p:nvPr>
-        </p:nvSpPr>
-        <p:spPr/>
-        <p:txBody>
-          <a:bodyPr/>
-          <a:lstStyle/>
-          <a:p>
-            <a:r>
-              <a:rPr lang="en-US" b="1" dirty="0" smtClean="0"/>
-              <a:t>Lesson 25 Polling - Example Code</a:t>
-            </a:r>
-            <a:endParaRPr lang="en-US" b="1" dirty="0"/>
-          </a:p>
-        </p:txBody>
-      </p:sp>
-      <p:sp>
-        <p:nvSpPr>
-          <p:cNvPr id="5" name="Content Placeholder 2"/>
-          <p:cNvSpPr>
-            <a:spLocks noGrp="1"/>
-          </p:cNvSpPr>
-          <p:nvPr>
-            <p:ph idx="1"/>
-          </p:nvPr>
-        </p:nvSpPr>
-        <p:spPr>
-          <a:xfrm>
-            <a:off x="65118" y="757317"/>
-            <a:ext cx="8924336" cy="5176758"/>
-          </a:xfrm>
-          <a:solidFill>
-            <a:schemeClr val="bg1"/>
-          </a:solidFill>
-          <a:ln>
-            <a:solidFill>
-              <a:schemeClr val="tx1"/>
-            </a:solidFill>
-          </a:ln>
-        </p:spPr>
-        <p:txBody>
-          <a:bodyPr/>
-          <a:lstStyle/>
-          <a:p>
-            <a:pPr marL="0" indent="0">
-              <a:buNone/>
-            </a:pPr>
-            <a:r>
-              <a:rPr lang="en-US" sz="1200" b="1" dirty="0" smtClean="0">
-                <a:latin typeface="Courier New" pitchFamily="49" charset="0"/>
-                <a:cs typeface="Courier New" pitchFamily="49" charset="0"/>
-              </a:rPr>
-              <a:t>           </a:t>
-            </a:r>
-            <a:r>
-              <a:rPr lang="en-US" sz="1200" b="1" u="sng" dirty="0" err="1" smtClean="0">
-                <a:latin typeface="Courier New" pitchFamily="49" charset="0"/>
-                <a:cs typeface="Courier New" pitchFamily="49" charset="0"/>
-              </a:rPr>
-              <a:t>Main.c</a:t>
-            </a:r>
-            <a:endParaRPr lang="en-US" sz="1200" b="1" dirty="0" smtClean="0">
-              <a:latin typeface="Courier New" pitchFamily="49" charset="0"/>
-              <a:cs typeface="Courier New" pitchFamily="49" charset="0"/>
-            </a:endParaRPr>
-          </a:p>
-          <a:p>
-            <a:pPr marL="0" marR="0" indent="0">
-              <a:spcBef>
-                <a:spcPts val="0"/>
-              </a:spcBef>
-              <a:spcAft>
-                <a:spcPts val="0"/>
-              </a:spcAft>
-              <a:buNone/>
-            </a:pPr>
-            <a:r>
-              <a:rPr lang="en-US" sz="1200" b="1" dirty="0" smtClean="0">
-                <a:solidFill>
-                  <a:srgbClr val="7F0055"/>
-                </a:solidFill>
-                <a:latin typeface="Consolas"/>
-                <a:ea typeface="Calibri"/>
-              </a:rPr>
-              <a:t>#</a:t>
-            </a:r>
-            <a:r>
-              <a:rPr lang="en-US" sz="1200" b="1" dirty="0">
-                <a:solidFill>
-                  <a:srgbClr val="7F0055"/>
-                </a:solidFill>
-                <a:latin typeface="Consolas"/>
-                <a:ea typeface="Calibri"/>
-              </a:rPr>
-              <a:t>include</a:t>
-            </a:r>
-            <a:r>
-              <a:rPr lang="en-US" sz="1200" dirty="0">
-                <a:solidFill>
-                  <a:srgbClr val="000000"/>
-                </a:solidFill>
-                <a:latin typeface="Consolas"/>
-                <a:ea typeface="Calibri"/>
-              </a:rPr>
-              <a:t> </a:t>
-            </a:r>
-            <a:r>
-              <a:rPr lang="en-US" sz="1200" dirty="0">
-                <a:solidFill>
-                  <a:srgbClr val="2A00FF"/>
-                </a:solidFill>
-                <a:latin typeface="Consolas"/>
-                <a:ea typeface="Calibri"/>
-              </a:rPr>
-              <a:t>&lt;msp430g2553.h&gt;</a:t>
-            </a:r>
-            <a:endParaRPr lang="en-US" sz="1200" dirty="0">
-              <a:latin typeface="Calibri"/>
-              <a:ea typeface="Calibri"/>
-            </a:endParaRPr>
-          </a:p>
-          <a:p>
-            <a:pPr marL="0" marR="0" indent="0">
-              <a:spcBef>
-                <a:spcPts val="0"/>
-              </a:spcBef>
-              <a:spcAft>
-                <a:spcPts val="0"/>
-              </a:spcAft>
-              <a:buNone/>
-            </a:pPr>
-            <a:r>
-              <a:rPr lang="en-US" sz="1200" dirty="0">
-                <a:latin typeface="Consolas"/>
-                <a:ea typeface="Calibri"/>
-              </a:rPr>
-              <a:t> </a:t>
-            </a:r>
-            <a:endParaRPr lang="en-US" sz="1200" dirty="0">
-              <a:latin typeface="Calibri"/>
-              <a:ea typeface="Calibri"/>
-            </a:endParaRPr>
-          </a:p>
-          <a:p>
-            <a:pPr marL="0" marR="0" indent="0">
-              <a:spcBef>
-                <a:spcPts val="0"/>
-              </a:spcBef>
-              <a:spcAft>
-                <a:spcPts val="0"/>
-              </a:spcAft>
-              <a:buNone/>
-            </a:pPr>
-            <a:r>
-              <a:rPr lang="en-US" sz="1200" b="1" dirty="0" smtClean="0">
-                <a:solidFill>
-                  <a:srgbClr val="7F0055"/>
-                </a:solidFill>
-                <a:latin typeface="Consolas"/>
-                <a:ea typeface="Calibri"/>
-              </a:rPr>
-              <a:t>void</a:t>
-            </a:r>
-            <a:r>
-              <a:rPr lang="en-US" sz="1200" dirty="0" smtClean="0">
-                <a:solidFill>
-                  <a:srgbClr val="000000"/>
-                </a:solidFill>
-                <a:latin typeface="Consolas"/>
-                <a:ea typeface="Calibri"/>
-              </a:rPr>
-              <a:t> </a:t>
-            </a:r>
-            <a:r>
-              <a:rPr lang="en-US" sz="1200" b="1" dirty="0" smtClean="0">
-                <a:solidFill>
-                  <a:srgbClr val="000000"/>
-                </a:solidFill>
-                <a:latin typeface="Consolas"/>
-                <a:ea typeface="Calibri"/>
-              </a:rPr>
-              <a:t>main</a:t>
-            </a:r>
-            <a:r>
-              <a:rPr lang="en-US" sz="1200" dirty="0" smtClean="0">
-                <a:solidFill>
-                  <a:srgbClr val="000000"/>
-                </a:solidFill>
-                <a:latin typeface="Consolas"/>
-                <a:ea typeface="Calibri"/>
-              </a:rPr>
-              <a:t>(</a:t>
-            </a:r>
-            <a:r>
-              <a:rPr lang="en-US" sz="1200" b="1" dirty="0" smtClean="0">
-                <a:solidFill>
-                  <a:srgbClr val="7F0055"/>
-                </a:solidFill>
-                <a:latin typeface="Consolas"/>
-                <a:ea typeface="Calibri"/>
-              </a:rPr>
-              <a:t>void</a:t>
-            </a:r>
-            <a:r>
-              <a:rPr lang="en-US" sz="1200" dirty="0" smtClean="0">
-                <a:solidFill>
-                  <a:srgbClr val="000000"/>
-                </a:solidFill>
-                <a:latin typeface="Consolas"/>
-                <a:ea typeface="Calibri"/>
-              </a:rPr>
-              <a:t>) {</a:t>
-            </a:r>
-            <a:endParaRPr lang="en-US" sz="1200" dirty="0" smtClean="0">
-              <a:latin typeface="Calibri"/>
-              <a:ea typeface="Calibri"/>
-            </a:endParaRPr>
-          </a:p>
-          <a:p>
-            <a:pPr marL="0" indent="0">
-              <a:buNone/>
-            </a:pPr>
-            <a:r>
-              <a:rPr lang="en-US" sz="1200" dirty="0">
-                <a:solidFill>
-                  <a:srgbClr val="000000"/>
-                </a:solidFill>
-                <a:latin typeface="Consolas"/>
-              </a:rPr>
-              <a:t> </a:t>
-            </a:r>
-            <a:r>
-              <a:rPr lang="en-US" sz="1200" dirty="0" smtClean="0">
-                <a:solidFill>
-                  <a:srgbClr val="000000"/>
-                </a:solidFill>
-                <a:latin typeface="Consolas"/>
-              </a:rPr>
-              <a:t>   WDTCTL </a:t>
-            </a:r>
-            <a:r>
-              <a:rPr lang="en-US" sz="1200" dirty="0">
-                <a:solidFill>
-                  <a:srgbClr val="000000"/>
-                </a:solidFill>
-                <a:latin typeface="Consolas"/>
-              </a:rPr>
-              <a:t>= WDTPW | WDTHOLD</a:t>
-            </a:r>
-            <a:r>
-              <a:rPr lang="en-US" sz="1200" dirty="0" smtClean="0">
-                <a:solidFill>
-                  <a:srgbClr val="000000"/>
-                </a:solidFill>
-                <a:latin typeface="Consolas"/>
-              </a:rPr>
-              <a:t>;   </a:t>
-            </a:r>
-            <a:r>
-              <a:rPr lang="en-US" sz="1200" dirty="0" smtClean="0">
-                <a:solidFill>
-                  <a:srgbClr val="3F7F5F"/>
-                </a:solidFill>
-                <a:latin typeface="Consolas"/>
-              </a:rPr>
-              <a:t>// </a:t>
-            </a:r>
-            <a:r>
-              <a:rPr lang="en-US" sz="1200" dirty="0">
-                <a:solidFill>
-                  <a:srgbClr val="3F7F5F"/>
-                </a:solidFill>
-                <a:latin typeface="Consolas"/>
-              </a:rPr>
-              <a:t>Stop watchdog </a:t>
-            </a:r>
-            <a:r>
-              <a:rPr lang="en-US" sz="1200" dirty="0" smtClean="0">
-                <a:solidFill>
-                  <a:srgbClr val="3F7F5F"/>
-                </a:solidFill>
-                <a:latin typeface="Consolas"/>
-              </a:rPr>
-              <a:t>timer</a:t>
-            </a:r>
-          </a:p>
-          <a:p>
-            <a:pPr marL="0" indent="0">
-              <a:buNone/>
-            </a:pPr>
-            <a:endParaRPr lang="en-US" sz="1200" dirty="0">
-              <a:solidFill>
-                <a:srgbClr val="3F7F5F"/>
-              </a:solidFill>
-              <a:latin typeface="Consolas"/>
-            </a:endParaRPr>
-          </a:p>
-          <a:p>
-            <a:pPr marL="0" indent="0">
-              <a:buNone/>
-            </a:pPr>
-            <a:r>
-              <a:rPr lang="en-US" sz="1200" dirty="0">
-                <a:solidFill>
-                  <a:srgbClr val="000000"/>
-                </a:solidFill>
-                <a:latin typeface="Consolas"/>
-              </a:rPr>
-              <a:t>    BCSCTL1 = CALBC1_8MHZ;      </a:t>
-            </a:r>
-            <a:r>
-              <a:rPr lang="en-US" sz="1200" dirty="0">
-                <a:solidFill>
-                  <a:srgbClr val="3F7F5F"/>
-                </a:solidFill>
-                <a:latin typeface="Consolas"/>
-              </a:rPr>
-              <a:t>// Set SMCLK 8 </a:t>
-            </a:r>
-            <a:r>
-              <a:rPr lang="en-US" sz="1200" dirty="0" smtClean="0">
-                <a:solidFill>
-                  <a:srgbClr val="3F7F5F"/>
-                </a:solidFill>
-                <a:latin typeface="Consolas"/>
-              </a:rPr>
-              <a:t>MHz</a:t>
-            </a:r>
-            <a:endParaRPr lang="en-US" sz="1200" dirty="0">
-              <a:solidFill>
-                <a:srgbClr val="3F7F5F"/>
-              </a:solidFill>
-              <a:latin typeface="Consolas"/>
-            </a:endParaRPr>
-          </a:p>
-          <a:p>
-            <a:pPr marL="0" indent="0">
-              <a:buNone/>
-            </a:pPr>
-            <a:r>
-              <a:rPr lang="en-US" sz="1200" dirty="0">
-                <a:solidFill>
-                  <a:srgbClr val="000000"/>
-                </a:solidFill>
-                <a:latin typeface="Consolas"/>
-              </a:rPr>
-              <a:t>    DCOCTL = CALDCO_8MHZ</a:t>
-            </a:r>
-            <a:r>
-              <a:rPr lang="en-US" sz="1200" dirty="0" smtClean="0">
-                <a:solidFill>
-                  <a:srgbClr val="000000"/>
-                </a:solidFill>
-                <a:latin typeface="Consolas"/>
-              </a:rPr>
-              <a:t>;</a:t>
-            </a:r>
-            <a:endParaRPr lang="en-US" sz="1200" dirty="0">
-              <a:solidFill>
-                <a:srgbClr val="000000"/>
-              </a:solidFill>
-              <a:latin typeface="Consolas"/>
-            </a:endParaRPr>
-          </a:p>
-          <a:p>
-            <a:pPr marL="0" indent="0">
-              <a:buNone/>
-            </a:pPr>
-            <a:endParaRPr lang="en-US" sz="1200" dirty="0" smtClean="0">
-              <a:latin typeface="Consolas"/>
-            </a:endParaRPr>
-          </a:p>
-          <a:p>
-            <a:pPr marL="0" indent="0">
-              <a:buNone/>
-            </a:pPr>
-            <a:r>
-              <a:rPr lang="en-US" sz="1200" dirty="0" smtClean="0">
-                <a:latin typeface="Consolas"/>
-              </a:rPr>
-              <a:t>    P1DIR </a:t>
-            </a:r>
-            <a:r>
-              <a:rPr lang="en-US" sz="1200" dirty="0">
-                <a:latin typeface="Consolas"/>
-              </a:rPr>
-              <a:t>= BIT6; </a:t>
-            </a:r>
-            <a:r>
-              <a:rPr lang="en-US" sz="1200" dirty="0" smtClean="0">
-                <a:latin typeface="Consolas"/>
-              </a:rPr>
-              <a:t>		</a:t>
-            </a:r>
-            <a:r>
-              <a:rPr lang="en-US" sz="1200" dirty="0" smtClean="0">
-                <a:solidFill>
-                  <a:srgbClr val="3F7F5F"/>
-                </a:solidFill>
-                <a:latin typeface="Consolas"/>
-              </a:rPr>
-              <a:t>// </a:t>
-            </a:r>
-            <a:r>
-              <a:rPr lang="en-US" sz="1200" dirty="0">
-                <a:solidFill>
-                  <a:srgbClr val="3F7F5F"/>
-                </a:solidFill>
-                <a:latin typeface="Consolas"/>
-              </a:rPr>
-              <a:t>Set the green LED as an output</a:t>
-            </a:r>
-            <a:endParaRPr lang="en-US" sz="1200" dirty="0">
-              <a:latin typeface="Consolas"/>
-            </a:endParaRPr>
-          </a:p>
-          <a:p>
-            <a:pPr marL="0" indent="0">
-              <a:buNone/>
-            </a:pPr>
-            <a:r>
-              <a:rPr lang="en-US" sz="1200" dirty="0" smtClean="0">
-                <a:solidFill>
-                  <a:srgbClr val="000000"/>
-                </a:solidFill>
-                <a:latin typeface="Consolas"/>
-              </a:rPr>
-              <a:t>    </a:t>
-            </a:r>
-          </a:p>
-          <a:p>
-            <a:pPr marL="0" indent="0">
-              <a:buNone/>
-            </a:pPr>
-            <a:r>
-              <a:rPr lang="en-US" sz="1200" dirty="0">
-                <a:solidFill>
-                  <a:srgbClr val="000000"/>
-                </a:solidFill>
-                <a:latin typeface="Consolas"/>
-              </a:rPr>
-              <a:t> </a:t>
-            </a:r>
-            <a:r>
-              <a:rPr lang="en-US" sz="1200" dirty="0" smtClean="0">
-                <a:solidFill>
-                  <a:srgbClr val="000000"/>
-                </a:solidFill>
-                <a:latin typeface="Consolas"/>
-              </a:rPr>
-              <a:t>   TACCR0 </a:t>
-            </a:r>
-            <a:r>
-              <a:rPr lang="en-US" sz="1200" dirty="0">
-                <a:solidFill>
-                  <a:srgbClr val="000000"/>
-                </a:solidFill>
-                <a:latin typeface="Consolas"/>
-              </a:rPr>
-              <a:t>= 256 - 1;                    </a:t>
-            </a:r>
-            <a:r>
-              <a:rPr lang="en-US" sz="1200" dirty="0">
-                <a:solidFill>
-                  <a:srgbClr val="3F7F5F"/>
-                </a:solidFill>
-                <a:latin typeface="Consolas"/>
-              </a:rPr>
-              <a:t>// Set the interval</a:t>
-            </a:r>
-          </a:p>
-          <a:p>
-            <a:pPr marL="0" indent="0">
-              <a:buNone/>
-            </a:pPr>
-            <a:r>
-              <a:rPr lang="en-US" sz="1200" dirty="0">
-                <a:solidFill>
-                  <a:srgbClr val="000000"/>
-                </a:solidFill>
-                <a:latin typeface="Consolas"/>
-              </a:rPr>
-              <a:t>    </a:t>
-            </a:r>
-            <a:r>
-              <a:rPr lang="en-US" sz="1200" dirty="0" smtClean="0">
-                <a:solidFill>
-                  <a:srgbClr val="000000"/>
-                </a:solidFill>
-                <a:latin typeface="Consolas"/>
-              </a:rPr>
-              <a:t>TA0CTL </a:t>
-            </a:r>
-            <a:r>
-              <a:rPr lang="en-US" sz="1200" dirty="0">
-                <a:solidFill>
-                  <a:srgbClr val="000000"/>
-                </a:solidFill>
-                <a:latin typeface="Consolas"/>
-              </a:rPr>
-              <a:t>&amp;= ~TAIFG;                     </a:t>
-            </a:r>
-            <a:r>
-              <a:rPr lang="en-US" sz="1200" dirty="0">
-                <a:solidFill>
-                  <a:srgbClr val="3F7F5F"/>
-                </a:solidFill>
-                <a:latin typeface="Consolas"/>
-              </a:rPr>
-              <a:t>// Clear any rollover flag</a:t>
-            </a:r>
-            <a:endParaRPr lang="en-US" sz="1200" dirty="0">
-              <a:latin typeface="Consolas"/>
-            </a:endParaRPr>
-          </a:p>
-          <a:p>
-            <a:pPr marL="0" indent="0">
-              <a:buNone/>
-            </a:pPr>
-            <a:r>
-              <a:rPr lang="en-US" sz="1200" dirty="0">
-                <a:solidFill>
-                  <a:srgbClr val="000000"/>
-                </a:solidFill>
-                <a:latin typeface="Consolas"/>
-              </a:rPr>
-              <a:t>    </a:t>
-            </a:r>
-            <a:r>
-              <a:rPr lang="en-US" sz="1200" dirty="0" smtClean="0">
-                <a:solidFill>
-                  <a:srgbClr val="000000"/>
-                </a:solidFill>
-                <a:latin typeface="Consolas"/>
-              </a:rPr>
-              <a:t>TA0CTL </a:t>
-            </a:r>
-            <a:r>
-              <a:rPr lang="en-US" sz="1200" dirty="0">
-                <a:solidFill>
-                  <a:srgbClr val="000000"/>
-                </a:solidFill>
-                <a:latin typeface="Consolas"/>
-              </a:rPr>
-              <a:t>|= ID_0 | TASSEL_2 | MC_1</a:t>
-            </a:r>
-            <a:r>
-              <a:rPr lang="en-US" sz="1200" dirty="0" smtClean="0">
-                <a:solidFill>
-                  <a:srgbClr val="000000"/>
-                </a:solidFill>
-                <a:latin typeface="Consolas"/>
-              </a:rPr>
-              <a:t>;     </a:t>
-            </a:r>
-            <a:r>
-              <a:rPr lang="en-US" sz="1200" dirty="0" smtClean="0">
-                <a:solidFill>
-                  <a:srgbClr val="3F7F5F"/>
-                </a:solidFill>
-                <a:latin typeface="Consolas"/>
-              </a:rPr>
-              <a:t>// </a:t>
-            </a:r>
-            <a:r>
-              <a:rPr lang="en-US" sz="1200" dirty="0">
-                <a:solidFill>
-                  <a:srgbClr val="3F7F5F"/>
-                </a:solidFill>
-                <a:latin typeface="Consolas"/>
-              </a:rPr>
-              <a:t>Important Timer </a:t>
-            </a:r>
-            <a:r>
-              <a:rPr lang="en-US" sz="1200" dirty="0" smtClean="0">
-                <a:solidFill>
-                  <a:srgbClr val="3F7F5F"/>
-                </a:solidFill>
-                <a:latin typeface="Consolas"/>
-              </a:rPr>
-              <a:t>stuff!</a:t>
-            </a:r>
-          </a:p>
-          <a:p>
-            <a:pPr marL="0" indent="0">
-              <a:buNone/>
-            </a:pPr>
-            <a:endParaRPr lang="en-US" sz="1200" b="1" dirty="0">
-              <a:solidFill>
-                <a:srgbClr val="3F7F5F"/>
-              </a:solidFill>
-              <a:latin typeface="Consolas"/>
-            </a:endParaRPr>
-          </a:p>
-          <a:p>
-            <a:pPr marL="0" indent="0">
-              <a:buNone/>
-            </a:pPr>
-            <a:r>
-              <a:rPr lang="en-US" sz="1200" b="1" dirty="0" smtClean="0">
-                <a:solidFill>
-                  <a:srgbClr val="7F0055"/>
-                </a:solidFill>
-                <a:latin typeface="Consolas"/>
-              </a:rPr>
-              <a:t>while</a:t>
-            </a:r>
-            <a:r>
-              <a:rPr lang="en-US" sz="1200" b="1" dirty="0" smtClean="0">
-                <a:solidFill>
-                  <a:srgbClr val="000000"/>
-                </a:solidFill>
-                <a:latin typeface="Consolas"/>
-              </a:rPr>
-              <a:t>(1</a:t>
-            </a:r>
-            <a:r>
-              <a:rPr lang="en-US" sz="1200" b="1" dirty="0">
-                <a:solidFill>
-                  <a:srgbClr val="000000"/>
-                </a:solidFill>
-                <a:latin typeface="Consolas"/>
-              </a:rPr>
-              <a:t>) {</a:t>
-            </a:r>
-          </a:p>
-          <a:p>
-            <a:pPr marL="0" indent="0">
-              <a:buNone/>
-            </a:pPr>
-            <a:r>
-              <a:rPr lang="en-US" sz="1200" dirty="0">
-                <a:solidFill>
-                  <a:srgbClr val="000000"/>
-                </a:solidFill>
-                <a:latin typeface="Consolas"/>
-              </a:rPr>
-              <a:t>    </a:t>
-            </a:r>
-            <a:r>
-              <a:rPr lang="en-US" sz="1200" b="1" dirty="0">
-                <a:solidFill>
-                  <a:srgbClr val="7F0055"/>
-                </a:solidFill>
-                <a:latin typeface="Consolas"/>
-              </a:rPr>
-              <a:t>while</a:t>
-            </a:r>
-            <a:r>
-              <a:rPr lang="en-US" sz="1200" b="1" dirty="0">
-                <a:solidFill>
-                  <a:srgbClr val="000000"/>
-                </a:solidFill>
-                <a:latin typeface="Consolas"/>
-              </a:rPr>
-              <a:t> ((</a:t>
-            </a:r>
-            <a:r>
-              <a:rPr lang="en-US" sz="1200" b="1" dirty="0" smtClean="0">
-                <a:solidFill>
-                  <a:srgbClr val="000000"/>
-                </a:solidFill>
-                <a:latin typeface="Consolas"/>
-              </a:rPr>
-              <a:t>TA0CTL </a:t>
-            </a:r>
-            <a:r>
-              <a:rPr lang="en-US" sz="1200" b="1" dirty="0">
-                <a:solidFill>
-                  <a:srgbClr val="000000"/>
-                </a:solidFill>
-                <a:latin typeface="Consolas"/>
-              </a:rPr>
-              <a:t>&amp; TAIFG) == 0</a:t>
-            </a:r>
-            <a:r>
-              <a:rPr lang="en-US" sz="1200" b="1" dirty="0" smtClean="0">
-                <a:solidFill>
-                  <a:srgbClr val="000000"/>
-                </a:solidFill>
-                <a:latin typeface="Consolas"/>
-              </a:rPr>
-              <a:t>); </a:t>
-            </a:r>
-            <a:r>
-              <a:rPr lang="en-US" sz="1200" dirty="0">
-                <a:solidFill>
-                  <a:srgbClr val="3F7F5F"/>
-                </a:solidFill>
-                <a:latin typeface="Consolas"/>
-              </a:rPr>
-              <a:t>// </a:t>
-            </a:r>
-            <a:r>
-              <a:rPr lang="en-US" sz="1200" dirty="0" smtClean="0">
-                <a:solidFill>
-                  <a:srgbClr val="3F7F5F"/>
-                </a:solidFill>
-                <a:latin typeface="Consolas"/>
-              </a:rPr>
-              <a:t>Polling timer flag?         </a:t>
-            </a:r>
-            <a:r>
-              <a:rPr lang="en-US" sz="1200" dirty="0" smtClean="0">
-                <a:solidFill>
-                  <a:srgbClr val="FF0000"/>
-                </a:solidFill>
-                <a:latin typeface="Consolas"/>
-              </a:rPr>
-              <a:t>Would this be good for pong game?</a:t>
-            </a:r>
-            <a:endParaRPr lang="en-US" sz="1200" b="1" dirty="0">
-              <a:solidFill>
-                <a:srgbClr val="FF0000"/>
-              </a:solidFill>
-              <a:latin typeface="Consolas"/>
-            </a:endParaRPr>
-          </a:p>
-          <a:p>
-            <a:pPr marL="0" indent="0">
-              <a:buNone/>
-            </a:pPr>
-            <a:r>
-              <a:rPr lang="en-US" sz="1200" dirty="0">
-                <a:solidFill>
-                  <a:srgbClr val="000000"/>
-                </a:solidFill>
-                <a:latin typeface="Consolas"/>
-              </a:rPr>
-              <a:t>    </a:t>
-            </a:r>
-            <a:r>
-              <a:rPr lang="en-US" sz="1200" dirty="0" smtClean="0">
-                <a:solidFill>
-                  <a:srgbClr val="000000"/>
-                </a:solidFill>
-                <a:latin typeface="Consolas"/>
-              </a:rPr>
-              <a:t>TA0CTL </a:t>
-            </a:r>
-            <a:r>
-              <a:rPr lang="en-US" sz="1200" dirty="0">
-                <a:solidFill>
-                  <a:srgbClr val="000000"/>
-                </a:solidFill>
-                <a:latin typeface="Consolas"/>
-              </a:rPr>
-              <a:t>&amp;= ~TAIFG</a:t>
-            </a:r>
-            <a:r>
-              <a:rPr lang="en-US" sz="1200" dirty="0" smtClean="0">
-                <a:solidFill>
-                  <a:srgbClr val="000000"/>
-                </a:solidFill>
-                <a:latin typeface="Consolas"/>
-              </a:rPr>
-              <a:t>;              </a:t>
-            </a:r>
-            <a:r>
-              <a:rPr lang="en-US" sz="1200" dirty="0" smtClean="0">
-                <a:solidFill>
-                  <a:srgbClr val="3F7F5F"/>
-                </a:solidFill>
-                <a:latin typeface="Consolas"/>
-              </a:rPr>
-              <a:t>// </a:t>
-            </a:r>
-            <a:r>
-              <a:rPr lang="en-US" sz="1200" dirty="0">
-                <a:solidFill>
-                  <a:srgbClr val="3F7F5F"/>
-                </a:solidFill>
-                <a:latin typeface="Consolas"/>
-              </a:rPr>
-              <a:t>Clear </a:t>
-            </a:r>
-            <a:r>
-              <a:rPr lang="en-US" sz="1200" dirty="0" smtClean="0">
-                <a:solidFill>
-                  <a:srgbClr val="3F7F5F"/>
-                </a:solidFill>
-                <a:latin typeface="Consolas"/>
-              </a:rPr>
-              <a:t>rollover flag</a:t>
-            </a:r>
-            <a:endParaRPr lang="en-US" sz="1200" dirty="0">
-              <a:solidFill>
-                <a:srgbClr val="000000"/>
-              </a:solidFill>
-              <a:latin typeface="Consolas"/>
-            </a:endParaRPr>
-          </a:p>
-          <a:p>
-            <a:pPr marL="0" indent="0">
-              <a:buNone/>
-            </a:pPr>
-            <a:r>
-              <a:rPr lang="en-US" sz="1200" dirty="0">
-                <a:solidFill>
-                  <a:srgbClr val="000000"/>
-                </a:solidFill>
-                <a:latin typeface="Consolas"/>
-              </a:rPr>
-              <a:t>    P1OUT ^= BIT6</a:t>
-            </a:r>
-            <a:r>
-              <a:rPr lang="en-US" sz="1200" dirty="0" smtClean="0">
-                <a:solidFill>
-                  <a:srgbClr val="000000"/>
-                </a:solidFill>
-                <a:latin typeface="Consolas"/>
-              </a:rPr>
-              <a:t>;                </a:t>
-            </a:r>
-            <a:r>
-              <a:rPr lang="en-US" sz="1200" dirty="0" smtClean="0">
-                <a:solidFill>
-                  <a:srgbClr val="3F7F5F"/>
-                </a:solidFill>
-                <a:latin typeface="Consolas"/>
-              </a:rPr>
-              <a:t>// toggle LED</a:t>
-            </a:r>
-            <a:endParaRPr lang="en-US" sz="1200" dirty="0">
-              <a:solidFill>
-                <a:srgbClr val="000000"/>
-              </a:solidFill>
-              <a:latin typeface="Consolas"/>
-            </a:endParaRPr>
-          </a:p>
-          <a:p>
-            <a:pPr marL="0" indent="0">
-              <a:buNone/>
-            </a:pPr>
-            <a:r>
-              <a:rPr lang="en-US" sz="1200" dirty="0">
-                <a:solidFill>
-                  <a:srgbClr val="000000"/>
-                </a:solidFill>
-                <a:latin typeface="Consolas"/>
-              </a:rPr>
-              <a:t>    } </a:t>
-            </a:r>
-            <a:r>
-              <a:rPr lang="en-US" sz="1200" dirty="0">
-                <a:solidFill>
-                  <a:srgbClr val="3F7F5F"/>
-                </a:solidFill>
-                <a:latin typeface="Consolas"/>
-              </a:rPr>
-              <a:t>// end infinite </a:t>
-            </a:r>
-            <a:r>
-              <a:rPr lang="en-US" sz="1200" dirty="0" smtClean="0">
-                <a:solidFill>
-                  <a:srgbClr val="3F7F5F"/>
-                </a:solidFill>
-                <a:latin typeface="Consolas"/>
-              </a:rPr>
-              <a:t>loop</a:t>
-            </a:r>
-          </a:p>
-          <a:p>
-            <a:pPr marL="0" indent="0">
-              <a:buNone/>
-            </a:pPr>
-            <a:r>
-              <a:rPr lang="en-US" sz="1200" dirty="0" smtClean="0">
-                <a:solidFill>
-                  <a:srgbClr val="000000"/>
-                </a:solidFill>
-                <a:latin typeface="Consolas"/>
-                <a:ea typeface="Calibri"/>
-              </a:rPr>
-              <a:t>}</a:t>
-            </a:r>
-            <a:endParaRPr lang="en-US" sz="1200" dirty="0">
-              <a:effectLst/>
-              <a:latin typeface="Calibri"/>
-              <a:ea typeface="Calibri"/>
-            </a:endParaRPr>
-          </a:p>
-        </p:txBody>
-      </p:sp>
-    </p:spTree>
-    <p:extLst>
-      <p:ext uri="{BB962C8B-B14F-4D97-AF65-F5344CB8AC3E}">
-        <p14:creationId xmlns:p14="http://schemas.microsoft.com/office/powerpoint/2010/main" val="3658817693"/>
-      </p:ext>
-    </p:extLst>
-  </p:cSld>
-  <p:clrMapOvr>
-    <a:masterClrMapping/>
-  </p:clrMapOvr>
-  <mc:AlternateContent xmlns:mc="http://schemas.openxmlformats.org/markup-compatibility/2006" xmlns:p14="http://schemas.microsoft.com/office/powerpoint/2010/main">
-    <mc:Choice Requires="p14">
-      <p:transition spd="slow" p14:dur="2000"/>
-    </mc:Choice>
-    <mc:Fallback xmlns="">
-      <p:transition spd="slow"/>
-    </mc:Fallback>
-  </mc:AlternateContent>
-  <p:timing>
-    <p:tnLst>
-      <p:par>
-        <p:cTn id="1" dur="indefinite" restart="never" nodeType="tmRoot"/>
-      </p:par>
-    </p:tnLst>
-  </p:timing>
-</p:sld>
-</file>
-
 <file path=ppt/slides/slide2.xml><?xml version="1.0" encoding="utf-8"?>
 <p:sld xmlns:a="http://schemas.openxmlformats.org/drawingml/2006/main" xmlns:r="http://schemas.openxmlformats.org/officeDocument/2006/relationships" xmlns:p="http://schemas.openxmlformats.org/presentationml/2006/main">
   <p:cSld>
@@ -15074,2366 +13548,6 @@
     <a:masterClrMapping/>
   </p:clrMapOvr>
   <p:transition spd="med"/>
-  <p:timing>
-    <p:tnLst>
-      <p:par>
-        <p:cTn id="1" dur="indefinite" restart="never" nodeType="tmRoot"/>
-      </p:par>
-    </p:tnLst>
-  </p:timing>
-</p:sld>
-</file>
-
-<file path=ppt/slides/slide20.xml><?xml version="1.0" encoding="utf-8"?>
-<p:sld xmlns:a="http://schemas.openxmlformats.org/drawingml/2006/main" xmlns:r="http://schemas.openxmlformats.org/officeDocument/2006/relationships" xmlns:p="http://schemas.openxmlformats.org/presentationml/2006/main" show="0">
-  <p:cSld>
-    <p:spTree>
-      <p:nvGrpSpPr>
-        <p:cNvPr id="1" name=""/>
-        <p:cNvGrpSpPr/>
-        <p:nvPr/>
-      </p:nvGrpSpPr>
-      <p:grpSpPr>
-        <a:xfrm>
-          <a:off x="0" y="0"/>
-          <a:ext cx="0" cy="0"/>
-          <a:chOff x="0" y="0"/>
-          <a:chExt cx="0" cy="0"/>
-        </a:xfrm>
-      </p:grpSpPr>
-      <p:sp>
-        <p:nvSpPr>
-          <p:cNvPr id="2" name="Title 1"/>
-          <p:cNvSpPr>
-            <a:spLocks noGrp="1"/>
-          </p:cNvSpPr>
-          <p:nvPr>
-            <p:ph type="title"/>
-          </p:nvPr>
-        </p:nvSpPr>
-        <p:spPr/>
-        <p:txBody>
-          <a:bodyPr/>
-          <a:lstStyle/>
-          <a:p>
-            <a:r>
-              <a:rPr lang="en-US" b="1" dirty="0" smtClean="0"/>
-              <a:t>Lesson 25 Interrupt - Example Code</a:t>
-            </a:r>
-            <a:endParaRPr lang="en-US" b="1" dirty="0"/>
-          </a:p>
-        </p:txBody>
-      </p:sp>
-      <p:sp>
-        <p:nvSpPr>
-          <p:cNvPr id="5" name="Content Placeholder 2"/>
-          <p:cNvSpPr>
-            <a:spLocks noGrp="1"/>
-          </p:cNvSpPr>
-          <p:nvPr>
-            <p:ph idx="1"/>
-          </p:nvPr>
-        </p:nvSpPr>
-        <p:spPr>
-          <a:xfrm>
-            <a:off x="65118" y="757317"/>
-            <a:ext cx="8924336" cy="6087166"/>
-          </a:xfrm>
-          <a:solidFill>
-            <a:schemeClr val="bg1"/>
-          </a:solidFill>
-          <a:ln>
-            <a:solidFill>
-              <a:schemeClr val="tx1"/>
-            </a:solidFill>
-          </a:ln>
-        </p:spPr>
-        <p:txBody>
-          <a:bodyPr/>
-          <a:lstStyle/>
-          <a:p>
-            <a:pPr marL="0" indent="0">
-              <a:spcBef>
-                <a:spcPts val="0"/>
-              </a:spcBef>
-              <a:buNone/>
-            </a:pPr>
-            <a:r>
-              <a:rPr lang="en-US" sz="1200" b="1" dirty="0">
-                <a:solidFill>
-                  <a:srgbClr val="7F0055"/>
-                </a:solidFill>
-                <a:latin typeface="Consolas"/>
-              </a:rPr>
-              <a:t>#include</a:t>
-            </a:r>
-            <a:r>
-              <a:rPr lang="en-US" sz="1200" b="1" dirty="0">
-                <a:solidFill>
-                  <a:srgbClr val="000000"/>
-                </a:solidFill>
-                <a:latin typeface="Consolas"/>
-              </a:rPr>
-              <a:t> </a:t>
-            </a:r>
-            <a:r>
-              <a:rPr lang="en-US" sz="1200" b="1" dirty="0">
-                <a:solidFill>
-                  <a:srgbClr val="2A00FF"/>
-                </a:solidFill>
-                <a:latin typeface="Consolas"/>
-              </a:rPr>
-              <a:t>&lt;msp430.h&gt;</a:t>
-            </a:r>
-            <a:r>
-              <a:rPr lang="en-US" sz="1200" b="1" dirty="0">
-                <a:solidFill>
-                  <a:srgbClr val="000000"/>
-                </a:solidFill>
-                <a:latin typeface="Consolas"/>
-              </a:rPr>
-              <a:t> </a:t>
-            </a:r>
-          </a:p>
-          <a:p>
-            <a:pPr marL="0" indent="0">
-              <a:spcBef>
-                <a:spcPts val="0"/>
-              </a:spcBef>
-              <a:buNone/>
-            </a:pPr>
-            <a:r>
-              <a:rPr lang="en-US" sz="1200" b="1" dirty="0" smtClean="0">
-                <a:solidFill>
-                  <a:srgbClr val="7F0055"/>
-                </a:solidFill>
-                <a:latin typeface="Consolas"/>
-              </a:rPr>
-              <a:t>char</a:t>
-            </a:r>
-            <a:r>
-              <a:rPr lang="en-US" sz="1200" b="1" dirty="0" smtClean="0">
-                <a:solidFill>
-                  <a:srgbClr val="000000"/>
-                </a:solidFill>
-                <a:latin typeface="Consolas"/>
-              </a:rPr>
-              <a:t> </a:t>
-            </a:r>
-            <a:r>
-              <a:rPr lang="en-US" sz="1200" b="1" dirty="0">
-                <a:solidFill>
-                  <a:srgbClr val="000000"/>
-                </a:solidFill>
-                <a:latin typeface="Consolas"/>
-              </a:rPr>
-              <a:t>flag = 0;                  </a:t>
-            </a:r>
-            <a:r>
-              <a:rPr lang="en-US" sz="1200" b="1" dirty="0">
-                <a:solidFill>
-                  <a:srgbClr val="3F7F5F"/>
-                </a:solidFill>
-                <a:latin typeface="Consolas"/>
-              </a:rPr>
-              <a:t>// global variable to share info between main and ISR</a:t>
-            </a:r>
-          </a:p>
-          <a:p>
-            <a:pPr marL="0" indent="0">
-              <a:spcBef>
-                <a:spcPts val="0"/>
-              </a:spcBef>
-              <a:buNone/>
-            </a:pPr>
-            <a:r>
-              <a:rPr lang="en-US" sz="1200" b="1" dirty="0" smtClean="0">
-                <a:solidFill>
-                  <a:srgbClr val="7F0055"/>
-                </a:solidFill>
-                <a:latin typeface="Consolas"/>
-              </a:rPr>
-              <a:t>void</a:t>
-            </a:r>
-            <a:r>
-              <a:rPr lang="en-US" sz="1200" b="1" dirty="0" smtClean="0">
-                <a:solidFill>
-                  <a:srgbClr val="000000"/>
-                </a:solidFill>
-                <a:latin typeface="Consolas"/>
-              </a:rPr>
-              <a:t> </a:t>
-            </a:r>
-            <a:r>
-              <a:rPr lang="en-US" sz="1200" b="1" dirty="0">
-                <a:solidFill>
-                  <a:srgbClr val="000000"/>
-                </a:solidFill>
-                <a:latin typeface="Consolas"/>
-              </a:rPr>
-              <a:t>main(</a:t>
-            </a:r>
-            <a:r>
-              <a:rPr lang="en-US" sz="1200" b="1" dirty="0">
-                <a:solidFill>
-                  <a:srgbClr val="7F0055"/>
-                </a:solidFill>
-                <a:latin typeface="Consolas"/>
-              </a:rPr>
-              <a:t>void</a:t>
-            </a:r>
-            <a:r>
-              <a:rPr lang="en-US" sz="1200" b="1" dirty="0">
-                <a:solidFill>
-                  <a:srgbClr val="000000"/>
-                </a:solidFill>
-                <a:latin typeface="Consolas"/>
-              </a:rPr>
-              <a:t>)</a:t>
-            </a:r>
-          </a:p>
-          <a:p>
-            <a:pPr marL="0" indent="0">
-              <a:spcBef>
-                <a:spcPts val="0"/>
-              </a:spcBef>
-              <a:buNone/>
-            </a:pPr>
-            <a:r>
-              <a:rPr lang="en-US" sz="1200" dirty="0">
-                <a:solidFill>
-                  <a:srgbClr val="000000"/>
-                </a:solidFill>
-                <a:latin typeface="Consolas"/>
-              </a:rPr>
-              <a:t>{</a:t>
-            </a:r>
-          </a:p>
-          <a:p>
-            <a:pPr marL="0" indent="0">
-              <a:spcBef>
-                <a:spcPts val="0"/>
-              </a:spcBef>
-              <a:buNone/>
-            </a:pPr>
-            <a:r>
-              <a:rPr lang="en-US" sz="1200" dirty="0">
-                <a:solidFill>
-                  <a:srgbClr val="000000"/>
-                </a:solidFill>
-                <a:latin typeface="Consolas"/>
-              </a:rPr>
-              <a:t>    WDTCTL = WDTPW|WDTHOLD;     </a:t>
-            </a:r>
-            <a:r>
-              <a:rPr lang="en-US" sz="1200" dirty="0">
-                <a:solidFill>
-                  <a:srgbClr val="3F7F5F"/>
-                </a:solidFill>
-                <a:latin typeface="Consolas"/>
-              </a:rPr>
-              <a:t>// stop the watchdog timer</a:t>
-            </a:r>
-          </a:p>
-          <a:p>
-            <a:pPr marL="0" indent="0">
-              <a:spcBef>
-                <a:spcPts val="0"/>
-              </a:spcBef>
-              <a:buNone/>
-            </a:pPr>
-            <a:r>
-              <a:rPr lang="en-US" sz="1200" dirty="0" smtClean="0">
-                <a:solidFill>
-                  <a:srgbClr val="000000"/>
-                </a:solidFill>
-                <a:latin typeface="Consolas"/>
-              </a:rPr>
-              <a:t>    </a:t>
-            </a:r>
-            <a:r>
-              <a:rPr lang="en-US" sz="1200" dirty="0">
-                <a:solidFill>
-                  <a:srgbClr val="000000"/>
-                </a:solidFill>
-                <a:latin typeface="Consolas"/>
-              </a:rPr>
-              <a:t>P1DIR |= BIT0|BIT6;         </a:t>
-            </a:r>
-            <a:r>
-              <a:rPr lang="en-US" sz="1200" dirty="0">
-                <a:solidFill>
-                  <a:srgbClr val="3F7F5F"/>
-                </a:solidFill>
-                <a:latin typeface="Consolas"/>
-              </a:rPr>
-              <a:t>// set LEDs to output</a:t>
-            </a:r>
-          </a:p>
-          <a:p>
-            <a:pPr marL="0" indent="0">
-              <a:spcBef>
-                <a:spcPts val="0"/>
-              </a:spcBef>
-              <a:buNone/>
-            </a:pPr>
-            <a:r>
-              <a:rPr lang="en-US" sz="1200" dirty="0" smtClean="0">
-                <a:solidFill>
-                  <a:srgbClr val="000000"/>
-                </a:solidFill>
-                <a:latin typeface="Consolas"/>
-              </a:rPr>
-              <a:t>    TA0CTL &amp;= ~(MC1|MC0);        </a:t>
-            </a:r>
-            <a:r>
-              <a:rPr lang="en-US" sz="1200" dirty="0" smtClean="0">
-                <a:solidFill>
-                  <a:srgbClr val="3F7F5F"/>
-                </a:solidFill>
-                <a:latin typeface="Consolas"/>
-              </a:rPr>
-              <a:t>// stop timer</a:t>
-            </a:r>
-          </a:p>
-          <a:p>
-            <a:pPr marL="0" indent="0">
-              <a:spcBef>
-                <a:spcPts val="0"/>
-              </a:spcBef>
-              <a:buNone/>
-            </a:pPr>
-            <a:r>
-              <a:rPr lang="en-US" sz="1200" dirty="0" smtClean="0">
-                <a:solidFill>
-                  <a:srgbClr val="000000"/>
-                </a:solidFill>
-                <a:latin typeface="Consolas"/>
-              </a:rPr>
-              <a:t>    TA0CTL </a:t>
-            </a:r>
-            <a:r>
-              <a:rPr lang="en-US" sz="1200" dirty="0">
-                <a:solidFill>
-                  <a:srgbClr val="000000"/>
-                </a:solidFill>
-                <a:latin typeface="Consolas"/>
-              </a:rPr>
-              <a:t>|= TACLR;             </a:t>
-            </a:r>
-            <a:r>
-              <a:rPr lang="en-US" sz="1200" dirty="0">
-                <a:solidFill>
-                  <a:srgbClr val="3F7F5F"/>
-                </a:solidFill>
-                <a:latin typeface="Consolas"/>
-              </a:rPr>
-              <a:t>// clear </a:t>
-            </a:r>
-            <a:r>
-              <a:rPr lang="en-US" sz="1200" dirty="0" smtClean="0">
-                <a:solidFill>
-                  <a:srgbClr val="3F7F5F"/>
-                </a:solidFill>
-                <a:latin typeface="Consolas"/>
-              </a:rPr>
-              <a:t>TAR</a:t>
-            </a:r>
-          </a:p>
-          <a:p>
-            <a:pPr marL="0" indent="0">
-              <a:spcBef>
-                <a:spcPts val="0"/>
-              </a:spcBef>
-              <a:buNone/>
-            </a:pPr>
-            <a:r>
-              <a:rPr lang="en-US" sz="1200" dirty="0" smtClean="0">
-                <a:solidFill>
-                  <a:srgbClr val="3F7F5F"/>
-                </a:solidFill>
-                <a:latin typeface="Consolas"/>
-              </a:rPr>
-              <a:t>    </a:t>
-            </a:r>
-            <a:r>
-              <a:rPr lang="en-US" sz="1200" dirty="0" smtClean="0">
-                <a:solidFill>
-                  <a:srgbClr val="000000"/>
-                </a:solidFill>
-                <a:latin typeface="Consolas"/>
-              </a:rPr>
-              <a:t>TA0CTL </a:t>
-            </a:r>
-            <a:r>
-              <a:rPr lang="en-US" sz="1200" dirty="0">
-                <a:solidFill>
-                  <a:srgbClr val="000000"/>
-                </a:solidFill>
-                <a:latin typeface="Consolas"/>
-              </a:rPr>
-              <a:t>|= TASSEL_2;           </a:t>
-            </a:r>
-            <a:r>
-              <a:rPr lang="en-US" sz="1200" dirty="0">
-                <a:solidFill>
-                  <a:srgbClr val="3F7F5F"/>
-                </a:solidFill>
-                <a:latin typeface="Consolas"/>
-              </a:rPr>
-              <a:t>// configure for SMCLK - what's the frequency (roughly)?</a:t>
-            </a:r>
-          </a:p>
-          <a:p>
-            <a:pPr marL="0" indent="0">
-              <a:spcBef>
-                <a:spcPts val="0"/>
-              </a:spcBef>
-              <a:buNone/>
-            </a:pPr>
-            <a:r>
-              <a:rPr lang="en-US" sz="1200" dirty="0">
-                <a:solidFill>
-                  <a:srgbClr val="000000"/>
-                </a:solidFill>
-                <a:latin typeface="Consolas"/>
-              </a:rPr>
-              <a:t>    TA0CTL |= ID_3;         	  </a:t>
-            </a:r>
-            <a:r>
-              <a:rPr lang="en-US" sz="1200" dirty="0">
-                <a:solidFill>
-                  <a:srgbClr val="3F7F5F"/>
-                </a:solidFill>
-                <a:latin typeface="Consolas"/>
-              </a:rPr>
-              <a:t>// divide clock by 8 - what's the frequency of interrupt?</a:t>
-            </a:r>
-          </a:p>
-          <a:p>
-            <a:pPr marL="0" indent="0">
-              <a:spcBef>
-                <a:spcPts val="0"/>
-              </a:spcBef>
-              <a:buNone/>
-            </a:pPr>
-            <a:r>
-              <a:rPr lang="en-US" sz="1200" dirty="0">
-                <a:solidFill>
-                  <a:srgbClr val="000000"/>
-                </a:solidFill>
-                <a:latin typeface="Consolas"/>
-              </a:rPr>
-              <a:t>    TA0CTL &amp;= ~TAIFG;            </a:t>
-            </a:r>
-            <a:r>
-              <a:rPr lang="en-US" sz="1200" dirty="0">
-                <a:solidFill>
-                  <a:srgbClr val="3F7F5F"/>
-                </a:solidFill>
-                <a:latin typeface="Consolas"/>
-              </a:rPr>
-              <a:t>// clear interrupt flag</a:t>
-            </a:r>
-          </a:p>
-          <a:p>
-            <a:pPr marL="0" indent="0">
-              <a:spcBef>
-                <a:spcPts val="0"/>
-              </a:spcBef>
-              <a:buNone/>
-            </a:pPr>
-            <a:r>
-              <a:rPr lang="en-US" sz="1200" dirty="0">
-                <a:solidFill>
-                  <a:srgbClr val="000000"/>
-                </a:solidFill>
-                <a:latin typeface="Consolas"/>
-              </a:rPr>
-              <a:t>    TA0CTL |= MC_1;               </a:t>
-            </a:r>
-            <a:r>
-              <a:rPr lang="en-US" sz="1200" dirty="0">
-                <a:solidFill>
-                  <a:srgbClr val="3F7F5F"/>
-                </a:solidFill>
-                <a:latin typeface="Consolas"/>
-              </a:rPr>
-              <a:t>// set count mode to </a:t>
-            </a:r>
-            <a:r>
-              <a:rPr lang="en-US" sz="1200" dirty="0" smtClean="0">
-                <a:solidFill>
-                  <a:srgbClr val="3F7F5F"/>
-                </a:solidFill>
-                <a:latin typeface="Consolas"/>
-              </a:rPr>
-              <a:t>continuous</a:t>
-            </a:r>
-          </a:p>
-          <a:p>
-            <a:pPr marL="0" indent="0">
-              <a:spcBef>
-                <a:spcPts val="0"/>
-              </a:spcBef>
-              <a:buNone/>
-            </a:pPr>
-            <a:r>
-              <a:rPr lang="en-US" sz="1200" dirty="0" smtClean="0">
-                <a:solidFill>
-                  <a:srgbClr val="000000"/>
-                </a:solidFill>
-                <a:latin typeface="Consolas"/>
-              </a:rPr>
-              <a:t>    TA0CTL </a:t>
-            </a:r>
-            <a:r>
-              <a:rPr lang="en-US" sz="1200" dirty="0">
-                <a:solidFill>
-                  <a:srgbClr val="000000"/>
-                </a:solidFill>
-                <a:latin typeface="Consolas"/>
-              </a:rPr>
-              <a:t>|= TAIE;              </a:t>
-            </a:r>
-            <a:r>
-              <a:rPr lang="en-US" sz="1200" dirty="0">
-                <a:solidFill>
-                  <a:srgbClr val="3F7F5F"/>
-                </a:solidFill>
-                <a:latin typeface="Consolas"/>
-              </a:rPr>
-              <a:t>// enable interrupt</a:t>
-            </a:r>
-          </a:p>
-          <a:p>
-            <a:pPr marL="0" indent="0">
-              <a:spcBef>
-                <a:spcPts val="0"/>
-              </a:spcBef>
-              <a:buNone/>
-            </a:pPr>
-            <a:r>
-              <a:rPr lang="en-US" sz="1200" dirty="0" smtClean="0">
-                <a:solidFill>
-                  <a:srgbClr val="000000"/>
-                </a:solidFill>
-                <a:latin typeface="Consolas"/>
-              </a:rPr>
-              <a:t>    </a:t>
-            </a:r>
-            <a:r>
-              <a:rPr lang="en-US" sz="1200" b="1" dirty="0">
-                <a:solidFill>
-                  <a:srgbClr val="642880"/>
-                </a:solidFill>
-                <a:latin typeface="Consolas"/>
-              </a:rPr>
-              <a:t>__</a:t>
-            </a:r>
-            <a:r>
-              <a:rPr lang="en-US" sz="1200" b="1" dirty="0" err="1">
-                <a:solidFill>
-                  <a:srgbClr val="642880"/>
-                </a:solidFill>
-                <a:latin typeface="Consolas"/>
-              </a:rPr>
-              <a:t>enable_interrupt</a:t>
-            </a:r>
-            <a:r>
-              <a:rPr lang="en-US" sz="1200" b="1" dirty="0">
-                <a:solidFill>
-                  <a:srgbClr val="000000"/>
-                </a:solidFill>
-                <a:latin typeface="Consolas"/>
-              </a:rPr>
-              <a:t>();       </a:t>
-            </a:r>
-            <a:r>
-              <a:rPr lang="en-US" sz="1200" b="1" dirty="0">
-                <a:solidFill>
-                  <a:srgbClr val="3F7F5F"/>
-                </a:solidFill>
-                <a:latin typeface="Consolas"/>
-              </a:rPr>
-              <a:t>// enable </a:t>
-            </a:r>
-            <a:r>
-              <a:rPr lang="en-US" sz="1200" b="1" dirty="0" err="1">
-                <a:solidFill>
-                  <a:srgbClr val="3F7F5F"/>
-                </a:solidFill>
-                <a:latin typeface="Consolas"/>
-              </a:rPr>
-              <a:t>maskable</a:t>
-            </a:r>
-            <a:r>
-              <a:rPr lang="en-US" sz="1200" b="1" dirty="0">
-                <a:solidFill>
-                  <a:srgbClr val="3F7F5F"/>
-                </a:solidFill>
-                <a:latin typeface="Consolas"/>
-              </a:rPr>
-              <a:t> interrupts</a:t>
-            </a:r>
-          </a:p>
-          <a:p>
-            <a:pPr marL="0" indent="0">
-              <a:spcBef>
-                <a:spcPts val="0"/>
-              </a:spcBef>
-              <a:buNone/>
-            </a:pPr>
-            <a:r>
-              <a:rPr lang="en-US" sz="1200" dirty="0" smtClean="0">
-                <a:solidFill>
-                  <a:srgbClr val="000000"/>
-                </a:solidFill>
-                <a:latin typeface="Consolas"/>
-              </a:rPr>
-              <a:t>    </a:t>
-            </a:r>
-            <a:r>
-              <a:rPr lang="en-US" sz="1200" b="1" dirty="0" err="1">
-                <a:solidFill>
-                  <a:srgbClr val="7F0055"/>
-                </a:solidFill>
-                <a:latin typeface="Consolas"/>
-              </a:rPr>
-              <a:t>int</a:t>
-            </a:r>
-            <a:r>
-              <a:rPr lang="en-US" sz="1200" b="1" dirty="0">
-                <a:solidFill>
-                  <a:srgbClr val="000000"/>
-                </a:solidFill>
-                <a:latin typeface="Consolas"/>
-              </a:rPr>
-              <a:t> count = 0;</a:t>
-            </a:r>
-          </a:p>
-          <a:p>
-            <a:pPr marL="0" indent="0">
-              <a:spcBef>
-                <a:spcPts val="0"/>
-              </a:spcBef>
-              <a:buNone/>
-            </a:pPr>
-            <a:r>
-              <a:rPr lang="en-US" sz="1200" dirty="0" smtClean="0">
-                <a:solidFill>
-                  <a:srgbClr val="000000"/>
-                </a:solidFill>
-                <a:latin typeface="Consolas"/>
-              </a:rPr>
-              <a:t>    </a:t>
-            </a:r>
-            <a:r>
-              <a:rPr lang="en-US" sz="1200" b="1" dirty="0">
-                <a:solidFill>
-                  <a:srgbClr val="7F0055"/>
-                </a:solidFill>
-                <a:latin typeface="Consolas"/>
-              </a:rPr>
-              <a:t>while</a:t>
-            </a:r>
-            <a:r>
-              <a:rPr lang="en-US" sz="1200" b="1" dirty="0">
-                <a:solidFill>
-                  <a:srgbClr val="000000"/>
-                </a:solidFill>
-                <a:latin typeface="Consolas"/>
-              </a:rPr>
-              <a:t>(1)</a:t>
-            </a:r>
-          </a:p>
-          <a:p>
-            <a:pPr marL="0" indent="0">
-              <a:spcBef>
-                <a:spcPts val="0"/>
-              </a:spcBef>
-              <a:buNone/>
-            </a:pPr>
-            <a:r>
-              <a:rPr lang="en-US" sz="1200" dirty="0">
-                <a:solidFill>
-                  <a:srgbClr val="000000"/>
-                </a:solidFill>
-                <a:latin typeface="Consolas"/>
-              </a:rPr>
-              <a:t>    {</a:t>
-            </a:r>
-          </a:p>
-          <a:p>
-            <a:pPr marL="0" indent="0">
-              <a:spcBef>
-                <a:spcPts val="0"/>
-              </a:spcBef>
-              <a:buNone/>
-            </a:pPr>
-            <a:r>
-              <a:rPr lang="en-US" sz="1200" b="1" dirty="0">
-                <a:solidFill>
-                  <a:srgbClr val="000000"/>
-                </a:solidFill>
-                <a:latin typeface="Consolas"/>
-              </a:rPr>
-              <a:t>        </a:t>
-            </a:r>
-            <a:r>
-              <a:rPr lang="en-US" sz="1200" b="1" dirty="0">
-                <a:solidFill>
-                  <a:srgbClr val="3F7F5F"/>
-                </a:solidFill>
-                <a:latin typeface="Consolas"/>
-              </a:rPr>
-              <a:t>// do other useful stuff</a:t>
-            </a:r>
-          </a:p>
-          <a:p>
-            <a:pPr marL="0" indent="0">
-              <a:spcBef>
-                <a:spcPts val="0"/>
-              </a:spcBef>
-              <a:buNone/>
-            </a:pPr>
-            <a:endParaRPr lang="en-US" sz="1200" dirty="0">
-              <a:latin typeface="Consolas"/>
-            </a:endParaRPr>
-          </a:p>
-          <a:p>
-            <a:pPr marL="0" indent="0">
-              <a:spcBef>
-                <a:spcPts val="0"/>
-              </a:spcBef>
-              <a:buNone/>
-            </a:pPr>
-            <a:r>
-              <a:rPr lang="en-US" sz="1200" dirty="0">
-                <a:solidFill>
-                  <a:srgbClr val="000000"/>
-                </a:solidFill>
-                <a:latin typeface="Consolas"/>
-              </a:rPr>
-              <a:t>        </a:t>
-            </a:r>
-            <a:r>
-              <a:rPr lang="en-US" sz="1200" dirty="0">
-                <a:solidFill>
-                  <a:srgbClr val="3F7F5F"/>
-                </a:solidFill>
-                <a:latin typeface="Consolas"/>
-              </a:rPr>
-              <a:t>// respond to interrupt if it occurred</a:t>
-            </a:r>
-          </a:p>
-          <a:p>
-            <a:pPr marL="0" indent="0">
-              <a:spcBef>
-                <a:spcPts val="0"/>
-              </a:spcBef>
-              <a:buNone/>
-            </a:pPr>
-            <a:r>
-              <a:rPr lang="en-US" sz="1200" dirty="0">
-                <a:solidFill>
-                  <a:srgbClr val="000000"/>
-                </a:solidFill>
-                <a:latin typeface="Consolas"/>
-              </a:rPr>
-              <a:t>        </a:t>
-            </a:r>
-            <a:r>
-              <a:rPr lang="en-US" sz="1200" dirty="0">
-                <a:solidFill>
-                  <a:srgbClr val="3F7F5F"/>
-                </a:solidFill>
-                <a:latin typeface="Consolas"/>
-              </a:rPr>
-              <a:t>// flag is global variable used to share information between main and the ISR</a:t>
-            </a:r>
-          </a:p>
-          <a:p>
-            <a:pPr marL="0" indent="0">
-              <a:spcBef>
-                <a:spcPts val="0"/>
-              </a:spcBef>
-              <a:buNone/>
-            </a:pPr>
-            <a:r>
-              <a:rPr lang="en-US" sz="1200" dirty="0">
-                <a:solidFill>
-                  <a:srgbClr val="000000"/>
-                </a:solidFill>
-                <a:latin typeface="Consolas"/>
-              </a:rPr>
-              <a:t>        </a:t>
-            </a:r>
-            <a:r>
-              <a:rPr lang="en-US" sz="1200" b="1" dirty="0">
-                <a:solidFill>
-                  <a:srgbClr val="7F0055"/>
-                </a:solidFill>
-                <a:latin typeface="Consolas"/>
-              </a:rPr>
-              <a:t>if</a:t>
-            </a:r>
-            <a:r>
-              <a:rPr lang="en-US" sz="1200" b="1" dirty="0">
-                <a:solidFill>
-                  <a:srgbClr val="000000"/>
-                </a:solidFill>
-                <a:latin typeface="Consolas"/>
-              </a:rPr>
-              <a:t> (flag</a:t>
-            </a:r>
-            <a:r>
-              <a:rPr lang="en-US" sz="1200" b="1" dirty="0" smtClean="0">
-                <a:solidFill>
-                  <a:srgbClr val="000000"/>
-                </a:solidFill>
-                <a:latin typeface="Consolas"/>
-              </a:rPr>
-              <a:t>)</a:t>
-            </a:r>
-          </a:p>
-          <a:p>
-            <a:pPr marL="0" indent="0">
-              <a:spcBef>
-                <a:spcPts val="0"/>
-              </a:spcBef>
-              <a:buNone/>
-            </a:pPr>
-            <a:r>
-              <a:rPr lang="en-US" sz="1200" dirty="0" smtClean="0">
-                <a:solidFill>
-                  <a:srgbClr val="000000"/>
-                </a:solidFill>
-                <a:latin typeface="Consolas"/>
-              </a:rPr>
-              <a:t>        {</a:t>
-            </a:r>
-          </a:p>
-          <a:p>
-            <a:pPr marL="0" indent="0">
-              <a:spcBef>
-                <a:spcPts val="0"/>
-              </a:spcBef>
-              <a:buNone/>
-            </a:pPr>
-            <a:r>
-              <a:rPr lang="en-US" sz="1200" dirty="0" smtClean="0">
-                <a:solidFill>
-                  <a:srgbClr val="000000"/>
-                </a:solidFill>
-                <a:latin typeface="Consolas"/>
-              </a:rPr>
-              <a:t>            </a:t>
-            </a:r>
-            <a:r>
-              <a:rPr lang="en-US" sz="1200" dirty="0">
-                <a:solidFill>
-                  <a:srgbClr val="000000"/>
-                </a:solidFill>
-                <a:latin typeface="Consolas"/>
-              </a:rPr>
-              <a:t>flag = 0;</a:t>
-            </a:r>
-          </a:p>
-          <a:p>
-            <a:pPr marL="0" indent="0">
-              <a:spcBef>
-                <a:spcPts val="0"/>
-              </a:spcBef>
-              <a:buNone/>
-            </a:pPr>
-            <a:r>
-              <a:rPr lang="en-US" sz="1200" dirty="0">
-                <a:solidFill>
-                  <a:srgbClr val="000000"/>
-                </a:solidFill>
-                <a:latin typeface="Consolas"/>
-              </a:rPr>
-              <a:t>            P1OUT ^= BIT0;</a:t>
-            </a:r>
-          </a:p>
-          <a:p>
-            <a:pPr marL="0" indent="0">
-              <a:spcBef>
-                <a:spcPts val="0"/>
-              </a:spcBef>
-              <a:buNone/>
-            </a:pPr>
-            <a:r>
-              <a:rPr lang="en-US" sz="1200" dirty="0">
-                <a:solidFill>
-                  <a:srgbClr val="000000"/>
-                </a:solidFill>
-                <a:latin typeface="Consolas"/>
-              </a:rPr>
-              <a:t>            </a:t>
-            </a:r>
-            <a:r>
-              <a:rPr lang="en-US" sz="1200" b="1" dirty="0">
-                <a:solidFill>
-                  <a:srgbClr val="7F0055"/>
-                </a:solidFill>
-                <a:latin typeface="Consolas"/>
-              </a:rPr>
-              <a:t>if</a:t>
-            </a:r>
-            <a:r>
-              <a:rPr lang="en-US" sz="1200" b="1" dirty="0">
-                <a:solidFill>
-                  <a:srgbClr val="000000"/>
-                </a:solidFill>
-                <a:latin typeface="Consolas"/>
-              </a:rPr>
-              <a:t> (count)</a:t>
-            </a:r>
-          </a:p>
-          <a:p>
-            <a:pPr marL="0" indent="0">
-              <a:spcBef>
-                <a:spcPts val="0"/>
-              </a:spcBef>
-              <a:buNone/>
-            </a:pPr>
-            <a:r>
-              <a:rPr lang="en-US" sz="1200" dirty="0">
-                <a:solidFill>
-                  <a:srgbClr val="000000"/>
-                </a:solidFill>
-                <a:latin typeface="Consolas"/>
-              </a:rPr>
-              <a:t>            {</a:t>
-            </a:r>
-          </a:p>
-          <a:p>
-            <a:pPr marL="0" indent="0">
-              <a:spcBef>
-                <a:spcPts val="0"/>
-              </a:spcBef>
-              <a:buNone/>
-            </a:pPr>
-            <a:r>
-              <a:rPr lang="en-US" sz="1200" dirty="0">
-                <a:solidFill>
-                  <a:srgbClr val="000000"/>
-                </a:solidFill>
-                <a:latin typeface="Consolas"/>
-              </a:rPr>
-              <a:t>                P1OUT ^= BIT6;</a:t>
-            </a:r>
-          </a:p>
-          <a:p>
-            <a:pPr marL="0" indent="0">
-              <a:spcBef>
-                <a:spcPts val="0"/>
-              </a:spcBef>
-              <a:buNone/>
-            </a:pPr>
-            <a:r>
-              <a:rPr lang="en-US" sz="1200" dirty="0">
-                <a:solidFill>
-                  <a:srgbClr val="000000"/>
-                </a:solidFill>
-                <a:latin typeface="Consolas"/>
-              </a:rPr>
-              <a:t>                count = 0;</a:t>
-            </a:r>
-          </a:p>
-          <a:p>
-            <a:pPr marL="0" indent="0">
-              <a:spcBef>
-                <a:spcPts val="0"/>
-              </a:spcBef>
-              <a:buNone/>
-            </a:pPr>
-            <a:r>
-              <a:rPr lang="en-US" sz="1200" dirty="0">
-                <a:solidFill>
-                  <a:srgbClr val="000000"/>
-                </a:solidFill>
-                <a:latin typeface="Consolas"/>
-              </a:rPr>
-              <a:t>            } </a:t>
-            </a:r>
-            <a:r>
-              <a:rPr lang="en-US" sz="1200" b="1" dirty="0">
-                <a:solidFill>
-                  <a:srgbClr val="7F0055"/>
-                </a:solidFill>
-                <a:latin typeface="Consolas"/>
-              </a:rPr>
-              <a:t>else</a:t>
-            </a:r>
-          </a:p>
-          <a:p>
-            <a:pPr marL="0" indent="0">
-              <a:spcBef>
-                <a:spcPts val="0"/>
-              </a:spcBef>
-              <a:buNone/>
-            </a:pPr>
-            <a:r>
-              <a:rPr lang="en-US" sz="1200" dirty="0">
-                <a:solidFill>
-                  <a:srgbClr val="000000"/>
-                </a:solidFill>
-                <a:latin typeface="Consolas"/>
-              </a:rPr>
-              <a:t>                count++;</a:t>
-            </a:r>
-          </a:p>
-          <a:p>
-            <a:pPr marL="0" indent="0">
-              <a:spcBef>
-                <a:spcPts val="0"/>
-              </a:spcBef>
-              <a:buNone/>
-            </a:pPr>
-            <a:r>
-              <a:rPr lang="en-US" sz="1200" dirty="0">
-                <a:solidFill>
-                  <a:srgbClr val="000000"/>
-                </a:solidFill>
-                <a:latin typeface="Consolas"/>
-              </a:rPr>
-              <a:t>        }</a:t>
-            </a:r>
-          </a:p>
-          <a:p>
-            <a:pPr marL="0" indent="0">
-              <a:spcBef>
-                <a:spcPts val="0"/>
-              </a:spcBef>
-              <a:buNone/>
-            </a:pPr>
-            <a:r>
-              <a:rPr lang="en-US" sz="1200" dirty="0">
-                <a:solidFill>
-                  <a:srgbClr val="000000"/>
-                </a:solidFill>
-                <a:latin typeface="Consolas"/>
-              </a:rPr>
-              <a:t>    }</a:t>
-            </a:r>
-          </a:p>
-          <a:p>
-            <a:pPr marL="0" indent="0">
-              <a:spcBef>
-                <a:spcPts val="0"/>
-              </a:spcBef>
-              <a:buNone/>
-            </a:pPr>
-            <a:endParaRPr lang="en-US" sz="1200" dirty="0">
-              <a:latin typeface="Consolas"/>
-            </a:endParaRPr>
-          </a:p>
-          <a:p>
-            <a:pPr marL="0" indent="0">
-              <a:spcBef>
-                <a:spcPts val="0"/>
-              </a:spcBef>
-              <a:buNone/>
-            </a:pPr>
-            <a:r>
-              <a:rPr lang="en-US" sz="1200" dirty="0" smtClean="0">
-                <a:solidFill>
-                  <a:srgbClr val="000000"/>
-                </a:solidFill>
-                <a:latin typeface="Consolas"/>
-              </a:rPr>
-              <a:t>}</a:t>
-            </a:r>
-            <a:endParaRPr lang="en-US" sz="1200" dirty="0">
-              <a:solidFill>
-                <a:srgbClr val="000000"/>
-              </a:solidFill>
-              <a:latin typeface="Consolas"/>
-            </a:endParaRPr>
-          </a:p>
-          <a:p>
-            <a:pPr marL="0" indent="0">
-              <a:spcBef>
-                <a:spcPts val="0"/>
-              </a:spcBef>
-              <a:buNone/>
-            </a:pPr>
-            <a:endParaRPr lang="en-US" sz="1200" dirty="0">
-              <a:latin typeface="Consolas"/>
-            </a:endParaRPr>
-          </a:p>
-        </p:txBody>
-      </p:sp>
-      <p:sp>
-        <p:nvSpPr>
-          <p:cNvPr id="3" name="Rectangle 2"/>
-          <p:cNvSpPr/>
-          <p:nvPr/>
-        </p:nvSpPr>
-        <p:spPr>
-          <a:xfrm>
-            <a:off x="3568894" y="5459487"/>
-            <a:ext cx="5424985" cy="1384995"/>
-          </a:xfrm>
-          <a:prstGeom prst="rect">
-            <a:avLst/>
-          </a:prstGeom>
-          <a:ln>
-            <a:solidFill>
-              <a:schemeClr val="tx1"/>
-            </a:solidFill>
-          </a:ln>
-        </p:spPr>
-        <p:txBody>
-          <a:bodyPr wrap="square">
-            <a:spAutoFit/>
-          </a:bodyPr>
-          <a:lstStyle/>
-          <a:p>
-            <a:pPr marL="0" indent="0">
-              <a:spcBef>
-                <a:spcPts val="0"/>
-              </a:spcBef>
-              <a:buNone/>
-            </a:pPr>
-            <a:r>
-              <a:rPr lang="en-US" sz="1200" dirty="0">
-                <a:solidFill>
-                  <a:srgbClr val="3F7F5F"/>
-                </a:solidFill>
-                <a:latin typeface="Consolas"/>
-              </a:rPr>
-              <a:t>// Flag for continuous counting is TAIFG</a:t>
-            </a:r>
-          </a:p>
-          <a:p>
-            <a:pPr marL="0" indent="0">
-              <a:spcBef>
-                <a:spcPts val="0"/>
-              </a:spcBef>
-              <a:buNone/>
-            </a:pPr>
-            <a:r>
-              <a:rPr lang="en-US" sz="1200" b="1" dirty="0">
-                <a:solidFill>
-                  <a:srgbClr val="7F0055"/>
-                </a:solidFill>
-                <a:latin typeface="Consolas"/>
-              </a:rPr>
-              <a:t>#pragma</a:t>
-            </a:r>
-            <a:r>
-              <a:rPr lang="en-US" sz="1200" b="1" dirty="0">
-                <a:solidFill>
-                  <a:srgbClr val="000000"/>
-                </a:solidFill>
-                <a:latin typeface="Consolas"/>
-              </a:rPr>
-              <a:t> vector=TIMER0_A1_VECTOR</a:t>
-            </a:r>
-          </a:p>
-          <a:p>
-            <a:pPr marL="0" indent="0">
-              <a:spcBef>
-                <a:spcPts val="0"/>
-              </a:spcBef>
-              <a:buNone/>
-            </a:pPr>
-            <a:r>
-              <a:rPr lang="en-US" sz="1200" b="1" dirty="0">
-                <a:solidFill>
-                  <a:srgbClr val="7F0055"/>
-                </a:solidFill>
-                <a:latin typeface="Consolas"/>
-              </a:rPr>
-              <a:t>__interrupt</a:t>
-            </a:r>
-            <a:r>
-              <a:rPr lang="en-US" sz="1200" b="1" dirty="0">
-                <a:solidFill>
-                  <a:srgbClr val="000000"/>
-                </a:solidFill>
-                <a:latin typeface="Consolas"/>
-              </a:rPr>
-              <a:t> </a:t>
-            </a:r>
-            <a:r>
-              <a:rPr lang="en-US" sz="1200" b="1" dirty="0">
-                <a:solidFill>
-                  <a:srgbClr val="7F0055"/>
-                </a:solidFill>
-                <a:latin typeface="Consolas"/>
-              </a:rPr>
-              <a:t>void</a:t>
-            </a:r>
-            <a:r>
-              <a:rPr lang="en-US" sz="1200" b="1" dirty="0">
-                <a:solidFill>
-                  <a:srgbClr val="000000"/>
-                </a:solidFill>
-                <a:latin typeface="Consolas"/>
-              </a:rPr>
-              <a:t> TIMER0_A1_ISR()</a:t>
-            </a:r>
-          </a:p>
-          <a:p>
-            <a:pPr marL="0" indent="0">
-              <a:spcBef>
-                <a:spcPts val="0"/>
-              </a:spcBef>
-              <a:buNone/>
-            </a:pPr>
-            <a:r>
-              <a:rPr lang="en-US" sz="1200" dirty="0">
-                <a:solidFill>
-                  <a:srgbClr val="000000"/>
-                </a:solidFill>
-                <a:latin typeface="Consolas"/>
-              </a:rPr>
-              <a:t>{</a:t>
-            </a:r>
-          </a:p>
-          <a:p>
-            <a:pPr marL="0" indent="0">
-              <a:spcBef>
-                <a:spcPts val="0"/>
-              </a:spcBef>
-              <a:buNone/>
-            </a:pPr>
-            <a:r>
-              <a:rPr lang="en-US" sz="1200" dirty="0">
-                <a:solidFill>
-                  <a:srgbClr val="000000"/>
-                </a:solidFill>
-                <a:latin typeface="Consolas"/>
-              </a:rPr>
-              <a:t>    </a:t>
-            </a:r>
-            <a:r>
-              <a:rPr lang="en-US" sz="1200" dirty="0" smtClean="0">
-                <a:solidFill>
-                  <a:srgbClr val="000000"/>
-                </a:solidFill>
-                <a:latin typeface="Consolas"/>
-              </a:rPr>
-              <a:t>TA0CTL </a:t>
-            </a:r>
-            <a:r>
-              <a:rPr lang="en-US" sz="1200" dirty="0">
-                <a:solidFill>
-                  <a:srgbClr val="000000"/>
-                </a:solidFill>
-                <a:latin typeface="Consolas"/>
-              </a:rPr>
-              <a:t>&amp;= ~TAIFG;            </a:t>
-            </a:r>
-            <a:r>
-              <a:rPr lang="en-US" sz="1200" dirty="0">
-                <a:solidFill>
-                  <a:srgbClr val="3F7F5F"/>
-                </a:solidFill>
-                <a:latin typeface="Consolas"/>
-              </a:rPr>
-              <a:t>// clear interrupt flag</a:t>
-            </a:r>
-          </a:p>
-          <a:p>
-            <a:pPr marL="0" indent="0">
-              <a:spcBef>
-                <a:spcPts val="0"/>
-              </a:spcBef>
-              <a:buNone/>
-            </a:pPr>
-            <a:r>
-              <a:rPr lang="en-US" sz="1200" dirty="0">
-                <a:solidFill>
-                  <a:srgbClr val="000000"/>
-                </a:solidFill>
-                <a:latin typeface="Consolas"/>
-              </a:rPr>
-              <a:t>    flag = 1;</a:t>
-            </a:r>
-          </a:p>
-          <a:p>
-            <a:pPr marL="0" indent="0">
-              <a:spcBef>
-                <a:spcPts val="0"/>
-              </a:spcBef>
-              <a:buNone/>
-            </a:pPr>
-            <a:r>
-              <a:rPr lang="en-US" sz="1200" dirty="0">
-                <a:solidFill>
-                  <a:srgbClr val="000000"/>
-                </a:solidFill>
-                <a:latin typeface="Consolas"/>
-              </a:rPr>
-              <a:t>}</a:t>
-            </a:r>
-          </a:p>
-        </p:txBody>
-      </p:sp>
-      <p:cxnSp>
-        <p:nvCxnSpPr>
-          <p:cNvPr id="6" name="Straight Arrow Connector 5"/>
-          <p:cNvCxnSpPr>
-            <a:stCxn id="3" idx="1"/>
-          </p:cNvCxnSpPr>
-          <p:nvPr/>
-        </p:nvCxnSpPr>
-        <p:spPr bwMode="auto">
-          <a:xfrm flipH="1">
-            <a:off x="914390" y="6151985"/>
-            <a:ext cx="2654504" cy="651553"/>
-          </a:xfrm>
-          <a:prstGeom prst="straightConnector1">
-            <a:avLst/>
-          </a:prstGeom>
-          <a:noFill/>
-          <a:ln w="9525" cap="flat" cmpd="sng" algn="ctr">
-            <a:solidFill>
-              <a:schemeClr val="tx1"/>
-            </a:solidFill>
-            <a:prstDash val="solid"/>
-            <a:round/>
-            <a:headEnd type="none" w="med" len="med"/>
-            <a:tailEnd type="triangle"/>
-          </a:ln>
-          <a:effectLst/>
-        </p:spPr>
-      </p:cxnSp>
-    </p:spTree>
-    <p:extLst>
-      <p:ext uri="{BB962C8B-B14F-4D97-AF65-F5344CB8AC3E}">
-        <p14:creationId xmlns:p14="http://schemas.microsoft.com/office/powerpoint/2010/main" val="1692932088"/>
-      </p:ext>
-    </p:extLst>
-  </p:cSld>
-  <p:clrMapOvr>
-    <a:masterClrMapping/>
-  </p:clrMapOvr>
-  <mc:AlternateContent xmlns:mc="http://schemas.openxmlformats.org/markup-compatibility/2006" xmlns:p14="http://schemas.microsoft.com/office/powerpoint/2010/main">
-    <mc:Choice Requires="p14">
-      <p:transition spd="slow" p14:dur="2000"/>
-    </mc:Choice>
-    <mc:Fallback xmlns="">
-      <p:transition spd="slow"/>
-    </mc:Fallback>
-  </mc:AlternateContent>
-  <p:timing>
-    <p:tnLst>
-      <p:par>
-        <p:cTn id="1" dur="indefinite" restart="never" nodeType="tmRoot"/>
-      </p:par>
-    </p:tnLst>
-  </p:timing>
-</p:sld>
-</file>
-
-<file path=ppt/slides/slide21.xml><?xml version="1.0" encoding="utf-8"?>
-<p:sld xmlns:a="http://schemas.openxmlformats.org/drawingml/2006/main" xmlns:r="http://schemas.openxmlformats.org/officeDocument/2006/relationships" xmlns:p="http://schemas.openxmlformats.org/presentationml/2006/main">
-  <p:cSld>
-    <p:spTree>
-      <p:nvGrpSpPr>
-        <p:cNvPr id="1" name=""/>
-        <p:cNvGrpSpPr/>
-        <p:nvPr/>
-      </p:nvGrpSpPr>
-      <p:grpSpPr>
-        <a:xfrm>
-          <a:off x="0" y="0"/>
-          <a:ext cx="0" cy="0"/>
-          <a:chOff x="0" y="0"/>
-          <a:chExt cx="0" cy="0"/>
-        </a:xfrm>
-      </p:grpSpPr>
-      <p:sp>
-        <p:nvSpPr>
-          <p:cNvPr id="2" name="Title 1"/>
-          <p:cNvSpPr>
-            <a:spLocks noGrp="1"/>
-          </p:cNvSpPr>
-          <p:nvPr>
-            <p:ph type="title"/>
-          </p:nvPr>
-        </p:nvSpPr>
-        <p:spPr/>
-        <p:txBody>
-          <a:bodyPr/>
-          <a:lstStyle/>
-          <a:p>
-            <a:r>
-              <a:rPr lang="en-US" dirty="0" smtClean="0"/>
-              <a:t>In-Class Programming Exercise </a:t>
-            </a:r>
-            <a:endParaRPr lang="en-US" dirty="0"/>
-          </a:p>
-        </p:txBody>
-      </p:sp>
-      <p:sp>
-        <p:nvSpPr>
-          <p:cNvPr id="3" name="Content Placeholder 2"/>
-          <p:cNvSpPr>
-            <a:spLocks noGrp="1"/>
-          </p:cNvSpPr>
-          <p:nvPr>
-            <p:ph idx="1"/>
-          </p:nvPr>
-        </p:nvSpPr>
-        <p:spPr/>
-        <p:txBody>
-          <a:bodyPr/>
-          <a:lstStyle/>
-          <a:p>
-            <a:r>
-              <a:rPr lang="en-US" sz="2400" dirty="0"/>
-              <a:t>Create a project around </a:t>
-            </a:r>
-            <a:r>
-              <a:rPr lang="en-US" sz="2400" dirty="0" err="1"/>
-              <a:t>interruptTones.c</a:t>
-            </a:r>
-            <a:r>
-              <a:rPr lang="en-US" sz="2400" dirty="0"/>
-              <a:t>.  This C program utilizes interrupts to Blink the Green LED (P1.0 using Timer A at 440Hz  Modify the program to do the following</a:t>
-            </a:r>
-            <a:r>
-              <a:rPr lang="en-US" sz="2400" dirty="0" smtClean="0"/>
-              <a:t>:</a:t>
-            </a:r>
-          </a:p>
-          <a:p>
-            <a:pPr lvl="1"/>
-            <a:r>
-              <a:rPr lang="en-US" sz="1800" dirty="0" smtClean="0"/>
-              <a:t>Put </a:t>
-            </a:r>
-            <a:r>
-              <a:rPr lang="en-US" sz="1800" dirty="0"/>
-              <a:t>a speaker or headphones on P1.6 to listen to the 440Hz 'A' Tone using the following schematic.</a:t>
-            </a:r>
-          </a:p>
-          <a:p>
-            <a:pPr lvl="1"/>
-            <a:r>
-              <a:rPr lang="en-US" sz="1800" dirty="0" smtClean="0"/>
-              <a:t>Implement </a:t>
-            </a:r>
-            <a:r>
-              <a:rPr lang="en-US" sz="1800" dirty="0"/>
-              <a:t>another interrupt from a button press (P1.3) to toggle the Red LED (P1.0) and then increment through each tone in the counts array.</a:t>
-            </a:r>
-          </a:p>
-          <a:p>
-            <a:pPr lvl="1"/>
-            <a:r>
-              <a:rPr lang="en-US" sz="1800" dirty="0" smtClean="0"/>
-              <a:t>Use </a:t>
-            </a:r>
-            <a:r>
-              <a:rPr lang="en-US" sz="1800" dirty="0"/>
-              <a:t>the button interrupt to increment through the counts array to be output the different tones on a speaker.</a:t>
-            </a:r>
-          </a:p>
-        </p:txBody>
-      </p:sp>
-      <p:sp>
-        <p:nvSpPr>
-          <p:cNvPr id="4" name="Rectangle 3"/>
-          <p:cNvSpPr/>
-          <p:nvPr/>
-        </p:nvSpPr>
-        <p:spPr>
-          <a:xfrm>
-            <a:off x="2960176" y="5594292"/>
-            <a:ext cx="2861040" cy="461665"/>
-          </a:xfrm>
-          <a:prstGeom prst="rect">
-            <a:avLst/>
-          </a:prstGeom>
-        </p:spPr>
-        <p:txBody>
-          <a:bodyPr wrap="none">
-            <a:spAutoFit/>
-          </a:bodyPr>
-          <a:lstStyle/>
-          <a:p>
-            <a:r>
-              <a:rPr lang="en-US" dirty="0"/>
-              <a:t>(see </a:t>
-            </a:r>
-            <a:r>
-              <a:rPr lang="en-US" dirty="0" err="1"/>
-              <a:t>interruptTones.c</a:t>
-            </a:r>
-            <a:r>
-              <a:rPr lang="en-US" dirty="0"/>
-              <a:t>)</a:t>
-            </a:r>
-          </a:p>
-        </p:txBody>
-      </p:sp>
-    </p:spTree>
-    <p:extLst>
-      <p:ext uri="{BB962C8B-B14F-4D97-AF65-F5344CB8AC3E}">
-        <p14:creationId xmlns:p14="http://schemas.microsoft.com/office/powerpoint/2010/main" val="3383098997"/>
-      </p:ext>
-    </p:extLst>
-  </p:cSld>
-  <p:clrMapOvr>
-    <a:masterClrMapping/>
-  </p:clrMapOvr>
-  <p:timing>
-    <p:tnLst>
-      <p:par>
-        <p:cTn id="1" dur="indefinite" restart="never" nodeType="tmRoot"/>
-      </p:par>
-    </p:tnLst>
-  </p:timing>
-</p:sld>
-</file>
-
-<file path=ppt/slides/slide22.xml><?xml version="1.0" encoding="utf-8"?>
-<p:sld xmlns:a="http://schemas.openxmlformats.org/drawingml/2006/main" xmlns:r="http://schemas.openxmlformats.org/officeDocument/2006/relationships" xmlns:p="http://schemas.openxmlformats.org/presentationml/2006/main" show="0">
-  <p:cSld>
-    <p:spTree>
-      <p:nvGrpSpPr>
-        <p:cNvPr id="1" name=""/>
-        <p:cNvGrpSpPr/>
-        <p:nvPr/>
-      </p:nvGrpSpPr>
-      <p:grpSpPr>
-        <a:xfrm>
-          <a:off x="0" y="0"/>
-          <a:ext cx="0" cy="0"/>
-          <a:chOff x="0" y="0"/>
-          <a:chExt cx="0" cy="0"/>
-        </a:xfrm>
-      </p:grpSpPr>
-      <p:sp>
-        <p:nvSpPr>
-          <p:cNvPr id="2" name="Title 1"/>
-          <p:cNvSpPr>
-            <a:spLocks noGrp="1"/>
-          </p:cNvSpPr>
-          <p:nvPr>
-            <p:ph type="title"/>
-          </p:nvPr>
-        </p:nvSpPr>
-        <p:spPr/>
-        <p:txBody>
-          <a:bodyPr/>
-          <a:lstStyle/>
-          <a:p>
-            <a:r>
-              <a:rPr lang="en-US" dirty="0" smtClean="0"/>
-              <a:t>In-Class Programming Exercise </a:t>
-            </a:r>
-            <a:endParaRPr lang="en-US" dirty="0"/>
-          </a:p>
-        </p:txBody>
-      </p:sp>
-      <p:sp>
-        <p:nvSpPr>
-          <p:cNvPr id="3" name="Content Placeholder 2"/>
-          <p:cNvSpPr>
-            <a:spLocks noGrp="1"/>
-          </p:cNvSpPr>
-          <p:nvPr>
-            <p:ph idx="1"/>
-          </p:nvPr>
-        </p:nvSpPr>
-        <p:spPr/>
-        <p:txBody>
-          <a:bodyPr/>
-          <a:lstStyle/>
-          <a:p>
-            <a:endParaRPr lang="en-US" sz="1800" dirty="0"/>
-          </a:p>
-        </p:txBody>
-      </p:sp>
-      <p:sp>
-        <p:nvSpPr>
-          <p:cNvPr id="4" name="Rectangle 3"/>
-          <p:cNvSpPr/>
-          <p:nvPr/>
-        </p:nvSpPr>
-        <p:spPr>
-          <a:xfrm>
-            <a:off x="3141480" y="659685"/>
-            <a:ext cx="2861040" cy="461665"/>
-          </a:xfrm>
-          <a:prstGeom prst="rect">
-            <a:avLst/>
-          </a:prstGeom>
-        </p:spPr>
-        <p:txBody>
-          <a:bodyPr wrap="none">
-            <a:spAutoFit/>
-          </a:bodyPr>
-          <a:lstStyle/>
-          <a:p>
-            <a:r>
-              <a:rPr lang="en-US" dirty="0"/>
-              <a:t>(see </a:t>
-            </a:r>
-            <a:r>
-              <a:rPr lang="en-US" dirty="0" err="1"/>
-              <a:t>interruptTones.c</a:t>
-            </a:r>
-            <a:r>
-              <a:rPr lang="en-US" dirty="0"/>
-              <a:t>)</a:t>
-            </a:r>
-          </a:p>
-        </p:txBody>
-      </p:sp>
-      <p:sp>
-        <p:nvSpPr>
-          <p:cNvPr id="7" name="Rectangle 6"/>
-          <p:cNvSpPr/>
-          <p:nvPr/>
-        </p:nvSpPr>
-        <p:spPr>
-          <a:xfrm>
-            <a:off x="0" y="6172174"/>
-            <a:ext cx="9144000" cy="707886"/>
-          </a:xfrm>
-          <a:prstGeom prst="rect">
-            <a:avLst/>
-          </a:prstGeom>
-        </p:spPr>
-        <p:txBody>
-          <a:bodyPr wrap="square">
-            <a:spAutoFit/>
-          </a:bodyPr>
-          <a:lstStyle/>
-          <a:p>
-            <a:pPr algn="ctr">
-              <a:spcBef>
-                <a:spcPts val="0"/>
-              </a:spcBef>
-            </a:pPr>
-            <a:r>
-              <a:rPr lang="en-US" sz="2000" dirty="0"/>
-              <a:t>Setup for the hooking up 3.5mm Audio Jack to the MSP430 Launchpad Board</a:t>
-            </a:r>
-          </a:p>
-          <a:p>
-            <a:pPr algn="ctr">
-              <a:spcBef>
-                <a:spcPts val="0"/>
-              </a:spcBef>
-            </a:pPr>
-            <a:r>
-              <a:rPr lang="en-US" sz="2000" dirty="0" smtClean="0"/>
-              <a:t>without </a:t>
-            </a:r>
-            <a:r>
-              <a:rPr lang="en-US" sz="2000" dirty="0"/>
-              <a:t>Volume Control</a:t>
-            </a:r>
-          </a:p>
-        </p:txBody>
-      </p:sp>
-      <p:pic>
-        <p:nvPicPr>
-          <p:cNvPr id="1026" name="Picture 2"/>
-          <p:cNvPicPr>
-            <a:picLocks noChangeAspect="1" noChangeArrowheads="1"/>
-          </p:cNvPicPr>
-          <p:nvPr/>
-        </p:nvPicPr>
-        <p:blipFill>
-          <a:blip r:embed="rId2">
-            <a:extLst>
-              <a:ext uri="{28A0092B-C50C-407E-A947-70E740481C1C}">
-                <a14:useLocalDpi xmlns:a14="http://schemas.microsoft.com/office/drawing/2010/main" val="0"/>
-              </a:ext>
-            </a:extLst>
-          </a:blip>
-          <a:srcRect/>
-          <a:stretch>
-            <a:fillRect/>
-          </a:stretch>
-        </p:blipFill>
-        <p:spPr bwMode="auto">
-          <a:xfrm>
-            <a:off x="354251" y="1385334"/>
-            <a:ext cx="8435498" cy="4769734"/>
-          </a:xfrm>
-          <a:prstGeom prst="rect">
-            <a:avLst/>
-          </a:prstGeom>
-          <a:noFill/>
-          <a:ln>
-            <a:noFill/>
-          </a:ln>
-          <a:extLst>
-            <a:ext uri="{909E8E84-426E-40DD-AFC4-6F175D3DCCD1}">
-              <a14:hiddenFill xmlns:a14="http://schemas.microsoft.com/office/drawing/2010/main">
-                <a:solidFill>
-                  <a:schemeClr val="accent1"/>
-                </a:solidFill>
-              </a14:hiddenFill>
-            </a:ext>
-            <a:ext uri="{91240B29-F687-4F45-9708-019B960494DF}">
-              <a14:hiddenLine xmlns:a14="http://schemas.microsoft.com/office/drawing/2010/main" w="9525">
-                <a:solidFill>
-                  <a:schemeClr val="tx1"/>
-                </a:solidFill>
-                <a:miter lim="800000"/>
-                <a:headEnd/>
-                <a:tailEnd/>
-              </a14:hiddenLine>
-            </a:ext>
-          </a:extLst>
-        </p:spPr>
-      </p:pic>
-    </p:spTree>
-    <p:extLst>
-      <p:ext uri="{BB962C8B-B14F-4D97-AF65-F5344CB8AC3E}">
-        <p14:creationId xmlns:p14="http://schemas.microsoft.com/office/powerpoint/2010/main" val="2469392628"/>
-      </p:ext>
-    </p:extLst>
-  </p:cSld>
-  <p:clrMapOvr>
-    <a:masterClrMapping/>
-  </p:clrMapOvr>
-  <mc:AlternateContent xmlns:mc="http://schemas.openxmlformats.org/markup-compatibility/2006" xmlns:p14="http://schemas.microsoft.com/office/powerpoint/2010/main">
-    <mc:Choice Requires="p14">
-      <p:transition spd="slow" p14:dur="2000"/>
-    </mc:Choice>
-    <mc:Fallback xmlns="">
-      <p:transition spd="slow"/>
-    </mc:Fallback>
-  </mc:AlternateContent>
-  <p:timing>
-    <p:tnLst>
-      <p:par>
-        <p:cTn id="1" dur="indefinite" restart="never" nodeType="tmRoot"/>
-      </p:par>
-    </p:tnLst>
-  </p:timing>
-</p:sld>
-</file>
-
-<file path=ppt/slides/slide23.xml><?xml version="1.0" encoding="utf-8"?>
-<p:sld xmlns:a="http://schemas.openxmlformats.org/drawingml/2006/main" xmlns:r="http://schemas.openxmlformats.org/officeDocument/2006/relationships" xmlns:p="http://schemas.openxmlformats.org/presentationml/2006/main" show="0">
-  <p:cSld>
-    <p:spTree>
-      <p:nvGrpSpPr>
-        <p:cNvPr id="1" name=""/>
-        <p:cNvGrpSpPr/>
-        <p:nvPr/>
-      </p:nvGrpSpPr>
-      <p:grpSpPr>
-        <a:xfrm>
-          <a:off x="0" y="0"/>
-          <a:ext cx="0" cy="0"/>
-          <a:chOff x="0" y="0"/>
-          <a:chExt cx="0" cy="0"/>
-        </a:xfrm>
-      </p:grpSpPr>
-      <p:sp>
-        <p:nvSpPr>
-          <p:cNvPr id="2" name="Title 1"/>
-          <p:cNvSpPr>
-            <a:spLocks noGrp="1"/>
-          </p:cNvSpPr>
-          <p:nvPr>
-            <p:ph type="title"/>
-          </p:nvPr>
-        </p:nvSpPr>
-        <p:spPr/>
-        <p:txBody>
-          <a:bodyPr/>
-          <a:lstStyle/>
-          <a:p>
-            <a:r>
-              <a:rPr lang="en-US" dirty="0" smtClean="0"/>
-              <a:t>In-Class Programming Exercise </a:t>
-            </a:r>
-            <a:endParaRPr lang="en-US" dirty="0"/>
-          </a:p>
-        </p:txBody>
-      </p:sp>
-      <p:sp>
-        <p:nvSpPr>
-          <p:cNvPr id="3" name="Content Placeholder 2"/>
-          <p:cNvSpPr>
-            <a:spLocks noGrp="1"/>
-          </p:cNvSpPr>
-          <p:nvPr>
-            <p:ph idx="1"/>
-          </p:nvPr>
-        </p:nvSpPr>
-        <p:spPr/>
-        <p:txBody>
-          <a:bodyPr/>
-          <a:lstStyle/>
-          <a:p>
-            <a:endParaRPr lang="en-US" sz="1800" dirty="0"/>
-          </a:p>
-        </p:txBody>
-      </p:sp>
-      <p:sp>
-        <p:nvSpPr>
-          <p:cNvPr id="4" name="Rectangle 3"/>
-          <p:cNvSpPr/>
-          <p:nvPr/>
-        </p:nvSpPr>
-        <p:spPr>
-          <a:xfrm>
-            <a:off x="3141480" y="659685"/>
-            <a:ext cx="2861040" cy="461665"/>
-          </a:xfrm>
-          <a:prstGeom prst="rect">
-            <a:avLst/>
-          </a:prstGeom>
-        </p:spPr>
-        <p:txBody>
-          <a:bodyPr wrap="none">
-            <a:spAutoFit/>
-          </a:bodyPr>
-          <a:lstStyle/>
-          <a:p>
-            <a:r>
-              <a:rPr lang="en-US" dirty="0"/>
-              <a:t>(see </a:t>
-            </a:r>
-            <a:r>
-              <a:rPr lang="en-US" dirty="0" err="1"/>
-              <a:t>interruptTones.c</a:t>
-            </a:r>
-            <a:r>
-              <a:rPr lang="en-US" dirty="0"/>
-              <a:t>)</a:t>
-            </a:r>
-          </a:p>
-        </p:txBody>
-      </p:sp>
-      <p:sp>
-        <p:nvSpPr>
-          <p:cNvPr id="7" name="Rectangle 6"/>
-          <p:cNvSpPr/>
-          <p:nvPr/>
-        </p:nvSpPr>
-        <p:spPr>
-          <a:xfrm>
-            <a:off x="0" y="6172174"/>
-            <a:ext cx="9144000" cy="707886"/>
-          </a:xfrm>
-          <a:prstGeom prst="rect">
-            <a:avLst/>
-          </a:prstGeom>
-        </p:spPr>
-        <p:txBody>
-          <a:bodyPr wrap="square">
-            <a:spAutoFit/>
-          </a:bodyPr>
-          <a:lstStyle/>
-          <a:p>
-            <a:pPr algn="ctr">
-              <a:spcBef>
-                <a:spcPts val="0"/>
-              </a:spcBef>
-            </a:pPr>
-            <a:r>
-              <a:rPr lang="en-US" sz="2000" dirty="0"/>
-              <a:t>Setup for the hooking up 3.5mm Audio Jack to the MSP430 Launchpad Board</a:t>
-            </a:r>
-          </a:p>
-          <a:p>
-            <a:pPr algn="ctr">
-              <a:spcBef>
-                <a:spcPts val="0"/>
-              </a:spcBef>
-            </a:pPr>
-            <a:r>
-              <a:rPr lang="en-US" sz="2000" dirty="0" smtClean="0"/>
-              <a:t>without </a:t>
-            </a:r>
-            <a:r>
-              <a:rPr lang="en-US" sz="2000" dirty="0"/>
-              <a:t>Volume Control</a:t>
-            </a:r>
-          </a:p>
-        </p:txBody>
-      </p:sp>
-      <p:pic>
-        <p:nvPicPr>
-          <p:cNvPr id="3074" name="Picture 2"/>
-          <p:cNvPicPr>
-            <a:picLocks noChangeAspect="1" noChangeArrowheads="1"/>
-          </p:cNvPicPr>
-          <p:nvPr/>
-        </p:nvPicPr>
-        <p:blipFill>
-          <a:blip r:embed="rId2">
-            <a:extLst>
-              <a:ext uri="{28A0092B-C50C-407E-A947-70E740481C1C}">
-                <a14:useLocalDpi xmlns:a14="http://schemas.microsoft.com/office/drawing/2010/main" val="0"/>
-              </a:ext>
-            </a:extLst>
-          </a:blip>
-          <a:srcRect/>
-          <a:stretch>
-            <a:fillRect/>
-          </a:stretch>
-        </p:blipFill>
-        <p:spPr bwMode="auto">
-          <a:xfrm>
-            <a:off x="609600" y="1450223"/>
-            <a:ext cx="7924800" cy="4667250"/>
-          </a:xfrm>
-          <a:prstGeom prst="rect">
-            <a:avLst/>
-          </a:prstGeom>
-          <a:noFill/>
-          <a:ln>
-            <a:noFill/>
-          </a:ln>
-          <a:extLst>
-            <a:ext uri="{909E8E84-426E-40DD-AFC4-6F175D3DCCD1}">
-              <a14:hiddenFill xmlns:a14="http://schemas.microsoft.com/office/drawing/2010/main">
-                <a:solidFill>
-                  <a:schemeClr val="accent1"/>
-                </a:solidFill>
-              </a14:hiddenFill>
-            </a:ext>
-            <a:ext uri="{91240B29-F687-4F45-9708-019B960494DF}">
-              <a14:hiddenLine xmlns:a14="http://schemas.microsoft.com/office/drawing/2010/main" w="9525">
-                <a:solidFill>
-                  <a:schemeClr val="tx1"/>
-                </a:solidFill>
-                <a:miter lim="800000"/>
-                <a:headEnd/>
-                <a:tailEnd/>
-              </a14:hiddenLine>
-            </a:ext>
-          </a:extLst>
-        </p:spPr>
-      </p:pic>
-    </p:spTree>
-    <p:extLst>
-      <p:ext uri="{BB962C8B-B14F-4D97-AF65-F5344CB8AC3E}">
-        <p14:creationId xmlns:p14="http://schemas.microsoft.com/office/powerpoint/2010/main" val="4102588970"/>
-      </p:ext>
-    </p:extLst>
-  </p:cSld>
-  <p:clrMapOvr>
-    <a:masterClrMapping/>
-  </p:clrMapOvr>
-  <mc:AlternateContent xmlns:mc="http://schemas.openxmlformats.org/markup-compatibility/2006" xmlns:p14="http://schemas.microsoft.com/office/powerpoint/2010/main">
-    <mc:Choice Requires="p14">
-      <p:transition spd="slow" p14:dur="2000"/>
-    </mc:Choice>
-    <mc:Fallback xmlns="">
-      <p:transition spd="slow"/>
-    </mc:Fallback>
-  </mc:AlternateContent>
-  <p:timing>
-    <p:tnLst>
-      <p:par>
-        <p:cTn id="1" dur="indefinite" restart="never" nodeType="tmRoot"/>
-      </p:par>
-    </p:tnLst>
-  </p:timing>
-</p:sld>
-</file>
-
-<file path=ppt/slides/slide24.xml><?xml version="1.0" encoding="utf-8"?>
-<p:sld xmlns:a="http://schemas.openxmlformats.org/drawingml/2006/main" xmlns:r="http://schemas.openxmlformats.org/officeDocument/2006/relationships" xmlns:p="http://schemas.openxmlformats.org/presentationml/2006/main">
-  <p:cSld>
-    <p:spTree>
-      <p:nvGrpSpPr>
-        <p:cNvPr id="1" name=""/>
-        <p:cNvGrpSpPr/>
-        <p:nvPr/>
-      </p:nvGrpSpPr>
-      <p:grpSpPr>
-        <a:xfrm>
-          <a:off x="0" y="0"/>
-          <a:ext cx="0" cy="0"/>
-          <a:chOff x="0" y="0"/>
-          <a:chExt cx="0" cy="0"/>
-        </a:xfrm>
-      </p:grpSpPr>
-      <p:sp>
-        <p:nvSpPr>
-          <p:cNvPr id="2" name="Title 1"/>
-          <p:cNvSpPr>
-            <a:spLocks noGrp="1"/>
-          </p:cNvSpPr>
-          <p:nvPr>
-            <p:ph type="title"/>
-          </p:nvPr>
-        </p:nvSpPr>
-        <p:spPr/>
-        <p:txBody>
-          <a:bodyPr/>
-          <a:lstStyle/>
-          <a:p>
-            <a:r>
-              <a:rPr lang="en-US" dirty="0" smtClean="0"/>
-              <a:t>In-Class Programming Exercise </a:t>
-            </a:r>
-            <a:endParaRPr lang="en-US" dirty="0"/>
-          </a:p>
-        </p:txBody>
-      </p:sp>
-      <p:sp>
-        <p:nvSpPr>
-          <p:cNvPr id="4" name="Rectangle 3"/>
-          <p:cNvSpPr/>
-          <p:nvPr/>
-        </p:nvSpPr>
-        <p:spPr>
-          <a:xfrm>
-            <a:off x="2834053" y="1362842"/>
-            <a:ext cx="2861040" cy="461665"/>
-          </a:xfrm>
-          <a:prstGeom prst="rect">
-            <a:avLst/>
-          </a:prstGeom>
-        </p:spPr>
-        <p:txBody>
-          <a:bodyPr wrap="none">
-            <a:spAutoFit/>
-          </a:bodyPr>
-          <a:lstStyle/>
-          <a:p>
-            <a:r>
-              <a:rPr lang="en-US" dirty="0"/>
-              <a:t>(see </a:t>
-            </a:r>
-            <a:r>
-              <a:rPr lang="en-US" dirty="0" err="1"/>
-              <a:t>interruptTones.c</a:t>
-            </a:r>
-            <a:r>
-              <a:rPr lang="en-US" dirty="0"/>
-              <a:t>)</a:t>
-            </a:r>
-          </a:p>
-        </p:txBody>
-      </p:sp>
-      <p:sp>
-        <p:nvSpPr>
-          <p:cNvPr id="7" name="Rectangle 6"/>
-          <p:cNvSpPr/>
-          <p:nvPr/>
-        </p:nvSpPr>
-        <p:spPr>
-          <a:xfrm>
-            <a:off x="0" y="5545033"/>
-            <a:ext cx="9144000" cy="707886"/>
-          </a:xfrm>
-          <a:prstGeom prst="rect">
-            <a:avLst/>
-          </a:prstGeom>
-        </p:spPr>
-        <p:txBody>
-          <a:bodyPr wrap="square">
-            <a:spAutoFit/>
-          </a:bodyPr>
-          <a:lstStyle/>
-          <a:p>
-            <a:pPr algn="ctr">
-              <a:spcBef>
-                <a:spcPts val="0"/>
-              </a:spcBef>
-            </a:pPr>
-            <a:r>
-              <a:rPr lang="en-US" sz="2000" dirty="0"/>
-              <a:t>Setup for the hooking up 3.5mm Audio Jack to the MSP430 Launchpad </a:t>
-            </a:r>
-            <a:r>
-              <a:rPr lang="en-US" sz="2000" dirty="0" smtClean="0"/>
-              <a:t>Board</a:t>
-            </a:r>
-          </a:p>
-          <a:p>
-            <a:pPr algn="ctr">
-              <a:spcBef>
-                <a:spcPts val="0"/>
-              </a:spcBef>
-            </a:pPr>
-            <a:r>
-              <a:rPr lang="en-US" sz="2000" dirty="0" smtClean="0"/>
-              <a:t>with Volume Control</a:t>
-            </a:r>
-            <a:endParaRPr lang="en-US" sz="2000" dirty="0"/>
-          </a:p>
-        </p:txBody>
-      </p:sp>
-      <p:pic>
-        <p:nvPicPr>
-          <p:cNvPr id="8" name="Picture 2"/>
-          <p:cNvPicPr>
-            <a:picLocks noChangeAspect="1" noChangeArrowheads="1"/>
-          </p:cNvPicPr>
-          <p:nvPr/>
-        </p:nvPicPr>
-        <p:blipFill>
-          <a:blip r:embed="rId2">
-            <a:extLst>
-              <a:ext uri="{28A0092B-C50C-407E-A947-70E740481C1C}">
-                <a14:useLocalDpi xmlns:a14="http://schemas.microsoft.com/office/drawing/2010/main" val="0"/>
-              </a:ext>
-            </a:extLst>
-          </a:blip>
-          <a:srcRect/>
-          <a:stretch>
-            <a:fillRect/>
-          </a:stretch>
-        </p:blipFill>
-        <p:spPr bwMode="auto">
-          <a:xfrm>
-            <a:off x="1324302" y="1824507"/>
-            <a:ext cx="6259383" cy="3530122"/>
-          </a:xfrm>
-          <a:prstGeom prst="rect">
-            <a:avLst/>
-          </a:prstGeom>
-          <a:noFill/>
-          <a:ln>
-            <a:noFill/>
-          </a:ln>
-          <a:extLst>
-            <a:ext uri="{909E8E84-426E-40DD-AFC4-6F175D3DCCD1}">
-              <a14:hiddenFill xmlns:a14="http://schemas.microsoft.com/office/drawing/2010/main">
-                <a:solidFill>
-                  <a:schemeClr val="accent1"/>
-                </a:solidFill>
-              </a14:hiddenFill>
-            </a:ext>
-            <a:ext uri="{91240B29-F687-4F45-9708-019B960494DF}">
-              <a14:hiddenLine xmlns:a14="http://schemas.microsoft.com/office/drawing/2010/main" w="9525">
-                <a:solidFill>
-                  <a:schemeClr val="tx1"/>
-                </a:solidFill>
-                <a:miter lim="800000"/>
-                <a:headEnd/>
-                <a:tailEnd/>
-              </a14:hiddenLine>
-            </a:ext>
-          </a:extLst>
-        </p:spPr>
-      </p:pic>
-    </p:spTree>
-    <p:extLst>
-      <p:ext uri="{BB962C8B-B14F-4D97-AF65-F5344CB8AC3E}">
-        <p14:creationId xmlns:p14="http://schemas.microsoft.com/office/powerpoint/2010/main" val="3543331703"/>
-      </p:ext>
-    </p:extLst>
-  </p:cSld>
-  <p:clrMapOvr>
-    <a:masterClrMapping/>
-  </p:clrMapOvr>
-  <p:timing>
-    <p:tnLst>
-      <p:par>
-        <p:cTn id="1" dur="indefinite" restart="never" nodeType="tmRoot"/>
-      </p:par>
-    </p:tnLst>
-  </p:timing>
-</p:sld>
-</file>
-
-<file path=ppt/slides/slide25.xml><?xml version="1.0" encoding="utf-8"?>
-<p:sld xmlns:a="http://schemas.openxmlformats.org/drawingml/2006/main" xmlns:r="http://schemas.openxmlformats.org/officeDocument/2006/relationships" xmlns:p="http://schemas.openxmlformats.org/presentationml/2006/main">
-  <p:cSld>
-    <p:spTree>
-      <p:nvGrpSpPr>
-        <p:cNvPr id="1" name=""/>
-        <p:cNvGrpSpPr/>
-        <p:nvPr/>
-      </p:nvGrpSpPr>
-      <p:grpSpPr>
-        <a:xfrm>
-          <a:off x="0" y="0"/>
-          <a:ext cx="0" cy="0"/>
-          <a:chOff x="0" y="0"/>
-          <a:chExt cx="0" cy="0"/>
-        </a:xfrm>
-      </p:grpSpPr>
-      <p:sp>
-        <p:nvSpPr>
-          <p:cNvPr id="2" name="Title 1"/>
-          <p:cNvSpPr>
-            <a:spLocks noGrp="1"/>
-          </p:cNvSpPr>
-          <p:nvPr>
-            <p:ph type="title"/>
-          </p:nvPr>
-        </p:nvSpPr>
-        <p:spPr/>
-        <p:txBody>
-          <a:bodyPr/>
-          <a:lstStyle/>
-          <a:p>
-            <a:r>
-              <a:rPr lang="en-US" dirty="0" smtClean="0"/>
-              <a:t>In-Class Programming Exercise </a:t>
-            </a:r>
-            <a:endParaRPr lang="en-US" dirty="0"/>
-          </a:p>
-        </p:txBody>
-      </p:sp>
-      <p:sp>
-        <p:nvSpPr>
-          <p:cNvPr id="4" name="Rectangle 3"/>
-          <p:cNvSpPr/>
-          <p:nvPr/>
-        </p:nvSpPr>
-        <p:spPr>
-          <a:xfrm>
-            <a:off x="3212424" y="1459683"/>
-            <a:ext cx="2861040" cy="461665"/>
-          </a:xfrm>
-          <a:prstGeom prst="rect">
-            <a:avLst/>
-          </a:prstGeom>
-        </p:spPr>
-        <p:txBody>
-          <a:bodyPr wrap="none">
-            <a:spAutoFit/>
-          </a:bodyPr>
-          <a:lstStyle/>
-          <a:p>
-            <a:r>
-              <a:rPr lang="en-US" dirty="0"/>
-              <a:t>(see </a:t>
-            </a:r>
-            <a:r>
-              <a:rPr lang="en-US" dirty="0" err="1"/>
-              <a:t>interruptTones.c</a:t>
-            </a:r>
-            <a:r>
-              <a:rPr lang="en-US" dirty="0"/>
-              <a:t>)</a:t>
-            </a:r>
-          </a:p>
-        </p:txBody>
-      </p:sp>
-      <p:sp>
-        <p:nvSpPr>
-          <p:cNvPr id="7" name="Rectangle 6"/>
-          <p:cNvSpPr/>
-          <p:nvPr/>
-        </p:nvSpPr>
-        <p:spPr>
-          <a:xfrm>
-            <a:off x="-86710" y="5730740"/>
-            <a:ext cx="9144000" cy="707886"/>
-          </a:xfrm>
-          <a:prstGeom prst="rect">
-            <a:avLst/>
-          </a:prstGeom>
-        </p:spPr>
-        <p:txBody>
-          <a:bodyPr wrap="square">
-            <a:spAutoFit/>
-          </a:bodyPr>
-          <a:lstStyle/>
-          <a:p>
-            <a:pPr algn="ctr">
-              <a:spcBef>
-                <a:spcPts val="0"/>
-              </a:spcBef>
-            </a:pPr>
-            <a:r>
-              <a:rPr lang="en-US" sz="2000" dirty="0"/>
-              <a:t>Setup for the hooking up 3.5mm Audio Jack to the MSP430 Launchpad </a:t>
-            </a:r>
-            <a:r>
-              <a:rPr lang="en-US" sz="2000" dirty="0" smtClean="0"/>
-              <a:t>Board</a:t>
-            </a:r>
-          </a:p>
-          <a:p>
-            <a:pPr algn="ctr">
-              <a:spcBef>
-                <a:spcPts val="0"/>
-              </a:spcBef>
-            </a:pPr>
-            <a:r>
-              <a:rPr lang="en-US" sz="2000" dirty="0" smtClean="0"/>
-              <a:t>with Volume Control</a:t>
-            </a:r>
-            <a:endParaRPr lang="en-US" sz="2000" dirty="0"/>
-          </a:p>
-        </p:txBody>
-      </p:sp>
-      <p:pic>
-        <p:nvPicPr>
-          <p:cNvPr id="4098" name="Picture 2"/>
-          <p:cNvPicPr>
-            <a:picLocks noChangeAspect="1" noChangeArrowheads="1"/>
-          </p:cNvPicPr>
-          <p:nvPr/>
-        </p:nvPicPr>
-        <p:blipFill>
-          <a:blip r:embed="rId2">
-            <a:extLst>
-              <a:ext uri="{28A0092B-C50C-407E-A947-70E740481C1C}">
-                <a14:useLocalDpi xmlns:a14="http://schemas.microsoft.com/office/drawing/2010/main" val="0"/>
-              </a:ext>
-            </a:extLst>
-          </a:blip>
-          <a:srcRect/>
-          <a:stretch>
-            <a:fillRect/>
-          </a:stretch>
-        </p:blipFill>
-        <p:spPr bwMode="auto">
-          <a:xfrm>
-            <a:off x="788276" y="1921348"/>
-            <a:ext cx="7593097" cy="3878997"/>
-          </a:xfrm>
-          <a:prstGeom prst="rect">
-            <a:avLst/>
-          </a:prstGeom>
-          <a:noFill/>
-          <a:ln>
-            <a:noFill/>
-          </a:ln>
-          <a:extLst>
-            <a:ext uri="{909E8E84-426E-40DD-AFC4-6F175D3DCCD1}">
-              <a14:hiddenFill xmlns:a14="http://schemas.microsoft.com/office/drawing/2010/main">
-                <a:solidFill>
-                  <a:schemeClr val="accent1"/>
-                </a:solidFill>
-              </a14:hiddenFill>
-            </a:ext>
-            <a:ext uri="{91240B29-F687-4F45-9708-019B960494DF}">
-              <a14:hiddenLine xmlns:a14="http://schemas.microsoft.com/office/drawing/2010/main" w="9525">
-                <a:solidFill>
-                  <a:schemeClr val="tx1"/>
-                </a:solidFill>
-                <a:miter lim="800000"/>
-                <a:headEnd/>
-                <a:tailEnd/>
-              </a14:hiddenLine>
-            </a:ext>
-          </a:extLst>
-        </p:spPr>
-      </p:pic>
-    </p:spTree>
-    <p:extLst>
-      <p:ext uri="{BB962C8B-B14F-4D97-AF65-F5344CB8AC3E}">
-        <p14:creationId xmlns:p14="http://schemas.microsoft.com/office/powerpoint/2010/main" val="3999124884"/>
-      </p:ext>
-    </p:extLst>
-  </p:cSld>
-  <p:clrMapOvr>
-    <a:masterClrMapping/>
-  </p:clrMapOvr>
   <p:timing>
     <p:tnLst>
       <p:par>
@@ -17517,8 +13631,8 @@
               <a:buNone/>
             </a:pPr>
             <a:r>
-              <a:rPr lang="en-US" sz="2000" dirty="0" smtClean="0"/>
-              <a:t>Why is it better than polling?</a:t>
+              <a:rPr lang="en-US" sz="2000" dirty="0"/>
+              <a:t>Why is an interrupt worse than polling?</a:t>
             </a:r>
           </a:p>
           <a:p>
@@ -19651,13 +15765,13 @@
         </p:nvSpPr>
         <p:spPr bwMode="auto">
           <a:xfrm>
-            <a:off x="6653836" y="2148013"/>
-            <a:ext cx="2995448" cy="646386"/>
+            <a:off x="6479628" y="2148013"/>
+            <a:ext cx="2514600" cy="646386"/>
           </a:xfrm>
           <a:prstGeom prst="wedgeRectCallout">
             <a:avLst>
-              <a:gd name="adj1" fmla="val -57920"/>
-              <a:gd name="adj2" fmla="val 95683"/>
+              <a:gd name="adj1" fmla="val -52904"/>
+              <a:gd name="adj2" fmla="val 112756"/>
             </a:avLst>
           </a:prstGeom>
           <a:solidFill>
